--- a/presentations/M3AWWG/draft_m3aawg.pptx
+++ b/presentations/M3AWWG/draft_m3aawg.pptx
@@ -2,58 +2,63 @@
 <file path=ppt/presentation.xml><?xml version="1.0" encoding="utf-8"?>
 <p:presentation xmlns:a="http://schemas.openxmlformats.org/drawingml/2006/main" xmlns:r="http://schemas.openxmlformats.org/officeDocument/2006/relationships" xmlns:p="http://schemas.openxmlformats.org/presentationml/2006/main">
   <p:sldMasterIdLst>
-    <p:sldMasterId id="2147483648" r:id="rId5"/>
+    <p:sldMasterId id="2147483648" r:id="rId1"/>
   </p:sldMasterIdLst>
   <p:notesMasterIdLst>
-    <p:notesMasterId r:id="rId7"/>
+    <p:notesMasterId r:id="rId53"/>
   </p:notesMasterIdLst>
   <p:sldIdLst>
-    <p:sldId id="256" r:id="rId8"/>
-    <p:sldId id="257" r:id="rId9"/>
-    <p:sldId id="258" r:id="rId10"/>
-    <p:sldId id="259" r:id="rId11"/>
-    <p:sldId id="260" r:id="rId12"/>
-    <p:sldId id="261" r:id="rId13"/>
-    <p:sldId id="262" r:id="rId14"/>
-    <p:sldId id="263" r:id="rId15"/>
-    <p:sldId id="264" r:id="rId16"/>
-    <p:sldId id="265" r:id="rId17"/>
-    <p:sldId id="266" r:id="rId18"/>
-    <p:sldId id="267" r:id="rId19"/>
-    <p:sldId id="268" r:id="rId20"/>
-    <p:sldId id="269" r:id="rId21"/>
-    <p:sldId id="270" r:id="rId22"/>
-    <p:sldId id="271" r:id="rId23"/>
-    <p:sldId id="272" r:id="rId24"/>
-    <p:sldId id="273" r:id="rId25"/>
-    <p:sldId id="274" r:id="rId26"/>
-    <p:sldId id="275" r:id="rId27"/>
-    <p:sldId id="276" r:id="rId28"/>
-    <p:sldId id="277" r:id="rId29"/>
-    <p:sldId id="278" r:id="rId30"/>
-    <p:sldId id="279" r:id="rId31"/>
-    <p:sldId id="280" r:id="rId32"/>
-    <p:sldId id="281" r:id="rId33"/>
-    <p:sldId id="282" r:id="rId34"/>
-    <p:sldId id="283" r:id="rId35"/>
-    <p:sldId id="284" r:id="rId36"/>
-    <p:sldId id="285" r:id="rId37"/>
-    <p:sldId id="286" r:id="rId38"/>
-    <p:sldId id="287" r:id="rId39"/>
-    <p:sldId id="288" r:id="rId40"/>
-    <p:sldId id="289" r:id="rId41"/>
-    <p:sldId id="290" r:id="rId42"/>
-    <p:sldId id="291" r:id="rId43"/>
-    <p:sldId id="292" r:id="rId44"/>
-    <p:sldId id="293" r:id="rId45"/>
-    <p:sldId id="294" r:id="rId46"/>
-    <p:sldId id="295" r:id="rId47"/>
-    <p:sldId id="296" r:id="rId48"/>
-    <p:sldId id="297" r:id="rId49"/>
-    <p:sldId id="298" r:id="rId50"/>
-    <p:sldId id="299" r:id="rId51"/>
-    <p:sldId id="300" r:id="rId52"/>
-    <p:sldId id="301" r:id="rId53"/>
+    <p:sldId id="256" r:id="rId2"/>
+    <p:sldId id="257" r:id="rId3"/>
+    <p:sldId id="258" r:id="rId4"/>
+    <p:sldId id="259" r:id="rId5"/>
+    <p:sldId id="260" r:id="rId6"/>
+    <p:sldId id="302" r:id="rId7"/>
+    <p:sldId id="261" r:id="rId8"/>
+    <p:sldId id="303" r:id="rId9"/>
+    <p:sldId id="304" r:id="rId10"/>
+    <p:sldId id="305" r:id="rId11"/>
+    <p:sldId id="262" r:id="rId12"/>
+    <p:sldId id="263" r:id="rId13"/>
+    <p:sldId id="264" r:id="rId14"/>
+    <p:sldId id="265" r:id="rId15"/>
+    <p:sldId id="266" r:id="rId16"/>
+    <p:sldId id="267" r:id="rId17"/>
+    <p:sldId id="306" r:id="rId18"/>
+    <p:sldId id="268" r:id="rId19"/>
+    <p:sldId id="269" r:id="rId20"/>
+    <p:sldId id="270" r:id="rId21"/>
+    <p:sldId id="271" r:id="rId22"/>
+    <p:sldId id="272" r:id="rId23"/>
+    <p:sldId id="273" r:id="rId24"/>
+    <p:sldId id="274" r:id="rId25"/>
+    <p:sldId id="275" r:id="rId26"/>
+    <p:sldId id="276" r:id="rId27"/>
+    <p:sldId id="277" r:id="rId28"/>
+    <p:sldId id="278" r:id="rId29"/>
+    <p:sldId id="279" r:id="rId30"/>
+    <p:sldId id="280" r:id="rId31"/>
+    <p:sldId id="281" r:id="rId32"/>
+    <p:sldId id="282" r:id="rId33"/>
+    <p:sldId id="283" r:id="rId34"/>
+    <p:sldId id="284" r:id="rId35"/>
+    <p:sldId id="285" r:id="rId36"/>
+    <p:sldId id="286" r:id="rId37"/>
+    <p:sldId id="287" r:id="rId38"/>
+    <p:sldId id="288" r:id="rId39"/>
+    <p:sldId id="289" r:id="rId40"/>
+    <p:sldId id="290" r:id="rId41"/>
+    <p:sldId id="291" r:id="rId42"/>
+    <p:sldId id="292" r:id="rId43"/>
+    <p:sldId id="293" r:id="rId44"/>
+    <p:sldId id="294" r:id="rId45"/>
+    <p:sldId id="295" r:id="rId46"/>
+    <p:sldId id="296" r:id="rId47"/>
+    <p:sldId id="297" r:id="rId48"/>
+    <p:sldId id="298" r:id="rId49"/>
+    <p:sldId id="299" r:id="rId50"/>
+    <p:sldId id="300" r:id="rId51"/>
+    <p:sldId id="301" r:id="rId52"/>
   </p:sldIdLst>
   <p:sldSz cx="13004800" cy="9753600"/>
   <p:notesSz cx="6858000" cy="9144000"/>
@@ -134,13 +139,14 @@
 </p:presentation>
 </file>
 
-<file path=ppt/commentAuthors.xml><?xml version="1.0" encoding="utf-8"?>
-<p:cmAuthorLst xmlns:a="http://schemas.openxmlformats.org/drawingml/2006/main" xmlns:r="http://schemas.openxmlformats.org/officeDocument/2006/relationships" xmlns:p="http://schemas.openxmlformats.org/presentationml/2006/main"/>
-</file>
-
 <file path=ppt/notesMasters/notesMaster1.xml><?xml version="1.0" encoding="utf-8"?>
 <p:notesMaster xmlns:a="http://schemas.openxmlformats.org/drawingml/2006/main" xmlns:r="http://schemas.openxmlformats.org/officeDocument/2006/relationships" xmlns:p="http://schemas.openxmlformats.org/presentationml/2006/main">
   <p:cSld>
+    <p:bg>
+      <p:bgRef idx="1001">
+        <a:schemeClr val="bg1"/>
+      </p:bgRef>
+    </p:bg>
     <p:spTree>
       <p:nvGrpSpPr>
         <p:cNvPr id="1" name=""/>
@@ -158,7 +164,9 @@
       <p:sp>
         <p:nvSpPr>
           <p:cNvPr id="39" name="Shape 39"/>
-          <p:cNvSpPr/>
+          <p:cNvSpPr>
+            <a:spLocks noGrp="1" noRot="1" noChangeAspect="1"/>
+          </p:cNvSpPr>
           <p:nvPr>
             <p:ph type="sldImg"/>
           </p:nvPr>
@@ -177,13 +185,16 @@
           <a:lstStyle/>
           <a:p>
             <a:pPr lvl="0"/>
+            <a:endParaRPr/>
           </a:p>
         </p:txBody>
       </p:sp>
       <p:sp>
         <p:nvSpPr>
           <p:cNvPr id="40" name="Shape 40"/>
-          <p:cNvSpPr/>
+          <p:cNvSpPr>
+            <a:spLocks noGrp="1"/>
+          </p:cNvSpPr>
           <p:nvPr>
             <p:ph type="body" sz="quarter" idx="1"/>
           </p:nvPr>
@@ -202,10 +213,16 @@
           <a:lstStyle/>
           <a:p>
             <a:pPr lvl="0"/>
+            <a:endParaRPr/>
           </a:p>
         </p:txBody>
       </p:sp>
     </p:spTree>
+    <p:extLst>
+      <p:ext uri="{BB962C8B-B14F-4D97-AF65-F5344CB8AC3E}">
+        <p14:creationId xmlns:p14="http://schemas.microsoft.com/office/powerpoint/2010/main" val="2142185796"/>
+      </p:ext>
+    </p:extLst>
   </p:cSld>
   <p:clrMap bg1="lt1" tx1="dk1" bg2="lt2" tx2="dk2" accent1="accent1" accent2="accent2" accent3="accent3" accent4="accent4" accent5="accent5" accent6="accent6" hlink="hlink" folHlink="folHlink"/>
   <p:notesStyle>
@@ -286,7 +303,7 @@
 </file>
 
 <file path=ppt/slideLayouts/slideLayout1.xml><?xml version="1.0" encoding="utf-8"?>
-<p:sldLayout xmlns:a="http://schemas.openxmlformats.org/drawingml/2006/main" xmlns:r="http://schemas.openxmlformats.org/officeDocument/2006/relationships" xmlns:p="http://schemas.openxmlformats.org/presentationml/2006/main" type="tx" showMasterSp="1" showMasterPhAnim="1">
+<p:sldLayout xmlns:a="http://schemas.openxmlformats.org/drawingml/2006/main" xmlns:r="http://schemas.openxmlformats.org/officeDocument/2006/relationships" xmlns:p="http://schemas.openxmlformats.org/presentationml/2006/main" type="tx">
   <p:cSld name="Titre et sous-titre">
     <p:spTree>
       <p:nvGrpSpPr>
@@ -305,7 +322,9 @@
       <p:sp>
         <p:nvSpPr>
           <p:cNvPr id="5" name="Shape 5"/>
-          <p:cNvSpPr/>
+          <p:cNvSpPr>
+            <a:spLocks noGrp="1"/>
+          </p:cNvSpPr>
           <p:nvPr>
             <p:ph type="title"/>
           </p:nvPr>
@@ -336,7 +355,9 @@
       <p:sp>
         <p:nvSpPr>
           <p:cNvPr id="6" name="Shape 6"/>
-          <p:cNvSpPr/>
+          <p:cNvSpPr>
+            <a:spLocks noGrp="1"/>
+          </p:cNvSpPr>
           <p:nvPr>
             <p:ph type="body" idx="1"/>
           </p:nvPr>
@@ -402,7 +423,6 @@
               <a:rPr sz="3600"/>
               <a:t>Body Level One</a:t>
             </a:r>
-            <a:endParaRPr sz="3600"/>
           </a:p>
           <a:p>
             <a:pPr lvl="1">
@@ -412,7 +432,6 @@
               <a:rPr sz="3600"/>
               <a:t>Body Level Two</a:t>
             </a:r>
-            <a:endParaRPr sz="3600"/>
           </a:p>
           <a:p>
             <a:pPr lvl="2">
@@ -422,7 +441,6 @@
               <a:rPr sz="3600"/>
               <a:t>Body Level Three</a:t>
             </a:r>
-            <a:endParaRPr sz="3600"/>
           </a:p>
           <a:p>
             <a:pPr lvl="3">
@@ -432,7 +450,6 @@
               <a:rPr sz="3600"/>
               <a:t>Body Level Four</a:t>
             </a:r>
-            <a:endParaRPr sz="3600"/>
           </a:p>
           <a:p>
             <a:pPr lvl="4">
@@ -450,12 +467,12 @@
   <p:clrMapOvr>
     <a:masterClrMapping/>
   </p:clrMapOvr>
-  <p:transition spd="med" advClick="1"/>
+  <p:transition xmlns:p14="http://schemas.microsoft.com/office/powerpoint/2010/main" spd="med"/>
 </p:sldLayout>
 </file>
 
 <file path=ppt/slideLayouts/slideLayout10.xml><?xml version="1.0" encoding="utf-8"?>
-<p:sldLayout xmlns:a="http://schemas.openxmlformats.org/drawingml/2006/main" xmlns:r="http://schemas.openxmlformats.org/officeDocument/2006/relationships" xmlns:p="http://schemas.openxmlformats.org/presentationml/2006/main" type="tx" showMasterSp="1" showMasterPhAnim="1">
+<p:sldLayout xmlns:a="http://schemas.openxmlformats.org/drawingml/2006/main" xmlns:r="http://schemas.openxmlformats.org/officeDocument/2006/relationships" xmlns:p="http://schemas.openxmlformats.org/presentationml/2006/main" type="tx">
   <p:cSld name="Photo - Verticale">
     <p:spTree>
       <p:nvGrpSpPr>
@@ -474,7 +491,9 @@
       <p:sp>
         <p:nvSpPr>
           <p:cNvPr id="25" name="Shape 25"/>
-          <p:cNvSpPr/>
+          <p:cNvSpPr>
+            <a:spLocks noGrp="1"/>
+          </p:cNvSpPr>
           <p:nvPr>
             <p:ph type="title"/>
           </p:nvPr>
@@ -509,7 +528,9 @@
       <p:sp>
         <p:nvSpPr>
           <p:cNvPr id="26" name="Shape 26"/>
-          <p:cNvSpPr/>
+          <p:cNvSpPr>
+            <a:spLocks noGrp="1"/>
+          </p:cNvSpPr>
           <p:nvPr>
             <p:ph type="body" idx="1"/>
           </p:nvPr>
@@ -575,7 +596,6 @@
               <a:rPr sz="3400"/>
               <a:t>Body Level One</a:t>
             </a:r>
-            <a:endParaRPr sz="3400"/>
           </a:p>
           <a:p>
             <a:pPr lvl="1">
@@ -585,7 +605,6 @@
               <a:rPr sz="3400"/>
               <a:t>Body Level Two</a:t>
             </a:r>
-            <a:endParaRPr sz="3400"/>
           </a:p>
           <a:p>
             <a:pPr lvl="2">
@@ -595,7 +614,6 @@
               <a:rPr sz="3400"/>
               <a:t>Body Level Three</a:t>
             </a:r>
-            <a:endParaRPr sz="3400"/>
           </a:p>
           <a:p>
             <a:pPr lvl="3">
@@ -605,7 +623,6 @@
               <a:rPr sz="3400"/>
               <a:t>Body Level Four</a:t>
             </a:r>
-            <a:endParaRPr sz="3400"/>
           </a:p>
           <a:p>
             <a:pPr lvl="4">
@@ -623,12 +640,12 @@
   <p:clrMapOvr>
     <a:masterClrMapping/>
   </p:clrMapOvr>
-  <p:transition spd="med" advClick="1"/>
+  <p:transition xmlns:p14="http://schemas.microsoft.com/office/powerpoint/2010/main" spd="med"/>
 </p:sldLayout>
 </file>
 
 <file path=ppt/slideLayouts/slideLayout11.xml><?xml version="1.0" encoding="utf-8"?>
-<p:sldLayout xmlns:a="http://schemas.openxmlformats.org/drawingml/2006/main" xmlns:r="http://schemas.openxmlformats.org/officeDocument/2006/relationships" xmlns:p="http://schemas.openxmlformats.org/presentationml/2006/main" type="tx" showMasterSp="1" showMasterPhAnim="1">
+<p:sldLayout xmlns:a="http://schemas.openxmlformats.org/drawingml/2006/main" xmlns:r="http://schemas.openxmlformats.org/officeDocument/2006/relationships" xmlns:p="http://schemas.openxmlformats.org/presentationml/2006/main" type="tx">
   <p:cSld name="Photo - Reflet vertical">
     <p:spTree>
       <p:nvGrpSpPr>
@@ -647,7 +664,9 @@
       <p:sp>
         <p:nvSpPr>
           <p:cNvPr id="28" name="Shape 28"/>
-          <p:cNvSpPr/>
+          <p:cNvSpPr>
+            <a:spLocks noGrp="1"/>
+          </p:cNvSpPr>
           <p:nvPr>
             <p:ph type="title"/>
           </p:nvPr>
@@ -682,7 +701,9 @@
       <p:sp>
         <p:nvSpPr>
           <p:cNvPr id="29" name="Shape 29"/>
-          <p:cNvSpPr/>
+          <p:cNvSpPr>
+            <a:spLocks noGrp="1"/>
+          </p:cNvSpPr>
           <p:nvPr>
             <p:ph type="body" idx="1"/>
           </p:nvPr>
@@ -748,7 +769,6 @@
               <a:rPr sz="3400"/>
               <a:t>Body Level One</a:t>
             </a:r>
-            <a:endParaRPr sz="3400"/>
           </a:p>
           <a:p>
             <a:pPr lvl="1">
@@ -758,7 +778,6 @@
               <a:rPr sz="3400"/>
               <a:t>Body Level Two</a:t>
             </a:r>
-            <a:endParaRPr sz="3400"/>
           </a:p>
           <a:p>
             <a:pPr lvl="2">
@@ -768,7 +787,6 @@
               <a:rPr sz="3400"/>
               <a:t>Body Level Three</a:t>
             </a:r>
-            <a:endParaRPr sz="3400"/>
           </a:p>
           <a:p>
             <a:pPr lvl="3">
@@ -778,7 +796,6 @@
               <a:rPr sz="3400"/>
               <a:t>Body Level Four</a:t>
             </a:r>
-            <a:endParaRPr sz="3400"/>
           </a:p>
           <a:p>
             <a:pPr lvl="4">
@@ -796,12 +813,12 @@
   <p:clrMapOvr>
     <a:masterClrMapping/>
   </p:clrMapOvr>
-  <p:transition spd="med" advClick="1"/>
+  <p:transition xmlns:p14="http://schemas.microsoft.com/office/powerpoint/2010/main" spd="med"/>
 </p:sldLayout>
 </file>
 
 <file path=ppt/slideLayouts/slideLayout12.xml><?xml version="1.0" encoding="utf-8"?>
-<p:sldLayout xmlns:a="http://schemas.openxmlformats.org/drawingml/2006/main" xmlns:r="http://schemas.openxmlformats.org/officeDocument/2006/relationships" xmlns:p="http://schemas.openxmlformats.org/presentationml/2006/main" type="tx" showMasterSp="1" showMasterPhAnim="1">
+<p:sldLayout xmlns:a="http://schemas.openxmlformats.org/drawingml/2006/main" xmlns:r="http://schemas.openxmlformats.org/officeDocument/2006/relationships" xmlns:p="http://schemas.openxmlformats.org/presentationml/2006/main" type="tx">
   <p:cSld name="Titre, puces et photo">
     <p:spTree>
       <p:nvGrpSpPr>
@@ -820,7 +837,9 @@
       <p:sp>
         <p:nvSpPr>
           <p:cNvPr id="31" name="Shape 31"/>
-          <p:cNvSpPr/>
+          <p:cNvSpPr>
+            <a:spLocks noGrp="1"/>
+          </p:cNvSpPr>
           <p:nvPr>
             <p:ph type="title"/>
           </p:nvPr>
@@ -847,7 +866,9 @@
       <p:sp>
         <p:nvSpPr>
           <p:cNvPr id="32" name="Shape 32"/>
-          <p:cNvSpPr/>
+          <p:cNvSpPr>
+            <a:spLocks noGrp="1"/>
+          </p:cNvSpPr>
           <p:nvPr>
             <p:ph type="body" idx="1"/>
           </p:nvPr>
@@ -903,7 +924,6 @@
               <a:rPr sz="3200"/>
               <a:t>Body Level One</a:t>
             </a:r>
-            <a:endParaRPr sz="3200"/>
           </a:p>
           <a:p>
             <a:pPr lvl="1">
@@ -913,7 +933,6 @@
               <a:rPr sz="3200"/>
               <a:t>Body Level Two</a:t>
             </a:r>
-            <a:endParaRPr sz="3200"/>
           </a:p>
           <a:p>
             <a:pPr lvl="2">
@@ -923,7 +942,6 @@
               <a:rPr sz="3200"/>
               <a:t>Body Level Three</a:t>
             </a:r>
-            <a:endParaRPr sz="3200"/>
           </a:p>
           <a:p>
             <a:pPr lvl="3">
@@ -933,7 +951,6 @@
               <a:rPr sz="3200"/>
               <a:t>Body Level Four</a:t>
             </a:r>
-            <a:endParaRPr sz="3200"/>
           </a:p>
           <a:p>
             <a:pPr lvl="4">
@@ -951,12 +968,12 @@
   <p:clrMapOvr>
     <a:masterClrMapping/>
   </p:clrMapOvr>
-  <p:transition spd="med" advClick="1"/>
+  <p:transition xmlns:p14="http://schemas.microsoft.com/office/powerpoint/2010/main" spd="med"/>
 </p:sldLayout>
 </file>
 
 <file path=ppt/slideLayouts/slideLayout13.xml><?xml version="1.0" encoding="utf-8"?>
-<p:sldLayout xmlns:a="http://schemas.openxmlformats.org/drawingml/2006/main" xmlns:r="http://schemas.openxmlformats.org/officeDocument/2006/relationships" xmlns:p="http://schemas.openxmlformats.org/presentationml/2006/main" type="tx" showMasterSp="1" showMasterPhAnim="1">
+<p:sldLayout xmlns:a="http://schemas.openxmlformats.org/drawingml/2006/main" xmlns:r="http://schemas.openxmlformats.org/officeDocument/2006/relationships" xmlns:p="http://schemas.openxmlformats.org/presentationml/2006/main" type="tx">
   <p:cSld name="Titre et puces - Gauche">
     <p:spTree>
       <p:nvGrpSpPr>
@@ -975,7 +992,9 @@
       <p:sp>
         <p:nvSpPr>
           <p:cNvPr id="34" name="Shape 34"/>
-          <p:cNvSpPr/>
+          <p:cNvSpPr>
+            <a:spLocks noGrp="1"/>
+          </p:cNvSpPr>
           <p:nvPr>
             <p:ph type="title"/>
           </p:nvPr>
@@ -1002,7 +1021,9 @@
       <p:sp>
         <p:nvSpPr>
           <p:cNvPr id="35" name="Shape 35"/>
-          <p:cNvSpPr/>
+          <p:cNvSpPr>
+            <a:spLocks noGrp="1"/>
+          </p:cNvSpPr>
           <p:nvPr>
             <p:ph type="body" idx="1"/>
           </p:nvPr>
@@ -1058,7 +1079,6 @@
               <a:rPr sz="3200"/>
               <a:t>Body Level One</a:t>
             </a:r>
-            <a:endParaRPr sz="3200"/>
           </a:p>
           <a:p>
             <a:pPr lvl="1">
@@ -1068,7 +1088,6 @@
               <a:rPr sz="3200"/>
               <a:t>Body Level Two</a:t>
             </a:r>
-            <a:endParaRPr sz="3200"/>
           </a:p>
           <a:p>
             <a:pPr lvl="2">
@@ -1078,7 +1097,6 @@
               <a:rPr sz="3200"/>
               <a:t>Body Level Three</a:t>
             </a:r>
-            <a:endParaRPr sz="3200"/>
           </a:p>
           <a:p>
             <a:pPr lvl="3">
@@ -1088,7 +1106,6 @@
               <a:rPr sz="3200"/>
               <a:t>Body Level Four</a:t>
             </a:r>
-            <a:endParaRPr sz="3200"/>
           </a:p>
           <a:p>
             <a:pPr lvl="4">
@@ -1106,12 +1123,12 @@
   <p:clrMapOvr>
     <a:masterClrMapping/>
   </p:clrMapOvr>
-  <p:transition spd="med" advClick="1"/>
+  <p:transition xmlns:p14="http://schemas.microsoft.com/office/powerpoint/2010/main" spd="med"/>
 </p:sldLayout>
 </file>
 
 <file path=ppt/slideLayouts/slideLayout14.xml><?xml version="1.0" encoding="utf-8"?>
-<p:sldLayout xmlns:a="http://schemas.openxmlformats.org/drawingml/2006/main" xmlns:r="http://schemas.openxmlformats.org/officeDocument/2006/relationships" xmlns:p="http://schemas.openxmlformats.org/presentationml/2006/main" type="tx" showMasterSp="1" showMasterPhAnim="1">
+<p:sldLayout xmlns:a="http://schemas.openxmlformats.org/drawingml/2006/main" xmlns:r="http://schemas.openxmlformats.org/officeDocument/2006/relationships" xmlns:p="http://schemas.openxmlformats.org/presentationml/2006/main" type="tx">
   <p:cSld name="Titre et puces - Droite">
     <p:spTree>
       <p:nvGrpSpPr>
@@ -1130,7 +1147,9 @@
       <p:sp>
         <p:nvSpPr>
           <p:cNvPr id="37" name="Shape 37"/>
-          <p:cNvSpPr/>
+          <p:cNvSpPr>
+            <a:spLocks noGrp="1"/>
+          </p:cNvSpPr>
           <p:nvPr>
             <p:ph type="title"/>
           </p:nvPr>
@@ -1157,7 +1176,9 @@
       <p:sp>
         <p:nvSpPr>
           <p:cNvPr id="38" name="Shape 38"/>
-          <p:cNvSpPr/>
+          <p:cNvSpPr>
+            <a:spLocks noGrp="1"/>
+          </p:cNvSpPr>
           <p:nvPr>
             <p:ph type="body" idx="1"/>
           </p:nvPr>
@@ -1213,7 +1234,6 @@
               <a:rPr sz="3200"/>
               <a:t>Body Level One</a:t>
             </a:r>
-            <a:endParaRPr sz="3200"/>
           </a:p>
           <a:p>
             <a:pPr lvl="1">
@@ -1223,7 +1243,6 @@
               <a:rPr sz="3200"/>
               <a:t>Body Level Two</a:t>
             </a:r>
-            <a:endParaRPr sz="3200"/>
           </a:p>
           <a:p>
             <a:pPr lvl="2">
@@ -1233,7 +1252,6 @@
               <a:rPr sz="3200"/>
               <a:t>Body Level Three</a:t>
             </a:r>
-            <a:endParaRPr sz="3200"/>
           </a:p>
           <a:p>
             <a:pPr lvl="3">
@@ -1243,7 +1261,6 @@
               <a:rPr sz="3200"/>
               <a:t>Body Level Four</a:t>
             </a:r>
-            <a:endParaRPr sz="3200"/>
           </a:p>
           <a:p>
             <a:pPr lvl="4">
@@ -1261,12 +1278,12 @@
   <p:clrMapOvr>
     <a:masterClrMapping/>
   </p:clrMapOvr>
-  <p:transition spd="med" advClick="1"/>
+  <p:transition xmlns:p14="http://schemas.microsoft.com/office/powerpoint/2010/main" spd="med"/>
 </p:sldLayout>
 </file>
 
 <file path=ppt/slideLayouts/slideLayout2.xml><?xml version="1.0" encoding="utf-8"?>
-<p:sldLayout xmlns:a="http://schemas.openxmlformats.org/drawingml/2006/main" xmlns:r="http://schemas.openxmlformats.org/officeDocument/2006/relationships" xmlns:p="http://schemas.openxmlformats.org/presentationml/2006/main" type="tx" showMasterSp="1" showMasterPhAnim="1">
+<p:sldLayout xmlns:a="http://schemas.openxmlformats.org/drawingml/2006/main" xmlns:r="http://schemas.openxmlformats.org/officeDocument/2006/relationships" xmlns:p="http://schemas.openxmlformats.org/presentationml/2006/main" type="tx">
   <p:cSld name="Titre et puces">
     <p:spTree>
       <p:nvGrpSpPr>
@@ -1285,7 +1302,9 @@
       <p:sp>
         <p:nvSpPr>
           <p:cNvPr id="8" name="Shape 8"/>
-          <p:cNvSpPr/>
+          <p:cNvSpPr>
+            <a:spLocks noGrp="1"/>
+          </p:cNvSpPr>
           <p:nvPr>
             <p:ph type="title"/>
           </p:nvPr>
@@ -1312,7 +1331,9 @@
       <p:sp>
         <p:nvSpPr>
           <p:cNvPr id="9" name="Shape 9"/>
-          <p:cNvSpPr/>
+          <p:cNvSpPr>
+            <a:spLocks noGrp="1"/>
+          </p:cNvSpPr>
           <p:nvPr>
             <p:ph type="body" idx="1"/>
           </p:nvPr>
@@ -1333,7 +1354,6 @@
               <a:rPr sz="4200"/>
               <a:t>Body Level One</a:t>
             </a:r>
-            <a:endParaRPr sz="4200"/>
           </a:p>
           <a:p>
             <a:pPr lvl="1">
@@ -1343,7 +1363,6 @@
               <a:rPr sz="4200"/>
               <a:t>Body Level Two</a:t>
             </a:r>
-            <a:endParaRPr sz="4200"/>
           </a:p>
           <a:p>
             <a:pPr lvl="2">
@@ -1353,7 +1372,6 @@
               <a:rPr sz="4200"/>
               <a:t>Body Level Three</a:t>
             </a:r>
-            <a:endParaRPr sz="4200"/>
           </a:p>
           <a:p>
             <a:pPr lvl="3">
@@ -1363,7 +1381,6 @@
               <a:rPr sz="4200"/>
               <a:t>Body Level Four</a:t>
             </a:r>
-            <a:endParaRPr sz="4200"/>
           </a:p>
           <a:p>
             <a:pPr lvl="4">
@@ -1381,12 +1398,12 @@
   <p:clrMapOvr>
     <a:masterClrMapping/>
   </p:clrMapOvr>
-  <p:transition spd="med" advClick="1"/>
+  <p:transition xmlns:p14="http://schemas.microsoft.com/office/powerpoint/2010/main" spd="med"/>
 </p:sldLayout>
 </file>
 
 <file path=ppt/slideLayouts/slideLayout3.xml><?xml version="1.0" encoding="utf-8"?>
-<p:sldLayout xmlns:a="http://schemas.openxmlformats.org/drawingml/2006/main" xmlns:r="http://schemas.openxmlformats.org/officeDocument/2006/relationships" xmlns:p="http://schemas.openxmlformats.org/presentationml/2006/main" type="tx" showMasterSp="1" showMasterPhAnim="1">
+<p:sldLayout xmlns:a="http://schemas.openxmlformats.org/drawingml/2006/main" xmlns:r="http://schemas.openxmlformats.org/officeDocument/2006/relationships" xmlns:p="http://schemas.openxmlformats.org/presentationml/2006/main" type="tx">
   <p:cSld name="Titre et puces sur 2 colonnes">
     <p:spTree>
       <p:nvGrpSpPr>
@@ -1405,7 +1422,9 @@
       <p:sp>
         <p:nvSpPr>
           <p:cNvPr id="11" name="Shape 11"/>
-          <p:cNvSpPr/>
+          <p:cNvSpPr>
+            <a:spLocks noGrp="1"/>
+          </p:cNvSpPr>
           <p:nvPr>
             <p:ph type="title"/>
           </p:nvPr>
@@ -1432,7 +1451,9 @@
       <p:sp>
         <p:nvSpPr>
           <p:cNvPr id="12" name="Shape 12"/>
-          <p:cNvSpPr/>
+          <p:cNvSpPr>
+            <a:spLocks noGrp="1"/>
+          </p:cNvSpPr>
           <p:nvPr>
             <p:ph type="body" idx="1"/>
           </p:nvPr>
@@ -1484,7 +1505,6 @@
               <a:rPr sz="3200"/>
               <a:t>Body Level One</a:t>
             </a:r>
-            <a:endParaRPr sz="3200"/>
           </a:p>
           <a:p>
             <a:pPr lvl="1">
@@ -1494,7 +1514,6 @@
               <a:rPr sz="3200"/>
               <a:t>Body Level Two</a:t>
             </a:r>
-            <a:endParaRPr sz="3200"/>
           </a:p>
           <a:p>
             <a:pPr lvl="2">
@@ -1504,7 +1523,6 @@
               <a:rPr sz="3200"/>
               <a:t>Body Level Three</a:t>
             </a:r>
-            <a:endParaRPr sz="3200"/>
           </a:p>
           <a:p>
             <a:pPr lvl="3">
@@ -1514,7 +1532,6 @@
               <a:rPr sz="3200"/>
               <a:t>Body Level Four</a:t>
             </a:r>
-            <a:endParaRPr sz="3200"/>
           </a:p>
           <a:p>
             <a:pPr lvl="4">
@@ -1532,12 +1549,12 @@
   <p:clrMapOvr>
     <a:masterClrMapping/>
   </p:clrMapOvr>
-  <p:transition spd="med" advClick="1"/>
+  <p:transition xmlns:p14="http://schemas.microsoft.com/office/powerpoint/2010/main" spd="med"/>
 </p:sldLayout>
 </file>
 
 <file path=ppt/slideLayouts/slideLayout4.xml><?xml version="1.0" encoding="utf-8"?>
-<p:sldLayout xmlns:a="http://schemas.openxmlformats.org/drawingml/2006/main" xmlns:r="http://schemas.openxmlformats.org/officeDocument/2006/relationships" xmlns:p="http://schemas.openxmlformats.org/presentationml/2006/main" type="tx" showMasterSp="1" showMasterPhAnim="1">
+<p:sldLayout xmlns:a="http://schemas.openxmlformats.org/drawingml/2006/main" xmlns:r="http://schemas.openxmlformats.org/officeDocument/2006/relationships" xmlns:p="http://schemas.openxmlformats.org/presentationml/2006/main" type="tx">
   <p:cSld name="Puces">
     <p:spTree>
       <p:nvGrpSpPr>
@@ -1556,7 +1573,9 @@
       <p:sp>
         <p:nvSpPr>
           <p:cNvPr id="14" name="Shape 14"/>
-          <p:cNvSpPr/>
+          <p:cNvSpPr>
+            <a:spLocks noGrp="1"/>
+          </p:cNvSpPr>
           <p:nvPr>
             <p:ph type="body" idx="1"/>
           </p:nvPr>
@@ -1607,7 +1626,6 @@
               <a:rPr sz="4200"/>
               <a:t>Body Level One</a:t>
             </a:r>
-            <a:endParaRPr sz="4200"/>
           </a:p>
           <a:p>
             <a:pPr lvl="1">
@@ -1617,7 +1635,6 @@
               <a:rPr sz="4200"/>
               <a:t>Body Level Two</a:t>
             </a:r>
-            <a:endParaRPr sz="4200"/>
           </a:p>
           <a:p>
             <a:pPr lvl="2">
@@ -1627,7 +1644,6 @@
               <a:rPr sz="4200"/>
               <a:t>Body Level Three</a:t>
             </a:r>
-            <a:endParaRPr sz="4200"/>
           </a:p>
           <a:p>
             <a:pPr lvl="3">
@@ -1637,7 +1653,6 @@
               <a:rPr sz="4200"/>
               <a:t>Body Level Four</a:t>
             </a:r>
-            <a:endParaRPr sz="4200"/>
           </a:p>
           <a:p>
             <a:pPr lvl="4">
@@ -1655,12 +1670,12 @@
   <p:clrMapOvr>
     <a:masterClrMapping/>
   </p:clrMapOvr>
-  <p:transition spd="med" advClick="1"/>
+  <p:transition xmlns:p14="http://schemas.microsoft.com/office/powerpoint/2010/main" spd="med"/>
 </p:sldLayout>
 </file>
 
 <file path=ppt/slideLayouts/slideLayout5.xml><?xml version="1.0" encoding="utf-8"?>
-<p:sldLayout xmlns:a="http://schemas.openxmlformats.org/drawingml/2006/main" xmlns:r="http://schemas.openxmlformats.org/officeDocument/2006/relationships" xmlns:p="http://schemas.openxmlformats.org/presentationml/2006/main" type="tx" showMasterSp="1" showMasterPhAnim="1">
+<p:sldLayout xmlns:a="http://schemas.openxmlformats.org/drawingml/2006/main" xmlns:r="http://schemas.openxmlformats.org/officeDocument/2006/relationships" xmlns:p="http://schemas.openxmlformats.org/presentationml/2006/main" type="tx">
   <p:cSld name="Vierge">
     <p:spTree>
       <p:nvGrpSpPr>
@@ -1681,12 +1696,12 @@
   <p:clrMapOvr>
     <a:masterClrMapping/>
   </p:clrMapOvr>
-  <p:transition spd="med" advClick="1"/>
+  <p:transition xmlns:p14="http://schemas.microsoft.com/office/powerpoint/2010/main" spd="med"/>
 </p:sldLayout>
 </file>
 
 <file path=ppt/slideLayouts/slideLayout6.xml><?xml version="1.0" encoding="utf-8"?>
-<p:sldLayout xmlns:a="http://schemas.openxmlformats.org/drawingml/2006/main" xmlns:r="http://schemas.openxmlformats.org/officeDocument/2006/relationships" xmlns:p="http://schemas.openxmlformats.org/presentationml/2006/main" type="tx" showMasterSp="1" showMasterPhAnim="1">
+<p:sldLayout xmlns:a="http://schemas.openxmlformats.org/drawingml/2006/main" xmlns:r="http://schemas.openxmlformats.org/officeDocument/2006/relationships" xmlns:p="http://schemas.openxmlformats.org/presentationml/2006/main" type="tx">
   <p:cSld name="Titre - Haut">
     <p:spTree>
       <p:nvGrpSpPr>
@@ -1705,7 +1720,9 @@
       <p:sp>
         <p:nvSpPr>
           <p:cNvPr id="17" name="Shape 17"/>
-          <p:cNvSpPr/>
+          <p:cNvSpPr>
+            <a:spLocks noGrp="1"/>
+          </p:cNvSpPr>
           <p:nvPr>
             <p:ph type="title"/>
           </p:nvPr>
@@ -1734,12 +1751,12 @@
   <p:clrMapOvr>
     <a:masterClrMapping/>
   </p:clrMapOvr>
-  <p:transition spd="med" advClick="1"/>
+  <p:transition xmlns:p14="http://schemas.microsoft.com/office/powerpoint/2010/main" spd="med"/>
 </p:sldLayout>
 </file>
 
 <file path=ppt/slideLayouts/slideLayout7.xml><?xml version="1.0" encoding="utf-8"?>
-<p:sldLayout xmlns:a="http://schemas.openxmlformats.org/drawingml/2006/main" xmlns:r="http://schemas.openxmlformats.org/officeDocument/2006/relationships" xmlns:p="http://schemas.openxmlformats.org/presentationml/2006/main" type="tx" showMasterSp="1" showMasterPhAnim="1">
+<p:sldLayout xmlns:a="http://schemas.openxmlformats.org/drawingml/2006/main" xmlns:r="http://schemas.openxmlformats.org/officeDocument/2006/relationships" xmlns:p="http://schemas.openxmlformats.org/presentationml/2006/main" type="tx">
   <p:cSld name="Titre - Centré">
     <p:spTree>
       <p:nvGrpSpPr>
@@ -1758,7 +1775,9 @@
       <p:sp>
         <p:nvSpPr>
           <p:cNvPr id="19" name="Shape 19"/>
-          <p:cNvSpPr/>
+          <p:cNvSpPr>
+            <a:spLocks noGrp="1"/>
+          </p:cNvSpPr>
           <p:nvPr>
             <p:ph type="title"/>
           </p:nvPr>
@@ -1791,12 +1810,12 @@
   <p:clrMapOvr>
     <a:masterClrMapping/>
   </p:clrMapOvr>
-  <p:transition spd="med" advClick="1"/>
+  <p:transition xmlns:p14="http://schemas.microsoft.com/office/powerpoint/2010/main" spd="med"/>
 </p:sldLayout>
 </file>
 
 <file path=ppt/slideLayouts/slideLayout8.xml><?xml version="1.0" encoding="utf-8"?>
-<p:sldLayout xmlns:a="http://schemas.openxmlformats.org/drawingml/2006/main" xmlns:r="http://schemas.openxmlformats.org/officeDocument/2006/relationships" xmlns:p="http://schemas.openxmlformats.org/presentationml/2006/main" type="tx" showMasterSp="1" showMasterPhAnim="1">
+<p:sldLayout xmlns:a="http://schemas.openxmlformats.org/drawingml/2006/main" xmlns:r="http://schemas.openxmlformats.org/officeDocument/2006/relationships" xmlns:p="http://schemas.openxmlformats.org/presentationml/2006/main" type="tx">
   <p:cSld name="Photo - Horizontale">
     <p:spTree>
       <p:nvGrpSpPr>
@@ -1815,7 +1834,9 @@
       <p:sp>
         <p:nvSpPr>
           <p:cNvPr id="21" name="Shape 21"/>
-          <p:cNvSpPr/>
+          <p:cNvSpPr>
+            <a:spLocks noGrp="1"/>
+          </p:cNvSpPr>
           <p:nvPr>
             <p:ph type="title"/>
           </p:nvPr>
@@ -1848,12 +1869,12 @@
   <p:clrMapOvr>
     <a:masterClrMapping/>
   </p:clrMapOvr>
-  <p:transition spd="med" advClick="1"/>
+  <p:transition xmlns:p14="http://schemas.microsoft.com/office/powerpoint/2010/main" spd="med"/>
 </p:sldLayout>
 </file>
 
 <file path=ppt/slideLayouts/slideLayout9.xml><?xml version="1.0" encoding="utf-8"?>
-<p:sldLayout xmlns:a="http://schemas.openxmlformats.org/drawingml/2006/main" xmlns:r="http://schemas.openxmlformats.org/officeDocument/2006/relationships" xmlns:p="http://schemas.openxmlformats.org/presentationml/2006/main" type="tx" showMasterSp="1" showMasterPhAnim="1">
+<p:sldLayout xmlns:a="http://schemas.openxmlformats.org/drawingml/2006/main" xmlns:r="http://schemas.openxmlformats.org/officeDocument/2006/relationships" xmlns:p="http://schemas.openxmlformats.org/presentationml/2006/main" type="tx">
   <p:cSld name="Photo - Reflet horizontal">
     <p:spTree>
       <p:nvGrpSpPr>
@@ -1872,7 +1893,9 @@
       <p:sp>
         <p:nvSpPr>
           <p:cNvPr id="23" name="Shape 23"/>
-          <p:cNvSpPr/>
+          <p:cNvSpPr>
+            <a:spLocks noGrp="1"/>
+          </p:cNvSpPr>
           <p:nvPr>
             <p:ph type="title"/>
           </p:nvPr>
@@ -1905,7 +1928,7 @@
   <p:clrMapOvr>
     <a:masterClrMapping/>
   </p:clrMapOvr>
-  <p:transition spd="med" advClick="1"/>
+  <p:transition xmlns:p14="http://schemas.microsoft.com/office/powerpoint/2010/main" spd="med"/>
 </p:sldLayout>
 </file>
 
@@ -1917,6 +1940,7 @@
         <a:solidFill>
           <a:srgbClr val="FFFFFF"/>
         </a:solidFill>
+        <a:effectLst/>
       </p:bgPr>
     </p:bg>
     <p:spTree>
@@ -1936,7 +1960,9 @@
       <p:sp>
         <p:nvSpPr>
           <p:cNvPr id="2" name="Shape 2"/>
-          <p:cNvSpPr/>
+          <p:cNvSpPr>
+            <a:spLocks noGrp="1"/>
+          </p:cNvSpPr>
           <p:nvPr>
             <p:ph type="title"/>
           </p:nvPr>
@@ -1975,7 +2001,9 @@
       <p:sp>
         <p:nvSpPr>
           <p:cNvPr id="3" name="Shape 3"/>
-          <p:cNvSpPr/>
+          <p:cNvSpPr>
+            <a:spLocks noGrp="1"/>
+          </p:cNvSpPr>
           <p:nvPr>
             <p:ph type="body" idx="1"/>
           </p:nvPr>
@@ -2008,7 +2036,6 @@
               <a:rPr sz="4200"/>
               <a:t>Body Level One</a:t>
             </a:r>
-            <a:endParaRPr sz="4200"/>
           </a:p>
           <a:p>
             <a:pPr lvl="1">
@@ -2018,7 +2045,6 @@
               <a:rPr sz="4200"/>
               <a:t>Body Level Two</a:t>
             </a:r>
-            <a:endParaRPr sz="4200"/>
           </a:p>
           <a:p>
             <a:pPr lvl="2">
@@ -2028,7 +2054,6 @@
               <a:rPr sz="4200"/>
               <a:t>Body Level Three</a:t>
             </a:r>
-            <a:endParaRPr sz="4200"/>
           </a:p>
           <a:p>
             <a:pPr lvl="3">
@@ -2038,7 +2063,6 @@
               <a:rPr sz="4200"/>
               <a:t>Body Level Four</a:t>
             </a:r>
-            <a:endParaRPr sz="4200"/>
           </a:p>
           <a:p>
             <a:pPr lvl="4">
@@ -2055,22 +2079,22 @@
   </p:cSld>
   <p:clrMap bg1="lt1" tx1="dk1" bg2="lt2" tx2="dk2" accent1="accent1" accent2="accent2" accent3="accent3" accent4="accent4" accent5="accent5" accent6="accent6" hlink="hlink" folHlink="folHlink"/>
   <p:sldLayoutIdLst>
-    <p:sldLayoutId id="2147483649" r:id="rId2"/>
-    <p:sldLayoutId id="2147483650" r:id="rId3"/>
-    <p:sldLayoutId id="2147483651" r:id="rId4"/>
-    <p:sldLayoutId id="2147483652" r:id="rId5"/>
-    <p:sldLayoutId id="2147483653" r:id="rId6"/>
-    <p:sldLayoutId id="2147483654" r:id="rId7"/>
-    <p:sldLayoutId id="2147483655" r:id="rId8"/>
-    <p:sldLayoutId id="2147483656" r:id="rId9"/>
-    <p:sldLayoutId id="2147483657" r:id="rId10"/>
-    <p:sldLayoutId id="2147483658" r:id="rId11"/>
-    <p:sldLayoutId id="2147483659" r:id="rId12"/>
-    <p:sldLayoutId id="2147483660" r:id="rId13"/>
-    <p:sldLayoutId id="2147483661" r:id="rId14"/>
-    <p:sldLayoutId id="2147483662" r:id="rId15"/>
+    <p:sldLayoutId id="2147483649" r:id="rId1"/>
+    <p:sldLayoutId id="2147483650" r:id="rId2"/>
+    <p:sldLayoutId id="2147483651" r:id="rId3"/>
+    <p:sldLayoutId id="2147483652" r:id="rId4"/>
+    <p:sldLayoutId id="2147483653" r:id="rId5"/>
+    <p:sldLayoutId id="2147483654" r:id="rId6"/>
+    <p:sldLayoutId id="2147483655" r:id="rId7"/>
+    <p:sldLayoutId id="2147483656" r:id="rId8"/>
+    <p:sldLayoutId id="2147483657" r:id="rId9"/>
+    <p:sldLayoutId id="2147483658" r:id="rId10"/>
+    <p:sldLayoutId id="2147483659" r:id="rId11"/>
+    <p:sldLayoutId id="2147483660" r:id="rId12"/>
+    <p:sldLayoutId id="2147483661" r:id="rId13"/>
+    <p:sldLayoutId id="2147483662" r:id="rId14"/>
   </p:sldLayoutIdLst>
-  <p:transition spd="med" advClick="1"/>
+  <p:transition xmlns:p14="http://schemas.microsoft.com/office/powerpoint/2010/main" spd="med"/>
   <p:txStyles>
     <p:titleStyle>
       <a:lvl1pPr algn="ctr" defTabSz="584200">
@@ -2371,7 +2395,7 @@
 </file>
 
 <file path=ppt/slides/slide1.xml><?xml version="1.0" encoding="utf-8"?>
-<p:sld xmlns:a="http://schemas.openxmlformats.org/drawingml/2006/main" xmlns:r="http://schemas.openxmlformats.org/officeDocument/2006/relationships" xmlns:p="http://schemas.openxmlformats.org/presentationml/2006/main" showMasterSp="1" showMasterPhAnim="1">
+<p:sld xmlns:a="http://schemas.openxmlformats.org/drawingml/2006/main" xmlns:r="http://schemas.openxmlformats.org/officeDocument/2006/relationships" xmlns:p="http://schemas.openxmlformats.org/presentationml/2006/main">
   <p:cSld>
     <p:spTree>
       <p:nvGrpSpPr>
@@ -2413,7 +2437,7 @@
             <a:miter lim="400000"/>
           </a:ln>
           <a:effectLst>
-            <a:reflection blurRad="0" stA="50000" stPos="0" endA="0" endPos="40000" dist="0" dir="5400000" fadeDir="5400000" sx="100000" sy="-100000" kx="0" ky="0" algn="bl" rotWithShape="0"/>
+            <a:reflection stA="50000" endPos="40000" dir="5400000" sy="-100000" algn="bl" rotWithShape="0"/>
           </a:effectLst>
         </p:spPr>
       </p:pic>
@@ -2422,12 +2446,12 @@
   <p:clrMapOvr>
     <a:masterClrMapping/>
   </p:clrMapOvr>
-  <p:transition spd="med" advClick="1"/>
+  <p:transition xmlns:p14="http://schemas.microsoft.com/office/powerpoint/2010/main" spd="med"/>
 </p:sld>
 </file>
 
 <file path=ppt/slides/slide10.xml><?xml version="1.0" encoding="utf-8"?>
-<p:sld xmlns:a="http://schemas.openxmlformats.org/drawingml/2006/main" xmlns:r="http://schemas.openxmlformats.org/officeDocument/2006/relationships" xmlns:p="http://schemas.openxmlformats.org/presentationml/2006/main" showMasterSp="1" showMasterPhAnim="1">
+<p:sld xmlns:a="http://schemas.openxmlformats.org/drawingml/2006/main" xmlns:r="http://schemas.openxmlformats.org/officeDocument/2006/relationships" xmlns:p="http://schemas.openxmlformats.org/presentationml/2006/main">
   <p:cSld>
     <p:spTree>
       <p:nvGrpSpPr>
@@ -2445,99 +2469,70 @@
       </p:grpSpPr>
       <p:sp>
         <p:nvSpPr>
-          <p:cNvPr id="69" name="Shape 69"/>
-          <p:cNvSpPr/>
+          <p:cNvPr id="4" name="Title 3"/>
+          <p:cNvSpPr>
+            <a:spLocks noGrp="1"/>
+          </p:cNvSpPr>
           <p:nvPr>
             <p:ph type="title"/>
           </p:nvPr>
         </p:nvSpPr>
-        <p:spPr>
-          <a:prstGeom prst="rect">
-            <a:avLst/>
-          </a:prstGeom>
-        </p:spPr>
+        <p:spPr/>
         <p:txBody>
           <a:bodyPr/>
           <a:lstStyle/>
           <a:p>
-            <a:pPr lvl="0">
-              <a:defRPr sz="1800"/>
-            </a:pPr>
-            <a:r>
-              <a:rPr sz="8400"/>
-              <a:t>BetterCrypto in short</a:t>
-            </a:r>
-          </a:p>
-        </p:txBody>
-      </p:sp>
-      <p:sp>
-        <p:nvSpPr>
-          <p:cNvPr id="70" name="Shape 70"/>
-          <p:cNvSpPr/>
-          <p:nvPr>
-            <p:ph type="body" idx="1"/>
-          </p:nvPr>
-        </p:nvSpPr>
-        <p:spPr>
-          <a:prstGeom prst="rect">
-            <a:avLst/>
-          </a:prstGeom>
-        </p:spPr>
-        <p:txBody>
-          <a:bodyPr/>
-          <a:lstStyle/>
-          <a:p>
-            <a:pPr lvl="0">
-              <a:defRPr sz="1800"/>
-            </a:pPr>
-            <a:r>
-              <a:rPr sz="4200"/>
-              <a:t>Community effort to produce best practices</a:t>
-            </a:r>
-            <a:endParaRPr sz="4200"/>
-          </a:p>
-          <a:p>
-            <a:pPr lvl="0">
-              <a:defRPr sz="1800"/>
-            </a:pPr>
-            <a:r>
-              <a:rPr sz="4200"/>
-              <a:t>Continuous effort</a:t>
-            </a:r>
-            <a:endParaRPr sz="4200"/>
-          </a:p>
-          <a:p>
-            <a:pPr lvl="0">
-              <a:defRPr sz="1800"/>
-            </a:pPr>
-            <a:r>
-              <a:rPr sz="4200"/>
-              <a:t>Mixed expertises</a:t>
-            </a:r>
-            <a:endParaRPr sz="4200"/>
-          </a:p>
-          <a:p>
-            <a:pPr lvl="0">
-              <a:defRPr sz="1800"/>
-            </a:pPr>
-            <a:r>
-              <a:rPr sz="4200"/>
-              <a:t>Open to comments / suggestions / improvements</a:t>
-            </a:r>
-          </a:p>
-        </p:txBody>
-      </p:sp>
+            <a:r>
+              <a:rPr lang="en-US" dirty="0" err="1" smtClean="0"/>
+              <a:t>BetterCrypto</a:t>
+            </a:r>
+            <a:endParaRPr lang="en-US" dirty="0"/>
+          </a:p>
+        </p:txBody>
+      </p:sp>
+      <p:pic>
+        <p:nvPicPr>
+          <p:cNvPr id="5" name="droppedImage.png"/>
+          <p:cNvPicPr/>
+          <p:nvPr/>
+        </p:nvPicPr>
+        <p:blipFill>
+          <a:blip r:embed="rId2">
+            <a:extLst/>
+          </a:blip>
+          <a:stretch>
+            <a:fillRect/>
+          </a:stretch>
+        </p:blipFill>
+        <p:spPr>
+          <a:xfrm>
+            <a:off x="4511250" y="3029577"/>
+            <a:ext cx="4180960" cy="3319964"/>
+          </a:xfrm>
+          <a:prstGeom prst="rect">
+            <a:avLst/>
+          </a:prstGeom>
+          <a:ln w="12700">
+            <a:miter lim="400000"/>
+          </a:ln>
+        </p:spPr>
+      </p:pic>
     </p:spTree>
+    <p:extLst>
+      <p:ext uri="{BB962C8B-B14F-4D97-AF65-F5344CB8AC3E}">
+        <p14:creationId xmlns:p14="http://schemas.microsoft.com/office/powerpoint/2010/main" val="1804616177"/>
+      </p:ext>
+    </p:extLst>
   </p:cSld>
   <p:clrMapOvr>
     <a:masterClrMapping/>
   </p:clrMapOvr>
-  <p:transition spd="med" advClick="1"/>
+  <p:transition xmlns:p14="http://schemas.microsoft.com/office/powerpoint/2010/main" spd="med"/>
 </p:sld>
 </file>
 
 <file path=ppt/slides/slide11.xml><?xml version="1.0" encoding="utf-8"?>
-<p:sld xmlns:a="http://schemas.openxmlformats.org/drawingml/2006/main" xmlns:r="http://schemas.openxmlformats.org/officeDocument/2006/relationships" xmlns:p="http://schemas.openxmlformats.org/presentationml/2006/main" showMasterSp="1" showMasterPhAnim="1">
+<p:sld xmlns:a="http://schemas.openxmlformats.org/drawingml/2006/main" xmlns:r="http://schemas.openxmlformats.org/officeDocument/2006/relationships" xmlns:p="http://schemas.openxmlformats.org/presentationml/2006/main">
   <p:cSld>
     <p:spTree>
       <p:nvGrpSpPr>
@@ -2555,8 +2550,10 @@
       </p:grpSpPr>
       <p:sp>
         <p:nvSpPr>
-          <p:cNvPr id="72" name="Shape 72"/>
-          <p:cNvSpPr/>
+          <p:cNvPr id="60" name="Shape 60"/>
+          <p:cNvSpPr>
+            <a:spLocks noGrp="1"/>
+          </p:cNvSpPr>
           <p:nvPr>
             <p:ph type="title"/>
           </p:nvPr>
@@ -2574,16 +2571,19 @@
               <a:defRPr sz="1800"/>
             </a:pPr>
             <a:r>
-              <a:rPr sz="8400"/>
-              <a:t>BetterCrypto in 2 parts</a:t>
-            </a:r>
-          </a:p>
-        </p:txBody>
-      </p:sp>
-      <p:sp>
-        <p:nvSpPr>
-          <p:cNvPr id="73" name="Shape 73"/>
-          <p:cNvSpPr/>
+              <a:rPr lang="nl-BE" sz="8400" dirty="0" smtClean="0"/>
+              <a:t>Why?</a:t>
+            </a:r>
+            <a:endParaRPr sz="8400" dirty="0"/>
+          </a:p>
+        </p:txBody>
+      </p:sp>
+      <p:sp>
+        <p:nvSpPr>
+          <p:cNvPr id="61" name="Shape 61"/>
+          <p:cNvSpPr>
+            <a:spLocks noGrp="1"/>
+          </p:cNvSpPr>
           <p:nvPr>
             <p:ph type="body" idx="1"/>
           </p:nvPr>
@@ -2602,57 +2602,43 @@
             </a:pPr>
             <a:r>
               <a:rPr sz="4200"/>
-              <a:t>First part = configurations</a:t>
-            </a:r>
-            <a:endParaRPr sz="4200"/>
-          </a:p>
-          <a:p>
-            <a:pPr lvl="1">
-              <a:defRPr sz="1800"/>
-            </a:pPr>
-            <a:r>
-              <a:rPr sz="4200"/>
-              <a:t>The most important part</a:t>
-            </a:r>
-            <a:endParaRPr sz="4200"/>
-          </a:p>
-          <a:p>
-            <a:pPr lvl="1">
-              <a:defRPr sz="1800"/>
-            </a:pPr>
-            <a:r>
-              <a:rPr sz="4200"/>
-              <a:t>Cover as many tools as possible</a:t>
-            </a:r>
-            <a:endParaRPr sz="4200"/>
-          </a:p>
-          <a:p>
-            <a:pPr lvl="0">
-              <a:defRPr sz="1800"/>
-            </a:pPr>
-            <a:r>
-              <a:rPr sz="4200"/>
-              <a:t>Second part = theory</a:t>
-            </a:r>
-            <a:endParaRPr sz="4200"/>
-          </a:p>
-          <a:p>
-            <a:pPr lvl="1">
-              <a:defRPr sz="1800"/>
-            </a:pPr>
-            <a:r>
-              <a:rPr sz="4200"/>
-              <a:t>Explain and justify choose we made</a:t>
-            </a:r>
-            <a:endParaRPr sz="4200"/>
-          </a:p>
-          <a:p>
-            <a:pPr lvl="2">
-              <a:defRPr sz="1800"/>
-            </a:pPr>
-            <a:r>
-              <a:rPr sz="4200"/>
-              <a:t>Transparency</a:t>
+              <a:t>Crypto is cryptic</a:t>
+            </a:r>
+          </a:p>
+          <a:p>
+            <a:pPr lvl="0">
+              <a:defRPr sz="1800"/>
+            </a:pPr>
+            <a:r>
+              <a:rPr sz="4200"/>
+              <a:t>A lot of difficult concepts</a:t>
+            </a:r>
+          </a:p>
+          <a:p>
+            <a:pPr lvl="0">
+              <a:defRPr sz="1800"/>
+            </a:pPr>
+            <a:r>
+              <a:rPr sz="4200"/>
+              <a:t>A lot of algorithms</a:t>
+            </a:r>
+          </a:p>
+          <a:p>
+            <a:pPr lvl="0">
+              <a:defRPr sz="1800"/>
+            </a:pPr>
+            <a:r>
+              <a:rPr sz="4200"/>
+              <a:t>A lot of parameters</a:t>
+            </a:r>
+          </a:p>
+          <a:p>
+            <a:pPr lvl="0">
+              <a:defRPr sz="1800"/>
+            </a:pPr>
+            <a:r>
+              <a:rPr sz="4200"/>
+              <a:t>…</a:t>
             </a:r>
           </a:p>
         </p:txBody>
@@ -2662,12 +2648,12 @@
   <p:clrMapOvr>
     <a:masterClrMapping/>
   </p:clrMapOvr>
-  <p:transition spd="med" advClick="1"/>
+  <p:transition xmlns:p14="http://schemas.microsoft.com/office/powerpoint/2010/main" spd="med"/>
 </p:sld>
 </file>
 
 <file path=ppt/slides/slide12.xml><?xml version="1.0" encoding="utf-8"?>
-<p:sld xmlns:a="http://schemas.openxmlformats.org/drawingml/2006/main" xmlns:r="http://schemas.openxmlformats.org/officeDocument/2006/relationships" xmlns:p="http://schemas.openxmlformats.org/presentationml/2006/main" showMasterSp="1" showMasterPhAnim="1">
+<p:sld xmlns:a="http://schemas.openxmlformats.org/drawingml/2006/main" xmlns:r="http://schemas.openxmlformats.org/officeDocument/2006/relationships" xmlns:p="http://schemas.openxmlformats.org/presentationml/2006/main">
   <p:cSld>
     <p:spTree>
       <p:nvGrpSpPr>
@@ -2685,8 +2671,10 @@
       </p:grpSpPr>
       <p:sp>
         <p:nvSpPr>
-          <p:cNvPr id="75" name="Shape 75"/>
-          <p:cNvSpPr/>
+          <p:cNvPr id="63" name="Shape 63"/>
+          <p:cNvSpPr>
+            <a:spLocks noGrp="1"/>
+          </p:cNvSpPr>
           <p:nvPr>
             <p:ph type="title"/>
           </p:nvPr>
@@ -2704,50 +2692,71 @@
               <a:defRPr sz="1800"/>
             </a:pPr>
             <a:r>
-              <a:rPr sz="8400"/>
-              <a:t>How to use?</a:t>
-            </a:r>
-          </a:p>
-        </p:txBody>
-      </p:sp>
-      <p:pic>
-        <p:nvPicPr>
-          <p:cNvPr id="76" name="pasted-image.pdf"/>
-          <p:cNvPicPr/>
-          <p:nvPr/>
-        </p:nvPicPr>
-        <p:blipFill>
-          <a:blip r:embed="rId2">
-            <a:extLst/>
-          </a:blip>
-          <a:stretch>
-            <a:fillRect/>
-          </a:stretch>
-        </p:blipFill>
-        <p:spPr>
-          <a:xfrm>
-            <a:off x="1323337" y="2507520"/>
-            <a:ext cx="10358126" cy="6852071"/>
-          </a:xfrm>
-          <a:prstGeom prst="rect">
-            <a:avLst/>
-          </a:prstGeom>
-          <a:ln w="12700">
-            <a:miter lim="400000"/>
-          </a:ln>
-        </p:spPr>
-      </p:pic>
+              <a:rPr lang="nl-BE" sz="8400" dirty="0" smtClean="0"/>
+              <a:t>The Idea</a:t>
+            </a:r>
+            <a:endParaRPr sz="8400" dirty="0"/>
+          </a:p>
+        </p:txBody>
+      </p:sp>
+      <p:sp>
+        <p:nvSpPr>
+          <p:cNvPr id="64" name="Shape 64"/>
+          <p:cNvSpPr>
+            <a:spLocks noGrp="1"/>
+          </p:cNvSpPr>
+          <p:nvPr>
+            <p:ph type="body" idx="1"/>
+          </p:nvPr>
+        </p:nvSpPr>
+        <p:spPr>
+          <a:prstGeom prst="rect">
+            <a:avLst/>
+          </a:prstGeom>
+        </p:spPr>
+        <p:txBody>
+          <a:bodyPr/>
+          <a:lstStyle/>
+          <a:p>
+            <a:pPr lvl="0">
+              <a:defRPr sz="1800"/>
+            </a:pPr>
+            <a:r>
+              <a:rPr sz="4200"/>
+              <a:t>Really difficult for systems administrators</a:t>
+            </a:r>
+          </a:p>
+          <a:p>
+            <a:pPr lvl="1">
+              <a:defRPr sz="1800"/>
+            </a:pPr>
+            <a:r>
+              <a:rPr sz="4200"/>
+              <a:t>A “cookbook” can help!</a:t>
+            </a:r>
+          </a:p>
+          <a:p>
+            <a:pPr lvl="2">
+              <a:defRPr sz="1800"/>
+            </a:pPr>
+            <a:r>
+              <a:rPr sz="4200"/>
+              <a:t>That’s BetterCrypo</a:t>
+            </a:r>
+          </a:p>
+        </p:txBody>
+      </p:sp>
     </p:spTree>
   </p:cSld>
   <p:clrMapOvr>
     <a:masterClrMapping/>
   </p:clrMapOvr>
-  <p:transition spd="med" advClick="1"/>
+  <p:transition xmlns:p14="http://schemas.microsoft.com/office/powerpoint/2010/main" spd="med"/>
 </p:sld>
 </file>
 
 <file path=ppt/slides/slide13.xml><?xml version="1.0" encoding="utf-8"?>
-<p:sld xmlns:a="http://schemas.openxmlformats.org/drawingml/2006/main" xmlns:r="http://schemas.openxmlformats.org/officeDocument/2006/relationships" xmlns:p="http://schemas.openxmlformats.org/presentationml/2006/main" showMasterSp="1" showMasterPhAnim="1">
+<p:sld xmlns:a="http://schemas.openxmlformats.org/drawingml/2006/main" xmlns:r="http://schemas.openxmlformats.org/officeDocument/2006/relationships" xmlns:p="http://schemas.openxmlformats.org/presentationml/2006/main">
   <p:cSld>
     <p:spTree>
       <p:nvGrpSpPr>
@@ -2765,8 +2774,10 @@
       </p:grpSpPr>
       <p:sp>
         <p:nvSpPr>
-          <p:cNvPr id="78" name="Shape 78"/>
-          <p:cNvSpPr/>
+          <p:cNvPr id="66" name="Shape 66"/>
+          <p:cNvSpPr>
+            <a:spLocks noGrp="1"/>
+          </p:cNvSpPr>
           <p:nvPr>
             <p:ph type="title"/>
           </p:nvPr>
@@ -2784,16 +2795,19 @@
               <a:defRPr sz="1800"/>
             </a:pPr>
             <a:r>
-              <a:rPr sz="8400"/>
-              <a:t>Crypto in a nutshell</a:t>
-            </a:r>
-          </a:p>
-        </p:txBody>
-      </p:sp>
-      <p:sp>
-        <p:nvSpPr>
-          <p:cNvPr id="79" name="Shape 79"/>
-          <p:cNvSpPr/>
+              <a:rPr lang="nl-BE" sz="8400" dirty="0" smtClean="0"/>
+              <a:t>That’s not…</a:t>
+            </a:r>
+            <a:endParaRPr sz="8400" dirty="0"/>
+          </a:p>
+        </p:txBody>
+      </p:sp>
+      <p:sp>
+        <p:nvSpPr>
+          <p:cNvPr id="67" name="Shape 67"/>
+          <p:cNvSpPr>
+            <a:spLocks noGrp="1"/>
+          </p:cNvSpPr>
           <p:nvPr>
             <p:ph type="body" idx="1"/>
           </p:nvPr>
@@ -2812,37 +2826,16 @@
             </a:pPr>
             <a:r>
               <a:rPr sz="4200"/>
-              <a:t>2 types of goals:</a:t>
-            </a:r>
-            <a:endParaRPr sz="4200"/>
-          </a:p>
-          <a:p>
-            <a:pPr lvl="1">
-              <a:defRPr sz="1800"/>
-            </a:pPr>
-            <a:r>
-              <a:rPr sz="4200"/>
-              <a:t>protect the contact of the message</a:t>
-            </a:r>
-            <a:endParaRPr sz="4200"/>
-          </a:p>
-          <a:p>
-            <a:pPr lvl="1">
-              <a:defRPr sz="1800"/>
-            </a:pPr>
-            <a:r>
-              <a:rPr sz="4200"/>
-              <a:t>identify the author</a:t>
-            </a:r>
-            <a:endParaRPr sz="4200"/>
-          </a:p>
-          <a:p>
-            <a:pPr lvl="0">
-              <a:defRPr sz="1800"/>
-            </a:pPr>
-            <a:r>
-              <a:rPr sz="4200"/>
-              <a:t>Can be combined</a:t>
+              <a:t>A crypto course</a:t>
+            </a:r>
+          </a:p>
+          <a:p>
+            <a:pPr lvl="0">
+              <a:defRPr sz="1800"/>
+            </a:pPr>
+            <a:r>
+              <a:rPr sz="4200"/>
+              <a:t>A static document</a:t>
             </a:r>
           </a:p>
         </p:txBody>
@@ -2852,12 +2845,12 @@
   <p:clrMapOvr>
     <a:masterClrMapping/>
   </p:clrMapOvr>
-  <p:transition spd="med" advClick="1"/>
+  <p:transition xmlns:p14="http://schemas.microsoft.com/office/powerpoint/2010/main" spd="med"/>
 </p:sld>
 </file>
 
 <file path=ppt/slides/slide14.xml><?xml version="1.0" encoding="utf-8"?>
-<p:sld xmlns:a="http://schemas.openxmlformats.org/drawingml/2006/main" xmlns:r="http://schemas.openxmlformats.org/officeDocument/2006/relationships" xmlns:p="http://schemas.openxmlformats.org/presentationml/2006/main" showMasterSp="1" showMasterPhAnim="1">
+<p:sld xmlns:a="http://schemas.openxmlformats.org/drawingml/2006/main" xmlns:r="http://schemas.openxmlformats.org/officeDocument/2006/relationships" xmlns:p="http://schemas.openxmlformats.org/presentationml/2006/main">
   <p:cSld>
     <p:spTree>
       <p:nvGrpSpPr>
@@ -2875,8 +2868,10 @@
       </p:grpSpPr>
       <p:sp>
         <p:nvSpPr>
-          <p:cNvPr id="81" name="Shape 81"/>
-          <p:cNvSpPr/>
+          <p:cNvPr id="69" name="Shape 69"/>
+          <p:cNvSpPr>
+            <a:spLocks noGrp="1"/>
+          </p:cNvSpPr>
           <p:nvPr>
             <p:ph type="title"/>
           </p:nvPr>
@@ -2894,25 +2889,24 @@
               <a:defRPr sz="1800"/>
             </a:pPr>
             <a:r>
-              <a:rPr sz="8400"/>
-              <a:t>Symetric Ciphering</a:t>
-            </a:r>
-          </a:p>
-        </p:txBody>
-      </p:sp>
-      <p:sp>
-        <p:nvSpPr>
-          <p:cNvPr id="82" name="Shape 82"/>
-          <p:cNvSpPr/>
+              <a:rPr lang="nl-BE" sz="8400" dirty="0" smtClean="0"/>
+              <a:t>In short</a:t>
+            </a:r>
+            <a:endParaRPr sz="8400" dirty="0"/>
+          </a:p>
+        </p:txBody>
+      </p:sp>
+      <p:sp>
+        <p:nvSpPr>
+          <p:cNvPr id="70" name="Shape 70"/>
+          <p:cNvSpPr>
+            <a:spLocks noGrp="1"/>
+          </p:cNvSpPr>
           <p:nvPr>
             <p:ph type="body" idx="1"/>
           </p:nvPr>
         </p:nvSpPr>
         <p:spPr>
-          <a:xfrm>
-            <a:off x="1270000" y="2768600"/>
-            <a:ext cx="10464800" cy="770136"/>
-          </a:xfrm>
           <a:prstGeom prst="rect">
             <a:avLst/>
           </a:prstGeom>
@@ -2926,49 +2920,49 @@
             </a:pPr>
             <a:r>
               <a:rPr sz="4200"/>
-              <a:t>The key is shared</a:t>
-            </a:r>
-          </a:p>
-        </p:txBody>
-      </p:sp>
-      <p:pic>
-        <p:nvPicPr>
-          <p:cNvPr id="83" name="pasted-image.pdf"/>
-          <p:cNvPicPr/>
-          <p:nvPr/>
-        </p:nvPicPr>
-        <p:blipFill>
-          <a:blip r:embed="rId2">
-            <a:extLst/>
-          </a:blip>
-          <a:stretch>
-            <a:fillRect/>
-          </a:stretch>
-        </p:blipFill>
-        <p:spPr>
-          <a:xfrm>
-            <a:off x="2489479" y="4173735"/>
-            <a:ext cx="8025842" cy="5012316"/>
-          </a:xfrm>
-          <a:prstGeom prst="rect">
-            <a:avLst/>
-          </a:prstGeom>
-          <a:ln w="12700">
-            <a:miter lim="400000"/>
-          </a:ln>
-        </p:spPr>
-      </p:pic>
+              <a:t>Community effort to produce best practices</a:t>
+            </a:r>
+          </a:p>
+          <a:p>
+            <a:pPr lvl="0">
+              <a:defRPr sz="1800"/>
+            </a:pPr>
+            <a:r>
+              <a:rPr sz="4200"/>
+              <a:t>Continuous effort</a:t>
+            </a:r>
+          </a:p>
+          <a:p>
+            <a:pPr lvl="0">
+              <a:defRPr sz="1800"/>
+            </a:pPr>
+            <a:r>
+              <a:rPr sz="4200"/>
+              <a:t>Mixed expertises</a:t>
+            </a:r>
+          </a:p>
+          <a:p>
+            <a:pPr lvl="0">
+              <a:defRPr sz="1800"/>
+            </a:pPr>
+            <a:r>
+              <a:rPr sz="4200"/>
+              <a:t>Open to comments / suggestions / improvements</a:t>
+            </a:r>
+          </a:p>
+        </p:txBody>
+      </p:sp>
     </p:spTree>
   </p:cSld>
   <p:clrMapOvr>
     <a:masterClrMapping/>
   </p:clrMapOvr>
-  <p:transition spd="med" advClick="1"/>
+  <p:transition xmlns:p14="http://schemas.microsoft.com/office/powerpoint/2010/main" spd="med"/>
 </p:sld>
 </file>
 
 <file path=ppt/slides/slide15.xml><?xml version="1.0" encoding="utf-8"?>
-<p:sld xmlns:a="http://schemas.openxmlformats.org/drawingml/2006/main" xmlns:r="http://schemas.openxmlformats.org/officeDocument/2006/relationships" xmlns:p="http://schemas.openxmlformats.org/presentationml/2006/main" showMasterSp="1" showMasterPhAnim="1">
+<p:sld xmlns:a="http://schemas.openxmlformats.org/drawingml/2006/main" xmlns:r="http://schemas.openxmlformats.org/officeDocument/2006/relationships" xmlns:p="http://schemas.openxmlformats.org/presentationml/2006/main">
   <p:cSld>
     <p:spTree>
       <p:nvGrpSpPr>
@@ -2986,8 +2980,10 @@
       </p:grpSpPr>
       <p:sp>
         <p:nvSpPr>
-          <p:cNvPr id="85" name="Shape 85"/>
-          <p:cNvSpPr/>
+          <p:cNvPr id="72" name="Shape 72"/>
+          <p:cNvSpPr>
+            <a:spLocks noGrp="1"/>
+          </p:cNvSpPr>
           <p:nvPr>
             <p:ph type="title"/>
           </p:nvPr>
@@ -3005,25 +3001,24 @@
               <a:defRPr sz="1800"/>
             </a:pPr>
             <a:r>
-              <a:rPr sz="8400"/>
-              <a:t>Asymetric Ciphering</a:t>
-            </a:r>
-          </a:p>
-        </p:txBody>
-      </p:sp>
-      <p:sp>
-        <p:nvSpPr>
-          <p:cNvPr id="86" name="Shape 86"/>
-          <p:cNvSpPr/>
+              <a:rPr lang="nl-BE" sz="8400" dirty="0" smtClean="0"/>
+              <a:t>2 parts</a:t>
+            </a:r>
+            <a:endParaRPr sz="8400" dirty="0"/>
+          </a:p>
+        </p:txBody>
+      </p:sp>
+      <p:sp>
+        <p:nvSpPr>
+          <p:cNvPr id="73" name="Shape 73"/>
+          <p:cNvSpPr>
+            <a:spLocks noGrp="1"/>
+          </p:cNvSpPr>
           <p:nvPr>
             <p:ph type="body" idx="1"/>
           </p:nvPr>
         </p:nvSpPr>
         <p:spPr>
-          <a:xfrm>
-            <a:off x="1270000" y="2768600"/>
-            <a:ext cx="10464800" cy="1775768"/>
-          </a:xfrm>
           <a:prstGeom prst="rect">
             <a:avLst/>
           </a:prstGeom>
@@ -3037,59 +3032,67 @@
             </a:pPr>
             <a:r>
               <a:rPr sz="4200"/>
-              <a:t>Public key is published</a:t>
-            </a:r>
-            <a:endParaRPr sz="4200"/>
-          </a:p>
-          <a:p>
-            <a:pPr lvl="0">
-              <a:defRPr sz="1800"/>
-            </a:pPr>
-            <a:r>
-              <a:rPr sz="4200"/>
-              <a:t>Private key HAS to be secured</a:t>
-            </a:r>
-          </a:p>
-        </p:txBody>
-      </p:sp>
-      <p:pic>
-        <p:nvPicPr>
-          <p:cNvPr id="87" name="pasted-image.pdf"/>
-          <p:cNvPicPr/>
-          <p:nvPr/>
-        </p:nvPicPr>
-        <p:blipFill>
-          <a:blip r:embed="rId2">
-            <a:extLst/>
-          </a:blip>
-          <a:stretch>
-            <a:fillRect/>
-          </a:stretch>
-        </p:blipFill>
-        <p:spPr>
-          <a:xfrm>
-            <a:off x="2613437" y="4620567"/>
-            <a:ext cx="7777926" cy="4987389"/>
-          </a:xfrm>
-          <a:prstGeom prst="rect">
-            <a:avLst/>
-          </a:prstGeom>
-          <a:ln w="12700">
-            <a:miter lim="400000"/>
-          </a:ln>
-        </p:spPr>
-      </p:pic>
+              <a:t>First part = configurations</a:t>
+            </a:r>
+          </a:p>
+          <a:p>
+            <a:pPr lvl="1">
+              <a:defRPr sz="1800"/>
+            </a:pPr>
+            <a:r>
+              <a:rPr sz="4200"/>
+              <a:t>The most important part</a:t>
+            </a:r>
+          </a:p>
+          <a:p>
+            <a:pPr lvl="1">
+              <a:defRPr sz="1800"/>
+            </a:pPr>
+            <a:r>
+              <a:rPr sz="4200"/>
+              <a:t>Cover as many tools as possible</a:t>
+            </a:r>
+          </a:p>
+          <a:p>
+            <a:pPr lvl="0">
+              <a:defRPr sz="1800"/>
+            </a:pPr>
+            <a:r>
+              <a:rPr sz="4200"/>
+              <a:t>Second part = theory</a:t>
+            </a:r>
+          </a:p>
+          <a:p>
+            <a:pPr lvl="1">
+              <a:defRPr sz="1800"/>
+            </a:pPr>
+            <a:r>
+              <a:rPr sz="4200"/>
+              <a:t>Explain and justify choose we made</a:t>
+            </a:r>
+          </a:p>
+          <a:p>
+            <a:pPr lvl="2">
+              <a:defRPr sz="1800"/>
+            </a:pPr>
+            <a:r>
+              <a:rPr sz="4200"/>
+              <a:t>Transparency</a:t>
+            </a:r>
+          </a:p>
+        </p:txBody>
+      </p:sp>
     </p:spTree>
   </p:cSld>
   <p:clrMapOvr>
     <a:masterClrMapping/>
   </p:clrMapOvr>
-  <p:transition spd="med" advClick="1"/>
+  <p:transition xmlns:p14="http://schemas.microsoft.com/office/powerpoint/2010/main" spd="med"/>
 </p:sld>
 </file>
 
 <file path=ppt/slides/slide16.xml><?xml version="1.0" encoding="utf-8"?>
-<p:sld xmlns:a="http://schemas.openxmlformats.org/drawingml/2006/main" xmlns:r="http://schemas.openxmlformats.org/officeDocument/2006/relationships" xmlns:p="http://schemas.openxmlformats.org/presentationml/2006/main" showMasterSp="1" showMasterPhAnim="1">
+<p:sld xmlns:a="http://schemas.openxmlformats.org/drawingml/2006/main" xmlns:r="http://schemas.openxmlformats.org/officeDocument/2006/relationships" xmlns:p="http://schemas.openxmlformats.org/presentationml/2006/main">
   <p:cSld>
     <p:spTree>
       <p:nvGrpSpPr>
@@ -3107,8 +3110,10 @@
       </p:grpSpPr>
       <p:sp>
         <p:nvSpPr>
-          <p:cNvPr id="89" name="Shape 89"/>
-          <p:cNvSpPr/>
+          <p:cNvPr id="75" name="Shape 75"/>
+          <p:cNvSpPr>
+            <a:spLocks noGrp="1"/>
+          </p:cNvSpPr>
           <p:nvPr>
             <p:ph type="title"/>
           </p:nvPr>
@@ -3127,45 +3132,14 @@
             </a:pPr>
             <a:r>
               <a:rPr sz="8400"/>
-              <a:t>Signing</a:t>
-            </a:r>
-          </a:p>
-        </p:txBody>
-      </p:sp>
-      <p:sp>
-        <p:nvSpPr>
-          <p:cNvPr id="90" name="Shape 90"/>
-          <p:cNvSpPr/>
-          <p:nvPr>
-            <p:ph type="body" idx="1"/>
-          </p:nvPr>
-        </p:nvSpPr>
-        <p:spPr>
-          <a:xfrm>
-            <a:off x="1270000" y="2768600"/>
-            <a:ext cx="10464800" cy="1007666"/>
-          </a:xfrm>
-          <a:prstGeom prst="rect">
-            <a:avLst/>
-          </a:prstGeom>
-        </p:spPr>
-        <p:txBody>
-          <a:bodyPr/>
-          <a:lstStyle/>
-          <a:p>
-            <a:pPr lvl="0">
-              <a:defRPr sz="1800"/>
-            </a:pPr>
-            <a:r>
-              <a:rPr sz="4200"/>
-              <a:t>Author identity is proved</a:t>
+              <a:t>How to use?</a:t>
             </a:r>
           </a:p>
         </p:txBody>
       </p:sp>
       <p:pic>
         <p:nvPicPr>
-          <p:cNvPr id="91" name="pasted-image.pdf"/>
+          <p:cNvPr id="76" name="pasted-image.pdf"/>
           <p:cNvPicPr/>
           <p:nvPr/>
         </p:nvPicPr>
@@ -3179,8 +3153,8 @@
         </p:blipFill>
         <p:spPr>
           <a:xfrm>
-            <a:off x="3760136" y="3763565"/>
-            <a:ext cx="9015128" cy="5997413"/>
+            <a:off x="1323337" y="2507520"/>
+            <a:ext cx="10358126" cy="6852071"/>
           </a:xfrm>
           <a:prstGeom prst="rect">
             <a:avLst/>
@@ -3195,12 +3169,12 @@
   <p:clrMapOvr>
     <a:masterClrMapping/>
   </p:clrMapOvr>
-  <p:transition spd="med" advClick="1"/>
+  <p:transition xmlns:p14="http://schemas.microsoft.com/office/powerpoint/2010/main" spd="med"/>
 </p:sld>
 </file>
 
 <file path=ppt/slides/slide17.xml><?xml version="1.0" encoding="utf-8"?>
-<p:sld xmlns:a="http://schemas.openxmlformats.org/drawingml/2006/main" xmlns:r="http://schemas.openxmlformats.org/officeDocument/2006/relationships" xmlns:p="http://schemas.openxmlformats.org/presentationml/2006/main" showMasterSp="1" showMasterPhAnim="1">
+<p:sld xmlns:a="http://schemas.openxmlformats.org/drawingml/2006/main" xmlns:r="http://schemas.openxmlformats.org/officeDocument/2006/relationships" xmlns:p="http://schemas.openxmlformats.org/presentationml/2006/main">
   <p:cSld>
     <p:spTree>
       <p:nvGrpSpPr>
@@ -3218,145 +3192,67 @@
       </p:grpSpPr>
       <p:sp>
         <p:nvSpPr>
-          <p:cNvPr id="93" name="Shape 93"/>
-          <p:cNvSpPr/>
+          <p:cNvPr id="4" name="Title 3"/>
+          <p:cNvSpPr>
+            <a:spLocks noGrp="1"/>
+          </p:cNvSpPr>
           <p:nvPr>
             <p:ph type="title"/>
           </p:nvPr>
         </p:nvSpPr>
-        <p:spPr>
-          <a:prstGeom prst="rect">
-            <a:avLst/>
-          </a:prstGeom>
-        </p:spPr>
+        <p:spPr/>
         <p:txBody>
           <a:bodyPr/>
           <a:lstStyle/>
           <a:p>
-            <a:pPr lvl="0">
-              <a:defRPr sz="1800"/>
-            </a:pPr>
-            <a:r>
-              <a:rPr sz="8400"/>
-              <a:t>The asymmetric magic</a:t>
-            </a:r>
-          </a:p>
-        </p:txBody>
-      </p:sp>
-      <p:sp>
-        <p:nvSpPr>
-          <p:cNvPr id="94" name="Shape 94"/>
-          <p:cNvSpPr/>
-          <p:nvPr>
-            <p:ph type="body" idx="1"/>
-          </p:nvPr>
-        </p:nvSpPr>
+            <a:r>
+              <a:rPr lang="en-US" dirty="0" smtClean="0"/>
+              <a:t>Crypto in a nutshell</a:t>
+            </a:r>
+            <a:endParaRPr lang="en-US" dirty="0"/>
+          </a:p>
+        </p:txBody>
+      </p:sp>
+      <p:pic>
+        <p:nvPicPr>
+          <p:cNvPr id="6" name="Picture 5"/>
+          <p:cNvPicPr>
+            <a:picLocks noChangeAspect="1"/>
+          </p:cNvPicPr>
+          <p:nvPr/>
+        </p:nvPicPr>
+        <p:blipFill>
+          <a:blip r:embed="rId2"/>
+          <a:stretch>
+            <a:fillRect/>
+          </a:stretch>
+        </p:blipFill>
         <p:spPr>
           <a:xfrm>
-            <a:off x="1270000" y="2383681"/>
-            <a:ext cx="10464800" cy="6484839"/>
+            <a:off x="2429964" y="1721431"/>
+            <a:ext cx="8257719" cy="5050480"/>
           </a:xfrm>
           <a:prstGeom prst="rect">
             <a:avLst/>
           </a:prstGeom>
         </p:spPr>
-        <p:txBody>
-          <a:bodyPr/>
-          <a:lstStyle/>
-          <a:p>
-            <a:pPr lvl="0">
-              <a:defRPr sz="1800"/>
-            </a:pPr>
-            <a:r>
-              <a:rPr sz="4200"/>
-              <a:t>RSA “formula” : </a:t>
-            </a:r>
-            <a:r>
-              <a:rPr i="1" sz="4200"/>
-              <a:t>c = m^e mod n</a:t>
-            </a:r>
-            <a:r>
-              <a:rPr sz="4200"/>
-              <a:t> </a:t>
-            </a:r>
-            <a:endParaRPr sz="4200"/>
-          </a:p>
-          <a:p>
-            <a:pPr lvl="2">
-              <a:defRPr sz="1800"/>
-            </a:pPr>
-            <a:r>
-              <a:rPr sz="4200"/>
-              <a:t>with</a:t>
-            </a:r>
-            <a:endParaRPr sz="4200"/>
-          </a:p>
-          <a:p>
-            <a:pPr lvl="3">
-              <a:defRPr sz="1800"/>
-            </a:pPr>
-            <a:r>
-              <a:rPr sz="4200"/>
-              <a:t>c which is the ciphertext</a:t>
-            </a:r>
-            <a:endParaRPr sz="4200"/>
-          </a:p>
-          <a:p>
-            <a:pPr lvl="3">
-              <a:defRPr sz="1800"/>
-            </a:pPr>
-            <a:r>
-              <a:rPr sz="4200"/>
-              <a:t>m is the cleartext message</a:t>
-            </a:r>
-            <a:endParaRPr sz="4200"/>
-          </a:p>
-          <a:p>
-            <a:pPr lvl="3">
-              <a:defRPr sz="1800"/>
-            </a:pPr>
-            <a:r>
-              <a:rPr sz="4200"/>
-              <a:t>e and n are the public key</a:t>
-            </a:r>
-            <a:endParaRPr sz="4200"/>
-          </a:p>
-          <a:p>
-            <a:pPr lvl="1">
-              <a:defRPr sz="1800"/>
-            </a:pPr>
-            <a:r>
-              <a:rPr sz="4200"/>
-              <a:t>Uncipher with </a:t>
-            </a:r>
-            <a:r>
-              <a:rPr i="1" sz="4200"/>
-              <a:t>m = c^d mod n</a:t>
-            </a:r>
-            <a:endParaRPr sz="4200"/>
-          </a:p>
-          <a:p>
-            <a:pPr lvl="3">
-              <a:defRPr sz="1800"/>
-            </a:pPr>
-            <a:r>
-              <a:rPr sz="4200"/>
-              <a:t>d being the private key</a:t>
-            </a:r>
-          </a:p>
-        </p:txBody>
-      </p:sp>
+      </p:pic>
     </p:spTree>
+    <p:extLst>
+      <p:ext uri="{BB962C8B-B14F-4D97-AF65-F5344CB8AC3E}">
+        <p14:creationId xmlns:p14="http://schemas.microsoft.com/office/powerpoint/2010/main" val="1723033600"/>
+      </p:ext>
+    </p:extLst>
   </p:cSld>
   <p:clrMapOvr>
     <a:masterClrMapping/>
   </p:clrMapOvr>
-  <p:transition spd="med" advClick="1"/>
+  <p:transition xmlns:p14="http://schemas.microsoft.com/office/powerpoint/2010/main" spd="med"/>
 </p:sld>
 </file>
 
 <file path=ppt/slides/slide18.xml><?xml version="1.0" encoding="utf-8"?>
-<p:sld xmlns:a="http://schemas.openxmlformats.org/drawingml/2006/main" xmlns:r="http://schemas.openxmlformats.org/officeDocument/2006/relationships" xmlns:p="http://schemas.openxmlformats.org/presentationml/2006/main" showMasterSp="1" showMasterPhAnim="1">
+<p:sld xmlns:a="http://schemas.openxmlformats.org/drawingml/2006/main" xmlns:r="http://schemas.openxmlformats.org/officeDocument/2006/relationships" xmlns:p="http://schemas.openxmlformats.org/presentationml/2006/main">
   <p:cSld>
     <p:spTree>
       <p:nvGrpSpPr>
@@ -3374,8 +3270,10 @@
       </p:grpSpPr>
       <p:sp>
         <p:nvSpPr>
-          <p:cNvPr id="96" name="Shape 96"/>
-          <p:cNvSpPr/>
+          <p:cNvPr id="78" name="Shape 78"/>
+          <p:cNvSpPr>
+            <a:spLocks noGrp="1"/>
+          </p:cNvSpPr>
           <p:nvPr>
             <p:ph type="title"/>
           </p:nvPr>
@@ -3393,25 +3291,24 @@
               <a:defRPr sz="1800"/>
             </a:pPr>
             <a:r>
-              <a:rPr sz="8400"/>
-              <a:t>Some algorithms</a:t>
-            </a:r>
-          </a:p>
-        </p:txBody>
-      </p:sp>
-      <p:sp>
-        <p:nvSpPr>
-          <p:cNvPr id="97" name="Shape 97"/>
-          <p:cNvSpPr/>
+              <a:rPr lang="nl-BE" sz="8400" dirty="0" smtClean="0"/>
+              <a:t>Goals</a:t>
+            </a:r>
+            <a:endParaRPr sz="8400" dirty="0"/>
+          </a:p>
+        </p:txBody>
+      </p:sp>
+      <p:sp>
+        <p:nvSpPr>
+          <p:cNvPr id="79" name="Shape 79"/>
+          <p:cNvSpPr>
+            <a:spLocks noGrp="1"/>
+          </p:cNvSpPr>
           <p:nvPr>
             <p:ph type="body" idx="1"/>
           </p:nvPr>
         </p:nvSpPr>
         <p:spPr>
-          <a:xfrm>
-            <a:off x="1270000" y="2209800"/>
-            <a:ext cx="10464800" cy="6832600"/>
-          </a:xfrm>
           <a:prstGeom prst="rect">
             <a:avLst/>
           </a:prstGeom>
@@ -3425,9 +3322,8 @@
             </a:pPr>
             <a:r>
               <a:rPr sz="4200"/>
-              <a:t>Hash</a:t>
-            </a:r>
-            <a:endParaRPr sz="4200"/>
+              <a:t>2 types of goals:</a:t>
+            </a:r>
           </a:p>
           <a:p>
             <a:pPr lvl="1">
@@ -3435,9 +3331,8 @@
             </a:pPr>
             <a:r>
               <a:rPr sz="4200"/>
-              <a:t>SHA1</a:t>
-            </a:r>
-            <a:endParaRPr sz="4200"/>
+              <a:t>protect the contact of the message</a:t>
+            </a:r>
           </a:p>
           <a:p>
             <a:pPr lvl="1">
@@ -3445,37 +3340,16 @@
             </a:pPr>
             <a:r>
               <a:rPr sz="4200"/>
-              <a:t>SHA256</a:t>
-            </a:r>
-            <a:endParaRPr sz="4200"/>
-          </a:p>
-          <a:p>
-            <a:pPr lvl="1">
-              <a:defRPr sz="1800"/>
-            </a:pPr>
-            <a:r>
-              <a:rPr sz="4200"/>
-              <a:t>SHA512</a:t>
-            </a:r>
-            <a:endParaRPr sz="4200"/>
-          </a:p>
-          <a:p>
-            <a:pPr lvl="0">
-              <a:defRPr sz="1800"/>
-            </a:pPr>
-            <a:r>
-              <a:rPr sz="4200"/>
-              <a:t>Key Exchange</a:t>
-            </a:r>
-            <a:endParaRPr sz="4200"/>
-          </a:p>
-          <a:p>
-            <a:pPr lvl="1">
-              <a:defRPr sz="1800"/>
-            </a:pPr>
-            <a:r>
-              <a:rPr sz="4200"/>
-              <a:t>Diffie Helleman</a:t>
+              <a:t>identify the author</a:t>
+            </a:r>
+          </a:p>
+          <a:p>
+            <a:pPr lvl="0">
+              <a:defRPr sz="1800"/>
+            </a:pPr>
+            <a:r>
+              <a:rPr sz="4200"/>
+              <a:t>Can be combined</a:t>
             </a:r>
           </a:p>
         </p:txBody>
@@ -3485,12 +3359,12 @@
   <p:clrMapOvr>
     <a:masterClrMapping/>
   </p:clrMapOvr>
-  <p:transition spd="med" advClick="1"/>
+  <p:transition xmlns:p14="http://schemas.microsoft.com/office/powerpoint/2010/main" spd="med"/>
 </p:sld>
 </file>
 
 <file path=ppt/slides/slide19.xml><?xml version="1.0" encoding="utf-8"?>
-<p:sld xmlns:a="http://schemas.openxmlformats.org/drawingml/2006/main" xmlns:r="http://schemas.openxmlformats.org/officeDocument/2006/relationships" xmlns:p="http://schemas.openxmlformats.org/presentationml/2006/main" showMasterSp="1" showMasterPhAnim="1">
+<p:sld xmlns:a="http://schemas.openxmlformats.org/drawingml/2006/main" xmlns:r="http://schemas.openxmlformats.org/officeDocument/2006/relationships" xmlns:p="http://schemas.openxmlformats.org/presentationml/2006/main">
   <p:cSld>
     <p:spTree>
       <p:nvGrpSpPr>
@@ -3508,8 +3382,10 @@
       </p:grpSpPr>
       <p:sp>
         <p:nvSpPr>
-          <p:cNvPr id="99" name="Shape 99"/>
-          <p:cNvSpPr/>
+          <p:cNvPr id="81" name="Shape 81"/>
+          <p:cNvSpPr>
+            <a:spLocks noGrp="1"/>
+          </p:cNvSpPr>
           <p:nvPr>
             <p:ph type="title"/>
           </p:nvPr>
@@ -3528,15 +3404,17 @@
             </a:pPr>
             <a:r>
               <a:rPr sz="8400"/>
-              <a:t>Diffie-Helleman</a:t>
-            </a:r>
-          </a:p>
-        </p:txBody>
-      </p:sp>
-      <p:sp>
-        <p:nvSpPr>
-          <p:cNvPr id="100" name="Shape 100"/>
-          <p:cNvSpPr/>
+              <a:t>Symetric Ciphering</a:t>
+            </a:r>
+          </a:p>
+        </p:txBody>
+      </p:sp>
+      <p:sp>
+        <p:nvSpPr>
+          <p:cNvPr id="82" name="Shape 82"/>
+          <p:cNvSpPr>
+            <a:spLocks noGrp="1"/>
+          </p:cNvSpPr>
           <p:nvPr>
             <p:ph type="body" idx="1"/>
           </p:nvPr>
@@ -3559,14 +3437,14 @@
             </a:pPr>
             <a:r>
               <a:rPr sz="4200"/>
-              <a:t>How to share a secret key?</a:t>
+              <a:t>The key is shared</a:t>
             </a:r>
           </a:p>
         </p:txBody>
       </p:sp>
       <p:pic>
         <p:nvPicPr>
-          <p:cNvPr id="101" name="pasted-image.pdf"/>
+          <p:cNvPr id="83" name="pasted-image.pdf"/>
           <p:cNvPicPr/>
           <p:nvPr/>
         </p:nvPicPr>
@@ -3580,8 +3458,8 @@
         </p:blipFill>
         <p:spPr>
           <a:xfrm>
-            <a:off x="2757514" y="3430805"/>
-            <a:ext cx="7489772" cy="6141541"/>
+            <a:off x="2489479" y="4173735"/>
+            <a:ext cx="8025842" cy="5012316"/>
           </a:xfrm>
           <a:prstGeom prst="rect">
             <a:avLst/>
@@ -3596,12 +3474,12 @@
   <p:clrMapOvr>
     <a:masterClrMapping/>
   </p:clrMapOvr>
-  <p:transition spd="med" advClick="1"/>
+  <p:transition xmlns:p14="http://schemas.microsoft.com/office/powerpoint/2010/main" spd="med"/>
 </p:sld>
 </file>
 
 <file path=ppt/slides/slide2.xml><?xml version="1.0" encoding="utf-8"?>
-<p:sld xmlns:a="http://schemas.openxmlformats.org/drawingml/2006/main" xmlns:r="http://schemas.openxmlformats.org/officeDocument/2006/relationships" xmlns:p="http://schemas.openxmlformats.org/presentationml/2006/main" showMasterSp="1" showMasterPhAnim="1">
+<p:sld xmlns:a="http://schemas.openxmlformats.org/drawingml/2006/main" xmlns:r="http://schemas.openxmlformats.org/officeDocument/2006/relationships" xmlns:p="http://schemas.openxmlformats.org/presentationml/2006/main">
   <p:cSld>
     <p:spTree>
       <p:nvGrpSpPr>
@@ -3649,12 +3527,12 @@
   <p:clrMapOvr>
     <a:masterClrMapping/>
   </p:clrMapOvr>
-  <p:transition spd="med" advClick="1"/>
+  <p:transition xmlns:p14="http://schemas.microsoft.com/office/powerpoint/2010/main" spd="med"/>
 </p:sld>
 </file>
 
 <file path=ppt/slides/slide20.xml><?xml version="1.0" encoding="utf-8"?>
-<p:sld xmlns:a="http://schemas.openxmlformats.org/drawingml/2006/main" xmlns:r="http://schemas.openxmlformats.org/officeDocument/2006/relationships" xmlns:p="http://schemas.openxmlformats.org/presentationml/2006/main" showMasterSp="1" showMasterPhAnim="1">
+<p:sld xmlns:a="http://schemas.openxmlformats.org/drawingml/2006/main" xmlns:r="http://schemas.openxmlformats.org/officeDocument/2006/relationships" xmlns:p="http://schemas.openxmlformats.org/presentationml/2006/main">
   <p:cSld>
     <p:spTree>
       <p:nvGrpSpPr>
@@ -3672,8 +3550,10 @@
       </p:grpSpPr>
       <p:sp>
         <p:nvSpPr>
-          <p:cNvPr id="103" name="Shape 103"/>
-          <p:cNvSpPr/>
+          <p:cNvPr id="85" name="Shape 85"/>
+          <p:cNvSpPr>
+            <a:spLocks noGrp="1"/>
+          </p:cNvSpPr>
           <p:nvPr>
             <p:ph type="title"/>
           </p:nvPr>
@@ -3692,30 +3572,25 @@
             </a:pPr>
             <a:r>
               <a:rPr sz="8400"/>
-              <a:t>Ephemeral</a:t>
-            </a:r>
-            <a:br>
-              <a:rPr sz="8400"/>
-            </a:br>
-            <a:r>
-              <a:rPr sz="8400"/>
-              <a:t>Diffie-Helleman</a:t>
-            </a:r>
-          </a:p>
-        </p:txBody>
-      </p:sp>
-      <p:sp>
-        <p:nvSpPr>
-          <p:cNvPr id="104" name="Shape 104"/>
-          <p:cNvSpPr/>
+              <a:t>Asymetric Ciphering</a:t>
+            </a:r>
+          </a:p>
+        </p:txBody>
+      </p:sp>
+      <p:sp>
+        <p:nvSpPr>
+          <p:cNvPr id="86" name="Shape 86"/>
+          <p:cNvSpPr>
+            <a:spLocks noGrp="1"/>
+          </p:cNvSpPr>
           <p:nvPr>
             <p:ph type="body" idx="1"/>
           </p:nvPr>
         </p:nvSpPr>
         <p:spPr>
           <a:xfrm>
-            <a:off x="1270000" y="3390900"/>
-            <a:ext cx="10464800" cy="5685136"/>
+            <a:off x="1270000" y="2768600"/>
+            <a:ext cx="10464800" cy="1775768"/>
           </a:xfrm>
           <a:prstGeom prst="rect">
             <a:avLst/>
@@ -3730,62 +3605,58 @@
             </a:pPr>
             <a:r>
               <a:rPr sz="4200"/>
-              <a:t>Regular mode</a:t>
-            </a:r>
-            <a:endParaRPr sz="4200"/>
-          </a:p>
-          <a:p>
-            <a:pPr lvl="1">
-              <a:defRPr sz="1800"/>
-            </a:pPr>
-            <a:r>
-              <a:rPr sz="4200"/>
-              <a:t>Public and private keys are kept</a:t>
-            </a:r>
-            <a:endParaRPr sz="4200"/>
-          </a:p>
-          <a:p>
-            <a:pPr lvl="0">
-              <a:defRPr sz="1800"/>
-            </a:pPr>
-            <a:r>
-              <a:rPr sz="4200"/>
-              <a:t>Ephemeral mode</a:t>
-            </a:r>
-            <a:endParaRPr sz="4200"/>
-          </a:p>
-          <a:p>
-            <a:pPr lvl="1">
-              <a:defRPr sz="1800"/>
-            </a:pPr>
-            <a:r>
-              <a:rPr sz="4200"/>
-              <a:t>New keys are generated each time</a:t>
-            </a:r>
-            <a:endParaRPr sz="4200"/>
-          </a:p>
-          <a:p>
-            <a:pPr lvl="2">
-              <a:defRPr sz="1800"/>
-            </a:pPr>
-            <a:r>
-              <a:rPr sz="4200"/>
-              <a:t>By one of the parties at least</a:t>
-            </a:r>
-          </a:p>
-        </p:txBody>
-      </p:sp>
+              <a:t>Public key is published</a:t>
+            </a:r>
+          </a:p>
+          <a:p>
+            <a:pPr lvl="0">
+              <a:defRPr sz="1800"/>
+            </a:pPr>
+            <a:r>
+              <a:rPr sz="4200"/>
+              <a:t>Private key HAS to be secured</a:t>
+            </a:r>
+          </a:p>
+        </p:txBody>
+      </p:sp>
+      <p:pic>
+        <p:nvPicPr>
+          <p:cNvPr id="87" name="pasted-image.pdf"/>
+          <p:cNvPicPr/>
+          <p:nvPr/>
+        </p:nvPicPr>
+        <p:blipFill>
+          <a:blip r:embed="rId2">
+            <a:extLst/>
+          </a:blip>
+          <a:stretch>
+            <a:fillRect/>
+          </a:stretch>
+        </p:blipFill>
+        <p:spPr>
+          <a:xfrm>
+            <a:off x="2613437" y="4620567"/>
+            <a:ext cx="7777926" cy="4987389"/>
+          </a:xfrm>
+          <a:prstGeom prst="rect">
+            <a:avLst/>
+          </a:prstGeom>
+          <a:ln w="12700">
+            <a:miter lim="400000"/>
+          </a:ln>
+        </p:spPr>
+      </p:pic>
     </p:spTree>
   </p:cSld>
   <p:clrMapOvr>
     <a:masterClrMapping/>
   </p:clrMapOvr>
-  <p:transition spd="med" advClick="1"/>
+  <p:transition xmlns:p14="http://schemas.microsoft.com/office/powerpoint/2010/main" spd="med"/>
 </p:sld>
 </file>
 
 <file path=ppt/slides/slide21.xml><?xml version="1.0" encoding="utf-8"?>
-<p:sld xmlns:a="http://schemas.openxmlformats.org/drawingml/2006/main" xmlns:r="http://schemas.openxmlformats.org/officeDocument/2006/relationships" xmlns:p="http://schemas.openxmlformats.org/presentationml/2006/main" showMasterSp="1" showMasterPhAnim="1">
+<p:sld xmlns:a="http://schemas.openxmlformats.org/drawingml/2006/main" xmlns:r="http://schemas.openxmlformats.org/officeDocument/2006/relationships" xmlns:p="http://schemas.openxmlformats.org/presentationml/2006/main">
   <p:cSld>
     <p:spTree>
       <p:nvGrpSpPr>
@@ -3803,8 +3674,10 @@
       </p:grpSpPr>
       <p:sp>
         <p:nvSpPr>
-          <p:cNvPr id="106" name="Shape 106"/>
-          <p:cNvSpPr/>
+          <p:cNvPr id="89" name="Shape 89"/>
+          <p:cNvSpPr>
+            <a:spLocks noGrp="1"/>
+          </p:cNvSpPr>
           <p:nvPr>
             <p:ph type="title"/>
           </p:nvPr>
@@ -3823,23 +3696,25 @@
             </a:pPr>
             <a:r>
               <a:rPr sz="8400"/>
-              <a:t>Hashing</a:t>
-            </a:r>
-          </a:p>
-        </p:txBody>
-      </p:sp>
-      <p:sp>
-        <p:nvSpPr>
-          <p:cNvPr id="107" name="Shape 107"/>
-          <p:cNvSpPr/>
+              <a:t>Signing</a:t>
+            </a:r>
+          </a:p>
+        </p:txBody>
+      </p:sp>
+      <p:sp>
+        <p:nvSpPr>
+          <p:cNvPr id="90" name="Shape 90"/>
+          <p:cNvSpPr>
+            <a:spLocks noGrp="1"/>
+          </p:cNvSpPr>
           <p:nvPr>
             <p:ph type="body" idx="1"/>
           </p:nvPr>
         </p:nvSpPr>
         <p:spPr>
           <a:xfrm>
-            <a:off x="1270000" y="2463800"/>
-            <a:ext cx="10464800" cy="3761731"/>
+            <a:off x="1270000" y="2768600"/>
+            <a:ext cx="10464800" cy="1007666"/>
           </a:xfrm>
           <a:prstGeom prst="rect">
             <a:avLst/>
@@ -3854,34 +3729,14 @@
             </a:pPr>
             <a:r>
               <a:rPr sz="4200"/>
-              <a:t>Take long piece of data and produce a probably unique signature</a:t>
-            </a:r>
-            <a:endParaRPr sz="4200"/>
-          </a:p>
-          <a:p>
-            <a:pPr lvl="0">
-              <a:defRPr sz="1800"/>
-            </a:pPr>
-            <a:r>
-              <a:rPr sz="4200"/>
-              <a:t>Probability of collision for SHA1:</a:t>
-            </a:r>
-            <a:endParaRPr sz="4200"/>
-          </a:p>
-          <a:p>
-            <a:pPr lvl="1">
-              <a:defRPr sz="1800"/>
-            </a:pPr>
-            <a:r>
-              <a:rPr sz="4200"/>
-              <a:t>1 over 1461501637330902918203684832716283019655932542976</a:t>
+              <a:t>Author identity is proved</a:t>
             </a:r>
           </a:p>
         </p:txBody>
       </p:sp>
       <p:pic>
         <p:nvPicPr>
-          <p:cNvPr id="108" name="pasted-image.pdf"/>
+          <p:cNvPr id="91" name="pasted-image.pdf"/>
           <p:cNvPicPr/>
           <p:nvPr/>
         </p:nvPicPr>
@@ -3895,8 +3750,8 @@
         </p:blipFill>
         <p:spPr>
           <a:xfrm>
-            <a:off x="357061" y="6489196"/>
-            <a:ext cx="12448375" cy="3146510"/>
+            <a:off x="3760136" y="3763565"/>
+            <a:ext cx="9015128" cy="5997413"/>
           </a:xfrm>
           <a:prstGeom prst="rect">
             <a:avLst/>
@@ -3911,12 +3766,12 @@
   <p:clrMapOvr>
     <a:masterClrMapping/>
   </p:clrMapOvr>
-  <p:transition spd="med" advClick="1"/>
+  <p:transition xmlns:p14="http://schemas.microsoft.com/office/powerpoint/2010/main" spd="med"/>
 </p:sld>
 </file>
 
 <file path=ppt/slides/slide22.xml><?xml version="1.0" encoding="utf-8"?>
-<p:sld xmlns:a="http://schemas.openxmlformats.org/drawingml/2006/main" xmlns:r="http://schemas.openxmlformats.org/officeDocument/2006/relationships" xmlns:p="http://schemas.openxmlformats.org/presentationml/2006/main" showMasterSp="1" showMasterPhAnim="1">
+<p:sld xmlns:a="http://schemas.openxmlformats.org/drawingml/2006/main" xmlns:r="http://schemas.openxmlformats.org/officeDocument/2006/relationships" xmlns:p="http://schemas.openxmlformats.org/presentationml/2006/main">
   <p:cSld>
     <p:spTree>
       <p:nvGrpSpPr>
@@ -3934,8 +3789,10 @@
       </p:grpSpPr>
       <p:sp>
         <p:nvSpPr>
-          <p:cNvPr id="110" name="Shape 110"/>
-          <p:cNvSpPr/>
+          <p:cNvPr id="93" name="Shape 93"/>
+          <p:cNvSpPr>
+            <a:spLocks noGrp="1"/>
+          </p:cNvSpPr>
           <p:nvPr>
             <p:ph type="title"/>
           </p:nvPr>
@@ -3954,20 +3811,26 @@
             </a:pPr>
             <a:r>
               <a:rPr sz="8400"/>
-              <a:t>ECC</a:t>
-            </a:r>
-          </a:p>
-        </p:txBody>
-      </p:sp>
-      <p:sp>
-        <p:nvSpPr>
-          <p:cNvPr id="111" name="Shape 111"/>
-          <p:cNvSpPr/>
+              <a:t>The asymmetric magic</a:t>
+            </a:r>
+          </a:p>
+        </p:txBody>
+      </p:sp>
+      <p:sp>
+        <p:nvSpPr>
+          <p:cNvPr id="94" name="Shape 94"/>
+          <p:cNvSpPr>
+            <a:spLocks noGrp="1"/>
+          </p:cNvSpPr>
           <p:nvPr>
             <p:ph type="body" idx="1"/>
           </p:nvPr>
         </p:nvSpPr>
         <p:spPr>
+          <a:xfrm>
+            <a:off x="1270000" y="2383681"/>
+            <a:ext cx="10464800" cy="6484839"/>
+          </a:xfrm>
           <a:prstGeom prst="rect">
             <a:avLst/>
           </a:prstGeom>
@@ -3980,63 +3843,202 @@
               <a:defRPr sz="1800"/>
             </a:pPr>
             <a:r>
-              <a:rPr sz="4200"/>
-              <a:t>Elliptic curve cryptography (ECC)</a:t>
-            </a:r>
-            <a:endParaRPr sz="4200"/>
-          </a:p>
-          <a:p>
-            <a:pPr lvl="0">
-              <a:defRPr sz="1800"/>
-            </a:pPr>
-            <a:r>
-              <a:rPr sz="4200"/>
-              <a:t>Finding the discrete logarithm of a random elliptic curve element </a:t>
-            </a:r>
-            <a:endParaRPr sz="4200"/>
+              <a:rPr sz="4200" dirty="0"/>
+              <a:t>RSA “formula” </a:t>
+            </a:r>
+            <a:r>
+              <a:rPr sz="4200" dirty="0" smtClean="0"/>
+              <a:t>:</a:t>
+            </a:r>
+            <a:r>
+              <a:rPr lang="nl-BE" sz="4200" dirty="0" smtClean="0"/>
+              <a:t> </a:t>
+            </a:r>
+            <a:endParaRPr sz="4200" dirty="0"/>
+          </a:p>
+          <a:p>
+            <a:pPr lvl="2">
+              <a:defRPr sz="1800"/>
+            </a:pPr>
+            <a:r>
+              <a:rPr sz="4200" dirty="0"/>
+              <a:t>with</a:t>
+            </a:r>
+          </a:p>
+          <a:p>
+            <a:pPr lvl="3">
+              <a:defRPr sz="1800"/>
+            </a:pPr>
+            <a:r>
+              <a:rPr sz="4200" dirty="0"/>
+              <a:t>c which is the ciphertext</a:t>
+            </a:r>
+          </a:p>
+          <a:p>
+            <a:pPr lvl="3">
+              <a:defRPr sz="1800"/>
+            </a:pPr>
+            <a:r>
+              <a:rPr sz="4200" dirty="0"/>
+              <a:t>m is the cleartext message</a:t>
+            </a:r>
+          </a:p>
+          <a:p>
+            <a:pPr lvl="3">
+              <a:defRPr sz="1800"/>
+            </a:pPr>
+            <a:r>
+              <a:rPr sz="4200" dirty="0"/>
+              <a:t>e and n are the public key</a:t>
+            </a:r>
           </a:p>
           <a:p>
             <a:pPr lvl="1">
               <a:defRPr sz="1800"/>
             </a:pPr>
             <a:r>
-              <a:rPr sz="4200"/>
-              <a:t>Only knowing a base point </a:t>
-            </a:r>
-            <a:endParaRPr sz="4200"/>
-          </a:p>
-          <a:p>
-            <a:pPr lvl="1">
-              <a:defRPr sz="1800"/>
-            </a:pPr>
-            <a:r>
-              <a:rPr sz="4200"/>
-              <a:t>Assumed to be infeasible</a:t>
-            </a:r>
-            <a:endParaRPr sz="4200"/>
-          </a:p>
-          <a:p>
-            <a:pPr lvl="0">
-              <a:defRPr sz="1800"/>
-            </a:pPr>
-            <a:r>
-              <a:rPr sz="4200"/>
-              <a:t>Reduced key length</a:t>
-            </a:r>
-          </a:p>
-        </p:txBody>
-      </p:sp>
+              <a:rPr sz="4200" dirty="0"/>
+              <a:t>Uncipher with </a:t>
+            </a:r>
+            <a:endParaRPr sz="4200" dirty="0" smtClean="0"/>
+          </a:p>
+          <a:p>
+            <a:pPr lvl="3">
+              <a:defRPr sz="1800"/>
+            </a:pPr>
+            <a:r>
+              <a:rPr sz="4200" dirty="0" smtClean="0"/>
+              <a:t>d being the private key</a:t>
+            </a:r>
+            <a:endParaRPr sz="4200" dirty="0"/>
+          </a:p>
+        </p:txBody>
+      </p:sp>
+      <p:graphicFrame>
+        <p:nvGraphicFramePr>
+          <p:cNvPr id="2" name="Object 1"/>
+          <p:cNvGraphicFramePr>
+            <a:graphicFrameLocks noChangeAspect="1"/>
+          </p:cNvGraphicFramePr>
+          <p:nvPr>
+            <p:extLst>
+              <p:ext uri="{D42A27DB-BD31-4B8C-83A1-F6EECF244321}">
+                <p14:modId xmlns:p14="http://schemas.microsoft.com/office/powerpoint/2010/main" val="3099014008"/>
+              </p:ext>
+            </p:extLst>
+          </p:nvPr>
+        </p:nvGraphicFramePr>
+        <p:xfrm>
+          <a:off x="5877281" y="2245437"/>
+          <a:ext cx="4458677" cy="1084543"/>
+        </p:xfrm>
+        <a:graphic>
+          <a:graphicData uri="http://schemas.openxmlformats.org/presentationml/2006/ole">
+            <mc:AlternateContent xmlns:mc="http://schemas.openxmlformats.org/markup-compatibility/2006">
+              <mc:Choice xmlns:v="urn:schemas-microsoft-com:vml" Requires="v">
+                <p:oleObj spid="_x0000_s1027" name="Equation" r:id="rId3" imgW="939800" imgH="228600" progId="Equation.3">
+                  <p:embed/>
+                </p:oleObj>
+              </mc:Choice>
+              <mc:Fallback>
+                <p:oleObj name="Equation" r:id="rId3" imgW="939800" imgH="228600" progId="Equation.3">
+                  <p:embed/>
+                  <p:pic>
+                    <p:nvPicPr>
+                      <p:cNvPr id="0" name=""/>
+                      <p:cNvPicPr/>
+                      <p:nvPr/>
+                    </p:nvPicPr>
+                    <p:blipFill>
+                      <a:blip r:embed="rId4"/>
+                      <a:stretch>
+                        <a:fillRect/>
+                      </a:stretch>
+                    </p:blipFill>
+                    <p:spPr>
+                      <a:xfrm>
+                        <a:off x="5877281" y="2245437"/>
+                        <a:ext cx="4458677" cy="1084543"/>
+                      </a:xfrm>
+                      <a:prstGeom prst="rect">
+                        <a:avLst/>
+                      </a:prstGeom>
+                    </p:spPr>
+                  </p:pic>
+                </p:oleObj>
+              </mc:Fallback>
+            </mc:AlternateContent>
+          </a:graphicData>
+        </a:graphic>
+      </p:graphicFrame>
+      <p:graphicFrame>
+        <p:nvGraphicFramePr>
+          <p:cNvPr id="5" name="Object 4"/>
+          <p:cNvGraphicFramePr>
+            <a:graphicFrameLocks noChangeAspect="1"/>
+          </p:cNvGraphicFramePr>
+          <p:nvPr>
+            <p:extLst>
+              <p:ext uri="{D42A27DB-BD31-4B8C-83A1-F6EECF244321}">
+                <p14:modId xmlns:p14="http://schemas.microsoft.com/office/powerpoint/2010/main" val="1355014502"/>
+              </p:ext>
+            </p:extLst>
+          </p:nvPr>
+        </p:nvGraphicFramePr>
+        <p:xfrm>
+          <a:off x="6088306" y="6970088"/>
+          <a:ext cx="4519613" cy="1084263"/>
+        </p:xfrm>
+        <a:graphic>
+          <a:graphicData uri="http://schemas.openxmlformats.org/presentationml/2006/ole">
+            <mc:AlternateContent xmlns:mc="http://schemas.openxmlformats.org/markup-compatibility/2006">
+              <mc:Choice xmlns:v="urn:schemas-microsoft-com:vml" Requires="v">
+                <p:oleObj spid="_x0000_s1028" name="Equation" r:id="rId5" imgW="952500" imgH="228600" progId="Equation.3">
+                  <p:embed/>
+                </p:oleObj>
+              </mc:Choice>
+              <mc:Fallback>
+                <p:oleObj name="Equation" r:id="rId5" imgW="952500" imgH="228600" progId="Equation.3">
+                  <p:embed/>
+                  <p:pic>
+                    <p:nvPicPr>
+                      <p:cNvPr id="0" name=""/>
+                      <p:cNvPicPr/>
+                      <p:nvPr/>
+                    </p:nvPicPr>
+                    <p:blipFill>
+                      <a:blip r:embed="rId6"/>
+                      <a:stretch>
+                        <a:fillRect/>
+                      </a:stretch>
+                    </p:blipFill>
+                    <p:spPr>
+                      <a:xfrm>
+                        <a:off x="6088306" y="6970088"/>
+                        <a:ext cx="4519613" cy="1084263"/>
+                      </a:xfrm>
+                      <a:prstGeom prst="rect">
+                        <a:avLst/>
+                      </a:prstGeom>
+                    </p:spPr>
+                  </p:pic>
+                </p:oleObj>
+              </mc:Fallback>
+            </mc:AlternateContent>
+          </a:graphicData>
+        </a:graphic>
+      </p:graphicFrame>
     </p:spTree>
   </p:cSld>
   <p:clrMapOvr>
     <a:masterClrMapping/>
   </p:clrMapOvr>
-  <p:transition spd="med" advClick="1"/>
+  <p:transition xmlns:p14="http://schemas.microsoft.com/office/powerpoint/2010/main" spd="med"/>
 </p:sld>
 </file>
 
 <file path=ppt/slides/slide23.xml><?xml version="1.0" encoding="utf-8"?>
-<p:sld xmlns:a="http://schemas.openxmlformats.org/drawingml/2006/main" xmlns:r="http://schemas.openxmlformats.org/officeDocument/2006/relationships" xmlns:p="http://schemas.openxmlformats.org/presentationml/2006/main" showMasterSp="1" showMasterPhAnim="1">
+<p:sld xmlns:a="http://schemas.openxmlformats.org/drawingml/2006/main" xmlns:r="http://schemas.openxmlformats.org/officeDocument/2006/relationships" xmlns:p="http://schemas.openxmlformats.org/presentationml/2006/main">
   <p:cSld>
     <p:spTree>
       <p:nvGrpSpPr>
@@ -4054,17 +4056,15 @@
       </p:grpSpPr>
       <p:sp>
         <p:nvSpPr>
-          <p:cNvPr id="113" name="Shape 113"/>
-          <p:cNvSpPr/>
+          <p:cNvPr id="96" name="Shape 96"/>
+          <p:cNvSpPr>
+            <a:spLocks noGrp="1"/>
+          </p:cNvSpPr>
           <p:nvPr>
             <p:ph type="title"/>
           </p:nvPr>
         </p:nvSpPr>
         <p:spPr>
-          <a:xfrm>
-            <a:off x="1270000" y="50800"/>
-            <a:ext cx="10464800" cy="2438400"/>
-          </a:xfrm>
           <a:prstGeom prst="rect">
             <a:avLst/>
           </a:prstGeom>
@@ -4078,23 +4078,25 @@
             </a:pPr>
             <a:r>
               <a:rPr sz="8400"/>
-              <a:t>Some thoughts on ECC</a:t>
-            </a:r>
-          </a:p>
-        </p:txBody>
-      </p:sp>
-      <p:sp>
-        <p:nvSpPr>
-          <p:cNvPr id="114" name="Shape 114"/>
-          <p:cNvSpPr/>
+              <a:t>Some algorithms</a:t>
+            </a:r>
+          </a:p>
+        </p:txBody>
+      </p:sp>
+      <p:sp>
+        <p:nvSpPr>
+          <p:cNvPr id="97" name="Shape 97"/>
+          <p:cNvSpPr>
+            <a:spLocks noGrp="1"/>
+          </p:cNvSpPr>
           <p:nvPr>
             <p:ph type="body" idx="1"/>
           </p:nvPr>
         </p:nvSpPr>
         <p:spPr>
           <a:xfrm>
-            <a:off x="422274" y="2540000"/>
-            <a:ext cx="12160251" cy="7142163"/>
+            <a:off x="1270000" y="2209800"/>
+            <a:ext cx="10464800" cy="6832600"/>
           </a:xfrm>
           <a:prstGeom prst="rect">
             <a:avLst/>
@@ -4109,80 +4111,52 @@
             </a:pPr>
             <a:r>
               <a:rPr sz="4200"/>
-              <a:t>Currently this is under heavy debate</a:t>
-            </a:r>
-            <a:endParaRPr sz="4200"/>
-          </a:p>
-          <a:p>
-            <a:pPr lvl="0">
-              <a:defRPr sz="1800"/>
-            </a:pPr>
-            <a:r>
-              <a:rPr sz="4200"/>
-              <a:t>Trust the Math</a:t>
-            </a:r>
-            <a:endParaRPr sz="4200"/>
-          </a:p>
-          <a:p>
-            <a:pPr lvl="0">
-              <a:defRPr sz="1800"/>
-            </a:pPr>
-            <a:r>
-              <a:rPr sz="4200"/>
-              <a:t>“Nothing Up My Sleeve Numbers”</a:t>
-            </a:r>
-            <a:endParaRPr sz="4200"/>
-          </a:p>
-          <a:p>
-            <a:pPr lvl="0">
-              <a:defRPr sz="1800"/>
-            </a:pPr>
-            <a:r>
-              <a:rPr sz="4200"/>
-              <a:t>eg. NIST P-256 (http://safecurves.cr.yp.to/rigid.html)</a:t>
-            </a:r>
-            <a:endParaRPr sz="4200"/>
-          </a:p>
-          <a:p>
-            <a:pPr lvl="0">
-              <a:defRPr sz="1800"/>
-            </a:pPr>
-            <a:r>
-              <a:rPr sz="4200"/>
-              <a:t>Coefficients generated by hashing the unexplained </a:t>
-            </a:r>
-            <a:r>
-              <a:rPr sz="3800">
-                <a:latin typeface="Gill Sans Light"/>
-                <a:ea typeface="Gill Sans Light"/>
-                <a:cs typeface="Gill Sans Light"/>
-                <a:sym typeface="Gill Sans Light"/>
-              </a:rPr>
-              <a:t>seed c49d3608 86e70493 6a6678e1 139d26b7 819f7e90</a:t>
-            </a:r>
-            <a:r>
-              <a:rPr sz="4200"/>
-              <a:t>.</a:t>
-            </a:r>
-            <a:endParaRPr sz="4200"/>
-          </a:p>
-          <a:p>
-            <a:pPr lvl="0">
-              <a:defRPr sz="1800"/>
-            </a:pPr>
-            <a:r>
-              <a:rPr sz="4200"/>
-              <a:t>Might have to change settings tomorrow</a:t>
-            </a:r>
-            <a:endParaRPr sz="4200"/>
-          </a:p>
-          <a:p>
-            <a:pPr lvl="0">
-              <a:defRPr sz="1800"/>
-            </a:pPr>
-            <a:r>
-              <a:rPr sz="4200"/>
-              <a:t>Most Applications only work with NIST-Curves</a:t>
+              <a:t>Hash</a:t>
+            </a:r>
+          </a:p>
+          <a:p>
+            <a:pPr lvl="1">
+              <a:defRPr sz="1800"/>
+            </a:pPr>
+            <a:r>
+              <a:rPr sz="4200"/>
+              <a:t>SHA1</a:t>
+            </a:r>
+          </a:p>
+          <a:p>
+            <a:pPr lvl="1">
+              <a:defRPr sz="1800"/>
+            </a:pPr>
+            <a:r>
+              <a:rPr sz="4200"/>
+              <a:t>SHA256</a:t>
+            </a:r>
+          </a:p>
+          <a:p>
+            <a:pPr lvl="1">
+              <a:defRPr sz="1800"/>
+            </a:pPr>
+            <a:r>
+              <a:rPr sz="4200"/>
+              <a:t>SHA512</a:t>
+            </a:r>
+          </a:p>
+          <a:p>
+            <a:pPr lvl="0">
+              <a:defRPr sz="1800"/>
+            </a:pPr>
+            <a:r>
+              <a:rPr sz="4200"/>
+              <a:t>Key Exchange</a:t>
+            </a:r>
+          </a:p>
+          <a:p>
+            <a:pPr lvl="1">
+              <a:defRPr sz="1800"/>
+            </a:pPr>
+            <a:r>
+              <a:rPr sz="4200"/>
+              <a:t>Diffie Helleman</a:t>
             </a:r>
           </a:p>
         </p:txBody>
@@ -4192,12 +4166,12 @@
   <p:clrMapOvr>
     <a:masterClrMapping/>
   </p:clrMapOvr>
-  <p:transition spd="med" advClick="1"/>
+  <p:transition xmlns:p14="http://schemas.microsoft.com/office/powerpoint/2010/main" spd="med"/>
 </p:sld>
 </file>
 
 <file path=ppt/slides/slide24.xml><?xml version="1.0" encoding="utf-8"?>
-<p:sld xmlns:a="http://schemas.openxmlformats.org/drawingml/2006/main" xmlns:r="http://schemas.openxmlformats.org/officeDocument/2006/relationships" xmlns:p="http://schemas.openxmlformats.org/presentationml/2006/main" showMasterSp="1" showMasterPhAnim="1">
+<p:sld xmlns:a="http://schemas.openxmlformats.org/drawingml/2006/main" xmlns:r="http://schemas.openxmlformats.org/officeDocument/2006/relationships" xmlns:p="http://schemas.openxmlformats.org/presentationml/2006/main">
   <p:cSld>
     <p:spTree>
       <p:nvGrpSpPr>
@@ -4215,8 +4189,10 @@
       </p:grpSpPr>
       <p:sp>
         <p:nvSpPr>
-          <p:cNvPr id="116" name="Shape 116"/>
-          <p:cNvSpPr/>
+          <p:cNvPr id="99" name="Shape 99"/>
+          <p:cNvSpPr>
+            <a:spLocks noGrp="1"/>
+          </p:cNvSpPr>
           <p:nvPr>
             <p:ph type="title"/>
           </p:nvPr>
@@ -4235,15 +4211,17 @@
             </a:pPr>
             <a:r>
               <a:rPr sz="8400"/>
-              <a:t>SSL</a:t>
-            </a:r>
-          </a:p>
-        </p:txBody>
-      </p:sp>
-      <p:sp>
-        <p:nvSpPr>
-          <p:cNvPr id="117" name="Shape 117"/>
-          <p:cNvSpPr/>
+              <a:t>Diffie-Helleman</a:t>
+            </a:r>
+          </a:p>
+        </p:txBody>
+      </p:sp>
+      <p:sp>
+        <p:nvSpPr>
+          <p:cNvPr id="100" name="Shape 100"/>
+          <p:cNvSpPr>
+            <a:spLocks noGrp="1"/>
+          </p:cNvSpPr>
           <p:nvPr>
             <p:ph type="body" idx="1"/>
           </p:nvPr>
@@ -4266,22 +4244,49 @@
             </a:pPr>
             <a:r>
               <a:rPr sz="4200"/>
-              <a:t>Explain</a:t>
-            </a:r>
-          </a:p>
-        </p:txBody>
-      </p:sp>
+              <a:t>How to share a secret key?</a:t>
+            </a:r>
+          </a:p>
+        </p:txBody>
+      </p:sp>
+      <p:pic>
+        <p:nvPicPr>
+          <p:cNvPr id="101" name="pasted-image.pdf"/>
+          <p:cNvPicPr/>
+          <p:nvPr/>
+        </p:nvPicPr>
+        <p:blipFill>
+          <a:blip r:embed="rId2">
+            <a:extLst/>
+          </a:blip>
+          <a:stretch>
+            <a:fillRect/>
+          </a:stretch>
+        </p:blipFill>
+        <p:spPr>
+          <a:xfrm>
+            <a:off x="2757514" y="3430805"/>
+            <a:ext cx="7489772" cy="6141541"/>
+          </a:xfrm>
+          <a:prstGeom prst="rect">
+            <a:avLst/>
+          </a:prstGeom>
+          <a:ln w="12700">
+            <a:miter lim="400000"/>
+          </a:ln>
+        </p:spPr>
+      </p:pic>
     </p:spTree>
   </p:cSld>
   <p:clrMapOvr>
     <a:masterClrMapping/>
   </p:clrMapOvr>
-  <p:transition spd="med" advClick="1"/>
+  <p:transition xmlns:p14="http://schemas.microsoft.com/office/powerpoint/2010/main" spd="med"/>
 </p:sld>
 </file>
 
 <file path=ppt/slides/slide25.xml><?xml version="1.0" encoding="utf-8"?>
-<p:sld xmlns:a="http://schemas.openxmlformats.org/drawingml/2006/main" xmlns:r="http://schemas.openxmlformats.org/officeDocument/2006/relationships" xmlns:p="http://schemas.openxmlformats.org/presentationml/2006/main" showMasterSp="1" showMasterPhAnim="1">
+<p:sld xmlns:a="http://schemas.openxmlformats.org/drawingml/2006/main" xmlns:r="http://schemas.openxmlformats.org/officeDocument/2006/relationships" xmlns:p="http://schemas.openxmlformats.org/presentationml/2006/main">
   <p:cSld>
     <p:spTree>
       <p:nvGrpSpPr>
@@ -4299,8 +4304,10 @@
       </p:grpSpPr>
       <p:sp>
         <p:nvSpPr>
-          <p:cNvPr id="119" name="Shape 119"/>
-          <p:cNvSpPr/>
+          <p:cNvPr id="103" name="Shape 103"/>
+          <p:cNvSpPr>
+            <a:spLocks noGrp="1"/>
+          </p:cNvSpPr>
           <p:nvPr>
             <p:ph type="title"/>
           </p:nvPr>
@@ -4319,23 +4326,32 @@
             </a:pPr>
             <a:r>
               <a:rPr sz="8400"/>
-              <a:t>Stream vs Block Cipher</a:t>
-            </a:r>
-          </a:p>
-        </p:txBody>
-      </p:sp>
-      <p:sp>
-        <p:nvSpPr>
-          <p:cNvPr id="120" name="Shape 120"/>
-          <p:cNvSpPr/>
+              <a:t>Ephemeral</a:t>
+            </a:r>
+            <a:br>
+              <a:rPr sz="8400"/>
+            </a:br>
+            <a:r>
+              <a:rPr sz="8400"/>
+              <a:t>Diffie-Helleman</a:t>
+            </a:r>
+          </a:p>
+        </p:txBody>
+      </p:sp>
+      <p:sp>
+        <p:nvSpPr>
+          <p:cNvPr id="104" name="Shape 104"/>
+          <p:cNvSpPr>
+            <a:spLocks noGrp="1"/>
+          </p:cNvSpPr>
           <p:nvPr>
             <p:ph type="body" idx="1"/>
           </p:nvPr>
         </p:nvSpPr>
         <p:spPr>
           <a:xfrm>
-            <a:off x="1270000" y="2095500"/>
-            <a:ext cx="10464800" cy="7417148"/>
+            <a:off x="1270000" y="3390900"/>
+            <a:ext cx="10464800" cy="5685136"/>
           </a:xfrm>
           <a:prstGeom prst="rect">
             <a:avLst/>
@@ -4350,9 +4366,8 @@
             </a:pPr>
             <a:r>
               <a:rPr sz="4200"/>
-              <a:t>Stream cipher</a:t>
-            </a:r>
-            <a:endParaRPr sz="4200"/>
+              <a:t>Regular mode</a:t>
+            </a:r>
           </a:p>
           <a:p>
             <a:pPr lvl="1">
@@ -4360,9 +4375,17 @@
             </a:pPr>
             <a:r>
               <a:rPr sz="4200"/>
-              <a:t>Generate an “infinite” key stream</a:t>
-            </a:r>
-            <a:endParaRPr sz="4200"/>
+              <a:t>Public and private keys are kept</a:t>
+            </a:r>
+          </a:p>
+          <a:p>
+            <a:pPr lvl="0">
+              <a:defRPr sz="1800"/>
+            </a:pPr>
+            <a:r>
+              <a:rPr sz="4200"/>
+              <a:t>Ephemeral mode</a:t>
+            </a:r>
           </a:p>
           <a:p>
             <a:pPr lvl="1">
@@ -4370,9 +4393,8 @@
             </a:pPr>
             <a:r>
               <a:rPr sz="4200"/>
-              <a:t>Difficult to correctly use</a:t>
-            </a:r>
-            <a:endParaRPr sz="4200"/>
+              <a:t>New keys are generated each time</a:t>
+            </a:r>
           </a:p>
           <a:p>
             <a:pPr lvl="2">
@@ -4380,47 +4402,7 @@
             </a:pPr>
             <a:r>
               <a:rPr sz="4200"/>
-              <a:t>Re-use of keys</a:t>
-            </a:r>
-            <a:endParaRPr sz="4200"/>
-          </a:p>
-          <a:p>
-            <a:pPr lvl="1">
-              <a:defRPr sz="1800"/>
-            </a:pPr>
-            <a:r>
-              <a:rPr sz="4200"/>
-              <a:t>Faster</a:t>
-            </a:r>
-            <a:endParaRPr sz="4200"/>
-          </a:p>
-          <a:p>
-            <a:pPr lvl="0">
-              <a:defRPr sz="1800"/>
-            </a:pPr>
-            <a:r>
-              <a:rPr sz="4200"/>
-              <a:t>Block cipher</a:t>
-            </a:r>
-            <a:endParaRPr sz="4200"/>
-          </a:p>
-          <a:p>
-            <a:pPr lvl="1">
-              <a:defRPr sz="1800"/>
-            </a:pPr>
-            <a:r>
-              <a:rPr sz="4200"/>
-              <a:t>Cipher by block with padding</a:t>
-            </a:r>
-            <a:endParaRPr sz="4200"/>
-          </a:p>
-          <a:p>
-            <a:pPr lvl="1">
-              <a:defRPr sz="1800"/>
-            </a:pPr>
-            <a:r>
-              <a:rPr sz="4200"/>
-              <a:t>Could include integrity protection</a:t>
+              <a:t>By one of the parties at least</a:t>
             </a:r>
           </a:p>
         </p:txBody>
@@ -4430,12 +4412,12 @@
   <p:clrMapOvr>
     <a:masterClrMapping/>
   </p:clrMapOvr>
-  <p:transition spd="med" advClick="1"/>
+  <p:transition xmlns:p14="http://schemas.microsoft.com/office/powerpoint/2010/main" spd="med"/>
 </p:sld>
 </file>
 
 <file path=ppt/slides/slide26.xml><?xml version="1.0" encoding="utf-8"?>
-<p:sld xmlns:a="http://schemas.openxmlformats.org/drawingml/2006/main" xmlns:r="http://schemas.openxmlformats.org/officeDocument/2006/relationships" xmlns:p="http://schemas.openxmlformats.org/presentationml/2006/main" showMasterSp="1" showMasterPhAnim="1">
+<p:sld xmlns:a="http://schemas.openxmlformats.org/drawingml/2006/main" xmlns:r="http://schemas.openxmlformats.org/officeDocument/2006/relationships" xmlns:p="http://schemas.openxmlformats.org/presentationml/2006/main">
   <p:cSld>
     <p:spTree>
       <p:nvGrpSpPr>
@@ -4453,8 +4435,10 @@
       </p:grpSpPr>
       <p:sp>
         <p:nvSpPr>
-          <p:cNvPr id="122" name="Shape 122"/>
-          <p:cNvSpPr/>
+          <p:cNvPr id="106" name="Shape 106"/>
+          <p:cNvSpPr>
+            <a:spLocks noGrp="1"/>
+          </p:cNvSpPr>
           <p:nvPr>
             <p:ph type="title"/>
           </p:nvPr>
@@ -4473,23 +4457,25 @@
             </a:pPr>
             <a:r>
               <a:rPr sz="8400"/>
-              <a:t>Some algorithms</a:t>
-            </a:r>
-          </a:p>
-        </p:txBody>
-      </p:sp>
-      <p:sp>
-        <p:nvSpPr>
-          <p:cNvPr id="123" name="Shape 123"/>
-          <p:cNvSpPr/>
+              <a:t>Hashing</a:t>
+            </a:r>
+          </a:p>
+        </p:txBody>
+      </p:sp>
+      <p:sp>
+        <p:nvSpPr>
+          <p:cNvPr id="107" name="Shape 107"/>
+          <p:cNvSpPr>
+            <a:spLocks noGrp="1"/>
+          </p:cNvSpPr>
           <p:nvPr>
             <p:ph type="body" idx="1"/>
           </p:nvPr>
         </p:nvSpPr>
         <p:spPr>
           <a:xfrm>
-            <a:off x="1270000" y="2209800"/>
-            <a:ext cx="10464800" cy="6832600"/>
+            <a:off x="1270000" y="2463800"/>
+            <a:ext cx="10464800" cy="3761731"/>
           </a:xfrm>
           <a:prstGeom prst="rect">
             <a:avLst/>
@@ -4504,9 +4490,17 @@
             </a:pPr>
             <a:r>
               <a:rPr sz="4200"/>
-              <a:t>Symetric</a:t>
-            </a:r>
-            <a:endParaRPr sz="4200"/>
+              <a:t>Take long piece of data and produce a probably unique signature</a:t>
+            </a:r>
+          </a:p>
+          <a:p>
+            <a:pPr lvl="0">
+              <a:defRPr sz="1800"/>
+            </a:pPr>
+            <a:r>
+              <a:rPr sz="4200"/>
+              <a:t>Probability of collision for SHA1:</a:t>
+            </a:r>
           </a:p>
           <a:p>
             <a:pPr lvl="1">
@@ -4514,62 +4508,49 @@
             </a:pPr>
             <a:r>
               <a:rPr sz="4200"/>
-              <a:t>AES (Rijndael)</a:t>
-            </a:r>
-            <a:endParaRPr sz="4200"/>
-          </a:p>
-          <a:p>
-            <a:pPr lvl="1">
-              <a:defRPr sz="1800"/>
-            </a:pPr>
-            <a:r>
-              <a:rPr sz="4200"/>
-              <a:t>Camellia</a:t>
-            </a:r>
-            <a:endParaRPr sz="4200"/>
-          </a:p>
-          <a:p>
-            <a:pPr lvl="0">
-              <a:defRPr sz="1800"/>
-            </a:pPr>
-            <a:r>
-              <a:rPr sz="4200"/>
-              <a:t>Asymetric</a:t>
-            </a:r>
-            <a:endParaRPr sz="4200"/>
-          </a:p>
-          <a:p>
-            <a:pPr lvl="1">
-              <a:defRPr sz="1800"/>
-            </a:pPr>
-            <a:r>
-              <a:rPr sz="4200"/>
-              <a:t>GPG / PGP</a:t>
-            </a:r>
-            <a:endParaRPr sz="4200"/>
-          </a:p>
-          <a:p>
-            <a:pPr lvl="1">
-              <a:defRPr sz="1800"/>
-            </a:pPr>
-            <a:r>
-              <a:rPr sz="4200"/>
-              <a:t>RSA</a:t>
-            </a:r>
-          </a:p>
-        </p:txBody>
-      </p:sp>
+              <a:t>1 over 1461501637330902918203684832716283019655932542976</a:t>
+            </a:r>
+          </a:p>
+        </p:txBody>
+      </p:sp>
+      <p:pic>
+        <p:nvPicPr>
+          <p:cNvPr id="108" name="pasted-image.pdf"/>
+          <p:cNvPicPr/>
+          <p:nvPr/>
+        </p:nvPicPr>
+        <p:blipFill>
+          <a:blip r:embed="rId2">
+            <a:extLst/>
+          </a:blip>
+          <a:stretch>
+            <a:fillRect/>
+          </a:stretch>
+        </p:blipFill>
+        <p:spPr>
+          <a:xfrm>
+            <a:off x="357061" y="6489196"/>
+            <a:ext cx="12448375" cy="3146510"/>
+          </a:xfrm>
+          <a:prstGeom prst="rect">
+            <a:avLst/>
+          </a:prstGeom>
+          <a:ln w="12700">
+            <a:miter lim="400000"/>
+          </a:ln>
+        </p:spPr>
+      </p:pic>
     </p:spTree>
   </p:cSld>
   <p:clrMapOvr>
     <a:masterClrMapping/>
   </p:clrMapOvr>
-  <p:transition spd="med" advClick="1"/>
+  <p:transition xmlns:p14="http://schemas.microsoft.com/office/powerpoint/2010/main" spd="med"/>
 </p:sld>
 </file>
 
 <file path=ppt/slides/slide27.xml><?xml version="1.0" encoding="utf-8"?>
-<p:sld xmlns:a="http://schemas.openxmlformats.org/drawingml/2006/main" xmlns:r="http://schemas.openxmlformats.org/officeDocument/2006/relationships" xmlns:p="http://schemas.openxmlformats.org/presentationml/2006/main" showMasterSp="1" showMasterPhAnim="1">
+<p:sld xmlns:a="http://schemas.openxmlformats.org/drawingml/2006/main" xmlns:r="http://schemas.openxmlformats.org/officeDocument/2006/relationships" xmlns:p="http://schemas.openxmlformats.org/presentationml/2006/main">
   <p:cSld>
     <p:spTree>
       <p:nvGrpSpPr>
@@ -4587,8 +4568,10 @@
       </p:grpSpPr>
       <p:sp>
         <p:nvSpPr>
-          <p:cNvPr id="125" name="Shape 125"/>
-          <p:cNvSpPr/>
+          <p:cNvPr id="110" name="Shape 110"/>
+          <p:cNvSpPr>
+            <a:spLocks noGrp="1"/>
+          </p:cNvSpPr>
           <p:nvPr>
             <p:ph type="title"/>
           </p:nvPr>
@@ -4607,15 +4590,17 @@
             </a:pPr>
             <a:r>
               <a:rPr sz="8400"/>
-              <a:t>Algorithm vs Implementation!</a:t>
-            </a:r>
-          </a:p>
-        </p:txBody>
-      </p:sp>
-      <p:sp>
-        <p:nvSpPr>
-          <p:cNvPr id="126" name="Shape 126"/>
-          <p:cNvSpPr/>
+              <a:t>ECC</a:t>
+            </a:r>
+          </a:p>
+        </p:txBody>
+      </p:sp>
+      <p:sp>
+        <p:nvSpPr>
+          <p:cNvPr id="111" name="Shape 111"/>
+          <p:cNvSpPr>
+            <a:spLocks noGrp="1"/>
+          </p:cNvSpPr>
           <p:nvPr>
             <p:ph type="body" idx="1"/>
           </p:nvPr>
@@ -4634,7 +4619,43 @@
             </a:pPr>
             <a:r>
               <a:rPr sz="4200"/>
-              <a:t>Heartbeat</a:t>
+              <a:t>Elliptic curve cryptography (ECC)</a:t>
+            </a:r>
+          </a:p>
+          <a:p>
+            <a:pPr lvl="0">
+              <a:defRPr sz="1800"/>
+            </a:pPr>
+            <a:r>
+              <a:rPr sz="4200"/>
+              <a:t>Finding the discrete logarithm of a random elliptic curve element </a:t>
+            </a:r>
+          </a:p>
+          <a:p>
+            <a:pPr lvl="1">
+              <a:defRPr sz="1800"/>
+            </a:pPr>
+            <a:r>
+              <a:rPr sz="4200"/>
+              <a:t>Only knowing a base point </a:t>
+            </a:r>
+          </a:p>
+          <a:p>
+            <a:pPr lvl="1">
+              <a:defRPr sz="1800"/>
+            </a:pPr>
+            <a:r>
+              <a:rPr sz="4200"/>
+              <a:t>Assumed to be infeasible</a:t>
+            </a:r>
+          </a:p>
+          <a:p>
+            <a:pPr lvl="0">
+              <a:defRPr sz="1800"/>
+            </a:pPr>
+            <a:r>
+              <a:rPr sz="4200"/>
+              <a:t>Reduced key length</a:t>
             </a:r>
           </a:p>
         </p:txBody>
@@ -4644,12 +4665,12 @@
   <p:clrMapOvr>
     <a:masterClrMapping/>
   </p:clrMapOvr>
-  <p:transition spd="med" advClick="1"/>
+  <p:transition xmlns:p14="http://schemas.microsoft.com/office/powerpoint/2010/main" spd="med"/>
 </p:sld>
 </file>
 
 <file path=ppt/slides/slide28.xml><?xml version="1.0" encoding="utf-8"?>
-<p:sld xmlns:a="http://schemas.openxmlformats.org/drawingml/2006/main" xmlns:r="http://schemas.openxmlformats.org/officeDocument/2006/relationships" xmlns:p="http://schemas.openxmlformats.org/presentationml/2006/main" showMasterSp="1" showMasterPhAnim="1">
+<p:sld xmlns:a="http://schemas.openxmlformats.org/drawingml/2006/main" xmlns:r="http://schemas.openxmlformats.org/officeDocument/2006/relationships" xmlns:p="http://schemas.openxmlformats.org/presentationml/2006/main">
   <p:cSld>
     <p:spTree>
       <p:nvGrpSpPr>
@@ -4667,13 +4688,19 @@
       </p:grpSpPr>
       <p:sp>
         <p:nvSpPr>
-          <p:cNvPr id="128" name="Shape 128"/>
-          <p:cNvSpPr/>
+          <p:cNvPr id="113" name="Shape 113"/>
+          <p:cNvSpPr>
+            <a:spLocks noGrp="1"/>
+          </p:cNvSpPr>
           <p:nvPr>
             <p:ph type="title"/>
           </p:nvPr>
         </p:nvSpPr>
         <p:spPr>
+          <a:xfrm>
+            <a:off x="1270000" y="50800"/>
+            <a:ext cx="10464800" cy="2438400"/>
+          </a:xfrm>
           <a:prstGeom prst="rect">
             <a:avLst/>
           </a:prstGeom>
@@ -4687,23 +4714,25 @@
             </a:pPr>
             <a:r>
               <a:rPr sz="8400"/>
-              <a:t>Heartbeat</a:t>
-            </a:r>
-          </a:p>
-        </p:txBody>
-      </p:sp>
-      <p:sp>
-        <p:nvSpPr>
-          <p:cNvPr id="129" name="Shape 129"/>
-          <p:cNvSpPr/>
+              <a:t>Some thoughts on ECC</a:t>
+            </a:r>
+          </a:p>
+        </p:txBody>
+      </p:sp>
+      <p:sp>
+        <p:nvSpPr>
+          <p:cNvPr id="114" name="Shape 114"/>
+          <p:cNvSpPr>
+            <a:spLocks noGrp="1"/>
+          </p:cNvSpPr>
           <p:nvPr>
             <p:ph type="body" idx="1"/>
           </p:nvPr>
         </p:nvSpPr>
         <p:spPr>
           <a:xfrm>
-            <a:off x="1270000" y="5239543"/>
-            <a:ext cx="10464800" cy="3701257"/>
+            <a:off x="422274" y="2540000"/>
+            <a:ext cx="12160251" cy="7142163"/>
           </a:xfrm>
           <a:prstGeom prst="rect">
             <a:avLst/>
@@ -4718,121 +4747,74 @@
             </a:pPr>
             <a:r>
               <a:rPr sz="4200"/>
-              <a:t>payload (pl) and payload_length (payload) are controlled by attacker</a:t>
-            </a:r>
-            <a:endParaRPr sz="4200"/>
-          </a:p>
-          <a:p>
-            <a:pPr lvl="0">
-              <a:defRPr sz="1800"/>
-            </a:pPr>
-            <a:r>
-              <a:rPr sz="4200"/>
-              <a:t>memcpy will copy a part of the victim memory to the reply…</a:t>
-            </a:r>
-          </a:p>
-        </p:txBody>
-      </p:sp>
-      <p:sp>
-        <p:nvSpPr>
-          <p:cNvPr id="130" name="Shape 130"/>
-          <p:cNvSpPr/>
-          <p:nvPr/>
-        </p:nvSpPr>
-        <p:spPr>
-          <a:xfrm>
-            <a:off x="1441394" y="2273300"/>
-            <a:ext cx="10858612" cy="2540000"/>
-          </a:xfrm>
-          <a:prstGeom prst="rect">
-            <a:avLst/>
-          </a:prstGeom>
-          <a:ln w="12700">
-            <a:miter lim="400000"/>
-          </a:ln>
-          <a:extLst>
-            <a:ext uri="{C572A759-6A51-4108-AA02-DFA0A04FC94B}">
-              <ma14:wrappingTextBoxFlag xmlns:ma14="http://schemas.microsoft.com/office/mac/drawingml/2011/main" val="1"/>
-            </a:ext>
-          </a:extLst>
-        </p:spPr>
-        <p:txBody>
-          <a:bodyPr wrap="none" lIns="50800" tIns="50800" rIns="50800" bIns="50800" anchor="ctr">
-            <a:spAutoFit/>
-          </a:bodyPr>
-          <a:lstStyle/>
-          <a:p>
-            <a:pPr lvl="0">
-              <a:defRPr sz="1800"/>
-            </a:pPr>
-            <a:r>
-              <a:rPr sz="4200">
+              <a:t>Currently this is under heavy debate</a:t>
+            </a:r>
+          </a:p>
+          <a:p>
+            <a:pPr lvl="0">
+              <a:defRPr sz="1800"/>
+            </a:pPr>
+            <a:r>
+              <a:rPr sz="4200"/>
+              <a:t>Trust the Math</a:t>
+            </a:r>
+          </a:p>
+          <a:p>
+            <a:pPr lvl="0">
+              <a:defRPr sz="1800"/>
+            </a:pPr>
+            <a:r>
+              <a:rPr sz="4200"/>
+              <a:t>“Nothing Up My Sleeve Numbers”</a:t>
+            </a:r>
+          </a:p>
+          <a:p>
+            <a:pPr lvl="0">
+              <a:defRPr sz="1800"/>
+            </a:pPr>
+            <a:r>
+              <a:rPr sz="4200"/>
+              <a:t>eg. NIST P-256 (http://safecurves.cr.yp.to/rigid.html)</a:t>
+            </a:r>
+          </a:p>
+          <a:p>
+            <a:pPr lvl="0">
+              <a:defRPr sz="1800"/>
+            </a:pPr>
+            <a:r>
+              <a:rPr sz="4200"/>
+              <a:t>Coefficients generated by hashing the unexplained </a:t>
+            </a:r>
+            <a:r>
+              <a:rPr sz="3800">
                 <a:latin typeface="Gill Sans Light"/>
                 <a:ea typeface="Gill Sans Light"/>
                 <a:cs typeface="Gill Sans Light"/>
                 <a:sym typeface="Gill Sans Light"/>
               </a:rPr>
-              <a:t>/* Enter response type, length and copy payload */</a:t>
-            </a:r>
-            <a:endParaRPr sz="4200">
-              <a:latin typeface="Gill Sans Light"/>
-              <a:ea typeface="Gill Sans Light"/>
-              <a:cs typeface="Gill Sans Light"/>
-              <a:sym typeface="Gill Sans Light"/>
-            </a:endParaRPr>
-          </a:p>
-          <a:p>
-            <a:pPr lvl="0" algn="l">
-              <a:defRPr sz="1800"/>
-            </a:pPr>
-            <a:r>
-              <a:rPr sz="4200">
-                <a:latin typeface="Gill Sans Light"/>
-                <a:ea typeface="Gill Sans Light"/>
-                <a:cs typeface="Gill Sans Light"/>
-                <a:sym typeface="Gill Sans Light"/>
-              </a:rPr>
-              <a:t>*bp++ = TLS1_HB_RESPONSE;</a:t>
-            </a:r>
-            <a:endParaRPr sz="4200">
-              <a:latin typeface="Gill Sans Light"/>
-              <a:ea typeface="Gill Sans Light"/>
-              <a:cs typeface="Gill Sans Light"/>
-              <a:sym typeface="Gill Sans Light"/>
-            </a:endParaRPr>
-          </a:p>
-          <a:p>
-            <a:pPr lvl="0" algn="l">
-              <a:defRPr sz="1800"/>
-            </a:pPr>
-            <a:r>
-              <a:rPr sz="4200">
-                <a:latin typeface="Gill Sans Light"/>
-                <a:ea typeface="Gill Sans Light"/>
-                <a:cs typeface="Gill Sans Light"/>
-                <a:sym typeface="Gill Sans Light"/>
-              </a:rPr>
-              <a:t>s2n(payload, bp);</a:t>
-            </a:r>
-            <a:endParaRPr sz="4200">
-              <a:latin typeface="Gill Sans Light"/>
-              <a:ea typeface="Gill Sans Light"/>
-              <a:cs typeface="Gill Sans Light"/>
-              <a:sym typeface="Gill Sans Light"/>
-            </a:endParaRPr>
-          </a:p>
-          <a:p>
-            <a:pPr lvl="0" algn="l">
-              <a:defRPr sz="1800"/>
-            </a:pPr>
-            <a:r>
-              <a:rPr sz="4200">
-                <a:latin typeface="Gill Sans Light"/>
-                <a:ea typeface="Gill Sans Light"/>
-                <a:cs typeface="Gill Sans Light"/>
-                <a:sym typeface="Gill Sans Light"/>
-              </a:rPr>
-              <a:t>memcpy(bp, pl, payload);</a:t>
+              <a:t>seed c49d3608 86e70493 6a6678e1 139d26b7 819f7e90</a:t>
+            </a:r>
+            <a:r>
+              <a:rPr sz="4200"/>
+              <a:t>.</a:t>
+            </a:r>
+          </a:p>
+          <a:p>
+            <a:pPr lvl="0">
+              <a:defRPr sz="1800"/>
+            </a:pPr>
+            <a:r>
+              <a:rPr sz="4200"/>
+              <a:t>Might have to change settings tomorrow</a:t>
+            </a:r>
+          </a:p>
+          <a:p>
+            <a:pPr lvl="0">
+              <a:defRPr sz="1800"/>
+            </a:pPr>
+            <a:r>
+              <a:rPr sz="4200"/>
+              <a:t>Most Applications only work with NIST-Curves</a:t>
             </a:r>
           </a:p>
         </p:txBody>
@@ -4842,12 +4824,12 @@
   <p:clrMapOvr>
     <a:masterClrMapping/>
   </p:clrMapOvr>
-  <p:transition spd="med" advClick="1"/>
+  <p:transition xmlns:p14="http://schemas.microsoft.com/office/powerpoint/2010/main" spd="med"/>
 </p:sld>
 </file>
 
 <file path=ppt/slides/slide29.xml><?xml version="1.0" encoding="utf-8"?>
-<p:sld xmlns:a="http://schemas.openxmlformats.org/drawingml/2006/main" xmlns:r="http://schemas.openxmlformats.org/officeDocument/2006/relationships" xmlns:p="http://schemas.openxmlformats.org/presentationml/2006/main" showMasterSp="1" showMasterPhAnim="1">
+<p:sld xmlns:a="http://schemas.openxmlformats.org/drawingml/2006/main" xmlns:r="http://schemas.openxmlformats.org/officeDocument/2006/relationships" xmlns:p="http://schemas.openxmlformats.org/presentationml/2006/main">
   <p:cSld>
     <p:spTree>
       <p:nvGrpSpPr>
@@ -4865,8 +4847,10 @@
       </p:grpSpPr>
       <p:sp>
         <p:nvSpPr>
-          <p:cNvPr id="132" name="Shape 132"/>
-          <p:cNvSpPr/>
+          <p:cNvPr id="116" name="Shape 116"/>
+          <p:cNvSpPr>
+            <a:spLocks noGrp="1"/>
+          </p:cNvSpPr>
           <p:nvPr>
             <p:ph type="title"/>
           </p:nvPr>
@@ -4885,23 +4869,25 @@
             </a:pPr>
             <a:r>
               <a:rPr sz="8400"/>
-              <a:t>BetterCrypto CipherSuite</a:t>
-            </a:r>
-          </a:p>
-        </p:txBody>
-      </p:sp>
-      <p:sp>
-        <p:nvSpPr>
-          <p:cNvPr id="133" name="Shape 133"/>
-          <p:cNvSpPr/>
+              <a:t>SSL</a:t>
+            </a:r>
+          </a:p>
+        </p:txBody>
+      </p:sp>
+      <p:sp>
+        <p:nvSpPr>
+          <p:cNvPr id="117" name="Shape 117"/>
+          <p:cNvSpPr>
+            <a:spLocks noGrp="1"/>
+          </p:cNvSpPr>
           <p:nvPr>
             <p:ph type="body" idx="1"/>
           </p:nvPr>
         </p:nvSpPr>
         <p:spPr>
           <a:xfrm>
-            <a:off x="1270000" y="2908300"/>
-            <a:ext cx="10464800" cy="6330355"/>
+            <a:off x="1270000" y="2768600"/>
+            <a:ext cx="10464800" cy="770136"/>
           </a:xfrm>
           <a:prstGeom prst="rect">
             <a:avLst/>
@@ -4916,67 +4902,7 @@
             </a:pPr>
             <a:r>
               <a:rPr sz="4200"/>
-              <a:t>2 cipher suites</a:t>
-            </a:r>
-            <a:endParaRPr sz="4200"/>
-          </a:p>
-          <a:p>
-            <a:pPr lvl="1">
-              <a:defRPr sz="1800"/>
-            </a:pPr>
-            <a:r>
-              <a:rPr sz="4200"/>
-              <a:t>version A</a:t>
-            </a:r>
-            <a:endParaRPr sz="4200"/>
-          </a:p>
-          <a:p>
-            <a:pPr lvl="2">
-              <a:defRPr sz="1800"/>
-            </a:pPr>
-            <a:r>
-              <a:rPr sz="4200"/>
-              <a:t>stronger</a:t>
-            </a:r>
-            <a:endParaRPr sz="4200"/>
-          </a:p>
-          <a:p>
-            <a:pPr lvl="2">
-              <a:defRPr sz="1800"/>
-            </a:pPr>
-            <a:r>
-              <a:rPr sz="4200"/>
-              <a:t>less supported client</a:t>
-            </a:r>
-            <a:endParaRPr sz="4200"/>
-          </a:p>
-          <a:p>
-            <a:pPr lvl="1">
-              <a:defRPr sz="1800"/>
-            </a:pPr>
-            <a:r>
-              <a:rPr sz="4200"/>
-              <a:t>version B</a:t>
-            </a:r>
-            <a:endParaRPr sz="4200"/>
-          </a:p>
-          <a:p>
-            <a:pPr lvl="2">
-              <a:defRPr sz="1800"/>
-            </a:pPr>
-            <a:r>
-              <a:rPr sz="4200"/>
-              <a:t>weaker</a:t>
-            </a:r>
-            <a:endParaRPr sz="4200"/>
-          </a:p>
-          <a:p>
-            <a:pPr lvl="2">
-              <a:defRPr sz="1800"/>
-            </a:pPr>
-            <a:r>
-              <a:rPr sz="4200"/>
-              <a:t>more “universal”</a:t>
+              <a:t>Explain</a:t>
             </a:r>
           </a:p>
         </p:txBody>
@@ -4986,12 +4912,12 @@
   <p:clrMapOvr>
     <a:masterClrMapping/>
   </p:clrMapOvr>
-  <p:transition spd="med" advClick="1"/>
+  <p:transition xmlns:p14="http://schemas.microsoft.com/office/powerpoint/2010/main" spd="med"/>
 </p:sld>
 </file>
 
 <file path=ppt/slides/slide3.xml><?xml version="1.0" encoding="utf-8"?>
-<p:sld xmlns:a="http://schemas.openxmlformats.org/drawingml/2006/main" xmlns:r="http://schemas.openxmlformats.org/officeDocument/2006/relationships" xmlns:p="http://schemas.openxmlformats.org/presentationml/2006/main" showMasterSp="1" showMasterPhAnim="1">
+<p:sld xmlns:a="http://schemas.openxmlformats.org/drawingml/2006/main" xmlns:r="http://schemas.openxmlformats.org/officeDocument/2006/relationships" xmlns:p="http://schemas.openxmlformats.org/presentationml/2006/main">
   <p:cSld>
     <p:spTree>
       <p:nvGrpSpPr>
@@ -5010,7 +4936,9 @@
       <p:sp>
         <p:nvSpPr>
           <p:cNvPr id="46" name="Shape 46"/>
-          <p:cNvSpPr/>
+          <p:cNvSpPr>
+            <a:spLocks noGrp="1"/>
+          </p:cNvSpPr>
           <p:nvPr>
             <p:ph type="title"/>
           </p:nvPr>
@@ -5035,7 +4963,7 @@
                 <a:ea typeface="Futura"/>
                 <a:cs typeface="Futura"/>
                 <a:sym typeface="Futura"/>
-                <a:hlinkClick r:id="rId2" invalidUrl="" action="" tgtFrame="" tooltip="" history="1" highlightClick="0" endSnd="0"/>
+                <a:hlinkClick r:id="rId2"/>
               </a:defRPr>
             </a:lvl1pPr>
           </a:lstStyle>
@@ -5052,7 +4980,7 @@
                 <a:solidFill>
                   <a:srgbClr val="3F3F3F"/>
                 </a:solidFill>
-                <a:hlinkClick r:id="rId2" invalidUrl="" action="" tgtFrame="" tooltip="" history="1" highlightClick="0" endSnd="0"/>
+                <a:hlinkClick r:id="rId2"/>
               </a:rPr>
               <a:t>BetterCrypto⋅org</a:t>
             </a:r>
@@ -5062,7 +4990,9 @@
       <p:sp>
         <p:nvSpPr>
           <p:cNvPr id="47" name="Shape 47"/>
-          <p:cNvSpPr/>
+          <p:cNvSpPr>
+            <a:spLocks noGrp="1"/>
+          </p:cNvSpPr>
           <p:nvPr>
             <p:ph type="body" idx="1"/>
           </p:nvPr>
@@ -5141,12 +5071,12 @@
   <p:clrMapOvr>
     <a:masterClrMapping/>
   </p:clrMapOvr>
-  <p:transition spd="med" advClick="1"/>
+  <p:transition xmlns:p14="http://schemas.microsoft.com/office/powerpoint/2010/main" spd="med"/>
 </p:sld>
 </file>
 
 <file path=ppt/slides/slide30.xml><?xml version="1.0" encoding="utf-8"?>
-<p:sld xmlns:a="http://schemas.openxmlformats.org/drawingml/2006/main" xmlns:r="http://schemas.openxmlformats.org/officeDocument/2006/relationships" xmlns:p="http://schemas.openxmlformats.org/presentationml/2006/main" showMasterSp="1" showMasterPhAnim="1">
+<p:sld xmlns:a="http://schemas.openxmlformats.org/drawingml/2006/main" xmlns:r="http://schemas.openxmlformats.org/officeDocument/2006/relationships" xmlns:p="http://schemas.openxmlformats.org/presentationml/2006/main">
   <p:cSld>
     <p:spTree>
       <p:nvGrpSpPr>
@@ -5164,8 +5094,10 @@
       </p:grpSpPr>
       <p:sp>
         <p:nvSpPr>
-          <p:cNvPr id="135" name="Shape 135"/>
-          <p:cNvSpPr/>
+          <p:cNvPr id="119" name="Shape 119"/>
+          <p:cNvSpPr>
+            <a:spLocks noGrp="1"/>
+          </p:cNvSpPr>
           <p:nvPr>
             <p:ph type="title"/>
           </p:nvPr>
@@ -5184,23 +5116,25 @@
             </a:pPr>
             <a:r>
               <a:rPr sz="8400"/>
-              <a:t>Cipher Suite A</a:t>
-            </a:r>
-          </a:p>
-        </p:txBody>
-      </p:sp>
-      <p:sp>
-        <p:nvSpPr>
-          <p:cNvPr id="136" name="Shape 136"/>
-          <p:cNvSpPr/>
+              <a:t>Stream vs Block Cipher</a:t>
+            </a:r>
+          </a:p>
+        </p:txBody>
+      </p:sp>
+      <p:sp>
+        <p:nvSpPr>
+          <p:cNvPr id="120" name="Shape 120"/>
+          <p:cNvSpPr>
+            <a:spLocks noGrp="1"/>
+          </p:cNvSpPr>
           <p:nvPr>
             <p:ph type="body" idx="1"/>
           </p:nvPr>
         </p:nvSpPr>
         <p:spPr>
           <a:xfrm>
-            <a:off x="1270000" y="2501900"/>
-            <a:ext cx="10464800" cy="4216400"/>
+            <a:off x="1270000" y="2095500"/>
+            <a:ext cx="10464800" cy="7417148"/>
           </a:xfrm>
           <a:prstGeom prst="rect">
             <a:avLst/>
@@ -5215,79 +5149,85 @@
             </a:pPr>
             <a:r>
               <a:rPr sz="4200"/>
-              <a:t>TLS 1.2</a:t>
-            </a:r>
-            <a:endParaRPr sz="4200"/>
-          </a:p>
-          <a:p>
-            <a:pPr lvl="0">
-              <a:defRPr sz="1800"/>
-            </a:pPr>
-            <a:r>
-              <a:rPr sz="4200"/>
-              <a:t>Perfect forward secrecy / ephemeral Diffie Hellman</a:t>
-            </a:r>
-            <a:endParaRPr sz="4200"/>
-          </a:p>
-          <a:p>
-            <a:pPr lvl="0">
-              <a:defRPr sz="1800"/>
-            </a:pPr>
-            <a:r>
-              <a:rPr sz="4200"/>
-              <a:t>Strong MACs (SHA-2) or</a:t>
-            </a:r>
-            <a:endParaRPr sz="4200"/>
-          </a:p>
-          <a:p>
-            <a:pPr lvl="0">
-              <a:defRPr sz="1800"/>
-            </a:pPr>
-            <a:r>
-              <a:rPr sz="4200"/>
-              <a:t>GCM as Authenticated Encryption scheme</a:t>
-            </a:r>
-          </a:p>
-        </p:txBody>
-      </p:sp>
-      <p:pic>
-        <p:nvPicPr>
-          <p:cNvPr id="137" name="pasted-image.pdf"/>
-          <p:cNvPicPr/>
-          <p:nvPr/>
-        </p:nvPicPr>
-        <p:blipFill>
-          <a:blip r:embed="rId2">
-            <a:extLst/>
-          </a:blip>
-          <a:stretch>
-            <a:fillRect/>
-          </a:stretch>
-        </p:blipFill>
-        <p:spPr>
-          <a:xfrm>
-            <a:off x="356578" y="7020837"/>
-            <a:ext cx="12291644" cy="2438401"/>
-          </a:xfrm>
-          <a:prstGeom prst="rect">
-            <a:avLst/>
-          </a:prstGeom>
-          <a:ln w="12700">
-            <a:miter lim="400000"/>
-          </a:ln>
-        </p:spPr>
-      </p:pic>
+              <a:t>Stream cipher</a:t>
+            </a:r>
+          </a:p>
+          <a:p>
+            <a:pPr lvl="1">
+              <a:defRPr sz="1800"/>
+            </a:pPr>
+            <a:r>
+              <a:rPr sz="4200"/>
+              <a:t>Generate an “infinite” key stream</a:t>
+            </a:r>
+          </a:p>
+          <a:p>
+            <a:pPr lvl="1">
+              <a:defRPr sz="1800"/>
+            </a:pPr>
+            <a:r>
+              <a:rPr sz="4200"/>
+              <a:t>Difficult to correctly use</a:t>
+            </a:r>
+          </a:p>
+          <a:p>
+            <a:pPr lvl="2">
+              <a:defRPr sz="1800"/>
+            </a:pPr>
+            <a:r>
+              <a:rPr sz="4200"/>
+              <a:t>Re-use of keys</a:t>
+            </a:r>
+          </a:p>
+          <a:p>
+            <a:pPr lvl="1">
+              <a:defRPr sz="1800"/>
+            </a:pPr>
+            <a:r>
+              <a:rPr sz="4200"/>
+              <a:t>Faster</a:t>
+            </a:r>
+          </a:p>
+          <a:p>
+            <a:pPr lvl="0">
+              <a:defRPr sz="1800"/>
+            </a:pPr>
+            <a:r>
+              <a:rPr sz="4200"/>
+              <a:t>Block cipher</a:t>
+            </a:r>
+          </a:p>
+          <a:p>
+            <a:pPr lvl="1">
+              <a:defRPr sz="1800"/>
+            </a:pPr>
+            <a:r>
+              <a:rPr sz="4200"/>
+              <a:t>Cipher by block with padding</a:t>
+            </a:r>
+          </a:p>
+          <a:p>
+            <a:pPr lvl="1">
+              <a:defRPr sz="1800"/>
+            </a:pPr>
+            <a:r>
+              <a:rPr sz="4200"/>
+              <a:t>Could include integrity protection</a:t>
+            </a:r>
+          </a:p>
+        </p:txBody>
+      </p:sp>
     </p:spTree>
   </p:cSld>
   <p:clrMapOvr>
     <a:masterClrMapping/>
   </p:clrMapOvr>
-  <p:transition spd="med" advClick="1"/>
+  <p:transition xmlns:p14="http://schemas.microsoft.com/office/powerpoint/2010/main" spd="med"/>
 </p:sld>
 </file>
 
 <file path=ppt/slides/slide31.xml><?xml version="1.0" encoding="utf-8"?>
-<p:sld xmlns:a="http://schemas.openxmlformats.org/drawingml/2006/main" xmlns:r="http://schemas.openxmlformats.org/officeDocument/2006/relationships" xmlns:p="http://schemas.openxmlformats.org/presentationml/2006/main" showMasterSp="1" showMasterPhAnim="1">
+<p:sld xmlns:a="http://schemas.openxmlformats.org/drawingml/2006/main" xmlns:r="http://schemas.openxmlformats.org/officeDocument/2006/relationships" xmlns:p="http://schemas.openxmlformats.org/presentationml/2006/main">
   <p:cSld>
     <p:spTree>
       <p:nvGrpSpPr>
@@ -5305,8 +5245,10 @@
       </p:grpSpPr>
       <p:sp>
         <p:nvSpPr>
-          <p:cNvPr id="139" name="Shape 139"/>
-          <p:cNvSpPr/>
+          <p:cNvPr id="122" name="Shape 122"/>
+          <p:cNvSpPr>
+            <a:spLocks noGrp="1"/>
+          </p:cNvSpPr>
           <p:nvPr>
             <p:ph type="title"/>
           </p:nvPr>
@@ -5325,23 +5267,25 @@
             </a:pPr>
             <a:r>
               <a:rPr sz="8400"/>
-              <a:t>CiperSuite B</a:t>
-            </a:r>
-          </a:p>
-        </p:txBody>
-      </p:sp>
-      <p:sp>
-        <p:nvSpPr>
-          <p:cNvPr id="140" name="Shape 140"/>
-          <p:cNvSpPr/>
+              <a:t>Some algorithms</a:t>
+            </a:r>
+          </a:p>
+        </p:txBody>
+      </p:sp>
+      <p:sp>
+        <p:nvSpPr>
+          <p:cNvPr id="123" name="Shape 123"/>
+          <p:cNvSpPr>
+            <a:spLocks noGrp="1"/>
+          </p:cNvSpPr>
           <p:nvPr>
             <p:ph type="body" idx="1"/>
           </p:nvPr>
         </p:nvSpPr>
         <p:spPr>
           <a:xfrm>
-            <a:off x="1270000" y="4597474"/>
-            <a:ext cx="10464800" cy="2057252"/>
+            <a:off x="1270000" y="2209800"/>
+            <a:ext cx="10464800" cy="6832600"/>
           </a:xfrm>
           <a:prstGeom prst="rect">
             <a:avLst/>
@@ -5356,17 +5300,52 @@
             </a:pPr>
             <a:r>
               <a:rPr sz="4200"/>
-              <a:t>TLS 1.2, TLS 1.1, TLS 1.0</a:t>
-            </a:r>
-            <a:endParaRPr sz="4200"/>
-          </a:p>
-          <a:p>
-            <a:pPr lvl="0">
-              <a:defRPr sz="1800"/>
-            </a:pPr>
-            <a:r>
-              <a:rPr sz="4200"/>
-              <a:t>Allowing SHA-1</a:t>
+              <a:t>Symetric</a:t>
+            </a:r>
+          </a:p>
+          <a:p>
+            <a:pPr lvl="1">
+              <a:defRPr sz="1800"/>
+            </a:pPr>
+            <a:r>
+              <a:rPr sz="4200"/>
+              <a:t>AES (Rijndael)</a:t>
+            </a:r>
+          </a:p>
+          <a:p>
+            <a:pPr lvl="1">
+              <a:defRPr sz="1800"/>
+            </a:pPr>
+            <a:r>
+              <a:rPr sz="4200"/>
+              <a:t>Camellia</a:t>
+            </a:r>
+          </a:p>
+          <a:p>
+            <a:pPr lvl="0">
+              <a:defRPr sz="1800"/>
+            </a:pPr>
+            <a:r>
+              <a:rPr sz="4200"/>
+              <a:t>Asymetric</a:t>
+            </a:r>
+          </a:p>
+          <a:p>
+            <a:pPr lvl="1">
+              <a:defRPr sz="1800"/>
+            </a:pPr>
+            <a:r>
+              <a:rPr sz="4200"/>
+              <a:t>GPG / PGP</a:t>
+            </a:r>
+          </a:p>
+          <a:p>
+            <a:pPr lvl="1">
+              <a:defRPr sz="1800"/>
+            </a:pPr>
+            <a:r>
+              <a:rPr sz="4200"/>
+              <a:t>RSA</a:t>
             </a:r>
           </a:p>
         </p:txBody>
@@ -5376,12 +5355,12 @@
   <p:clrMapOvr>
     <a:masterClrMapping/>
   </p:clrMapOvr>
-  <p:transition spd="med" advClick="1"/>
+  <p:transition xmlns:p14="http://schemas.microsoft.com/office/powerpoint/2010/main" spd="med"/>
 </p:sld>
 </file>
 
 <file path=ppt/slides/slide32.xml><?xml version="1.0" encoding="utf-8"?>
-<p:sld xmlns:a="http://schemas.openxmlformats.org/drawingml/2006/main" xmlns:r="http://schemas.openxmlformats.org/officeDocument/2006/relationships" xmlns:p="http://schemas.openxmlformats.org/presentationml/2006/main" showMasterSp="1" showMasterPhAnim="1">
+<p:sld xmlns:a="http://schemas.openxmlformats.org/drawingml/2006/main" xmlns:r="http://schemas.openxmlformats.org/officeDocument/2006/relationships" xmlns:p="http://schemas.openxmlformats.org/presentationml/2006/main">
   <p:cSld>
     <p:spTree>
       <p:nvGrpSpPr>
@@ -5399,8 +5378,10 @@
       </p:grpSpPr>
       <p:sp>
         <p:nvSpPr>
-          <p:cNvPr id="142" name="Shape 142"/>
-          <p:cNvSpPr/>
+          <p:cNvPr id="125" name="Shape 125"/>
+          <p:cNvSpPr>
+            <a:spLocks noGrp="1"/>
+          </p:cNvSpPr>
           <p:nvPr>
             <p:ph type="title"/>
           </p:nvPr>
@@ -5419,49 +5400,51 @@
             </a:pPr>
             <a:r>
               <a:rPr sz="8400"/>
-              <a:t>Cipher Suite B</a:t>
-            </a:r>
-          </a:p>
-        </p:txBody>
-      </p:sp>
-      <p:pic>
-        <p:nvPicPr>
-          <p:cNvPr id="143" name="pasted-image.pdf"/>
-          <p:cNvPicPr/>
-          <p:nvPr/>
-        </p:nvPicPr>
-        <p:blipFill>
-          <a:blip r:embed="rId2">
-            <a:extLst/>
-          </a:blip>
-          <a:stretch>
-            <a:fillRect/>
-          </a:stretch>
-        </p:blipFill>
-        <p:spPr>
-          <a:xfrm>
-            <a:off x="696412" y="2135648"/>
-            <a:ext cx="11611976" cy="7623047"/>
-          </a:xfrm>
-          <a:prstGeom prst="rect">
-            <a:avLst/>
-          </a:prstGeom>
-          <a:ln w="12700">
-            <a:miter lim="400000"/>
-          </a:ln>
-        </p:spPr>
-      </p:pic>
+              <a:t>Algorithm vs Implementation!</a:t>
+            </a:r>
+          </a:p>
+        </p:txBody>
+      </p:sp>
+      <p:sp>
+        <p:nvSpPr>
+          <p:cNvPr id="126" name="Shape 126"/>
+          <p:cNvSpPr>
+            <a:spLocks noGrp="1"/>
+          </p:cNvSpPr>
+          <p:nvPr>
+            <p:ph type="body" idx="1"/>
+          </p:nvPr>
+        </p:nvSpPr>
+        <p:spPr>
+          <a:prstGeom prst="rect">
+            <a:avLst/>
+          </a:prstGeom>
+        </p:spPr>
+        <p:txBody>
+          <a:bodyPr/>
+          <a:lstStyle/>
+          <a:p>
+            <a:pPr lvl="0">
+              <a:defRPr sz="1800"/>
+            </a:pPr>
+            <a:r>
+              <a:rPr sz="4200"/>
+              <a:t>Heartbeat</a:t>
+            </a:r>
+          </a:p>
+        </p:txBody>
+      </p:sp>
     </p:spTree>
   </p:cSld>
   <p:clrMapOvr>
     <a:masterClrMapping/>
   </p:clrMapOvr>
-  <p:transition spd="med" advClick="1"/>
+  <p:transition xmlns:p14="http://schemas.microsoft.com/office/powerpoint/2010/main" spd="med"/>
 </p:sld>
 </file>
 
 <file path=ppt/slides/slide33.xml><?xml version="1.0" encoding="utf-8"?>
-<p:sld xmlns:a="http://schemas.openxmlformats.org/drawingml/2006/main" xmlns:r="http://schemas.openxmlformats.org/officeDocument/2006/relationships" xmlns:p="http://schemas.openxmlformats.org/presentationml/2006/main" showMasterSp="1" showMasterPhAnim="1">
+<p:sld xmlns:a="http://schemas.openxmlformats.org/drawingml/2006/main" xmlns:r="http://schemas.openxmlformats.org/officeDocument/2006/relationships" xmlns:p="http://schemas.openxmlformats.org/presentationml/2006/main">
   <p:cSld>
     <p:spTree>
       <p:nvGrpSpPr>
@@ -5479,8 +5462,10 @@
       </p:grpSpPr>
       <p:sp>
         <p:nvSpPr>
-          <p:cNvPr id="145" name="Shape 145"/>
-          <p:cNvSpPr/>
+          <p:cNvPr id="128" name="Shape 128"/>
+          <p:cNvSpPr>
+            <a:spLocks noGrp="1"/>
+          </p:cNvSpPr>
           <p:nvPr>
             <p:ph type="title"/>
           </p:nvPr>
@@ -5499,6 +5484,652 @@
             </a:pPr>
             <a:r>
               <a:rPr sz="8400"/>
+              <a:t>Heartbeat</a:t>
+            </a:r>
+          </a:p>
+        </p:txBody>
+      </p:sp>
+      <p:sp>
+        <p:nvSpPr>
+          <p:cNvPr id="129" name="Shape 129"/>
+          <p:cNvSpPr>
+            <a:spLocks noGrp="1"/>
+          </p:cNvSpPr>
+          <p:nvPr>
+            <p:ph type="body" idx="1"/>
+          </p:nvPr>
+        </p:nvSpPr>
+        <p:spPr>
+          <a:xfrm>
+            <a:off x="1270000" y="5239543"/>
+            <a:ext cx="10464800" cy="3701257"/>
+          </a:xfrm>
+          <a:prstGeom prst="rect">
+            <a:avLst/>
+          </a:prstGeom>
+        </p:spPr>
+        <p:txBody>
+          <a:bodyPr/>
+          <a:lstStyle/>
+          <a:p>
+            <a:pPr lvl="0">
+              <a:defRPr sz="1800"/>
+            </a:pPr>
+            <a:r>
+              <a:rPr sz="4200"/>
+              <a:t>payload (pl) and payload_length (payload) are controlled by attacker</a:t>
+            </a:r>
+          </a:p>
+          <a:p>
+            <a:pPr lvl="0">
+              <a:defRPr sz="1800"/>
+            </a:pPr>
+            <a:r>
+              <a:rPr sz="4200"/>
+              <a:t>memcpy will copy a part of the victim memory to the reply…</a:t>
+            </a:r>
+          </a:p>
+        </p:txBody>
+      </p:sp>
+      <p:sp>
+        <p:nvSpPr>
+          <p:cNvPr id="130" name="Shape 130"/>
+          <p:cNvSpPr/>
+          <p:nvPr/>
+        </p:nvSpPr>
+        <p:spPr>
+          <a:xfrm>
+            <a:off x="1441394" y="2273300"/>
+            <a:ext cx="10858612" cy="2540000"/>
+          </a:xfrm>
+          <a:prstGeom prst="rect">
+            <a:avLst/>
+          </a:prstGeom>
+          <a:ln w="12700">
+            <a:miter lim="400000"/>
+          </a:ln>
+          <a:extLst>
+            <a:ext uri="{C572A759-6A51-4108-AA02-DFA0A04FC94B}">
+              <ma14:wrappingTextBoxFlag xmlns:ma14="http://schemas.microsoft.com/office/mac/drawingml/2011/main" val="1"/>
+            </a:ext>
+          </a:extLst>
+        </p:spPr>
+        <p:txBody>
+          <a:bodyPr wrap="none" lIns="50800" tIns="50800" rIns="50800" bIns="50800" anchor="ctr">
+            <a:spAutoFit/>
+          </a:bodyPr>
+          <a:lstStyle/>
+          <a:p>
+            <a:pPr lvl="0">
+              <a:defRPr sz="1800"/>
+            </a:pPr>
+            <a:r>
+              <a:rPr sz="4200">
+                <a:latin typeface="Gill Sans Light"/>
+                <a:ea typeface="Gill Sans Light"/>
+                <a:cs typeface="Gill Sans Light"/>
+                <a:sym typeface="Gill Sans Light"/>
+              </a:rPr>
+              <a:t>/* Enter response type, length and copy payload */</a:t>
+            </a:r>
+          </a:p>
+          <a:p>
+            <a:pPr lvl="0" algn="l">
+              <a:defRPr sz="1800"/>
+            </a:pPr>
+            <a:r>
+              <a:rPr sz="4200">
+                <a:latin typeface="Gill Sans Light"/>
+                <a:ea typeface="Gill Sans Light"/>
+                <a:cs typeface="Gill Sans Light"/>
+                <a:sym typeface="Gill Sans Light"/>
+              </a:rPr>
+              <a:t>*bp++ = TLS1_HB_RESPONSE;</a:t>
+            </a:r>
+          </a:p>
+          <a:p>
+            <a:pPr lvl="0" algn="l">
+              <a:defRPr sz="1800"/>
+            </a:pPr>
+            <a:r>
+              <a:rPr sz="4200">
+                <a:latin typeface="Gill Sans Light"/>
+                <a:ea typeface="Gill Sans Light"/>
+                <a:cs typeface="Gill Sans Light"/>
+                <a:sym typeface="Gill Sans Light"/>
+              </a:rPr>
+              <a:t>s2n(payload, bp);</a:t>
+            </a:r>
+          </a:p>
+          <a:p>
+            <a:pPr lvl="0" algn="l">
+              <a:defRPr sz="1800"/>
+            </a:pPr>
+            <a:r>
+              <a:rPr sz="4200">
+                <a:latin typeface="Gill Sans Light"/>
+                <a:ea typeface="Gill Sans Light"/>
+                <a:cs typeface="Gill Sans Light"/>
+                <a:sym typeface="Gill Sans Light"/>
+              </a:rPr>
+              <a:t>memcpy(bp, pl, payload);</a:t>
+            </a:r>
+          </a:p>
+        </p:txBody>
+      </p:sp>
+    </p:spTree>
+  </p:cSld>
+  <p:clrMapOvr>
+    <a:masterClrMapping/>
+  </p:clrMapOvr>
+  <p:transition xmlns:p14="http://schemas.microsoft.com/office/powerpoint/2010/main" spd="med"/>
+</p:sld>
+</file>
+
+<file path=ppt/slides/slide34.xml><?xml version="1.0" encoding="utf-8"?>
+<p:sld xmlns:a="http://schemas.openxmlformats.org/drawingml/2006/main" xmlns:r="http://schemas.openxmlformats.org/officeDocument/2006/relationships" xmlns:p="http://schemas.openxmlformats.org/presentationml/2006/main">
+  <p:cSld>
+    <p:spTree>
+      <p:nvGrpSpPr>
+        <p:cNvPr id="1" name=""/>
+        <p:cNvGrpSpPr/>
+        <p:nvPr/>
+      </p:nvGrpSpPr>
+      <p:grpSpPr>
+        <a:xfrm>
+          <a:off x="0" y="0"/>
+          <a:ext cx="0" cy="0"/>
+          <a:chOff x="0" y="0"/>
+          <a:chExt cx="0" cy="0"/>
+        </a:xfrm>
+      </p:grpSpPr>
+      <p:sp>
+        <p:nvSpPr>
+          <p:cNvPr id="132" name="Shape 132"/>
+          <p:cNvSpPr>
+            <a:spLocks noGrp="1"/>
+          </p:cNvSpPr>
+          <p:nvPr>
+            <p:ph type="title"/>
+          </p:nvPr>
+        </p:nvSpPr>
+        <p:spPr>
+          <a:prstGeom prst="rect">
+            <a:avLst/>
+          </a:prstGeom>
+        </p:spPr>
+        <p:txBody>
+          <a:bodyPr/>
+          <a:lstStyle/>
+          <a:p>
+            <a:pPr lvl="0">
+              <a:defRPr sz="1800"/>
+            </a:pPr>
+            <a:r>
+              <a:rPr sz="8400"/>
+              <a:t>BetterCrypto CipherSuite</a:t>
+            </a:r>
+          </a:p>
+        </p:txBody>
+      </p:sp>
+      <p:sp>
+        <p:nvSpPr>
+          <p:cNvPr id="133" name="Shape 133"/>
+          <p:cNvSpPr>
+            <a:spLocks noGrp="1"/>
+          </p:cNvSpPr>
+          <p:nvPr>
+            <p:ph type="body" idx="1"/>
+          </p:nvPr>
+        </p:nvSpPr>
+        <p:spPr>
+          <a:xfrm>
+            <a:off x="1270000" y="2908300"/>
+            <a:ext cx="10464800" cy="6330355"/>
+          </a:xfrm>
+          <a:prstGeom prst="rect">
+            <a:avLst/>
+          </a:prstGeom>
+        </p:spPr>
+        <p:txBody>
+          <a:bodyPr/>
+          <a:lstStyle/>
+          <a:p>
+            <a:pPr lvl="0">
+              <a:defRPr sz="1800"/>
+            </a:pPr>
+            <a:r>
+              <a:rPr sz="4200"/>
+              <a:t>2 cipher suites</a:t>
+            </a:r>
+          </a:p>
+          <a:p>
+            <a:pPr lvl="1">
+              <a:defRPr sz="1800"/>
+            </a:pPr>
+            <a:r>
+              <a:rPr sz="4200"/>
+              <a:t>version A</a:t>
+            </a:r>
+          </a:p>
+          <a:p>
+            <a:pPr lvl="2">
+              <a:defRPr sz="1800"/>
+            </a:pPr>
+            <a:r>
+              <a:rPr sz="4200"/>
+              <a:t>stronger</a:t>
+            </a:r>
+          </a:p>
+          <a:p>
+            <a:pPr lvl="2">
+              <a:defRPr sz="1800"/>
+            </a:pPr>
+            <a:r>
+              <a:rPr sz="4200"/>
+              <a:t>less supported client</a:t>
+            </a:r>
+          </a:p>
+          <a:p>
+            <a:pPr lvl="1">
+              <a:defRPr sz="1800"/>
+            </a:pPr>
+            <a:r>
+              <a:rPr sz="4200"/>
+              <a:t>version B</a:t>
+            </a:r>
+          </a:p>
+          <a:p>
+            <a:pPr lvl="2">
+              <a:defRPr sz="1800"/>
+            </a:pPr>
+            <a:r>
+              <a:rPr sz="4200"/>
+              <a:t>weaker</a:t>
+            </a:r>
+          </a:p>
+          <a:p>
+            <a:pPr lvl="2">
+              <a:defRPr sz="1800"/>
+            </a:pPr>
+            <a:r>
+              <a:rPr sz="4200"/>
+              <a:t>more “universal”</a:t>
+            </a:r>
+          </a:p>
+        </p:txBody>
+      </p:sp>
+    </p:spTree>
+  </p:cSld>
+  <p:clrMapOvr>
+    <a:masterClrMapping/>
+  </p:clrMapOvr>
+  <p:transition xmlns:p14="http://schemas.microsoft.com/office/powerpoint/2010/main" spd="med"/>
+</p:sld>
+</file>
+
+<file path=ppt/slides/slide35.xml><?xml version="1.0" encoding="utf-8"?>
+<p:sld xmlns:a="http://schemas.openxmlformats.org/drawingml/2006/main" xmlns:r="http://schemas.openxmlformats.org/officeDocument/2006/relationships" xmlns:p="http://schemas.openxmlformats.org/presentationml/2006/main">
+  <p:cSld>
+    <p:spTree>
+      <p:nvGrpSpPr>
+        <p:cNvPr id="1" name=""/>
+        <p:cNvGrpSpPr/>
+        <p:nvPr/>
+      </p:nvGrpSpPr>
+      <p:grpSpPr>
+        <a:xfrm>
+          <a:off x="0" y="0"/>
+          <a:ext cx="0" cy="0"/>
+          <a:chOff x="0" y="0"/>
+          <a:chExt cx="0" cy="0"/>
+        </a:xfrm>
+      </p:grpSpPr>
+      <p:sp>
+        <p:nvSpPr>
+          <p:cNvPr id="135" name="Shape 135"/>
+          <p:cNvSpPr>
+            <a:spLocks noGrp="1"/>
+          </p:cNvSpPr>
+          <p:nvPr>
+            <p:ph type="title"/>
+          </p:nvPr>
+        </p:nvSpPr>
+        <p:spPr>
+          <a:prstGeom prst="rect">
+            <a:avLst/>
+          </a:prstGeom>
+        </p:spPr>
+        <p:txBody>
+          <a:bodyPr/>
+          <a:lstStyle/>
+          <a:p>
+            <a:pPr lvl="0">
+              <a:defRPr sz="1800"/>
+            </a:pPr>
+            <a:r>
+              <a:rPr sz="8400"/>
+              <a:t>Cipher Suite A</a:t>
+            </a:r>
+          </a:p>
+        </p:txBody>
+      </p:sp>
+      <p:sp>
+        <p:nvSpPr>
+          <p:cNvPr id="136" name="Shape 136"/>
+          <p:cNvSpPr>
+            <a:spLocks noGrp="1"/>
+          </p:cNvSpPr>
+          <p:nvPr>
+            <p:ph type="body" idx="1"/>
+          </p:nvPr>
+        </p:nvSpPr>
+        <p:spPr>
+          <a:xfrm>
+            <a:off x="1270000" y="2501900"/>
+            <a:ext cx="10464800" cy="4216400"/>
+          </a:xfrm>
+          <a:prstGeom prst="rect">
+            <a:avLst/>
+          </a:prstGeom>
+        </p:spPr>
+        <p:txBody>
+          <a:bodyPr/>
+          <a:lstStyle/>
+          <a:p>
+            <a:pPr lvl="0">
+              <a:defRPr sz="1800"/>
+            </a:pPr>
+            <a:r>
+              <a:rPr sz="4200"/>
+              <a:t>TLS 1.2</a:t>
+            </a:r>
+          </a:p>
+          <a:p>
+            <a:pPr lvl="0">
+              <a:defRPr sz="1800"/>
+            </a:pPr>
+            <a:r>
+              <a:rPr sz="4200"/>
+              <a:t>Perfect forward secrecy / ephemeral Diffie Hellman</a:t>
+            </a:r>
+          </a:p>
+          <a:p>
+            <a:pPr lvl="0">
+              <a:defRPr sz="1800"/>
+            </a:pPr>
+            <a:r>
+              <a:rPr sz="4200"/>
+              <a:t>Strong MACs (SHA-2) or</a:t>
+            </a:r>
+          </a:p>
+          <a:p>
+            <a:pPr lvl="0">
+              <a:defRPr sz="1800"/>
+            </a:pPr>
+            <a:r>
+              <a:rPr sz="4200"/>
+              <a:t>GCM as Authenticated Encryption scheme</a:t>
+            </a:r>
+          </a:p>
+        </p:txBody>
+      </p:sp>
+      <p:pic>
+        <p:nvPicPr>
+          <p:cNvPr id="137" name="pasted-image.pdf"/>
+          <p:cNvPicPr/>
+          <p:nvPr/>
+        </p:nvPicPr>
+        <p:blipFill>
+          <a:blip r:embed="rId2">
+            <a:extLst/>
+          </a:blip>
+          <a:stretch>
+            <a:fillRect/>
+          </a:stretch>
+        </p:blipFill>
+        <p:spPr>
+          <a:xfrm>
+            <a:off x="356578" y="7020837"/>
+            <a:ext cx="12291644" cy="2438401"/>
+          </a:xfrm>
+          <a:prstGeom prst="rect">
+            <a:avLst/>
+          </a:prstGeom>
+          <a:ln w="12700">
+            <a:miter lim="400000"/>
+          </a:ln>
+        </p:spPr>
+      </p:pic>
+    </p:spTree>
+  </p:cSld>
+  <p:clrMapOvr>
+    <a:masterClrMapping/>
+  </p:clrMapOvr>
+  <p:transition xmlns:p14="http://schemas.microsoft.com/office/powerpoint/2010/main" spd="med"/>
+</p:sld>
+</file>
+
+<file path=ppt/slides/slide36.xml><?xml version="1.0" encoding="utf-8"?>
+<p:sld xmlns:a="http://schemas.openxmlformats.org/drawingml/2006/main" xmlns:r="http://schemas.openxmlformats.org/officeDocument/2006/relationships" xmlns:p="http://schemas.openxmlformats.org/presentationml/2006/main">
+  <p:cSld>
+    <p:spTree>
+      <p:nvGrpSpPr>
+        <p:cNvPr id="1" name=""/>
+        <p:cNvGrpSpPr/>
+        <p:nvPr/>
+      </p:nvGrpSpPr>
+      <p:grpSpPr>
+        <a:xfrm>
+          <a:off x="0" y="0"/>
+          <a:ext cx="0" cy="0"/>
+          <a:chOff x="0" y="0"/>
+          <a:chExt cx="0" cy="0"/>
+        </a:xfrm>
+      </p:grpSpPr>
+      <p:sp>
+        <p:nvSpPr>
+          <p:cNvPr id="139" name="Shape 139"/>
+          <p:cNvSpPr>
+            <a:spLocks noGrp="1"/>
+          </p:cNvSpPr>
+          <p:nvPr>
+            <p:ph type="title"/>
+          </p:nvPr>
+        </p:nvSpPr>
+        <p:spPr>
+          <a:prstGeom prst="rect">
+            <a:avLst/>
+          </a:prstGeom>
+        </p:spPr>
+        <p:txBody>
+          <a:bodyPr/>
+          <a:lstStyle/>
+          <a:p>
+            <a:pPr lvl="0">
+              <a:defRPr sz="1800"/>
+            </a:pPr>
+            <a:r>
+              <a:rPr sz="8400"/>
+              <a:t>CiperSuite B</a:t>
+            </a:r>
+          </a:p>
+        </p:txBody>
+      </p:sp>
+      <p:sp>
+        <p:nvSpPr>
+          <p:cNvPr id="140" name="Shape 140"/>
+          <p:cNvSpPr>
+            <a:spLocks noGrp="1"/>
+          </p:cNvSpPr>
+          <p:nvPr>
+            <p:ph type="body" idx="1"/>
+          </p:nvPr>
+        </p:nvSpPr>
+        <p:spPr>
+          <a:xfrm>
+            <a:off x="1270000" y="4597474"/>
+            <a:ext cx="10464800" cy="2057252"/>
+          </a:xfrm>
+          <a:prstGeom prst="rect">
+            <a:avLst/>
+          </a:prstGeom>
+        </p:spPr>
+        <p:txBody>
+          <a:bodyPr/>
+          <a:lstStyle/>
+          <a:p>
+            <a:pPr lvl="0">
+              <a:defRPr sz="1800"/>
+            </a:pPr>
+            <a:r>
+              <a:rPr sz="4200"/>
+              <a:t>TLS 1.2, TLS 1.1, TLS 1.0</a:t>
+            </a:r>
+          </a:p>
+          <a:p>
+            <a:pPr lvl="0">
+              <a:defRPr sz="1800"/>
+            </a:pPr>
+            <a:r>
+              <a:rPr sz="4200"/>
+              <a:t>Allowing SHA-1</a:t>
+            </a:r>
+          </a:p>
+        </p:txBody>
+      </p:sp>
+    </p:spTree>
+  </p:cSld>
+  <p:clrMapOvr>
+    <a:masterClrMapping/>
+  </p:clrMapOvr>
+  <p:transition xmlns:p14="http://schemas.microsoft.com/office/powerpoint/2010/main" spd="med"/>
+</p:sld>
+</file>
+
+<file path=ppt/slides/slide37.xml><?xml version="1.0" encoding="utf-8"?>
+<p:sld xmlns:a="http://schemas.openxmlformats.org/drawingml/2006/main" xmlns:r="http://schemas.openxmlformats.org/officeDocument/2006/relationships" xmlns:p="http://schemas.openxmlformats.org/presentationml/2006/main">
+  <p:cSld>
+    <p:spTree>
+      <p:nvGrpSpPr>
+        <p:cNvPr id="1" name=""/>
+        <p:cNvGrpSpPr/>
+        <p:nvPr/>
+      </p:nvGrpSpPr>
+      <p:grpSpPr>
+        <a:xfrm>
+          <a:off x="0" y="0"/>
+          <a:ext cx="0" cy="0"/>
+          <a:chOff x="0" y="0"/>
+          <a:chExt cx="0" cy="0"/>
+        </a:xfrm>
+      </p:grpSpPr>
+      <p:sp>
+        <p:nvSpPr>
+          <p:cNvPr id="142" name="Shape 142"/>
+          <p:cNvSpPr>
+            <a:spLocks noGrp="1"/>
+          </p:cNvSpPr>
+          <p:nvPr>
+            <p:ph type="title"/>
+          </p:nvPr>
+        </p:nvSpPr>
+        <p:spPr>
+          <a:prstGeom prst="rect">
+            <a:avLst/>
+          </a:prstGeom>
+        </p:spPr>
+        <p:txBody>
+          <a:bodyPr/>
+          <a:lstStyle/>
+          <a:p>
+            <a:pPr lvl="0">
+              <a:defRPr sz="1800"/>
+            </a:pPr>
+            <a:r>
+              <a:rPr sz="8400"/>
+              <a:t>Cipher Suite B</a:t>
+            </a:r>
+          </a:p>
+        </p:txBody>
+      </p:sp>
+      <p:pic>
+        <p:nvPicPr>
+          <p:cNvPr id="143" name="pasted-image.pdf"/>
+          <p:cNvPicPr/>
+          <p:nvPr/>
+        </p:nvPicPr>
+        <p:blipFill>
+          <a:blip r:embed="rId2">
+            <a:extLst/>
+          </a:blip>
+          <a:stretch>
+            <a:fillRect/>
+          </a:stretch>
+        </p:blipFill>
+        <p:spPr>
+          <a:xfrm>
+            <a:off x="696412" y="2135648"/>
+            <a:ext cx="11611976" cy="7623047"/>
+          </a:xfrm>
+          <a:prstGeom prst="rect">
+            <a:avLst/>
+          </a:prstGeom>
+          <a:ln w="12700">
+            <a:miter lim="400000"/>
+          </a:ln>
+        </p:spPr>
+      </p:pic>
+    </p:spTree>
+  </p:cSld>
+  <p:clrMapOvr>
+    <a:masterClrMapping/>
+  </p:clrMapOvr>
+  <p:transition xmlns:p14="http://schemas.microsoft.com/office/powerpoint/2010/main" spd="med"/>
+</p:sld>
+</file>
+
+<file path=ppt/slides/slide38.xml><?xml version="1.0" encoding="utf-8"?>
+<p:sld xmlns:a="http://schemas.openxmlformats.org/drawingml/2006/main" xmlns:r="http://schemas.openxmlformats.org/officeDocument/2006/relationships" xmlns:p="http://schemas.openxmlformats.org/presentationml/2006/main">
+  <p:cSld>
+    <p:spTree>
+      <p:nvGrpSpPr>
+        <p:cNvPr id="1" name=""/>
+        <p:cNvGrpSpPr/>
+        <p:nvPr/>
+      </p:nvGrpSpPr>
+      <p:grpSpPr>
+        <a:xfrm>
+          <a:off x="0" y="0"/>
+          <a:ext cx="0" cy="0"/>
+          <a:chOff x="0" y="0"/>
+          <a:chExt cx="0" cy="0"/>
+        </a:xfrm>
+      </p:grpSpPr>
+      <p:sp>
+        <p:nvSpPr>
+          <p:cNvPr id="145" name="Shape 145"/>
+          <p:cNvSpPr>
+            <a:spLocks noGrp="1"/>
+          </p:cNvSpPr>
+          <p:nvPr>
+            <p:ph type="title"/>
+          </p:nvPr>
+        </p:nvSpPr>
+        <p:spPr>
+          <a:prstGeom prst="rect">
+            <a:avLst/>
+          </a:prstGeom>
+        </p:spPr>
+        <p:txBody>
+          <a:bodyPr/>
+          <a:lstStyle/>
+          <a:p>
+            <a:pPr lvl="0">
+              <a:defRPr sz="1800"/>
+            </a:pPr>
+            <a:r>
+              <a:rPr sz="8400"/>
               <a:t>Key Length</a:t>
             </a:r>
           </a:p>
@@ -5507,7 +6138,9 @@
       <p:sp>
         <p:nvSpPr>
           <p:cNvPr id="146" name="Shape 146"/>
-          <p:cNvSpPr/>
+          <p:cNvSpPr>
+            <a:spLocks noGrp="1"/>
+          </p:cNvSpPr>
           <p:nvPr>
             <p:ph type="body" idx="1"/>
           </p:nvPr>
@@ -5525,7 +6158,7 @@
           <a:bodyPr/>
           <a:lstStyle/>
           <a:p>
-            <a:pPr lvl="0" marL="0" indent="0" defTabSz="457200">
+            <a:pPr marL="0" lvl="0" indent="0" defTabSz="457200">
               <a:spcBef>
                 <a:spcPts val="1200"/>
               </a:spcBef>
@@ -5534,7 +6167,7 @@
               <a:defRPr sz="1800"/>
             </a:pPr>
             <a:r>
-              <a:rPr i="1" sz="3000">
+              <a:rPr sz="3000" i="1">
                 <a:latin typeface="Times Roman"/>
                 <a:ea typeface="Times Roman"/>
                 <a:cs typeface="Times Roman"/>
@@ -5550,7 +6183,7 @@
             </a:endParaRPr>
           </a:p>
           <a:p>
-            <a:pPr lvl="0" marL="0" indent="0" defTabSz="457200">
+            <a:pPr marL="0" lvl="0" indent="0" defTabSz="457200">
               <a:spcBef>
                 <a:spcPts val="1200"/>
               </a:spcBef>
@@ -5567,12 +6200,6 @@
               </a:rPr>
               <a:t>— Vincent Rijmen in a personal mail exchange Dec 2013</a:t>
             </a:r>
-            <a:endParaRPr sz="3000">
-              <a:latin typeface="Times Roman"/>
-              <a:ea typeface="Times Roman"/>
-              <a:cs typeface="Times Roman"/>
-              <a:sym typeface="Times Roman"/>
-            </a:endParaRPr>
           </a:p>
           <a:p>
             <a:pPr lvl="0">
@@ -5582,7 +6209,6 @@
               <a:rPr sz="4200"/>
               <a:t>Symetric</a:t>
             </a:r>
-            <a:endParaRPr sz="4200"/>
           </a:p>
           <a:p>
             <a:pPr lvl="1">
@@ -5592,7 +6218,6 @@
               <a:rPr sz="4200"/>
               <a:t>128 bits</a:t>
             </a:r>
-            <a:endParaRPr sz="4200"/>
           </a:p>
           <a:p>
             <a:pPr lvl="0">
@@ -5602,7 +6227,6 @@
               <a:rPr sz="4200"/>
               <a:t>Aysmetric</a:t>
             </a:r>
-            <a:endParaRPr sz="4200"/>
           </a:p>
           <a:p>
             <a:pPr lvl="1">
@@ -5620,12 +6244,12 @@
   <p:clrMapOvr>
     <a:masterClrMapping/>
   </p:clrMapOvr>
-  <p:transition spd="med" advClick="1"/>
+  <p:transition xmlns:p14="http://schemas.microsoft.com/office/powerpoint/2010/main" spd="med"/>
 </p:sld>
 </file>
 
-<file path=ppt/slides/slide34.xml><?xml version="1.0" encoding="utf-8"?>
-<p:sld xmlns:a="http://schemas.openxmlformats.org/drawingml/2006/main" xmlns:r="http://schemas.openxmlformats.org/officeDocument/2006/relationships" xmlns:p="http://schemas.openxmlformats.org/presentationml/2006/main" showMasterSp="1" showMasterPhAnim="1">
+<file path=ppt/slides/slide39.xml><?xml version="1.0" encoding="utf-8"?>
+<p:sld xmlns:a="http://schemas.openxmlformats.org/drawingml/2006/main" xmlns:r="http://schemas.openxmlformats.org/officeDocument/2006/relationships" xmlns:p="http://schemas.openxmlformats.org/presentationml/2006/main">
   <p:cSld>
     <p:spTree>
       <p:nvGrpSpPr>
@@ -5673,12 +6297,12 @@
   <p:clrMapOvr>
     <a:masterClrMapping/>
   </p:clrMapOvr>
-  <p:transition spd="med" advClick="1"/>
+  <p:transition xmlns:p14="http://schemas.microsoft.com/office/powerpoint/2010/main" spd="med"/>
 </p:sld>
 </file>
 
-<file path=ppt/slides/slide35.xml><?xml version="1.0" encoding="utf-8"?>
-<p:sld xmlns:a="http://schemas.openxmlformats.org/drawingml/2006/main" xmlns:r="http://schemas.openxmlformats.org/officeDocument/2006/relationships" xmlns:p="http://schemas.openxmlformats.org/presentationml/2006/main" showMasterSp="1" showMasterPhAnim="1">
+<file path=ppt/slides/slide4.xml><?xml version="1.0" encoding="utf-8"?>
+<p:sld xmlns:a="http://schemas.openxmlformats.org/drawingml/2006/main" xmlns:r="http://schemas.openxmlformats.org/officeDocument/2006/relationships" xmlns:p="http://schemas.openxmlformats.org/presentationml/2006/main">
   <p:cSld>
     <p:spTree>
       <p:nvGrpSpPr>
@@ -5696,8 +6320,10 @@
       </p:grpSpPr>
       <p:sp>
         <p:nvSpPr>
-          <p:cNvPr id="150" name="Shape 150"/>
-          <p:cNvSpPr/>
+          <p:cNvPr id="50" name="Shape 50"/>
+          <p:cNvSpPr>
+            <a:spLocks noGrp="1"/>
+          </p:cNvSpPr>
           <p:nvPr>
             <p:ph type="title"/>
           </p:nvPr>
@@ -5716,49 +6342,543 @@
             </a:pPr>
             <a:r>
               <a:rPr sz="8400"/>
-              <a:t>Compatibility (B suite)</a:t>
-            </a:r>
-          </a:p>
-        </p:txBody>
-      </p:sp>
-      <p:pic>
-        <p:nvPicPr>
-          <p:cNvPr id="151" name="pasted-image.pdf"/>
-          <p:cNvPicPr/>
-          <p:nvPr/>
-        </p:nvPicPr>
-        <p:blipFill>
-          <a:blip r:embed="rId2">
-            <a:extLst/>
-          </a:blip>
-          <a:stretch>
-            <a:fillRect/>
-          </a:stretch>
-        </p:blipFill>
+              <a:t>Who</a:t>
+            </a:r>
+          </a:p>
+        </p:txBody>
+      </p:sp>
+      <p:sp>
+        <p:nvSpPr>
+          <p:cNvPr id="51" name="Shape 51"/>
+          <p:cNvSpPr>
+            <a:spLocks noGrp="1"/>
+          </p:cNvSpPr>
+          <p:nvPr>
+            <p:ph type="body" idx="1"/>
+          </p:nvPr>
+        </p:nvSpPr>
         <p:spPr>
           <a:xfrm>
-            <a:off x="1698668" y="1875707"/>
-            <a:ext cx="9607464" cy="7865761"/>
+            <a:off x="439886" y="2954139"/>
+            <a:ext cx="12125029" cy="6413302"/>
           </a:xfrm>
           <a:prstGeom prst="rect">
             <a:avLst/>
           </a:prstGeom>
-          <a:ln w="12700">
-            <a:miter lim="400000"/>
-          </a:ln>
-        </p:spPr>
-      </p:pic>
+        </p:spPr>
+        <p:txBody>
+          <a:bodyPr spcCol="606251"/>
+          <a:lstStyle/>
+          <a:p>
+            <a:pPr marL="0" lvl="0" indent="0" defTabSz="457200">
+              <a:spcBef>
+                <a:spcPts val="0"/>
+              </a:spcBef>
+              <a:buSzTx/>
+              <a:buNone/>
+              <a:defRPr sz="1800"/>
+            </a:pPr>
+            <a:r>
+              <a:rPr sz="3200">
+                <a:latin typeface="Calibri"/>
+                <a:ea typeface="Calibri"/>
+                <a:cs typeface="Calibri"/>
+                <a:sym typeface="Calibri"/>
+              </a:rPr>
+              <a:t>Wolfgang Breyha (</a:t>
+            </a:r>
+            <a:r>
+              <a:rPr sz="2600">
+                <a:latin typeface="Calibri"/>
+                <a:ea typeface="Calibri"/>
+                <a:cs typeface="Calibri"/>
+                <a:sym typeface="Calibri"/>
+              </a:rPr>
+              <a:t>uni VIE</a:t>
+            </a:r>
+            <a:r>
+              <a:rPr sz="3200">
+                <a:latin typeface="Calibri"/>
+                <a:ea typeface="Calibri"/>
+                <a:cs typeface="Calibri"/>
+                <a:sym typeface="Calibri"/>
+              </a:rPr>
+              <a:t>), </a:t>
+            </a:r>
+          </a:p>
+          <a:p>
+            <a:pPr marL="0" lvl="0" indent="0" defTabSz="457200">
+              <a:spcBef>
+                <a:spcPts val="0"/>
+              </a:spcBef>
+              <a:buSzTx/>
+              <a:buNone/>
+              <a:defRPr sz="1800"/>
+            </a:pPr>
+            <a:r>
+              <a:rPr sz="3200">
+                <a:latin typeface="Calibri"/>
+                <a:ea typeface="Calibri"/>
+                <a:cs typeface="Calibri"/>
+                <a:sym typeface="Calibri"/>
+              </a:rPr>
+              <a:t>David Durvaux (</a:t>
+            </a:r>
+            <a:r>
+              <a:rPr sz="2600">
+                <a:latin typeface="Calibri"/>
+                <a:ea typeface="Calibri"/>
+                <a:cs typeface="Calibri"/>
+                <a:sym typeface="Calibri"/>
+              </a:rPr>
+              <a:t>CERT.be</a:t>
+            </a:r>
+            <a:r>
+              <a:rPr sz="3200">
+                <a:latin typeface="Calibri"/>
+                <a:ea typeface="Calibri"/>
+                <a:cs typeface="Calibri"/>
+                <a:sym typeface="Calibri"/>
+              </a:rPr>
+              <a:t>), </a:t>
+            </a:r>
+          </a:p>
+          <a:p>
+            <a:pPr marL="0" lvl="0" indent="0" defTabSz="457200">
+              <a:spcBef>
+                <a:spcPts val="0"/>
+              </a:spcBef>
+              <a:buSzTx/>
+              <a:buNone/>
+              <a:defRPr sz="1800"/>
+            </a:pPr>
+            <a:r>
+              <a:rPr sz="3200">
+                <a:latin typeface="Calibri"/>
+                <a:ea typeface="Calibri"/>
+                <a:cs typeface="Calibri"/>
+                <a:sym typeface="Calibri"/>
+              </a:rPr>
+              <a:t>Tobias Dussa (</a:t>
+            </a:r>
+            <a:r>
+              <a:rPr sz="2600">
+                <a:latin typeface="Calibri"/>
+                <a:ea typeface="Calibri"/>
+                <a:cs typeface="Calibri"/>
+                <a:sym typeface="Calibri"/>
+              </a:rPr>
+              <a:t>KIT-CERT</a:t>
+            </a:r>
+            <a:r>
+              <a:rPr sz="3200">
+                <a:latin typeface="Calibri"/>
+                <a:ea typeface="Calibri"/>
+                <a:cs typeface="Calibri"/>
+                <a:sym typeface="Calibri"/>
+              </a:rPr>
+              <a:t>), </a:t>
+            </a:r>
+          </a:p>
+          <a:p>
+            <a:pPr marL="0" lvl="0" indent="0" defTabSz="457200">
+              <a:spcBef>
+                <a:spcPts val="0"/>
+              </a:spcBef>
+              <a:buSzTx/>
+              <a:buNone/>
+              <a:defRPr sz="1800"/>
+            </a:pPr>
+            <a:r>
+              <a:rPr sz="3200">
+                <a:latin typeface="Calibri"/>
+                <a:ea typeface="Calibri"/>
+                <a:cs typeface="Calibri"/>
+                <a:sym typeface="Calibri"/>
+              </a:rPr>
+              <a:t>L. Aaron Kaplan (</a:t>
+            </a:r>
+            <a:r>
+              <a:rPr sz="2600">
+                <a:latin typeface="Calibri"/>
+                <a:ea typeface="Calibri"/>
+                <a:cs typeface="Calibri"/>
+                <a:sym typeface="Calibri"/>
+              </a:rPr>
+              <a:t>CERT.at</a:t>
+            </a:r>
+            <a:r>
+              <a:rPr sz="3200">
+                <a:latin typeface="Calibri"/>
+                <a:ea typeface="Calibri"/>
+                <a:cs typeface="Calibri"/>
+                <a:sym typeface="Calibri"/>
+              </a:rPr>
+              <a:t>), </a:t>
+            </a:r>
+          </a:p>
+          <a:p>
+            <a:pPr marL="0" lvl="0" indent="0" defTabSz="457200">
+              <a:spcBef>
+                <a:spcPts val="0"/>
+              </a:spcBef>
+              <a:buSzTx/>
+              <a:buNone/>
+              <a:defRPr sz="1800"/>
+            </a:pPr>
+            <a:r>
+              <a:rPr sz="3200">
+                <a:latin typeface="Calibri"/>
+                <a:ea typeface="Calibri"/>
+                <a:cs typeface="Calibri"/>
+                <a:sym typeface="Calibri"/>
+              </a:rPr>
+              <a:t>Christian Mock (</a:t>
+            </a:r>
+            <a:r>
+              <a:rPr sz="2600">
+                <a:latin typeface="Calibri"/>
+                <a:ea typeface="Calibri"/>
+                <a:cs typeface="Calibri"/>
+                <a:sym typeface="Calibri"/>
+              </a:rPr>
+              <a:t>coretec</a:t>
+            </a:r>
+            <a:r>
+              <a:rPr sz="3200">
+                <a:latin typeface="Calibri"/>
+                <a:ea typeface="Calibri"/>
+                <a:cs typeface="Calibri"/>
+                <a:sym typeface="Calibri"/>
+              </a:rPr>
+              <a:t>), </a:t>
+            </a:r>
+          </a:p>
+          <a:p>
+            <a:pPr marL="0" lvl="0" indent="0" defTabSz="457200">
+              <a:spcBef>
+                <a:spcPts val="0"/>
+              </a:spcBef>
+              <a:buSzTx/>
+              <a:buNone/>
+              <a:defRPr sz="1800"/>
+            </a:pPr>
+            <a:r>
+              <a:rPr sz="3200">
+                <a:latin typeface="Calibri"/>
+                <a:ea typeface="Calibri"/>
+                <a:cs typeface="Calibri"/>
+                <a:sym typeface="Calibri"/>
+              </a:rPr>
+              <a:t>Daniel Kovacic (</a:t>
+            </a:r>
+            <a:r>
+              <a:rPr sz="2600">
+                <a:latin typeface="Calibri"/>
+                <a:ea typeface="Calibri"/>
+                <a:cs typeface="Calibri"/>
+                <a:sym typeface="Calibri"/>
+              </a:rPr>
+              <a:t>A-Trust</a:t>
+            </a:r>
+            <a:r>
+              <a:rPr sz="3200">
+                <a:latin typeface="Calibri"/>
+                <a:ea typeface="Calibri"/>
+                <a:cs typeface="Calibri"/>
+                <a:sym typeface="Calibri"/>
+              </a:rPr>
+              <a:t>), </a:t>
+            </a:r>
+          </a:p>
+          <a:p>
+            <a:pPr marL="0" lvl="0" indent="0" defTabSz="457200">
+              <a:spcBef>
+                <a:spcPts val="0"/>
+              </a:spcBef>
+              <a:buSzTx/>
+              <a:buNone/>
+              <a:defRPr sz="1800"/>
+            </a:pPr>
+            <a:r>
+              <a:rPr sz="3200">
+                <a:latin typeface="Calibri"/>
+                <a:ea typeface="Calibri"/>
+                <a:cs typeface="Calibri"/>
+                <a:sym typeface="Calibri"/>
+              </a:rPr>
+              <a:t>Manuel Koschuch (</a:t>
+            </a:r>
+            <a:r>
+              <a:rPr sz="2600">
+                <a:latin typeface="Calibri"/>
+                <a:ea typeface="Calibri"/>
+                <a:cs typeface="Calibri"/>
+                <a:sym typeface="Calibri"/>
+              </a:rPr>
+              <a:t>FH Campus Wien</a:t>
+            </a:r>
+            <a:r>
+              <a:rPr sz="3200">
+                <a:latin typeface="Calibri"/>
+                <a:ea typeface="Calibri"/>
+                <a:cs typeface="Calibri"/>
+                <a:sym typeface="Calibri"/>
+              </a:rPr>
+              <a:t>), </a:t>
+            </a:r>
+          </a:p>
+          <a:p>
+            <a:pPr marL="0" lvl="0" indent="0" defTabSz="457200">
+              <a:spcBef>
+                <a:spcPts val="0"/>
+              </a:spcBef>
+              <a:buSzTx/>
+              <a:buNone/>
+              <a:defRPr sz="1800"/>
+            </a:pPr>
+            <a:r>
+              <a:rPr sz="3200">
+                <a:latin typeface="Calibri"/>
+                <a:ea typeface="Calibri"/>
+                <a:cs typeface="Calibri"/>
+                <a:sym typeface="Calibri"/>
+              </a:rPr>
+              <a:t>Adi Kriegisch (</a:t>
+            </a:r>
+            <a:r>
+              <a:rPr sz="2600">
+                <a:latin typeface="Calibri"/>
+                <a:ea typeface="Calibri"/>
+                <a:cs typeface="Calibri"/>
+                <a:sym typeface="Calibri"/>
+              </a:rPr>
+              <a:t>VRVis</a:t>
+            </a:r>
+            <a:r>
+              <a:rPr sz="3200">
+                <a:latin typeface="Calibri"/>
+                <a:ea typeface="Calibri"/>
+                <a:cs typeface="Calibri"/>
+                <a:sym typeface="Calibri"/>
+              </a:rPr>
+              <a:t>), </a:t>
+            </a:r>
+          </a:p>
+          <a:p>
+            <a:pPr marL="0" lvl="0" indent="0" defTabSz="457200">
+              <a:spcBef>
+                <a:spcPts val="0"/>
+              </a:spcBef>
+              <a:buSzTx/>
+              <a:buNone/>
+              <a:defRPr sz="1800"/>
+            </a:pPr>
+            <a:r>
+              <a:rPr sz="3200">
+                <a:latin typeface="Calibri"/>
+                <a:ea typeface="Calibri"/>
+                <a:cs typeface="Calibri"/>
+                <a:sym typeface="Calibri"/>
+              </a:rPr>
+              <a:t>Ramin Sabet (</a:t>
+            </a:r>
+            <a:r>
+              <a:rPr sz="2600">
+                <a:latin typeface="Calibri"/>
+                <a:ea typeface="Calibri"/>
+                <a:cs typeface="Calibri"/>
+                <a:sym typeface="Calibri"/>
+              </a:rPr>
+              <a:t>A-Trust</a:t>
+            </a:r>
+            <a:r>
+              <a:rPr sz="3200">
+                <a:latin typeface="Calibri"/>
+                <a:ea typeface="Calibri"/>
+                <a:cs typeface="Calibri"/>
+                <a:sym typeface="Calibri"/>
+              </a:rPr>
+              <a:t>), </a:t>
+            </a:r>
+          </a:p>
+          <a:p>
+            <a:pPr marL="0" lvl="0" indent="0" defTabSz="457200">
+              <a:spcBef>
+                <a:spcPts val="0"/>
+              </a:spcBef>
+              <a:buSzTx/>
+              <a:buNone/>
+              <a:defRPr sz="1800"/>
+            </a:pPr>
+            <a:r>
+              <a:rPr sz="3200">
+                <a:latin typeface="Calibri"/>
+                <a:ea typeface="Calibri"/>
+                <a:cs typeface="Calibri"/>
+                <a:sym typeface="Calibri"/>
+              </a:rPr>
+              <a:t>Aaron Zauner (</a:t>
+            </a:r>
+            <a:r>
+              <a:rPr sz="2600">
+                <a:latin typeface="Calibri"/>
+                <a:ea typeface="Calibri"/>
+                <a:cs typeface="Calibri"/>
+                <a:sym typeface="Calibri"/>
+              </a:rPr>
+              <a:t>azet.org</a:t>
+            </a:r>
+            <a:r>
+              <a:rPr sz="3200">
+                <a:latin typeface="Calibri"/>
+                <a:ea typeface="Calibri"/>
+                <a:cs typeface="Calibri"/>
+                <a:sym typeface="Calibri"/>
+              </a:rPr>
+              <a:t>), </a:t>
+            </a:r>
+          </a:p>
+          <a:p>
+            <a:pPr marL="0" lvl="0" indent="0" defTabSz="457200">
+              <a:spcBef>
+                <a:spcPts val="0"/>
+              </a:spcBef>
+              <a:buSzTx/>
+              <a:buNone/>
+              <a:defRPr sz="1800"/>
+            </a:pPr>
+            <a:r>
+              <a:rPr sz="3200">
+                <a:latin typeface="Calibri"/>
+                <a:ea typeface="Calibri"/>
+                <a:cs typeface="Calibri"/>
+                <a:sym typeface="Calibri"/>
+              </a:rPr>
+              <a:t>Pepi Zawodsky (</a:t>
+            </a:r>
+            <a:r>
+              <a:rPr sz="2600">
+                <a:latin typeface="Calibri"/>
+                <a:ea typeface="Calibri"/>
+                <a:cs typeface="Calibri"/>
+                <a:sym typeface="Calibri"/>
+              </a:rPr>
+              <a:t>maclemon.at</a:t>
+            </a:r>
+            <a:r>
+              <a:rPr sz="3200">
+                <a:latin typeface="Calibri"/>
+                <a:ea typeface="Calibri"/>
+                <a:cs typeface="Calibri"/>
+                <a:sym typeface="Calibri"/>
+              </a:rPr>
+              <a:t>), </a:t>
+            </a:r>
+          </a:p>
+          <a:p>
+            <a:pPr marL="0" lvl="0" indent="0" defTabSz="457200">
+              <a:spcBef>
+                <a:spcPts val="0"/>
+              </a:spcBef>
+              <a:buSzTx/>
+              <a:buNone/>
+              <a:defRPr sz="1800"/>
+            </a:pPr>
+            <a:r>
+              <a:rPr sz="3200">
+                <a:latin typeface="Calibri"/>
+                <a:ea typeface="Calibri"/>
+                <a:cs typeface="Calibri"/>
+                <a:sym typeface="Calibri"/>
+              </a:rPr>
+              <a:t/>
+            </a:r>
+            <a:br>
+              <a:rPr sz="3200">
+                <a:latin typeface="Calibri"/>
+                <a:ea typeface="Calibri"/>
+                <a:cs typeface="Calibri"/>
+                <a:sym typeface="Calibri"/>
+              </a:rPr>
+            </a:br>
+            <a:endParaRPr sz="3200">
+              <a:latin typeface="Calibri"/>
+              <a:ea typeface="Calibri"/>
+              <a:cs typeface="Calibri"/>
+              <a:sym typeface="Calibri"/>
+            </a:endParaRPr>
+          </a:p>
+          <a:p>
+            <a:pPr marL="0" lvl="0" indent="0" defTabSz="457200">
+              <a:spcBef>
+                <a:spcPts val="0"/>
+              </a:spcBef>
+              <a:buSzTx/>
+              <a:buNone/>
+              <a:defRPr sz="1800"/>
+            </a:pPr>
+            <a:r>
+              <a:rPr sz="3200">
+                <a:latin typeface="Calibri"/>
+                <a:ea typeface="Calibri"/>
+                <a:cs typeface="Calibri"/>
+                <a:sym typeface="Calibri"/>
+              </a:rPr>
+              <a:t>New contributors: </a:t>
+            </a:r>
+          </a:p>
+          <a:p>
+            <a:pPr marL="0" lvl="0" indent="0" defTabSz="457200">
+              <a:spcBef>
+                <a:spcPts val="0"/>
+              </a:spcBef>
+              <a:buSzTx/>
+              <a:buNone/>
+              <a:defRPr sz="1800"/>
+            </a:pPr>
+            <a:r>
+              <a:rPr sz="3200">
+                <a:latin typeface="Calibri"/>
+                <a:ea typeface="Calibri"/>
+                <a:cs typeface="Calibri"/>
+                <a:sym typeface="Calibri"/>
+              </a:rPr>
+              <a:t>IAIK, </a:t>
+            </a:r>
+          </a:p>
+          <a:p>
+            <a:pPr marL="0" lvl="0" indent="0" defTabSz="457200">
+              <a:spcBef>
+                <a:spcPts val="0"/>
+              </a:spcBef>
+              <a:buSzTx/>
+              <a:buNone/>
+              <a:defRPr sz="1800"/>
+            </a:pPr>
+            <a:r>
+              <a:rPr sz="3200">
+                <a:latin typeface="Calibri"/>
+                <a:ea typeface="Calibri"/>
+                <a:cs typeface="Calibri"/>
+                <a:sym typeface="Calibri"/>
+              </a:rPr>
+              <a:t>A-Sit</a:t>
+            </a:r>
+          </a:p>
+        </p:txBody>
+      </p:sp>
     </p:spTree>
   </p:cSld>
   <p:clrMapOvr>
     <a:masterClrMapping/>
   </p:clrMapOvr>
-  <p:transition spd="med" advClick="1"/>
+  <p:transition xmlns:p14="http://schemas.microsoft.com/office/powerpoint/2010/main" spd="med"/>
 </p:sld>
 </file>
 
-<file path=ppt/slides/slide36.xml><?xml version="1.0" encoding="utf-8"?>
-<p:sld xmlns:a="http://schemas.openxmlformats.org/drawingml/2006/main" xmlns:r="http://schemas.openxmlformats.org/officeDocument/2006/relationships" xmlns:p="http://schemas.openxmlformats.org/presentationml/2006/main" showMasterSp="1" showMasterPhAnim="1">
+<file path=ppt/slides/slide40.xml><?xml version="1.0" encoding="utf-8"?>
+<p:sld xmlns:a="http://schemas.openxmlformats.org/drawingml/2006/main" xmlns:r="http://schemas.openxmlformats.org/officeDocument/2006/relationships" xmlns:p="http://schemas.openxmlformats.org/presentationml/2006/main">
   <p:cSld>
     <p:spTree>
       <p:nvGrpSpPr>
@@ -5776,8 +6896,10 @@
       </p:grpSpPr>
       <p:sp>
         <p:nvSpPr>
-          <p:cNvPr id="153" name="Shape 153"/>
-          <p:cNvSpPr/>
+          <p:cNvPr id="150" name="Shape 150"/>
+          <p:cNvSpPr>
+            <a:spLocks noGrp="1"/>
+          </p:cNvSpPr>
           <p:nvPr>
             <p:ph type="title"/>
           </p:nvPr>
@@ -5796,89 +6918,49 @@
             </a:pPr>
             <a:r>
               <a:rPr sz="8400"/>
-              <a:t>Tools covered</a:t>
-            </a:r>
-          </a:p>
-        </p:txBody>
-      </p:sp>
-      <p:sp>
-        <p:nvSpPr>
-          <p:cNvPr id="154" name="Shape 154"/>
-          <p:cNvSpPr/>
-          <p:nvPr>
-            <p:ph type="body" idx="1"/>
-          </p:nvPr>
-        </p:nvSpPr>
-        <p:spPr>
-          <a:prstGeom prst="rect">
-            <a:avLst/>
-          </a:prstGeom>
-        </p:spPr>
-        <p:txBody>
-          <a:bodyPr/>
-          <a:lstStyle/>
-          <a:p>
-            <a:pPr lvl="0">
-              <a:defRPr sz="1800"/>
-            </a:pPr>
-            <a:r>
-              <a:rPr sz="4200"/>
-              <a:t>Webservers</a:t>
-            </a:r>
-            <a:endParaRPr sz="4200"/>
-          </a:p>
-          <a:p>
-            <a:pPr lvl="1">
-              <a:defRPr sz="1800"/>
-            </a:pPr>
-            <a:r>
-              <a:rPr sz="4200"/>
-              <a:t>Apache</a:t>
-            </a:r>
-            <a:endParaRPr sz="4200"/>
-          </a:p>
-          <a:p>
-            <a:pPr lvl="1">
-              <a:defRPr sz="1800"/>
-            </a:pPr>
-            <a:r>
-              <a:rPr sz="4200"/>
-              <a:t>lighttpd</a:t>
-            </a:r>
-            <a:endParaRPr sz="4200"/>
-          </a:p>
-          <a:p>
-            <a:pPr lvl="1">
-              <a:defRPr sz="1800"/>
-            </a:pPr>
-            <a:r>
-              <a:rPr sz="4200"/>
-              <a:t>nginx</a:t>
-            </a:r>
-            <a:endParaRPr sz="4200"/>
-          </a:p>
-          <a:p>
-            <a:pPr lvl="1">
-              <a:defRPr sz="1800"/>
-            </a:pPr>
-            <a:r>
-              <a:rPr sz="4200"/>
-              <a:t>Microsoft IIS</a:t>
-            </a:r>
-          </a:p>
-        </p:txBody>
-      </p:sp>
+              <a:t>Compatibility (B suite)</a:t>
+            </a:r>
+          </a:p>
+        </p:txBody>
+      </p:sp>
+      <p:pic>
+        <p:nvPicPr>
+          <p:cNvPr id="151" name="pasted-image.pdf"/>
+          <p:cNvPicPr/>
+          <p:nvPr/>
+        </p:nvPicPr>
+        <p:blipFill>
+          <a:blip r:embed="rId2">
+            <a:extLst/>
+          </a:blip>
+          <a:stretch>
+            <a:fillRect/>
+          </a:stretch>
+        </p:blipFill>
+        <p:spPr>
+          <a:xfrm>
+            <a:off x="1698668" y="1875707"/>
+            <a:ext cx="9607464" cy="7865761"/>
+          </a:xfrm>
+          <a:prstGeom prst="rect">
+            <a:avLst/>
+          </a:prstGeom>
+          <a:ln w="12700">
+            <a:miter lim="400000"/>
+          </a:ln>
+        </p:spPr>
+      </p:pic>
     </p:spTree>
   </p:cSld>
   <p:clrMapOvr>
     <a:masterClrMapping/>
   </p:clrMapOvr>
-  <p:transition spd="med" advClick="1"/>
+  <p:transition xmlns:p14="http://schemas.microsoft.com/office/powerpoint/2010/main" spd="med"/>
 </p:sld>
 </file>
 
-<file path=ppt/slides/slide37.xml><?xml version="1.0" encoding="utf-8"?>
-<p:sld xmlns:a="http://schemas.openxmlformats.org/drawingml/2006/main" xmlns:r="http://schemas.openxmlformats.org/officeDocument/2006/relationships" xmlns:p="http://schemas.openxmlformats.org/presentationml/2006/main" showMasterSp="1" showMasterPhAnim="1">
+<file path=ppt/slides/slide41.xml><?xml version="1.0" encoding="utf-8"?>
+<p:sld xmlns:a="http://schemas.openxmlformats.org/drawingml/2006/main" xmlns:r="http://schemas.openxmlformats.org/officeDocument/2006/relationships" xmlns:p="http://schemas.openxmlformats.org/presentationml/2006/main">
   <p:cSld>
     <p:spTree>
       <p:nvGrpSpPr>
@@ -5896,8 +6978,10 @@
       </p:grpSpPr>
       <p:sp>
         <p:nvSpPr>
-          <p:cNvPr id="156" name="Shape 156"/>
-          <p:cNvSpPr/>
+          <p:cNvPr id="153" name="Shape 153"/>
+          <p:cNvSpPr>
+            <a:spLocks noGrp="1"/>
+          </p:cNvSpPr>
           <p:nvPr>
             <p:ph type="title"/>
           </p:nvPr>
@@ -5923,8 +7007,10 @@
       </p:sp>
       <p:sp>
         <p:nvSpPr>
-          <p:cNvPr id="157" name="Shape 157"/>
-          <p:cNvSpPr/>
+          <p:cNvPr id="154" name="Shape 154"/>
+          <p:cNvSpPr>
+            <a:spLocks noGrp="1"/>
+          </p:cNvSpPr>
           <p:nvPr>
             <p:ph type="body" idx="1"/>
           </p:nvPr>
@@ -5943,9 +7029,8 @@
             </a:pPr>
             <a:r>
               <a:rPr sz="4200"/>
-              <a:t>SSH</a:t>
-            </a:r>
-            <a:endParaRPr sz="4200"/>
+              <a:t>Webservers</a:t>
+            </a:r>
           </a:p>
           <a:p>
             <a:pPr lvl="1">
@@ -5953,9 +7038,8 @@
             </a:pPr>
             <a:r>
               <a:rPr sz="4200"/>
-              <a:t>Open SSH</a:t>
-            </a:r>
-            <a:endParaRPr sz="4200"/>
+              <a:t>Apache</a:t>
+            </a:r>
           </a:p>
           <a:p>
             <a:pPr lvl="1">
@@ -5963,9 +7047,8 @@
             </a:pPr>
             <a:r>
               <a:rPr sz="4200"/>
-              <a:t>Cisco ASA</a:t>
-            </a:r>
-            <a:endParaRPr sz="4200"/>
+              <a:t>lighttpd</a:t>
+            </a:r>
           </a:p>
           <a:p>
             <a:pPr lvl="1">
@@ -5973,7 +7056,16 @@
             </a:pPr>
             <a:r>
               <a:rPr sz="4200"/>
-              <a:t>Cisco IOS</a:t>
+              <a:t>nginx</a:t>
+            </a:r>
+          </a:p>
+          <a:p>
+            <a:pPr lvl="1">
+              <a:defRPr sz="1800"/>
+            </a:pPr>
+            <a:r>
+              <a:rPr sz="4200"/>
+              <a:t>Microsoft IIS</a:t>
             </a:r>
           </a:p>
         </p:txBody>
@@ -5983,12 +7075,12 @@
   <p:clrMapOvr>
     <a:masterClrMapping/>
   </p:clrMapOvr>
-  <p:transition spd="med" advClick="1"/>
+  <p:transition xmlns:p14="http://schemas.microsoft.com/office/powerpoint/2010/main" spd="med"/>
 </p:sld>
 </file>
 
-<file path=ppt/slides/slide38.xml><?xml version="1.0" encoding="utf-8"?>
-<p:sld xmlns:a="http://schemas.openxmlformats.org/drawingml/2006/main" xmlns:r="http://schemas.openxmlformats.org/officeDocument/2006/relationships" xmlns:p="http://schemas.openxmlformats.org/presentationml/2006/main" showMasterSp="1" showMasterPhAnim="1">
+<file path=ppt/slides/slide42.xml><?xml version="1.0" encoding="utf-8"?>
+<p:sld xmlns:a="http://schemas.openxmlformats.org/drawingml/2006/main" xmlns:r="http://schemas.openxmlformats.org/officeDocument/2006/relationships" xmlns:p="http://schemas.openxmlformats.org/presentationml/2006/main">
   <p:cSld>
     <p:spTree>
       <p:nvGrpSpPr>
@@ -6006,8 +7098,10 @@
       </p:grpSpPr>
       <p:sp>
         <p:nvSpPr>
-          <p:cNvPr id="159" name="Shape 159"/>
-          <p:cNvSpPr/>
+          <p:cNvPr id="156" name="Shape 156"/>
+          <p:cNvSpPr>
+            <a:spLocks noGrp="1"/>
+          </p:cNvSpPr>
           <p:nvPr>
             <p:ph type="title"/>
           </p:nvPr>
@@ -6033,8 +7127,10 @@
       </p:sp>
       <p:sp>
         <p:nvSpPr>
-          <p:cNvPr id="160" name="Shape 160"/>
-          <p:cNvSpPr/>
+          <p:cNvPr id="157" name="Shape 157"/>
+          <p:cNvSpPr>
+            <a:spLocks noGrp="1"/>
+          </p:cNvSpPr>
           <p:nvPr>
             <p:ph type="body" idx="1"/>
           </p:nvPr>
@@ -6053,9 +7149,8 @@
             </a:pPr>
             <a:r>
               <a:rPr sz="4200"/>
-              <a:t>Mail servers</a:t>
-            </a:r>
-            <a:endParaRPr sz="4200"/>
+              <a:t>SSH</a:t>
+            </a:r>
           </a:p>
           <a:p>
             <a:pPr lvl="1">
@@ -6063,9 +7158,8 @@
             </a:pPr>
             <a:r>
               <a:rPr sz="4200"/>
-              <a:t>Dovecot</a:t>
-            </a:r>
-            <a:endParaRPr sz="4200"/>
+              <a:t>Open SSH</a:t>
+            </a:r>
           </a:p>
           <a:p>
             <a:pPr lvl="1">
@@ -6073,9 +7167,8 @@
             </a:pPr>
             <a:r>
               <a:rPr sz="4200"/>
-              <a:t>cyrus-imapd</a:t>
-            </a:r>
-            <a:endParaRPr sz="4200"/>
+              <a:t>Cisco ASA</a:t>
+            </a:r>
           </a:p>
           <a:p>
             <a:pPr lvl="1">
@@ -6083,17 +7176,7 @@
             </a:pPr>
             <a:r>
               <a:rPr sz="4200"/>
-              <a:t>Postfix</a:t>
-            </a:r>
-            <a:endParaRPr sz="4200"/>
-          </a:p>
-          <a:p>
-            <a:pPr lvl="1">
-              <a:defRPr sz="1800"/>
-            </a:pPr>
-            <a:r>
-              <a:rPr sz="4200"/>
-              <a:t>Exim</a:t>
+              <a:t>Cisco IOS</a:t>
             </a:r>
           </a:p>
         </p:txBody>
@@ -6103,12 +7186,12 @@
   <p:clrMapOvr>
     <a:masterClrMapping/>
   </p:clrMapOvr>
-  <p:transition spd="med" advClick="1"/>
+  <p:transition xmlns:p14="http://schemas.microsoft.com/office/powerpoint/2010/main" spd="med"/>
 </p:sld>
 </file>
 
-<file path=ppt/slides/slide39.xml><?xml version="1.0" encoding="utf-8"?>
-<p:sld xmlns:a="http://schemas.openxmlformats.org/drawingml/2006/main" xmlns:r="http://schemas.openxmlformats.org/officeDocument/2006/relationships" xmlns:p="http://schemas.openxmlformats.org/presentationml/2006/main" showMasterSp="1" showMasterPhAnim="1">
+<file path=ppt/slides/slide43.xml><?xml version="1.0" encoding="utf-8"?>
+<p:sld xmlns:a="http://schemas.openxmlformats.org/drawingml/2006/main" xmlns:r="http://schemas.openxmlformats.org/officeDocument/2006/relationships" xmlns:p="http://schemas.openxmlformats.org/presentationml/2006/main">
   <p:cSld>
     <p:spTree>
       <p:nvGrpSpPr>
@@ -6126,8 +7209,10 @@
       </p:grpSpPr>
       <p:sp>
         <p:nvSpPr>
-          <p:cNvPr id="162" name="Shape 162"/>
-          <p:cNvSpPr/>
+          <p:cNvPr id="159" name="Shape 159"/>
+          <p:cNvSpPr>
+            <a:spLocks noGrp="1"/>
+          </p:cNvSpPr>
           <p:nvPr>
             <p:ph type="title"/>
           </p:nvPr>
@@ -6153,17 +7238,15 @@
       </p:sp>
       <p:sp>
         <p:nvSpPr>
-          <p:cNvPr id="163" name="Shape 163"/>
-          <p:cNvSpPr/>
+          <p:cNvPr id="160" name="Shape 160"/>
+          <p:cNvSpPr>
+            <a:spLocks noGrp="1"/>
+          </p:cNvSpPr>
           <p:nvPr>
             <p:ph type="body" idx="1"/>
           </p:nvPr>
         </p:nvSpPr>
         <p:spPr>
-          <a:xfrm>
-            <a:off x="1270000" y="2286000"/>
-            <a:ext cx="10464800" cy="7202686"/>
-          </a:xfrm>
           <a:prstGeom prst="rect">
             <a:avLst/>
           </a:prstGeom>
@@ -6177,9 +7260,8 @@
             </a:pPr>
             <a:r>
               <a:rPr sz="4200"/>
-              <a:t>VPN</a:t>
-            </a:r>
-            <a:endParaRPr sz="4200"/>
+              <a:t>Mail servers</a:t>
+            </a:r>
           </a:p>
           <a:p>
             <a:pPr lvl="1">
@@ -6187,9 +7269,8 @@
             </a:pPr>
             <a:r>
               <a:rPr sz="4200"/>
-              <a:t>IPSec</a:t>
-            </a:r>
-            <a:endParaRPr sz="4200"/>
+              <a:t>Dovecot</a:t>
+            </a:r>
           </a:p>
           <a:p>
             <a:pPr lvl="1">
@@ -6197,9 +7278,8 @@
             </a:pPr>
             <a:r>
               <a:rPr sz="4200"/>
-              <a:t>CheckPoint Firewall-1</a:t>
-            </a:r>
-            <a:endParaRPr sz="4200"/>
+              <a:t>cyrus-imapd</a:t>
+            </a:r>
           </a:p>
           <a:p>
             <a:pPr lvl="1">
@@ -6207,9 +7287,8 @@
             </a:pPr>
             <a:r>
               <a:rPr sz="4200"/>
-              <a:t>OpenVPN</a:t>
-            </a:r>
-            <a:endParaRPr sz="4200"/>
+              <a:t>Postfix</a:t>
+            </a:r>
           </a:p>
           <a:p>
             <a:pPr lvl="1">
@@ -6217,37 +7296,7 @@
             </a:pPr>
             <a:r>
               <a:rPr sz="4200"/>
-              <a:t>PPPTP</a:t>
-            </a:r>
-            <a:endParaRPr sz="4200"/>
-          </a:p>
-          <a:p>
-            <a:pPr lvl="1">
-              <a:defRPr sz="1800"/>
-            </a:pPr>
-            <a:r>
-              <a:rPr sz="4200"/>
-              <a:t>Cisco ASA</a:t>
-            </a:r>
-            <a:endParaRPr sz="4200"/>
-          </a:p>
-          <a:p>
-            <a:pPr lvl="1">
-              <a:defRPr sz="1800"/>
-            </a:pPr>
-            <a:r>
-              <a:rPr sz="4200"/>
-              <a:t>OpenSWAN</a:t>
-            </a:r>
-            <a:endParaRPr sz="4200"/>
-          </a:p>
-          <a:p>
-            <a:pPr lvl="1">
-              <a:defRPr sz="1800"/>
-            </a:pPr>
-            <a:r>
-              <a:rPr sz="4200"/>
-              <a:t>tinc</a:t>
+              <a:t>Exim</a:t>
             </a:r>
           </a:p>
         </p:txBody>
@@ -6257,12 +7306,12 @@
   <p:clrMapOvr>
     <a:masterClrMapping/>
   </p:clrMapOvr>
-  <p:transition spd="med" advClick="1"/>
+  <p:transition xmlns:p14="http://schemas.microsoft.com/office/powerpoint/2010/main" spd="med"/>
 </p:sld>
 </file>
 
-<file path=ppt/slides/slide4.xml><?xml version="1.0" encoding="utf-8"?>
-<p:sld xmlns:a="http://schemas.openxmlformats.org/drawingml/2006/main" xmlns:r="http://schemas.openxmlformats.org/officeDocument/2006/relationships" xmlns:p="http://schemas.openxmlformats.org/presentationml/2006/main" showMasterSp="1" showMasterPhAnim="1">
+<file path=ppt/slides/slide44.xml><?xml version="1.0" encoding="utf-8"?>
+<p:sld xmlns:a="http://schemas.openxmlformats.org/drawingml/2006/main" xmlns:r="http://schemas.openxmlformats.org/officeDocument/2006/relationships" xmlns:p="http://schemas.openxmlformats.org/presentationml/2006/main">
   <p:cSld>
     <p:spTree>
       <p:nvGrpSpPr>
@@ -6280,8 +7329,10 @@
       </p:grpSpPr>
       <p:sp>
         <p:nvSpPr>
-          <p:cNvPr id="50" name="Shape 50"/>
-          <p:cNvSpPr/>
+          <p:cNvPr id="162" name="Shape 162"/>
+          <p:cNvSpPr>
+            <a:spLocks noGrp="1"/>
+          </p:cNvSpPr>
           <p:nvPr>
             <p:ph type="title"/>
           </p:nvPr>
@@ -6300,595 +7351,103 @@
             </a:pPr>
             <a:r>
               <a:rPr sz="8400"/>
-              <a:t>Who</a:t>
-            </a:r>
-          </a:p>
-        </p:txBody>
-      </p:sp>
-      <p:sp>
-        <p:nvSpPr>
-          <p:cNvPr id="51" name="Shape 51"/>
-          <p:cNvSpPr/>
+              <a:t>Tools covered</a:t>
+            </a:r>
+          </a:p>
+        </p:txBody>
+      </p:sp>
+      <p:sp>
+        <p:nvSpPr>
+          <p:cNvPr id="163" name="Shape 163"/>
+          <p:cNvSpPr>
+            <a:spLocks noGrp="1"/>
+          </p:cNvSpPr>
           <p:nvPr>
             <p:ph type="body" idx="1"/>
           </p:nvPr>
         </p:nvSpPr>
         <p:spPr>
           <a:xfrm>
-            <a:off x="439886" y="2954139"/>
-            <a:ext cx="12125029" cy="6413302"/>
+            <a:off x="1270000" y="2286000"/>
+            <a:ext cx="10464800" cy="7202686"/>
           </a:xfrm>
           <a:prstGeom prst="rect">
             <a:avLst/>
           </a:prstGeom>
         </p:spPr>
         <p:txBody>
-          <a:bodyPr spcCol="606251"/>
+          <a:bodyPr/>
           <a:lstStyle/>
           <a:p>
-            <a:pPr lvl="0" marL="0" indent="0" defTabSz="457200">
-              <a:spcBef>
-                <a:spcPts val="0"/>
-              </a:spcBef>
-              <a:buSzTx/>
-              <a:buNone/>
-              <a:defRPr sz="1800"/>
-            </a:pPr>
-            <a:r>
-              <a:rPr sz="3200">
-                <a:latin typeface="Calibri"/>
-                <a:ea typeface="Calibri"/>
-                <a:cs typeface="Calibri"/>
-                <a:sym typeface="Calibri"/>
-              </a:rPr>
-              <a:t>Wolfgang Breyha (</a:t>
-            </a:r>
-            <a:r>
-              <a:rPr sz="2600">
-                <a:latin typeface="Calibri"/>
-                <a:ea typeface="Calibri"/>
-                <a:cs typeface="Calibri"/>
-                <a:sym typeface="Calibri"/>
-              </a:rPr>
-              <a:t>uni VIE</a:t>
-            </a:r>
-            <a:r>
-              <a:rPr sz="3200">
-                <a:latin typeface="Calibri"/>
-                <a:ea typeface="Calibri"/>
-                <a:cs typeface="Calibri"/>
-                <a:sym typeface="Calibri"/>
-              </a:rPr>
-              <a:t>), </a:t>
-            </a:r>
-            <a:endParaRPr sz="3200">
-              <a:latin typeface="Calibri"/>
-              <a:ea typeface="Calibri"/>
-              <a:cs typeface="Calibri"/>
-              <a:sym typeface="Calibri"/>
-            </a:endParaRPr>
-          </a:p>
-          <a:p>
-            <a:pPr lvl="0" marL="0" indent="0" defTabSz="457200">
-              <a:spcBef>
-                <a:spcPts val="0"/>
-              </a:spcBef>
-              <a:buSzTx/>
-              <a:buNone/>
-              <a:defRPr sz="1800"/>
-            </a:pPr>
-            <a:r>
-              <a:rPr sz="3200">
-                <a:latin typeface="Calibri"/>
-                <a:ea typeface="Calibri"/>
-                <a:cs typeface="Calibri"/>
-                <a:sym typeface="Calibri"/>
-              </a:rPr>
-              <a:t>David Durvaux (</a:t>
-            </a:r>
-            <a:r>
-              <a:rPr sz="2600">
-                <a:latin typeface="Calibri"/>
-                <a:ea typeface="Calibri"/>
-                <a:cs typeface="Calibri"/>
-                <a:sym typeface="Calibri"/>
-              </a:rPr>
-              <a:t>CERT.be</a:t>
-            </a:r>
-            <a:r>
-              <a:rPr sz="3200">
-                <a:latin typeface="Calibri"/>
-                <a:ea typeface="Calibri"/>
-                <a:cs typeface="Calibri"/>
-                <a:sym typeface="Calibri"/>
-              </a:rPr>
-              <a:t>), </a:t>
-            </a:r>
-            <a:endParaRPr sz="3200">
-              <a:latin typeface="Calibri"/>
-              <a:ea typeface="Calibri"/>
-              <a:cs typeface="Calibri"/>
-              <a:sym typeface="Calibri"/>
-            </a:endParaRPr>
-          </a:p>
-          <a:p>
-            <a:pPr lvl="0" marL="0" indent="0" defTabSz="457200">
-              <a:spcBef>
-                <a:spcPts val="0"/>
-              </a:spcBef>
-              <a:buSzTx/>
-              <a:buNone/>
-              <a:defRPr sz="1800"/>
-            </a:pPr>
-            <a:r>
-              <a:rPr sz="3200">
-                <a:latin typeface="Calibri"/>
-                <a:ea typeface="Calibri"/>
-                <a:cs typeface="Calibri"/>
-                <a:sym typeface="Calibri"/>
-              </a:rPr>
-              <a:t>Tobias Dussa (</a:t>
-            </a:r>
-            <a:r>
-              <a:rPr sz="2600">
-                <a:latin typeface="Calibri"/>
-                <a:ea typeface="Calibri"/>
-                <a:cs typeface="Calibri"/>
-                <a:sym typeface="Calibri"/>
-              </a:rPr>
-              <a:t>KIT-CERT</a:t>
-            </a:r>
-            <a:r>
-              <a:rPr sz="3200">
-                <a:latin typeface="Calibri"/>
-                <a:ea typeface="Calibri"/>
-                <a:cs typeface="Calibri"/>
-                <a:sym typeface="Calibri"/>
-              </a:rPr>
-              <a:t>), </a:t>
-            </a:r>
-            <a:endParaRPr sz="3200">
-              <a:latin typeface="Calibri"/>
-              <a:ea typeface="Calibri"/>
-              <a:cs typeface="Calibri"/>
-              <a:sym typeface="Calibri"/>
-            </a:endParaRPr>
-          </a:p>
-          <a:p>
-            <a:pPr lvl="0" marL="0" indent="0" defTabSz="457200">
-              <a:spcBef>
-                <a:spcPts val="0"/>
-              </a:spcBef>
-              <a:buSzTx/>
-              <a:buNone/>
-              <a:defRPr sz="1800"/>
-            </a:pPr>
-            <a:r>
-              <a:rPr sz="3200">
-                <a:latin typeface="Calibri"/>
-                <a:ea typeface="Calibri"/>
-                <a:cs typeface="Calibri"/>
-                <a:sym typeface="Calibri"/>
-              </a:rPr>
-              <a:t>L. Aaron Kaplan (</a:t>
-            </a:r>
-            <a:r>
-              <a:rPr sz="2600">
-                <a:latin typeface="Calibri"/>
-                <a:ea typeface="Calibri"/>
-                <a:cs typeface="Calibri"/>
-                <a:sym typeface="Calibri"/>
-              </a:rPr>
-              <a:t>CERT.at</a:t>
-            </a:r>
-            <a:r>
-              <a:rPr sz="3200">
-                <a:latin typeface="Calibri"/>
-                <a:ea typeface="Calibri"/>
-                <a:cs typeface="Calibri"/>
-                <a:sym typeface="Calibri"/>
-              </a:rPr>
-              <a:t>), </a:t>
-            </a:r>
-            <a:endParaRPr sz="3200">
-              <a:latin typeface="Calibri"/>
-              <a:ea typeface="Calibri"/>
-              <a:cs typeface="Calibri"/>
-              <a:sym typeface="Calibri"/>
-            </a:endParaRPr>
-          </a:p>
-          <a:p>
-            <a:pPr lvl="0" marL="0" indent="0" defTabSz="457200">
-              <a:spcBef>
-                <a:spcPts val="0"/>
-              </a:spcBef>
-              <a:buSzTx/>
-              <a:buNone/>
-              <a:defRPr sz="1800"/>
-            </a:pPr>
-            <a:r>
-              <a:rPr sz="3200">
-                <a:latin typeface="Calibri"/>
-                <a:ea typeface="Calibri"/>
-                <a:cs typeface="Calibri"/>
-                <a:sym typeface="Calibri"/>
-              </a:rPr>
-              <a:t>Christian Mock (</a:t>
-            </a:r>
-            <a:r>
-              <a:rPr sz="2600">
-                <a:latin typeface="Calibri"/>
-                <a:ea typeface="Calibri"/>
-                <a:cs typeface="Calibri"/>
-                <a:sym typeface="Calibri"/>
-              </a:rPr>
-              <a:t>coretec</a:t>
-            </a:r>
-            <a:r>
-              <a:rPr sz="3200">
-                <a:latin typeface="Calibri"/>
-                <a:ea typeface="Calibri"/>
-                <a:cs typeface="Calibri"/>
-                <a:sym typeface="Calibri"/>
-              </a:rPr>
-              <a:t>), </a:t>
-            </a:r>
-            <a:endParaRPr sz="3200">
-              <a:latin typeface="Calibri"/>
-              <a:ea typeface="Calibri"/>
-              <a:cs typeface="Calibri"/>
-              <a:sym typeface="Calibri"/>
-            </a:endParaRPr>
-          </a:p>
-          <a:p>
-            <a:pPr lvl="0" marL="0" indent="0" defTabSz="457200">
-              <a:spcBef>
-                <a:spcPts val="0"/>
-              </a:spcBef>
-              <a:buSzTx/>
-              <a:buNone/>
-              <a:defRPr sz="1800"/>
-            </a:pPr>
-            <a:r>
-              <a:rPr sz="3200">
-                <a:latin typeface="Calibri"/>
-                <a:ea typeface="Calibri"/>
-                <a:cs typeface="Calibri"/>
-                <a:sym typeface="Calibri"/>
-              </a:rPr>
-              <a:t>Daniel Kovacic (</a:t>
-            </a:r>
-            <a:r>
-              <a:rPr sz="2600">
-                <a:latin typeface="Calibri"/>
-                <a:ea typeface="Calibri"/>
-                <a:cs typeface="Calibri"/>
-                <a:sym typeface="Calibri"/>
-              </a:rPr>
-              <a:t>A-Trust</a:t>
-            </a:r>
-            <a:r>
-              <a:rPr sz="3200">
-                <a:latin typeface="Calibri"/>
-                <a:ea typeface="Calibri"/>
-                <a:cs typeface="Calibri"/>
-                <a:sym typeface="Calibri"/>
-              </a:rPr>
-              <a:t>), </a:t>
-            </a:r>
-            <a:endParaRPr sz="3200">
-              <a:latin typeface="Calibri"/>
-              <a:ea typeface="Calibri"/>
-              <a:cs typeface="Calibri"/>
-              <a:sym typeface="Calibri"/>
-            </a:endParaRPr>
-          </a:p>
-          <a:p>
-            <a:pPr lvl="0" marL="0" indent="0" defTabSz="457200">
-              <a:spcBef>
-                <a:spcPts val="0"/>
-              </a:spcBef>
-              <a:buSzTx/>
-              <a:buNone/>
-              <a:defRPr sz="1800"/>
-            </a:pPr>
-            <a:r>
-              <a:rPr sz="3200">
-                <a:latin typeface="Calibri"/>
-                <a:ea typeface="Calibri"/>
-                <a:cs typeface="Calibri"/>
-                <a:sym typeface="Calibri"/>
-              </a:rPr>
-              <a:t>Manuel Koschuch (</a:t>
-            </a:r>
-            <a:r>
-              <a:rPr sz="2600">
-                <a:latin typeface="Calibri"/>
-                <a:ea typeface="Calibri"/>
-                <a:cs typeface="Calibri"/>
-                <a:sym typeface="Calibri"/>
-              </a:rPr>
-              <a:t>FH Campus Wien</a:t>
-            </a:r>
-            <a:r>
-              <a:rPr sz="3200">
-                <a:latin typeface="Calibri"/>
-                <a:ea typeface="Calibri"/>
-                <a:cs typeface="Calibri"/>
-                <a:sym typeface="Calibri"/>
-              </a:rPr>
-              <a:t>), </a:t>
-            </a:r>
-            <a:endParaRPr sz="3200">
-              <a:latin typeface="Calibri"/>
-              <a:ea typeface="Calibri"/>
-              <a:cs typeface="Calibri"/>
-              <a:sym typeface="Calibri"/>
-            </a:endParaRPr>
-          </a:p>
-          <a:p>
-            <a:pPr lvl="0" marL="0" indent="0" defTabSz="457200">
-              <a:spcBef>
-                <a:spcPts val="0"/>
-              </a:spcBef>
-              <a:buSzTx/>
-              <a:buNone/>
-              <a:defRPr sz="1800"/>
-            </a:pPr>
-            <a:r>
-              <a:rPr sz="3200">
-                <a:latin typeface="Calibri"/>
-                <a:ea typeface="Calibri"/>
-                <a:cs typeface="Calibri"/>
-                <a:sym typeface="Calibri"/>
-              </a:rPr>
-              <a:t>Adi Kriegisch (</a:t>
-            </a:r>
-            <a:r>
-              <a:rPr sz="2600">
-                <a:latin typeface="Calibri"/>
-                <a:ea typeface="Calibri"/>
-                <a:cs typeface="Calibri"/>
-                <a:sym typeface="Calibri"/>
-              </a:rPr>
-              <a:t>VRVis</a:t>
-            </a:r>
-            <a:r>
-              <a:rPr sz="3200">
-                <a:latin typeface="Calibri"/>
-                <a:ea typeface="Calibri"/>
-                <a:cs typeface="Calibri"/>
-                <a:sym typeface="Calibri"/>
-              </a:rPr>
-              <a:t>), </a:t>
-            </a:r>
-            <a:endParaRPr sz="3200">
-              <a:latin typeface="Calibri"/>
-              <a:ea typeface="Calibri"/>
-              <a:cs typeface="Calibri"/>
-              <a:sym typeface="Calibri"/>
-            </a:endParaRPr>
-          </a:p>
-          <a:p>
-            <a:pPr lvl="0" marL="0" indent="0" defTabSz="457200">
-              <a:spcBef>
-                <a:spcPts val="0"/>
-              </a:spcBef>
-              <a:buSzTx/>
-              <a:buNone/>
-              <a:defRPr sz="1800"/>
-            </a:pPr>
-            <a:r>
-              <a:rPr sz="3200">
-                <a:latin typeface="Calibri"/>
-                <a:ea typeface="Calibri"/>
-                <a:cs typeface="Calibri"/>
-                <a:sym typeface="Calibri"/>
-              </a:rPr>
-              <a:t>Ramin Sabet (</a:t>
-            </a:r>
-            <a:r>
-              <a:rPr sz="2600">
-                <a:latin typeface="Calibri"/>
-                <a:ea typeface="Calibri"/>
-                <a:cs typeface="Calibri"/>
-                <a:sym typeface="Calibri"/>
-              </a:rPr>
-              <a:t>A-Trust</a:t>
-            </a:r>
-            <a:r>
-              <a:rPr sz="3200">
-                <a:latin typeface="Calibri"/>
-                <a:ea typeface="Calibri"/>
-                <a:cs typeface="Calibri"/>
-                <a:sym typeface="Calibri"/>
-              </a:rPr>
-              <a:t>), </a:t>
-            </a:r>
-            <a:endParaRPr sz="3200">
-              <a:latin typeface="Calibri"/>
-              <a:ea typeface="Calibri"/>
-              <a:cs typeface="Calibri"/>
-              <a:sym typeface="Calibri"/>
-            </a:endParaRPr>
-          </a:p>
-          <a:p>
-            <a:pPr lvl="0" marL="0" indent="0" defTabSz="457200">
-              <a:spcBef>
-                <a:spcPts val="0"/>
-              </a:spcBef>
-              <a:buSzTx/>
-              <a:buNone/>
-              <a:defRPr sz="1800"/>
-            </a:pPr>
-            <a:r>
-              <a:rPr sz="3200">
-                <a:latin typeface="Calibri"/>
-                <a:ea typeface="Calibri"/>
-                <a:cs typeface="Calibri"/>
-                <a:sym typeface="Calibri"/>
-              </a:rPr>
-              <a:t>Aaron Zauner (</a:t>
-            </a:r>
-            <a:r>
-              <a:rPr sz="2600">
-                <a:latin typeface="Calibri"/>
-                <a:ea typeface="Calibri"/>
-                <a:cs typeface="Calibri"/>
-                <a:sym typeface="Calibri"/>
-              </a:rPr>
-              <a:t>azet.org</a:t>
-            </a:r>
-            <a:r>
-              <a:rPr sz="3200">
-                <a:latin typeface="Calibri"/>
-                <a:ea typeface="Calibri"/>
-                <a:cs typeface="Calibri"/>
-                <a:sym typeface="Calibri"/>
-              </a:rPr>
-              <a:t>), </a:t>
-            </a:r>
-            <a:endParaRPr sz="3200">
-              <a:latin typeface="Calibri"/>
-              <a:ea typeface="Calibri"/>
-              <a:cs typeface="Calibri"/>
-              <a:sym typeface="Calibri"/>
-            </a:endParaRPr>
-          </a:p>
-          <a:p>
-            <a:pPr lvl="0" marL="0" indent="0" defTabSz="457200">
-              <a:spcBef>
-                <a:spcPts val="0"/>
-              </a:spcBef>
-              <a:buSzTx/>
-              <a:buNone/>
-              <a:defRPr sz="1800"/>
-            </a:pPr>
-            <a:r>
-              <a:rPr sz="3200">
-                <a:latin typeface="Calibri"/>
-                <a:ea typeface="Calibri"/>
-                <a:cs typeface="Calibri"/>
-                <a:sym typeface="Calibri"/>
-              </a:rPr>
-              <a:t>Pepi Zawodsky (</a:t>
-            </a:r>
-            <a:r>
-              <a:rPr sz="2600">
-                <a:latin typeface="Calibri"/>
-                <a:ea typeface="Calibri"/>
-                <a:cs typeface="Calibri"/>
-                <a:sym typeface="Calibri"/>
-              </a:rPr>
-              <a:t>maclemon.at</a:t>
-            </a:r>
-            <a:r>
-              <a:rPr sz="3200">
-                <a:latin typeface="Calibri"/>
-                <a:ea typeface="Calibri"/>
-                <a:cs typeface="Calibri"/>
-                <a:sym typeface="Calibri"/>
-              </a:rPr>
-              <a:t>), </a:t>
-            </a:r>
-            <a:endParaRPr sz="3200">
-              <a:latin typeface="Calibri"/>
-              <a:ea typeface="Calibri"/>
-              <a:cs typeface="Calibri"/>
-              <a:sym typeface="Calibri"/>
-            </a:endParaRPr>
-          </a:p>
-          <a:p>
-            <a:pPr lvl="0" marL="0" indent="0" defTabSz="457200">
-              <a:spcBef>
-                <a:spcPts val="0"/>
-              </a:spcBef>
-              <a:buSzTx/>
-              <a:buNone/>
-              <a:defRPr sz="1800"/>
-            </a:pPr>
-            <a:br>
-              <a:rPr sz="3200">
-                <a:latin typeface="Calibri"/>
-                <a:ea typeface="Calibri"/>
-                <a:cs typeface="Calibri"/>
-                <a:sym typeface="Calibri"/>
-              </a:rPr>
-            </a:br>
-            <a:endParaRPr sz="3200">
-              <a:latin typeface="Calibri"/>
-              <a:ea typeface="Calibri"/>
-              <a:cs typeface="Calibri"/>
-              <a:sym typeface="Calibri"/>
-            </a:endParaRPr>
-          </a:p>
-          <a:p>
-            <a:pPr lvl="0" marL="0" indent="0" defTabSz="457200">
-              <a:spcBef>
-                <a:spcPts val="0"/>
-              </a:spcBef>
-              <a:buSzTx/>
-              <a:buNone/>
-              <a:defRPr sz="1800"/>
-            </a:pPr>
-            <a:r>
-              <a:rPr sz="3200">
-                <a:latin typeface="Calibri"/>
-                <a:ea typeface="Calibri"/>
-                <a:cs typeface="Calibri"/>
-                <a:sym typeface="Calibri"/>
-              </a:rPr>
-              <a:t>New contributors: </a:t>
-            </a:r>
-            <a:endParaRPr sz="3200">
-              <a:latin typeface="Calibri"/>
-              <a:ea typeface="Calibri"/>
-              <a:cs typeface="Calibri"/>
-              <a:sym typeface="Calibri"/>
-            </a:endParaRPr>
-          </a:p>
-          <a:p>
-            <a:pPr lvl="0" marL="0" indent="0" defTabSz="457200">
-              <a:spcBef>
-                <a:spcPts val="0"/>
-              </a:spcBef>
-              <a:buSzTx/>
-              <a:buNone/>
-              <a:defRPr sz="1800"/>
-            </a:pPr>
-            <a:r>
-              <a:rPr sz="3200">
-                <a:latin typeface="Calibri"/>
-                <a:ea typeface="Calibri"/>
-                <a:cs typeface="Calibri"/>
-                <a:sym typeface="Calibri"/>
-              </a:rPr>
-              <a:t>IAIK, </a:t>
-            </a:r>
-            <a:endParaRPr sz="3200">
-              <a:latin typeface="Calibri"/>
-              <a:ea typeface="Calibri"/>
-              <a:cs typeface="Calibri"/>
-              <a:sym typeface="Calibri"/>
-            </a:endParaRPr>
-          </a:p>
-          <a:p>
-            <a:pPr lvl="0" marL="0" indent="0" defTabSz="457200">
-              <a:spcBef>
-                <a:spcPts val="0"/>
-              </a:spcBef>
-              <a:buSzTx/>
-              <a:buNone/>
-              <a:defRPr sz="1800"/>
-            </a:pPr>
-            <a:r>
-              <a:rPr sz="3200">
-                <a:latin typeface="Calibri"/>
-                <a:ea typeface="Calibri"/>
-                <a:cs typeface="Calibri"/>
-                <a:sym typeface="Calibri"/>
-              </a:rPr>
-              <a:t>A-Sit</a:t>
+            <a:pPr lvl="0">
+              <a:defRPr sz="1800"/>
+            </a:pPr>
+            <a:r>
+              <a:rPr sz="4200"/>
+              <a:t>VPN</a:t>
+            </a:r>
+          </a:p>
+          <a:p>
+            <a:pPr lvl="1">
+              <a:defRPr sz="1800"/>
+            </a:pPr>
+            <a:r>
+              <a:rPr sz="4200"/>
+              <a:t>IPSec</a:t>
+            </a:r>
+          </a:p>
+          <a:p>
+            <a:pPr lvl="1">
+              <a:defRPr sz="1800"/>
+            </a:pPr>
+            <a:r>
+              <a:rPr sz="4200"/>
+              <a:t>CheckPoint Firewall-1</a:t>
+            </a:r>
+          </a:p>
+          <a:p>
+            <a:pPr lvl="1">
+              <a:defRPr sz="1800"/>
+            </a:pPr>
+            <a:r>
+              <a:rPr sz="4200"/>
+              <a:t>OpenVPN</a:t>
+            </a:r>
+          </a:p>
+          <a:p>
+            <a:pPr lvl="1">
+              <a:defRPr sz="1800"/>
+            </a:pPr>
+            <a:r>
+              <a:rPr sz="4200"/>
+              <a:t>PPPTP</a:t>
+            </a:r>
+          </a:p>
+          <a:p>
+            <a:pPr lvl="1">
+              <a:defRPr sz="1800"/>
+            </a:pPr>
+            <a:r>
+              <a:rPr sz="4200"/>
+              <a:t>Cisco ASA</a:t>
+            </a:r>
+          </a:p>
+          <a:p>
+            <a:pPr lvl="1">
+              <a:defRPr sz="1800"/>
+            </a:pPr>
+            <a:r>
+              <a:rPr sz="4200"/>
+              <a:t>OpenSWAN</a:t>
+            </a:r>
+          </a:p>
+          <a:p>
+            <a:pPr lvl="1">
+              <a:defRPr sz="1800"/>
+            </a:pPr>
+            <a:r>
+              <a:rPr sz="4200"/>
+              <a:t>tinc</a:t>
             </a:r>
           </a:p>
         </p:txBody>
@@ -6898,12 +7457,12 @@
   <p:clrMapOvr>
     <a:masterClrMapping/>
   </p:clrMapOvr>
-  <p:transition spd="med" advClick="1"/>
+  <p:transition xmlns:p14="http://schemas.microsoft.com/office/powerpoint/2010/main" spd="med"/>
 </p:sld>
 </file>
 
-<file path=ppt/slides/slide40.xml><?xml version="1.0" encoding="utf-8"?>
-<p:sld xmlns:a="http://schemas.openxmlformats.org/drawingml/2006/main" xmlns:r="http://schemas.openxmlformats.org/officeDocument/2006/relationships" xmlns:p="http://schemas.openxmlformats.org/presentationml/2006/main" showMasterSp="1" showMasterPhAnim="1">
+<file path=ppt/slides/slide45.xml><?xml version="1.0" encoding="utf-8"?>
+<p:sld xmlns:a="http://schemas.openxmlformats.org/drawingml/2006/main" xmlns:r="http://schemas.openxmlformats.org/officeDocument/2006/relationships" xmlns:p="http://schemas.openxmlformats.org/presentationml/2006/main">
   <p:cSld>
     <p:spTree>
       <p:nvGrpSpPr>
@@ -6922,7 +7481,9 @@
       <p:sp>
         <p:nvSpPr>
           <p:cNvPr id="165" name="Shape 165"/>
-          <p:cNvSpPr/>
+          <p:cNvSpPr>
+            <a:spLocks noGrp="1"/>
+          </p:cNvSpPr>
           <p:nvPr>
             <p:ph type="title"/>
           </p:nvPr>
@@ -6949,7 +7510,9 @@
       <p:sp>
         <p:nvSpPr>
           <p:cNvPr id="166" name="Shape 166"/>
-          <p:cNvSpPr/>
+          <p:cNvSpPr>
+            <a:spLocks noGrp="1"/>
+          </p:cNvSpPr>
           <p:nvPr>
             <p:ph type="body" idx="1"/>
           </p:nvPr>
@@ -6974,7 +7537,6 @@
               <a:rPr sz="4200"/>
               <a:t>PGP/GPG</a:t>
             </a:r>
-            <a:endParaRPr sz="4200"/>
           </a:p>
           <a:p>
             <a:pPr lvl="0">
@@ -6984,7 +7546,6 @@
               <a:rPr sz="4200"/>
               <a:t>IPMI/ILO</a:t>
             </a:r>
-            <a:endParaRPr sz="4200"/>
           </a:p>
           <a:p>
             <a:pPr lvl="0">
@@ -6994,7 +7555,6 @@
               <a:rPr sz="4200"/>
               <a:t>Instant Messaging</a:t>
             </a:r>
-            <a:endParaRPr sz="4200"/>
           </a:p>
           <a:p>
             <a:pPr lvl="1">
@@ -7004,7 +7564,6 @@
               <a:rPr sz="4200"/>
               <a:t>ejabberd</a:t>
             </a:r>
-            <a:endParaRPr sz="4200"/>
           </a:p>
           <a:p>
             <a:pPr lvl="1">
@@ -7014,7 +7573,6 @@
               <a:rPr sz="4200"/>
               <a:t>OTR</a:t>
             </a:r>
-            <a:endParaRPr sz="4200"/>
           </a:p>
           <a:p>
             <a:pPr lvl="1">
@@ -7024,7 +7582,6 @@
               <a:rPr sz="4200"/>
               <a:t>Charybdis</a:t>
             </a:r>
-            <a:endParaRPr sz="4200"/>
           </a:p>
           <a:p>
             <a:pPr lvl="1">
@@ -7042,12 +7599,12 @@
   <p:clrMapOvr>
     <a:masterClrMapping/>
   </p:clrMapOvr>
-  <p:transition spd="med" advClick="1"/>
+  <p:transition xmlns:p14="http://schemas.microsoft.com/office/powerpoint/2010/main" spd="med"/>
 </p:sld>
 </file>
 
-<file path=ppt/slides/slide41.xml><?xml version="1.0" encoding="utf-8"?>
-<p:sld xmlns:a="http://schemas.openxmlformats.org/drawingml/2006/main" xmlns:r="http://schemas.openxmlformats.org/officeDocument/2006/relationships" xmlns:p="http://schemas.openxmlformats.org/presentationml/2006/main" showMasterSp="1" showMasterPhAnim="1">
+<file path=ppt/slides/slide46.xml><?xml version="1.0" encoding="utf-8"?>
+<p:sld xmlns:a="http://schemas.openxmlformats.org/drawingml/2006/main" xmlns:r="http://schemas.openxmlformats.org/officeDocument/2006/relationships" xmlns:p="http://schemas.openxmlformats.org/presentationml/2006/main">
   <p:cSld>
     <p:spTree>
       <p:nvGrpSpPr>
@@ -7066,7 +7623,9 @@
       <p:sp>
         <p:nvSpPr>
           <p:cNvPr id="168" name="Shape 168"/>
-          <p:cNvSpPr/>
+          <p:cNvSpPr>
+            <a:spLocks noGrp="1"/>
+          </p:cNvSpPr>
           <p:nvPr>
             <p:ph type="title"/>
           </p:nvPr>
@@ -7093,7 +7652,9 @@
       <p:sp>
         <p:nvSpPr>
           <p:cNvPr id="169" name="Shape 169"/>
-          <p:cNvSpPr/>
+          <p:cNvSpPr>
+            <a:spLocks noGrp="1"/>
+          </p:cNvSpPr>
           <p:nvPr>
             <p:ph type="body" idx="1"/>
           </p:nvPr>
@@ -7118,7 +7679,6 @@
               <a:rPr sz="4200"/>
               <a:t>Database systems</a:t>
             </a:r>
-            <a:endParaRPr sz="4200"/>
           </a:p>
           <a:p>
             <a:pPr lvl="1">
@@ -7128,7 +7688,6 @@
               <a:rPr sz="4200"/>
               <a:t>Oracle</a:t>
             </a:r>
-            <a:endParaRPr sz="4200"/>
           </a:p>
           <a:p>
             <a:pPr lvl="1">
@@ -7138,7 +7697,6 @@
               <a:rPr sz="4200"/>
               <a:t>MySQL</a:t>
             </a:r>
-            <a:endParaRPr sz="4200"/>
           </a:p>
           <a:p>
             <a:pPr lvl="1">
@@ -7148,7 +7706,6 @@
               <a:rPr sz="4200"/>
               <a:t>DB2</a:t>
             </a:r>
-            <a:endParaRPr sz="4200"/>
           </a:p>
           <a:p>
             <a:pPr lvl="1">
@@ -7166,12 +7723,12 @@
   <p:clrMapOvr>
     <a:masterClrMapping/>
   </p:clrMapOvr>
-  <p:transition spd="med" advClick="1"/>
+  <p:transition xmlns:p14="http://schemas.microsoft.com/office/powerpoint/2010/main" spd="med"/>
 </p:sld>
 </file>
 
-<file path=ppt/slides/slide42.xml><?xml version="1.0" encoding="utf-8"?>
-<p:sld xmlns:a="http://schemas.openxmlformats.org/drawingml/2006/main" xmlns:r="http://schemas.openxmlformats.org/officeDocument/2006/relationships" xmlns:p="http://schemas.openxmlformats.org/presentationml/2006/main" showMasterSp="1" showMasterPhAnim="1">
+<file path=ppt/slides/slide47.xml><?xml version="1.0" encoding="utf-8"?>
+<p:sld xmlns:a="http://schemas.openxmlformats.org/drawingml/2006/main" xmlns:r="http://schemas.openxmlformats.org/officeDocument/2006/relationships" xmlns:p="http://schemas.openxmlformats.org/presentationml/2006/main">
   <p:cSld>
     <p:spTree>
       <p:nvGrpSpPr>
@@ -7190,7 +7747,9 @@
       <p:sp>
         <p:nvSpPr>
           <p:cNvPr id="171" name="Shape 171"/>
-          <p:cNvSpPr/>
+          <p:cNvSpPr>
+            <a:spLocks noGrp="1"/>
+          </p:cNvSpPr>
           <p:nvPr>
             <p:ph type="title"/>
           </p:nvPr>
@@ -7217,7 +7776,9 @@
       <p:sp>
         <p:nvSpPr>
           <p:cNvPr id="172" name="Shape 172"/>
-          <p:cNvSpPr/>
+          <p:cNvSpPr>
+            <a:spLocks noGrp="1"/>
+          </p:cNvSpPr>
           <p:nvPr>
             <p:ph type="body" idx="1"/>
           </p:nvPr>
@@ -7242,7 +7803,6 @@
               <a:rPr sz="4200"/>
               <a:t>Proxy</a:t>
             </a:r>
-            <a:endParaRPr sz="4200"/>
           </a:p>
           <a:p>
             <a:pPr lvl="1">
@@ -7252,7 +7812,6 @@
               <a:rPr sz="4200"/>
               <a:t>squid</a:t>
             </a:r>
-            <a:endParaRPr sz="4200"/>
           </a:p>
           <a:p>
             <a:pPr lvl="1">
@@ -7262,7 +7821,6 @@
               <a:rPr sz="4200"/>
               <a:t>Bluecoat</a:t>
             </a:r>
-            <a:endParaRPr sz="4200"/>
           </a:p>
           <a:p>
             <a:pPr lvl="1">
@@ -7272,7 +7830,6 @@
               <a:rPr sz="4200"/>
               <a:t>Pound</a:t>
             </a:r>
-            <a:endParaRPr sz="4200"/>
           </a:p>
           <a:p>
             <a:pPr lvl="0">
@@ -7290,12 +7847,12 @@
   <p:clrMapOvr>
     <a:masterClrMapping/>
   </p:clrMapOvr>
-  <p:transition spd="med" advClick="1"/>
+  <p:transition xmlns:p14="http://schemas.microsoft.com/office/powerpoint/2010/main" spd="med"/>
 </p:sld>
 </file>
 
-<file path=ppt/slides/slide43.xml><?xml version="1.0" encoding="utf-8"?>
-<p:sld xmlns:a="http://schemas.openxmlformats.org/drawingml/2006/main" xmlns:r="http://schemas.openxmlformats.org/officeDocument/2006/relationships" xmlns:p="http://schemas.openxmlformats.org/presentationml/2006/main" showMasterSp="1" showMasterPhAnim="1">
+<file path=ppt/slides/slide48.xml><?xml version="1.0" encoding="utf-8"?>
+<p:sld xmlns:a="http://schemas.openxmlformats.org/drawingml/2006/main" xmlns:r="http://schemas.openxmlformats.org/officeDocument/2006/relationships" xmlns:p="http://schemas.openxmlformats.org/presentationml/2006/main">
   <p:cSld>
     <p:spTree>
       <p:nvGrpSpPr>
@@ -7314,7 +7871,9 @@
       <p:sp>
         <p:nvSpPr>
           <p:cNvPr id="174" name="Shape 174"/>
-          <p:cNvSpPr/>
+          <p:cNvSpPr>
+            <a:spLocks noGrp="1"/>
+          </p:cNvSpPr>
           <p:nvPr>
             <p:ph type="title"/>
           </p:nvPr>
@@ -7341,7 +7900,9 @@
       <p:sp>
         <p:nvSpPr>
           <p:cNvPr id="175" name="Shape 175"/>
-          <p:cNvSpPr/>
+          <p:cNvSpPr>
+            <a:spLocks noGrp="1"/>
+          </p:cNvSpPr>
           <p:nvPr>
             <p:ph type="body" idx="1"/>
           </p:nvPr>
@@ -7362,7 +7923,6 @@
               <a:rPr sz="4200"/>
               <a:t>GPG / PGG</a:t>
             </a:r>
-            <a:endParaRPr sz="4200"/>
           </a:p>
           <a:p>
             <a:pPr lvl="0">
@@ -7380,12 +7940,12 @@
   <p:clrMapOvr>
     <a:masterClrMapping/>
   </p:clrMapOvr>
-  <p:transition spd="med" advClick="1"/>
+  <p:transition xmlns:p14="http://schemas.microsoft.com/office/powerpoint/2010/main" spd="med"/>
 </p:sld>
 </file>
 
-<file path=ppt/slides/slide44.xml><?xml version="1.0" encoding="utf-8"?>
-<p:sld xmlns:a="http://schemas.openxmlformats.org/drawingml/2006/main" xmlns:r="http://schemas.openxmlformats.org/officeDocument/2006/relationships" xmlns:p="http://schemas.openxmlformats.org/presentationml/2006/main" showMasterSp="1" showMasterPhAnim="1">
+<file path=ppt/slides/slide49.xml><?xml version="1.0" encoding="utf-8"?>
+<p:sld xmlns:a="http://schemas.openxmlformats.org/drawingml/2006/main" xmlns:r="http://schemas.openxmlformats.org/officeDocument/2006/relationships" xmlns:p="http://schemas.openxmlformats.org/presentationml/2006/main">
   <p:cSld>
     <p:spTree>
       <p:nvGrpSpPr>
@@ -7404,7 +7964,9 @@
       <p:sp>
         <p:nvSpPr>
           <p:cNvPr id="177" name="Shape 177"/>
-          <p:cNvSpPr/>
+          <p:cNvSpPr>
+            <a:spLocks noGrp="1"/>
+          </p:cNvSpPr>
           <p:nvPr>
             <p:ph type="title"/>
           </p:nvPr>
@@ -7431,7 +7993,9 @@
       <p:sp>
         <p:nvSpPr>
           <p:cNvPr id="178" name="Shape 178"/>
-          <p:cNvSpPr/>
+          <p:cNvSpPr>
+            <a:spLocks noGrp="1"/>
+          </p:cNvSpPr>
           <p:nvPr>
             <p:ph type="body" idx="1"/>
           </p:nvPr>
@@ -7452,7 +8016,6 @@
               <a:rPr sz="4200"/>
               <a:t>Configuration Generator (online)</a:t>
             </a:r>
-            <a:endParaRPr sz="4200"/>
           </a:p>
           <a:p>
             <a:pPr lvl="0">
@@ -7462,7 +8025,6 @@
               <a:rPr sz="4200"/>
               <a:t>A friendly copy/paste version</a:t>
             </a:r>
-            <a:endParaRPr sz="4200"/>
           </a:p>
           <a:p>
             <a:pPr lvl="0">
@@ -7480,12 +8042,12 @@
   <p:clrMapOvr>
     <a:masterClrMapping/>
   </p:clrMapOvr>
-  <p:transition spd="med" advClick="1"/>
+  <p:transition xmlns:p14="http://schemas.microsoft.com/office/powerpoint/2010/main" spd="med"/>
 </p:sld>
 </file>
 
-<file path=ppt/slides/slide45.xml><?xml version="1.0" encoding="utf-8"?>
-<p:sld xmlns:a="http://schemas.openxmlformats.org/drawingml/2006/main" xmlns:r="http://schemas.openxmlformats.org/officeDocument/2006/relationships" xmlns:p="http://schemas.openxmlformats.org/presentationml/2006/main" showMasterSp="1" showMasterPhAnim="1">
+<file path=ppt/slides/slide5.xml><?xml version="1.0" encoding="utf-8"?>
+<p:sld xmlns:a="http://schemas.openxmlformats.org/drawingml/2006/main" xmlns:r="http://schemas.openxmlformats.org/officeDocument/2006/relationships" xmlns:p="http://schemas.openxmlformats.org/presentationml/2006/main">
   <p:cSld>
     <p:spTree>
       <p:nvGrpSpPr>
@@ -7503,8 +8065,10 @@
       </p:grpSpPr>
       <p:sp>
         <p:nvSpPr>
-          <p:cNvPr id="180" name="Shape 180"/>
-          <p:cNvSpPr/>
+          <p:cNvPr id="53" name="Shape 53"/>
+          <p:cNvSpPr>
+            <a:spLocks noGrp="1"/>
+          </p:cNvSpPr>
           <p:nvPr>
             <p:ph type="title"/>
           </p:nvPr>
@@ -7523,20 +8087,26 @@
             </a:pPr>
             <a:r>
               <a:rPr sz="8400"/>
-              <a:t>Conclusion</a:t>
-            </a:r>
-          </a:p>
-        </p:txBody>
-      </p:sp>
-      <p:sp>
-        <p:nvSpPr>
-          <p:cNvPr id="181" name="Shape 181"/>
-          <p:cNvSpPr/>
+              <a:t>Agenda</a:t>
+            </a:r>
+          </a:p>
+        </p:txBody>
+      </p:sp>
+      <p:sp>
+        <p:nvSpPr>
+          <p:cNvPr id="54" name="Shape 54"/>
+          <p:cNvSpPr>
+            <a:spLocks noGrp="1"/>
+          </p:cNvSpPr>
           <p:nvPr>
             <p:ph type="body" idx="1"/>
           </p:nvPr>
         </p:nvSpPr>
         <p:spPr>
+          <a:xfrm>
+            <a:off x="1270000" y="2197100"/>
+            <a:ext cx="10464800" cy="7283450"/>
+          </a:xfrm>
           <a:prstGeom prst="rect">
             <a:avLst/>
           </a:prstGeom>
@@ -7545,7 +8115,59 @@
           <a:bodyPr/>
           <a:lstStyle/>
           <a:p>
-            <a:pPr lvl="0"/>
+            <a:pPr lvl="0">
+              <a:defRPr sz="1800"/>
+            </a:pPr>
+            <a:r>
+              <a:rPr sz="4200" dirty="0"/>
+              <a:t>Pieces of History</a:t>
+            </a:r>
+          </a:p>
+          <a:p>
+            <a:pPr lvl="0">
+              <a:defRPr sz="1800"/>
+            </a:pPr>
+            <a:r>
+              <a:rPr sz="4200" dirty="0"/>
+              <a:t>Introduction to BetterCrypto project</a:t>
+            </a:r>
+          </a:p>
+          <a:p>
+            <a:pPr lvl="0">
+              <a:defRPr sz="1800"/>
+            </a:pPr>
+            <a:r>
+              <a:rPr lang="nl-BE" sz="4200" smtClean="0"/>
+              <a:t>Cryptography in a nutshell</a:t>
+            </a:r>
+            <a:endParaRPr sz="4200" dirty="0"/>
+          </a:p>
+          <a:p>
+            <a:pPr lvl="0">
+              <a:defRPr sz="1800"/>
+            </a:pPr>
+            <a:r>
+              <a:rPr sz="4200" dirty="0"/>
+              <a:t>Practical Settings</a:t>
+            </a:r>
+          </a:p>
+          <a:p>
+            <a:pPr lvl="0">
+              <a:defRPr sz="1800"/>
+            </a:pPr>
+            <a:r>
+              <a:rPr sz="4200" dirty="0"/>
+              <a:t>Heartbeat</a:t>
+            </a:r>
+          </a:p>
+          <a:p>
+            <a:pPr lvl="0">
+              <a:defRPr sz="1800"/>
+            </a:pPr>
+            <a:r>
+              <a:rPr sz="4200" dirty="0"/>
+              <a:t>Conclusion</a:t>
+            </a:r>
           </a:p>
         </p:txBody>
       </p:sp>
@@ -7554,12 +8176,12 @@
   <p:clrMapOvr>
     <a:masterClrMapping/>
   </p:clrMapOvr>
-  <p:transition spd="med" advClick="1"/>
+  <p:transition xmlns:p14="http://schemas.microsoft.com/office/powerpoint/2010/main" spd="med"/>
 </p:sld>
 </file>
 
-<file path=ppt/slides/slide46.xml><?xml version="1.0" encoding="utf-8"?>
-<p:sld xmlns:a="http://schemas.openxmlformats.org/drawingml/2006/main" xmlns:r="http://schemas.openxmlformats.org/officeDocument/2006/relationships" xmlns:p="http://schemas.openxmlformats.org/presentationml/2006/main" showMasterSp="1" showMasterPhAnim="1">
+<file path=ppt/slides/slide50.xml><?xml version="1.0" encoding="utf-8"?>
+<p:sld xmlns:a="http://schemas.openxmlformats.org/drawingml/2006/main" xmlns:r="http://schemas.openxmlformats.org/officeDocument/2006/relationships" xmlns:p="http://schemas.openxmlformats.org/presentationml/2006/main">
   <p:cSld>
     <p:spTree>
       <p:nvGrpSpPr>
@@ -7577,8 +8199,10 @@
       </p:grpSpPr>
       <p:sp>
         <p:nvSpPr>
-          <p:cNvPr id="183" name="Shape 183"/>
-          <p:cNvSpPr/>
+          <p:cNvPr id="180" name="Shape 180"/>
+          <p:cNvSpPr>
+            <a:spLocks noGrp="1"/>
+          </p:cNvSpPr>
           <p:nvPr>
             <p:ph type="title"/>
           </p:nvPr>
@@ -7597,24 +8221,22 @@
             </a:pPr>
             <a:r>
               <a:rPr sz="8400"/>
-              <a:t>References</a:t>
-            </a:r>
-          </a:p>
-        </p:txBody>
-      </p:sp>
-      <p:sp>
-        <p:nvSpPr>
-          <p:cNvPr id="184" name="Shape 184"/>
-          <p:cNvSpPr/>
+              <a:t>Conclusion</a:t>
+            </a:r>
+          </a:p>
+        </p:txBody>
+      </p:sp>
+      <p:sp>
+        <p:nvSpPr>
+          <p:cNvPr id="181" name="Shape 181"/>
+          <p:cNvSpPr>
+            <a:spLocks noGrp="1"/>
+          </p:cNvSpPr>
           <p:nvPr>
             <p:ph type="body" idx="1"/>
           </p:nvPr>
         </p:nvSpPr>
         <p:spPr>
-          <a:xfrm>
-            <a:off x="1135161" y="2413000"/>
-            <a:ext cx="10734477" cy="6426200"/>
-          </a:xfrm>
           <a:prstGeom prst="rect">
             <a:avLst/>
           </a:prstGeom>
@@ -7623,82 +8245,8 @@
           <a:bodyPr/>
           <a:lstStyle/>
           <a:p>
-            <a:pPr lvl="0">
-              <a:defRPr sz="1800"/>
-            </a:pPr>
-            <a:r>
-              <a:rPr sz="4200"/>
-              <a:t>BetterCrypto.org</a:t>
-            </a:r>
-            <a:endParaRPr sz="4200"/>
-          </a:p>
-          <a:p>
-            <a:pPr lvl="0">
-              <a:defRPr sz="1800"/>
-            </a:pPr>
-            <a:r>
-              <a:rPr sz="4200"/>
-              <a:t>https://git.bettercrypto.org/ach-master.git</a:t>
-            </a:r>
-            <a:endParaRPr sz="4200"/>
-          </a:p>
-          <a:p>
-            <a:pPr lvl="0">
-              <a:defRPr sz="1800"/>
-            </a:pPr>
-            <a:r>
-              <a:rPr sz="4200"/>
-              <a:t>http://lists.cert.at/cgi-bin/mailman/listinfo/ach</a:t>
-            </a:r>
-            <a:endParaRPr sz="4200"/>
-          </a:p>
-          <a:p>
-            <a:pPr lvl="0">
-              <a:defRPr sz="1800"/>
-            </a:pPr>
-            <a:endParaRPr sz="4200"/>
-          </a:p>
-          <a:p>
-            <a:pPr lvl="0">
-              <a:defRPr sz="1800"/>
-            </a:pPr>
-            <a:r>
-              <a:rPr sz="4200"/>
-              <a:t>Contact</a:t>
-            </a:r>
-            <a:endParaRPr sz="4200"/>
-          </a:p>
-          <a:p>
-            <a:pPr lvl="1">
-              <a:defRPr sz="1800"/>
-            </a:pPr>
-            <a:r>
-              <a:rPr sz="4200" u="sng">
-                <a:hlinkClick r:id="rId2" invalidUrl="" action="" tgtFrame="" tooltip="" history="1" highlightClick="0" endSnd="0"/>
-              </a:rPr>
-              <a:t>aaron@XXX.org</a:t>
-            </a:r>
-            <a:r>
-              <a:rPr sz="4200"/>
-              <a:t> — [TWITTER]</a:t>
-            </a:r>
-            <a:endParaRPr sz="4200"/>
-          </a:p>
-          <a:p>
-            <a:pPr lvl="1">
-              <a:defRPr sz="1800"/>
-            </a:pPr>
-            <a:r>
-              <a:rPr sz="4200" u="sng">
-                <a:hlinkClick r:id="rId3" invalidUrl="" action="" tgtFrame="" tooltip="" history="1" highlightClick="0" endSnd="0"/>
-              </a:rPr>
-              <a:t>david@autopsit.org</a:t>
-            </a:r>
-            <a:r>
-              <a:rPr sz="4200"/>
-              <a:t> — @ddurvaux</a:t>
-            </a:r>
-            <a:endParaRPr sz="4200"/>
+            <a:pPr lvl="0"/>
+            <a:endParaRPr/>
           </a:p>
         </p:txBody>
       </p:sp>
@@ -7707,12 +8255,12 @@
   <p:clrMapOvr>
     <a:masterClrMapping/>
   </p:clrMapOvr>
-  <p:transition spd="med" advClick="1"/>
+  <p:transition xmlns:p14="http://schemas.microsoft.com/office/powerpoint/2010/main" spd="med"/>
 </p:sld>
 </file>
 
-<file path=ppt/slides/slide5.xml><?xml version="1.0" encoding="utf-8"?>
-<p:sld xmlns:a="http://schemas.openxmlformats.org/drawingml/2006/main" xmlns:r="http://schemas.openxmlformats.org/officeDocument/2006/relationships" xmlns:p="http://schemas.openxmlformats.org/presentationml/2006/main" showMasterSp="1" showMasterPhAnim="1">
+<file path=ppt/slides/slide51.xml><?xml version="1.0" encoding="utf-8"?>
+<p:sld xmlns:a="http://schemas.openxmlformats.org/drawingml/2006/main" xmlns:r="http://schemas.openxmlformats.org/officeDocument/2006/relationships" xmlns:p="http://schemas.openxmlformats.org/presentationml/2006/main">
   <p:cSld>
     <p:spTree>
       <p:nvGrpSpPr>
@@ -7730,8 +8278,10 @@
       </p:grpSpPr>
       <p:sp>
         <p:nvSpPr>
-          <p:cNvPr id="53" name="Shape 53"/>
-          <p:cNvSpPr/>
+          <p:cNvPr id="183" name="Shape 183"/>
+          <p:cNvSpPr>
+            <a:spLocks noGrp="1"/>
+          </p:cNvSpPr>
           <p:nvPr>
             <p:ph type="title"/>
           </p:nvPr>
@@ -7750,23 +8300,25 @@
             </a:pPr>
             <a:r>
               <a:rPr sz="8400"/>
-              <a:t>Agenda</a:t>
-            </a:r>
-          </a:p>
-        </p:txBody>
-      </p:sp>
-      <p:sp>
-        <p:nvSpPr>
-          <p:cNvPr id="54" name="Shape 54"/>
-          <p:cNvSpPr/>
+              <a:t>References</a:t>
+            </a:r>
+          </a:p>
+        </p:txBody>
+      </p:sp>
+      <p:sp>
+        <p:nvSpPr>
+          <p:cNvPr id="184" name="Shape 184"/>
+          <p:cNvSpPr>
+            <a:spLocks noGrp="1"/>
+          </p:cNvSpPr>
           <p:nvPr>
             <p:ph type="body" idx="1"/>
           </p:nvPr>
         </p:nvSpPr>
         <p:spPr>
           <a:xfrm>
-            <a:off x="1270000" y="2197100"/>
-            <a:ext cx="10464800" cy="7283450"/>
+            <a:off x="1135161" y="2413000"/>
+            <a:ext cx="10734477" cy="6426200"/>
           </a:xfrm>
           <a:prstGeom prst="rect">
             <a:avLst/>
@@ -7781,8 +8333,31 @@
             </a:pPr>
             <a:r>
               <a:rPr sz="4200"/>
-              <a:t>Pieces of History</a:t>
-            </a:r>
+              <a:t>BetterCrypto.org</a:t>
+            </a:r>
+          </a:p>
+          <a:p>
+            <a:pPr lvl="0">
+              <a:defRPr sz="1800"/>
+            </a:pPr>
+            <a:r>
+              <a:rPr sz="4200"/>
+              <a:t>https://git.bettercrypto.org/ach-master.git</a:t>
+            </a:r>
+          </a:p>
+          <a:p>
+            <a:pPr lvl="0">
+              <a:defRPr sz="1800"/>
+            </a:pPr>
+            <a:r>
+              <a:rPr sz="4200"/>
+              <a:t>http://lists.cert.at/cgi-bin/mailman/listinfo/ach</a:t>
+            </a:r>
+          </a:p>
+          <a:p>
+            <a:pPr lvl="0">
+              <a:defRPr sz="1800"/>
+            </a:pPr>
             <a:endParaRPr sz="4200"/>
           </a:p>
           <a:p>
@@ -7791,67 +8366,37 @@
             </a:pPr>
             <a:r>
               <a:rPr sz="4200"/>
-              <a:t>Introduction to BetterCrypto project</a:t>
-            </a:r>
-            <a:endParaRPr sz="4200"/>
-          </a:p>
-          <a:p>
-            <a:pPr lvl="0">
-              <a:defRPr sz="1800"/>
-            </a:pPr>
-            <a:r>
-              <a:rPr sz="4200"/>
-              <a:t>Symetric Ciphering</a:t>
-            </a:r>
-            <a:endParaRPr sz="4200"/>
-          </a:p>
-          <a:p>
-            <a:pPr lvl="0">
-              <a:defRPr sz="1800"/>
-            </a:pPr>
-            <a:r>
-              <a:rPr sz="4200"/>
-              <a:t>Asymetric Cryptography</a:t>
-            </a:r>
-            <a:endParaRPr sz="4200"/>
-          </a:p>
-          <a:p>
-            <a:pPr lvl="0">
-              <a:defRPr sz="1800"/>
-            </a:pPr>
-            <a:r>
-              <a:rPr sz="4200"/>
-              <a:t>Ciphersuites</a:t>
-            </a:r>
-            <a:endParaRPr sz="4200"/>
-          </a:p>
-          <a:p>
-            <a:pPr lvl="0">
-              <a:defRPr sz="1800"/>
-            </a:pPr>
-            <a:r>
-              <a:rPr sz="4200"/>
-              <a:t>Practical Settings</a:t>
-            </a:r>
-            <a:endParaRPr sz="4200"/>
-          </a:p>
-          <a:p>
-            <a:pPr lvl="0">
-              <a:defRPr sz="1800"/>
-            </a:pPr>
-            <a:r>
-              <a:rPr sz="4200"/>
-              <a:t>Heartbeat</a:t>
-            </a:r>
-            <a:endParaRPr sz="4200"/>
-          </a:p>
-          <a:p>
-            <a:pPr lvl="0">
-              <a:defRPr sz="1800"/>
-            </a:pPr>
-            <a:r>
-              <a:rPr sz="4200"/>
-              <a:t>Conclusion</a:t>
+              <a:t>Contact</a:t>
+            </a:r>
+          </a:p>
+          <a:p>
+            <a:pPr lvl="1">
+              <a:defRPr sz="1800"/>
+            </a:pPr>
+            <a:r>
+              <a:rPr sz="4200" u="sng">
+                <a:hlinkClick r:id="rId2"/>
+              </a:rPr>
+              <a:t>aaron@XXX.org</a:t>
+            </a:r>
+            <a:r>
+              <a:rPr sz="4200"/>
+              <a:t> — [TWITTER]</a:t>
+            </a:r>
+          </a:p>
+          <a:p>
+            <a:pPr lvl="1">
+              <a:defRPr sz="1800"/>
+            </a:pPr>
+            <a:r>
+              <a:rPr sz="4200" u="sng">
+                <a:hlinkClick r:id="rId3"/>
+              </a:rPr>
+              <a:t>david@autopsit.org</a:t>
+            </a:r>
+            <a:r>
+              <a:rPr sz="4200"/>
+              <a:t> — @ddurvaux</a:t>
             </a:r>
           </a:p>
         </p:txBody>
@@ -7861,12 +8406,12 @@
   <p:clrMapOvr>
     <a:masterClrMapping/>
   </p:clrMapOvr>
-  <p:transition spd="med" advClick="1"/>
+  <p:transition xmlns:p14="http://schemas.microsoft.com/office/powerpoint/2010/main" spd="med"/>
 </p:sld>
 </file>
 
 <file path=ppt/slides/slide6.xml><?xml version="1.0" encoding="utf-8"?>
-<p:sld xmlns:a="http://schemas.openxmlformats.org/drawingml/2006/main" xmlns:r="http://schemas.openxmlformats.org/officeDocument/2006/relationships" xmlns:p="http://schemas.openxmlformats.org/presentationml/2006/main" showMasterSp="1" showMasterPhAnim="1">
+<p:sld xmlns:a="http://schemas.openxmlformats.org/drawingml/2006/main" xmlns:r="http://schemas.openxmlformats.org/officeDocument/2006/relationships" xmlns:p="http://schemas.openxmlformats.org/presentationml/2006/main">
   <p:cSld>
     <p:spTree>
       <p:nvGrpSpPr>
@@ -7884,139 +8429,30 @@
       </p:grpSpPr>
       <p:sp>
         <p:nvSpPr>
-          <p:cNvPr id="56" name="Shape 56"/>
-          <p:cNvSpPr/>
+          <p:cNvPr id="4" name="Title 3"/>
+          <p:cNvSpPr>
+            <a:spLocks noGrp="1"/>
+          </p:cNvSpPr>
           <p:nvPr>
             <p:ph type="title"/>
           </p:nvPr>
         </p:nvSpPr>
-        <p:spPr>
-          <a:xfrm>
-            <a:off x="1270000" y="25400"/>
-            <a:ext cx="10464800" cy="2438400"/>
-          </a:xfrm>
-          <a:prstGeom prst="rect">
-            <a:avLst/>
-          </a:prstGeom>
-        </p:spPr>
+        <p:spPr/>
         <p:txBody>
           <a:bodyPr/>
           <a:lstStyle/>
           <a:p>
-            <a:pPr lvl="0">
-              <a:defRPr sz="1800"/>
-            </a:pPr>
-            <a:r>
-              <a:rPr sz="8400"/>
+            <a:r>
+              <a:rPr lang="en-US" dirty="0" smtClean="0"/>
               <a:t>Pieces of History</a:t>
             </a:r>
-          </a:p>
-        </p:txBody>
-      </p:sp>
-      <p:sp>
-        <p:nvSpPr>
-          <p:cNvPr id="57" name="Shape 57"/>
-          <p:cNvSpPr/>
-          <p:nvPr>
-            <p:ph type="body" idx="1"/>
-          </p:nvPr>
-        </p:nvSpPr>
-        <p:spPr>
-          <a:xfrm>
-            <a:off x="322907" y="1839118"/>
-            <a:ext cx="7807276" cy="7809559"/>
-          </a:xfrm>
-          <a:prstGeom prst="rect">
-            <a:avLst/>
-          </a:prstGeom>
-        </p:spPr>
-        <p:txBody>
-          <a:bodyPr/>
-          <a:lstStyle/>
-          <a:p>
-            <a:pPr lvl="0">
-              <a:defRPr sz="1800"/>
-            </a:pPr>
-            <a:r>
-              <a:rPr sz="4200"/>
-              <a:t>Caesar</a:t>
-            </a:r>
-            <a:endParaRPr sz="4200"/>
-          </a:p>
-          <a:p>
-            <a:pPr lvl="0">
-              <a:defRPr sz="1800"/>
-            </a:pPr>
-            <a:r>
-              <a:rPr sz="4200"/>
-              <a:t>Mary Queen of Scots</a:t>
-            </a:r>
-            <a:endParaRPr sz="4200"/>
-          </a:p>
-          <a:p>
-            <a:pPr lvl="1">
-              <a:defRPr sz="1800"/>
-            </a:pPr>
-            <a:r>
-              <a:rPr sz="4200"/>
-              <a:t>Trial against Queen Elizabeth</a:t>
-            </a:r>
-            <a:endParaRPr sz="4200"/>
-          </a:p>
-          <a:p>
-            <a:pPr lvl="1">
-              <a:defRPr sz="1800"/>
-            </a:pPr>
-            <a:r>
-              <a:rPr sz="4200"/>
-              <a:t>Was executed after her code was broken (1587)</a:t>
-            </a:r>
-            <a:endParaRPr sz="4200"/>
-          </a:p>
-          <a:p>
-            <a:pPr lvl="0">
-              <a:defRPr sz="1800"/>
-            </a:pPr>
-            <a:r>
-              <a:rPr sz="4200"/>
-              <a:t>2nd World War</a:t>
-            </a:r>
-            <a:endParaRPr sz="4200"/>
-          </a:p>
-          <a:p>
-            <a:pPr lvl="1">
-              <a:defRPr sz="1800"/>
-            </a:pPr>
-            <a:r>
-              <a:rPr sz="4200"/>
-              <a:t>Enigma and the U-Boat</a:t>
-            </a:r>
-            <a:endParaRPr sz="4200"/>
-          </a:p>
-          <a:p>
-            <a:pPr lvl="1">
-              <a:defRPr sz="1800"/>
-            </a:pPr>
-            <a:r>
-              <a:rPr sz="4200"/>
-              <a:t>Secret in code book</a:t>
-            </a:r>
-            <a:endParaRPr sz="4200"/>
-          </a:p>
-          <a:p>
-            <a:pPr lvl="0">
-              <a:defRPr sz="1800"/>
-            </a:pPr>
-            <a:r>
-              <a:rPr sz="4200"/>
-              <a:t>Navajo Indian as radio</a:t>
-            </a:r>
+            <a:endParaRPr lang="en-US" dirty="0"/>
           </a:p>
         </p:txBody>
       </p:sp>
       <p:pic>
         <p:nvPicPr>
-          <p:cNvPr id="58" name="pasted-image.pdf"/>
+          <p:cNvPr id="5" name="pasted-image.pdf"/>
           <p:cNvPicPr/>
           <p:nvPr/>
         </p:nvPicPr>
@@ -8030,7 +8466,7 @@
         </p:blipFill>
         <p:spPr>
           <a:xfrm>
-            <a:off x="8200572" y="2387165"/>
+            <a:off x="4066129" y="214211"/>
             <a:ext cx="4823110" cy="7382310"/>
           </a:xfrm>
           <a:prstGeom prst="rect">
@@ -8042,16 +8478,21 @@
         </p:spPr>
       </p:pic>
     </p:spTree>
+    <p:extLst>
+      <p:ext uri="{BB962C8B-B14F-4D97-AF65-F5344CB8AC3E}">
+        <p14:creationId xmlns:p14="http://schemas.microsoft.com/office/powerpoint/2010/main" val="2818176899"/>
+      </p:ext>
+    </p:extLst>
   </p:cSld>
   <p:clrMapOvr>
     <a:masterClrMapping/>
   </p:clrMapOvr>
-  <p:transition spd="med" advClick="1"/>
+  <p:transition xmlns:p14="http://schemas.microsoft.com/office/powerpoint/2010/main" spd="med"/>
 </p:sld>
 </file>
 
 <file path=ppt/slides/slide7.xml><?xml version="1.0" encoding="utf-8"?>
-<p:sld xmlns:a="http://schemas.openxmlformats.org/drawingml/2006/main" xmlns:r="http://schemas.openxmlformats.org/officeDocument/2006/relationships" xmlns:p="http://schemas.openxmlformats.org/presentationml/2006/main" showMasterSp="1" showMasterPhAnim="1">
+<p:sld xmlns:a="http://schemas.openxmlformats.org/drawingml/2006/main" xmlns:r="http://schemas.openxmlformats.org/officeDocument/2006/relationships" xmlns:p="http://schemas.openxmlformats.org/presentationml/2006/main">
   <p:cSld>
     <p:spTree>
       <p:nvGrpSpPr>
@@ -8069,13 +8510,19 @@
       </p:grpSpPr>
       <p:sp>
         <p:nvSpPr>
-          <p:cNvPr id="60" name="Shape 60"/>
-          <p:cNvSpPr/>
+          <p:cNvPr id="56" name="Shape 56"/>
+          <p:cNvSpPr>
+            <a:spLocks noGrp="1"/>
+          </p:cNvSpPr>
           <p:nvPr>
             <p:ph type="title"/>
           </p:nvPr>
         </p:nvSpPr>
         <p:spPr>
+          <a:xfrm>
+            <a:off x="1270000" y="25400"/>
+            <a:ext cx="10464800" cy="2438400"/>
+          </a:xfrm>
           <a:prstGeom prst="rect">
             <a:avLst/>
           </a:prstGeom>
@@ -8088,90 +8535,80 @@
               <a:defRPr sz="1800"/>
             </a:pPr>
             <a:r>
-              <a:rPr sz="8400"/>
-              <a:t>BetterCrypto</a:t>
-            </a:r>
-          </a:p>
-        </p:txBody>
-      </p:sp>
-      <p:sp>
-        <p:nvSpPr>
-          <p:cNvPr id="61" name="Shape 61"/>
-          <p:cNvSpPr/>
+              <a:rPr lang="nl-BE" sz="8400" dirty="0" smtClean="0"/>
+              <a:t>Caesar</a:t>
+            </a:r>
+            <a:endParaRPr sz="8400" dirty="0"/>
+          </a:p>
+        </p:txBody>
+      </p:sp>
+      <p:sp>
+        <p:nvSpPr>
+          <p:cNvPr id="2" name="Text Placeholder 1"/>
+          <p:cNvSpPr>
+            <a:spLocks noGrp="1"/>
+          </p:cNvSpPr>
           <p:nvPr>
             <p:ph type="body" idx="1"/>
           </p:nvPr>
         </p:nvSpPr>
         <p:spPr>
-          <a:prstGeom prst="rect">
-            <a:avLst/>
-          </a:prstGeom>
+          <a:xfrm>
+            <a:off x="1270000" y="2768600"/>
+            <a:ext cx="10464800" cy="1125785"/>
+          </a:xfrm>
         </p:spPr>
         <p:txBody>
           <a:bodyPr/>
           <a:lstStyle/>
           <a:p>
-            <a:pPr lvl="0">
-              <a:defRPr sz="1800"/>
-            </a:pPr>
-            <a:r>
-              <a:rPr sz="4200"/>
-              <a:t>Crypto is cryptic</a:t>
-            </a:r>
-            <a:endParaRPr sz="4200"/>
-          </a:p>
-          <a:p>
-            <a:pPr lvl="0">
-              <a:defRPr sz="1800"/>
-            </a:pPr>
-            <a:r>
-              <a:rPr sz="4200"/>
-              <a:t>A lot of difficult concepts</a:t>
-            </a:r>
-            <a:endParaRPr sz="4200"/>
-          </a:p>
-          <a:p>
-            <a:pPr lvl="0">
-              <a:defRPr sz="1800"/>
-            </a:pPr>
-            <a:r>
-              <a:rPr sz="4200"/>
-              <a:t>A lot of algorithms</a:t>
-            </a:r>
-            <a:endParaRPr sz="4200"/>
-          </a:p>
-          <a:p>
-            <a:pPr lvl="0">
-              <a:defRPr sz="1800"/>
-            </a:pPr>
-            <a:r>
-              <a:rPr sz="4200"/>
-              <a:t>A lot of parameters</a:t>
-            </a:r>
-            <a:endParaRPr sz="4200"/>
-          </a:p>
-          <a:p>
-            <a:pPr lvl="0">
-              <a:defRPr sz="1800"/>
-            </a:pPr>
-            <a:r>
-              <a:rPr sz="4200"/>
-              <a:t>…</a:t>
-            </a:r>
-          </a:p>
-        </p:txBody>
-      </p:sp>
+            <a:r>
+              <a:rPr lang="en-US" dirty="0" err="1" smtClean="0"/>
+              <a:t>Vigenère</a:t>
+            </a:r>
+            <a:r>
+              <a:rPr lang="en-US" dirty="0" smtClean="0"/>
+              <a:t> Cipher</a:t>
+            </a:r>
+            <a:endParaRPr lang="en-US" dirty="0"/>
+          </a:p>
+        </p:txBody>
+      </p:sp>
+      <p:pic>
+        <p:nvPicPr>
+          <p:cNvPr id="3" name="Picture 2"/>
+          <p:cNvPicPr>
+            <a:picLocks noChangeAspect="1"/>
+          </p:cNvPicPr>
+          <p:nvPr/>
+        </p:nvPicPr>
+        <p:blipFill>
+          <a:blip r:embed="rId2"/>
+          <a:stretch>
+            <a:fillRect/>
+          </a:stretch>
+        </p:blipFill>
+        <p:spPr>
+          <a:xfrm>
+            <a:off x="4075303" y="4253176"/>
+            <a:ext cx="4870899" cy="4870899"/>
+          </a:xfrm>
+          <a:prstGeom prst="rect">
+            <a:avLst/>
+          </a:prstGeom>
+        </p:spPr>
+      </p:pic>
     </p:spTree>
   </p:cSld>
   <p:clrMapOvr>
     <a:masterClrMapping/>
   </p:clrMapOvr>
-  <p:transition spd="med" advClick="1"/>
+  <p:transition xmlns:p14="http://schemas.microsoft.com/office/powerpoint/2010/main" spd="med"/>
 </p:sld>
 </file>
 
 <file path=ppt/slides/slide8.xml><?xml version="1.0" encoding="utf-8"?>
-<p:sld xmlns:a="http://schemas.openxmlformats.org/drawingml/2006/main" xmlns:r="http://schemas.openxmlformats.org/officeDocument/2006/relationships" xmlns:p="http://schemas.openxmlformats.org/presentationml/2006/main" showMasterSp="1" showMasterPhAnim="1">
+<p:sld xmlns:a="http://schemas.openxmlformats.org/drawingml/2006/main" xmlns:r="http://schemas.openxmlformats.org/officeDocument/2006/relationships" xmlns:p="http://schemas.openxmlformats.org/presentationml/2006/main">
   <p:cSld>
     <p:spTree>
       <p:nvGrpSpPr>
@@ -8189,13 +8626,19 @@
       </p:grpSpPr>
       <p:sp>
         <p:nvSpPr>
-          <p:cNvPr id="63" name="Shape 63"/>
-          <p:cNvSpPr/>
+          <p:cNvPr id="56" name="Shape 56"/>
+          <p:cNvSpPr>
+            <a:spLocks noGrp="1"/>
+          </p:cNvSpPr>
           <p:nvPr>
             <p:ph type="title"/>
           </p:nvPr>
         </p:nvSpPr>
         <p:spPr>
+          <a:xfrm>
+            <a:off x="1270000" y="25400"/>
+            <a:ext cx="10464800" cy="2438400"/>
+          </a:xfrm>
           <a:prstGeom prst="rect">
             <a:avLst/>
           </a:prstGeom>
@@ -8208,21 +8651,28 @@
               <a:defRPr sz="1800"/>
             </a:pPr>
             <a:r>
-              <a:rPr sz="8400"/>
-              <a:t>BetterCrypto</a:t>
-            </a:r>
-          </a:p>
-        </p:txBody>
-      </p:sp>
-      <p:sp>
-        <p:nvSpPr>
-          <p:cNvPr id="64" name="Shape 64"/>
-          <p:cNvSpPr/>
+              <a:rPr lang="nl-BE" sz="8400" dirty="0" smtClean="0"/>
+              <a:t>Mary Queen of Scots</a:t>
+            </a:r>
+            <a:endParaRPr sz="8400" dirty="0"/>
+          </a:p>
+        </p:txBody>
+      </p:sp>
+      <p:sp>
+        <p:nvSpPr>
+          <p:cNvPr id="57" name="Shape 57"/>
+          <p:cNvSpPr>
+            <a:spLocks noGrp="1"/>
+          </p:cNvSpPr>
           <p:nvPr>
             <p:ph type="body" idx="1"/>
           </p:nvPr>
         </p:nvSpPr>
         <p:spPr>
+          <a:xfrm>
+            <a:off x="5797868" y="2884475"/>
+            <a:ext cx="7014673" cy="5554569"/>
+          </a:xfrm>
           <a:prstGeom prst="rect">
             <a:avLst/>
           </a:prstGeom>
@@ -8231,47 +8681,73 @@
           <a:bodyPr/>
           <a:lstStyle/>
           <a:p>
-            <a:pPr lvl="0">
-              <a:defRPr sz="1800"/>
-            </a:pPr>
-            <a:r>
-              <a:rPr sz="4200"/>
-              <a:t>Really difficult for systems administrators</a:t>
-            </a:r>
-            <a:endParaRPr sz="4200"/>
-          </a:p>
-          <a:p>
             <a:pPr lvl="1">
               <a:defRPr sz="1800"/>
             </a:pPr>
             <a:r>
-              <a:rPr sz="4200"/>
-              <a:t>A “cookbook” can help!</a:t>
-            </a:r>
-            <a:endParaRPr sz="4200"/>
-          </a:p>
-          <a:p>
-            <a:pPr lvl="2">
-              <a:defRPr sz="1800"/>
-            </a:pPr>
-            <a:r>
-              <a:rPr sz="4200"/>
-              <a:t>That’s BetterCrypo</a:t>
-            </a:r>
-          </a:p>
-        </p:txBody>
-      </p:sp>
+              <a:rPr sz="4200" dirty="0" smtClean="0"/>
+              <a:t>Trial </a:t>
+            </a:r>
+            <a:r>
+              <a:rPr sz="4200" dirty="0"/>
+              <a:t>against Queen Elizabeth</a:t>
+            </a:r>
+          </a:p>
+          <a:p>
+            <a:pPr lvl="1">
+              <a:defRPr sz="1800"/>
+            </a:pPr>
+            <a:r>
+              <a:rPr sz="4200" dirty="0"/>
+              <a:t>Was executed after her code was broken (1587</a:t>
+            </a:r>
+            <a:r>
+              <a:rPr sz="4200" dirty="0" smtClean="0"/>
+              <a:t>)</a:t>
+            </a:r>
+          </a:p>
+        </p:txBody>
+      </p:sp>
+      <p:pic>
+        <p:nvPicPr>
+          <p:cNvPr id="2" name="Picture 1"/>
+          <p:cNvPicPr>
+            <a:picLocks noChangeAspect="1"/>
+          </p:cNvPicPr>
+          <p:nvPr/>
+        </p:nvPicPr>
+        <p:blipFill>
+          <a:blip r:embed="rId2"/>
+          <a:stretch>
+            <a:fillRect/>
+          </a:stretch>
+        </p:blipFill>
+        <p:spPr>
+          <a:xfrm>
+            <a:off x="829834" y="2884475"/>
+            <a:ext cx="4602795" cy="5369928"/>
+          </a:xfrm>
+          <a:prstGeom prst="rect">
+            <a:avLst/>
+          </a:prstGeom>
+        </p:spPr>
+      </p:pic>
     </p:spTree>
+    <p:extLst>
+      <p:ext uri="{BB962C8B-B14F-4D97-AF65-F5344CB8AC3E}">
+        <p14:creationId xmlns:p14="http://schemas.microsoft.com/office/powerpoint/2010/main" val="2675760854"/>
+      </p:ext>
+    </p:extLst>
   </p:cSld>
   <p:clrMapOvr>
     <a:masterClrMapping/>
   </p:clrMapOvr>
-  <p:transition spd="med" advClick="1"/>
+  <p:transition xmlns:p14="http://schemas.microsoft.com/office/powerpoint/2010/main" spd="med"/>
 </p:sld>
 </file>
 
 <file path=ppt/slides/slide9.xml><?xml version="1.0" encoding="utf-8"?>
-<p:sld xmlns:a="http://schemas.openxmlformats.org/drawingml/2006/main" xmlns:r="http://schemas.openxmlformats.org/officeDocument/2006/relationships" xmlns:p="http://schemas.openxmlformats.org/presentationml/2006/main" showMasterSp="1" showMasterPhAnim="1">
+<p:sld xmlns:a="http://schemas.openxmlformats.org/drawingml/2006/main" xmlns:r="http://schemas.openxmlformats.org/officeDocument/2006/relationships" xmlns:p="http://schemas.openxmlformats.org/presentationml/2006/main">
   <p:cSld>
     <p:spTree>
       <p:nvGrpSpPr>
@@ -8289,13 +8765,19 @@
       </p:grpSpPr>
       <p:sp>
         <p:nvSpPr>
-          <p:cNvPr id="66" name="Shape 66"/>
-          <p:cNvSpPr/>
+          <p:cNvPr id="56" name="Shape 56"/>
+          <p:cNvSpPr>
+            <a:spLocks noGrp="1"/>
+          </p:cNvSpPr>
           <p:nvPr>
             <p:ph type="title"/>
           </p:nvPr>
         </p:nvSpPr>
         <p:spPr>
+          <a:xfrm>
+            <a:off x="1270000" y="25400"/>
+            <a:ext cx="10464800" cy="2438400"/>
+          </a:xfrm>
           <a:prstGeom prst="rect">
             <a:avLst/>
           </a:prstGeom>
@@ -8308,21 +8790,28 @@
               <a:defRPr sz="1800"/>
             </a:pPr>
             <a:r>
-              <a:rPr sz="8400"/>
-              <a:t>BetterCrypto is not…</a:t>
-            </a:r>
-          </a:p>
-        </p:txBody>
-      </p:sp>
-      <p:sp>
-        <p:nvSpPr>
-          <p:cNvPr id="67" name="Shape 67"/>
-          <p:cNvSpPr/>
+              <a:rPr lang="nl-BE" sz="8400" dirty="0" smtClean="0"/>
+              <a:t>Enigma</a:t>
+            </a:r>
+            <a:endParaRPr sz="8400" dirty="0"/>
+          </a:p>
+        </p:txBody>
+      </p:sp>
+      <p:sp>
+        <p:nvSpPr>
+          <p:cNvPr id="57" name="Shape 57"/>
+          <p:cNvSpPr>
+            <a:spLocks noGrp="1"/>
+          </p:cNvSpPr>
           <p:nvPr>
             <p:ph type="body" idx="1"/>
           </p:nvPr>
         </p:nvSpPr>
         <p:spPr>
+          <a:xfrm>
+            <a:off x="1030117" y="1815706"/>
+            <a:ext cx="7807276" cy="982900"/>
+          </a:xfrm>
           <a:prstGeom prst="rect">
             <a:avLst/>
           </a:prstGeom>
@@ -8331,37 +8820,65 @@
           <a:bodyPr/>
           <a:lstStyle/>
           <a:p>
-            <a:pPr lvl="0">
-              <a:defRPr sz="1800"/>
-            </a:pPr>
-            <a:r>
-              <a:rPr sz="4200"/>
-              <a:t>A crypto course</a:t>
-            </a:r>
-            <a:endParaRPr sz="4200"/>
-          </a:p>
-          <a:p>
-            <a:pPr lvl="0">
-              <a:defRPr sz="1800"/>
-            </a:pPr>
-            <a:r>
-              <a:rPr sz="4200"/>
-              <a:t>A static document</a:t>
-            </a:r>
-          </a:p>
-        </p:txBody>
-      </p:sp>
+            <a:pPr lvl="1">
+              <a:defRPr sz="1800"/>
+            </a:pPr>
+            <a:r>
+              <a:rPr sz="4200" dirty="0" smtClean="0"/>
+              <a:t>Secret </a:t>
+            </a:r>
+            <a:r>
+              <a:rPr sz="4200" dirty="0"/>
+              <a:t>in code </a:t>
+            </a:r>
+            <a:r>
+              <a:rPr sz="4200" dirty="0" smtClean="0"/>
+              <a:t>book</a:t>
+            </a:r>
+            <a:endParaRPr sz="4200" dirty="0"/>
+          </a:p>
+        </p:txBody>
+      </p:sp>
+      <p:pic>
+        <p:nvPicPr>
+          <p:cNvPr id="3" name="Picture 2"/>
+          <p:cNvPicPr>
+            <a:picLocks noChangeAspect="1"/>
+          </p:cNvPicPr>
+          <p:nvPr/>
+        </p:nvPicPr>
+        <p:blipFill>
+          <a:blip r:embed="rId2"/>
+          <a:stretch>
+            <a:fillRect/>
+          </a:stretch>
+        </p:blipFill>
+        <p:spPr>
+          <a:xfrm>
+            <a:off x="1650956" y="2662353"/>
+            <a:ext cx="10196730" cy="6780825"/>
+          </a:xfrm>
+          <a:prstGeom prst="rect">
+            <a:avLst/>
+          </a:prstGeom>
+        </p:spPr>
+      </p:pic>
     </p:spTree>
+    <p:extLst>
+      <p:ext uri="{BB962C8B-B14F-4D97-AF65-F5344CB8AC3E}">
+        <p14:creationId xmlns:p14="http://schemas.microsoft.com/office/powerpoint/2010/main" val="1490268751"/>
+      </p:ext>
+    </p:extLst>
   </p:cSld>
   <p:clrMapOvr>
     <a:masterClrMapping/>
   </p:clrMapOvr>
-  <p:transition spd="med" advClick="1"/>
+  <p:transition xmlns:p14="http://schemas.microsoft.com/office/powerpoint/2010/main" spd="med"/>
 </p:sld>
 </file>
 
 <file path=ppt/theme/theme1.xml><?xml version="1.0" encoding="utf-8"?>
-<a:theme xmlns:a="http://schemas.openxmlformats.org/drawingml/2006/main" xmlns:r="http://schemas.openxmlformats.org/officeDocument/2006/relationships" name="White">
+<a:theme xmlns:a="http://schemas.openxmlformats.org/drawingml/2006/main" name="White">
   <a:themeElements>
     <a:clrScheme name="White">
       <a:dk1>
@@ -8487,7 +9004,7 @@
       <a:effectStyleLst>
         <a:effectStyle>
           <a:effectLst>
-            <a:outerShdw sx="100000" sy="100000" kx="0" ky="0" algn="b" rotWithShape="0" blurRad="38100" dist="25400" dir="5400000">
+            <a:outerShdw blurRad="38100" dist="25400" dir="5400000" rotWithShape="0">
               <a:srgbClr val="000000">
                 <a:alpha val="50000"/>
               </a:srgbClr>
@@ -8496,7 +9013,7 @@
         </a:effectStyle>
         <a:effectStyle>
           <a:effectLst>
-            <a:outerShdw sx="100000" sy="100000" kx="0" ky="0" algn="b" rotWithShape="0" blurRad="50800" dist="12700" dir="0">
+            <a:outerShdw blurRad="50800" dist="12700" rotWithShape="0">
               <a:srgbClr val="000000">
                 <a:alpha val="50000"/>
               </a:srgbClr>
@@ -8505,7 +9022,7 @@
         </a:effectStyle>
         <a:effectStyle>
           <a:effectLst>
-            <a:outerShdw sx="100000" sy="100000" kx="0" ky="0" algn="b" rotWithShape="0" blurRad="38100" dist="25400" dir="5400000">
+            <a:outerShdw blurRad="38100" dist="25400" dir="5400000" rotWithShape="0">
               <a:srgbClr val="000000">
                 <a:alpha val="50000"/>
               </a:srgbClr>
@@ -8569,8 +9086,8 @@
     <a:spDef>
       <a:spPr>
         <a:blipFill rotWithShape="1">
-          <a:blip r:embed="rId1"/>
-          <a:srcRect l="0" t="0" r="0" b="0"/>
+          <a:blip xmlns:r="http://schemas.openxmlformats.org/officeDocument/2006/relationships" r:embed="rId1"/>
+          <a:srcRect/>
           <a:tile tx="0" ty="0" sx="100000" sy="100000" flip="none" algn="tl"/>
         </a:blipFill>
         <a:ln w="12700" cap="flat">
@@ -8578,14 +9095,14 @@
           <a:miter lim="400000"/>
         </a:ln>
         <a:effectLst>
-          <a:outerShdw sx="100000" sy="100000" kx="0" ky="0" algn="b" rotWithShape="0" blurRad="38100" dist="25400" dir="5400000">
+          <a:outerShdw blurRad="38100" dist="25400" dir="5400000" rotWithShape="0">
             <a:srgbClr val="000000">
               <a:alpha val="50000"/>
             </a:srgbClr>
           </a:outerShdw>
         </a:effectLst>
       </a:spPr>
-      <a:bodyPr rot="0" spcFirstLastPara="1" vertOverflow="overflow" horzOverflow="overflow" vert="horz" wrap="square" lIns="50800" tIns="50800" rIns="50800" bIns="50800" numCol="1" spcCol="38100" rtlCol="0" anchor="ctr" upright="0">
+      <a:bodyPr rot="0" spcFirstLastPara="1" vertOverflow="overflow" horzOverflow="overflow" vert="horz" wrap="square" lIns="50800" tIns="50800" rIns="50800" bIns="50800" numCol="1" spcCol="38100" rtlCol="0" anchor="ctr">
         <a:spAutoFit/>
       </a:bodyPr>
       <a:lstStyle>
@@ -8604,7 +9121,7 @@
           <a:buFontTx/>
           <a:buNone/>
           <a:tabLst/>
-          <a:defRPr b="0" baseline="0" cap="none" i="0" spc="0" strike="noStrike" sz="4000" u="none" kumimoji="0" normalizeH="0">
+          <a:defRPr kumimoji="0" sz="4000" b="0" i="0" u="none" strike="noStrike" cap="none" spc="0" normalizeH="0" baseline="0">
             <a:ln>
               <a:noFill/>
             </a:ln>
@@ -8612,7 +9129,7 @@
               <a:srgbClr val="FFFFFF"/>
             </a:solidFill>
             <a:effectLst>
-              <a:outerShdw sx="100000" sy="100000" kx="0" ky="0" algn="b" rotWithShape="0" blurRad="38100" dist="12700" dir="5400000">
+              <a:outerShdw blurRad="38100" dist="12700" dir="5400000" rotWithShape="0">
                 <a:srgbClr val="000000">
                   <a:alpha val="50000"/>
                 </a:srgbClr>
@@ -8640,7 +9157,7 @@
           <a:buFontTx/>
           <a:buNone/>
           <a:tabLst/>
-          <a:defRPr b="0" baseline="0" cap="none" i="0" spc="0" strike="noStrike" sz="1800" u="none" kumimoji="0" normalizeH="0">
+          <a:defRPr kumimoji="0" sz="1800" b="0" i="0" u="none" strike="noStrike" cap="none" spc="0" normalizeH="0" baseline="0">
             <a:ln>
               <a:noFill/>
             </a:ln>
@@ -8666,7 +9183,7 @@
           <a:buFontTx/>
           <a:buNone/>
           <a:tabLst/>
-          <a:defRPr b="0" baseline="0" cap="none" i="0" spc="0" strike="noStrike" sz="1800" u="none" kumimoji="0" normalizeH="0">
+          <a:defRPr kumimoji="0" sz="1800" b="0" i="0" u="none" strike="noStrike" cap="none" spc="0" normalizeH="0" baseline="0">
             <a:ln>
               <a:noFill/>
             </a:ln>
@@ -8692,7 +9209,7 @@
           <a:buFontTx/>
           <a:buNone/>
           <a:tabLst/>
-          <a:defRPr b="0" baseline="0" cap="none" i="0" spc="0" strike="noStrike" sz="1800" u="none" kumimoji="0" normalizeH="0">
+          <a:defRPr kumimoji="0" sz="1800" b="0" i="0" u="none" strike="noStrike" cap="none" spc="0" normalizeH="0" baseline="0">
             <a:ln>
               <a:noFill/>
             </a:ln>
@@ -8718,7 +9235,7 @@
           <a:buFontTx/>
           <a:buNone/>
           <a:tabLst/>
-          <a:defRPr b="0" baseline="0" cap="none" i="0" spc="0" strike="noStrike" sz="1800" u="none" kumimoji="0" normalizeH="0">
+          <a:defRPr kumimoji="0" sz="1800" b="0" i="0" u="none" strike="noStrike" cap="none" spc="0" normalizeH="0" baseline="0">
             <a:ln>
               <a:noFill/>
             </a:ln>
@@ -8744,7 +9261,7 @@
           <a:buFontTx/>
           <a:buNone/>
           <a:tabLst/>
-          <a:defRPr b="0" baseline="0" cap="none" i="0" spc="0" strike="noStrike" sz="1800" u="none" kumimoji="0" normalizeH="0">
+          <a:defRPr kumimoji="0" sz="1800" b="0" i="0" u="none" strike="noStrike" cap="none" spc="0" normalizeH="0" baseline="0">
             <a:ln>
               <a:noFill/>
             </a:ln>
@@ -8770,7 +9287,7 @@
           <a:buFontTx/>
           <a:buNone/>
           <a:tabLst/>
-          <a:defRPr b="0" baseline="0" cap="none" i="0" spc="0" strike="noStrike" sz="1800" u="none" kumimoji="0" normalizeH="0">
+          <a:defRPr kumimoji="0" sz="1800" b="0" i="0" u="none" strike="noStrike" cap="none" spc="0" normalizeH="0" baseline="0">
             <a:ln>
               <a:noFill/>
             </a:ln>
@@ -8796,7 +9313,7 @@
           <a:buFontTx/>
           <a:buNone/>
           <a:tabLst/>
-          <a:defRPr b="0" baseline="0" cap="none" i="0" spc="0" strike="noStrike" sz="1800" u="none" kumimoji="0" normalizeH="0">
+          <a:defRPr kumimoji="0" sz="1800" b="0" i="0" u="none" strike="noStrike" cap="none" spc="0" normalizeH="0" baseline="0">
             <a:ln>
               <a:noFill/>
             </a:ln>
@@ -8822,7 +9339,7 @@
           <a:buFontTx/>
           <a:buNone/>
           <a:tabLst/>
-          <a:defRPr b="0" baseline="0" cap="none" i="0" spc="0" strike="noStrike" sz="1800" u="none" kumimoji="0" normalizeH="0">
+          <a:defRPr kumimoji="0" sz="1800" b="0" i="0" u="none" strike="noStrike" cap="none" spc="0" normalizeH="0" baseline="0">
             <a:ln>
               <a:noFill/>
             </a:ln>
@@ -8848,7 +9365,7 @@
           <a:buFontTx/>
           <a:buNone/>
           <a:tabLst/>
-          <a:defRPr b="0" baseline="0" cap="none" i="0" spc="0" strike="noStrike" sz="1800" u="none" kumimoji="0" normalizeH="0">
+          <a:defRPr kumimoji="0" sz="1800" b="0" i="0" u="none" strike="noStrike" cap="none" spc="0" normalizeH="0" baseline="0">
             <a:ln>
               <a:noFill/>
             </a:ln>
@@ -8861,9 +9378,15 @@
         </a:lvl9pPr>
       </a:lstStyle>
       <a:style>
-        <a:lnRef idx="0"/>
-        <a:fillRef idx="0"/>
-        <a:effectRef idx="0"/>
+        <a:lnRef idx="0">
+          <a:scrgbClr r="0" g="0" b="0"/>
+        </a:lnRef>
+        <a:fillRef idx="0">
+          <a:scrgbClr r="0" g="0" b="0"/>
+        </a:fillRef>
+        <a:effectRef idx="0">
+          <a:scrgbClr r="0" g="0" b="0"/>
+        </a:effectRef>
         <a:fontRef idx="none"/>
       </a:style>
     </a:spDef>
@@ -8879,7 +9402,7 @@
         </a:ln>
         <a:effectLst/>
       </a:spPr>
-      <a:bodyPr rot="0" spcFirstLastPara="1" vertOverflow="overflow" horzOverflow="overflow" vert="horz" wrap="square" lIns="91439" tIns="45719" rIns="91439" bIns="45719" numCol="1" spcCol="38100" rtlCol="0" anchor="t" upright="0">
+      <a:bodyPr rot="0" spcFirstLastPara="1" vertOverflow="overflow" horzOverflow="overflow" vert="horz" wrap="square" lIns="91439" tIns="45719" rIns="91439" bIns="45719" numCol="1" spcCol="38100" rtlCol="0" anchor="t">
         <a:noAutofit/>
       </a:bodyPr>
       <a:lstStyle>
@@ -8898,7 +9421,7 @@
           <a:buFontTx/>
           <a:buNone/>
           <a:tabLst/>
-          <a:defRPr b="0" baseline="0" cap="none" i="0" spc="0" strike="noStrike" sz="1800" u="none" kumimoji="0" normalizeH="0">
+          <a:defRPr kumimoji="0" sz="1800" b="0" i="0" u="none" strike="noStrike" cap="none" spc="0" normalizeH="0" baseline="0">
             <a:ln>
               <a:noFill/>
             </a:ln>
@@ -8924,7 +9447,7 @@
           <a:buFontTx/>
           <a:buNone/>
           <a:tabLst/>
-          <a:defRPr b="0" baseline="0" cap="none" i="0" spc="0" strike="noStrike" sz="1800" u="none" kumimoji="0" normalizeH="0">
+          <a:defRPr kumimoji="0" sz="1800" b="0" i="0" u="none" strike="noStrike" cap="none" spc="0" normalizeH="0" baseline="0">
             <a:ln>
               <a:noFill/>
             </a:ln>
@@ -8950,7 +9473,7 @@
           <a:buFontTx/>
           <a:buNone/>
           <a:tabLst/>
-          <a:defRPr b="0" baseline="0" cap="none" i="0" spc="0" strike="noStrike" sz="1800" u="none" kumimoji="0" normalizeH="0">
+          <a:defRPr kumimoji="0" sz="1800" b="0" i="0" u="none" strike="noStrike" cap="none" spc="0" normalizeH="0" baseline="0">
             <a:ln>
               <a:noFill/>
             </a:ln>
@@ -8976,7 +9499,7 @@
           <a:buFontTx/>
           <a:buNone/>
           <a:tabLst/>
-          <a:defRPr b="0" baseline="0" cap="none" i="0" spc="0" strike="noStrike" sz="1800" u="none" kumimoji="0" normalizeH="0">
+          <a:defRPr kumimoji="0" sz="1800" b="0" i="0" u="none" strike="noStrike" cap="none" spc="0" normalizeH="0" baseline="0">
             <a:ln>
               <a:noFill/>
             </a:ln>
@@ -9002,7 +9525,7 @@
           <a:buFontTx/>
           <a:buNone/>
           <a:tabLst/>
-          <a:defRPr b="0" baseline="0" cap="none" i="0" spc="0" strike="noStrike" sz="1800" u="none" kumimoji="0" normalizeH="0">
+          <a:defRPr kumimoji="0" sz="1800" b="0" i="0" u="none" strike="noStrike" cap="none" spc="0" normalizeH="0" baseline="0">
             <a:ln>
               <a:noFill/>
             </a:ln>
@@ -9028,7 +9551,7 @@
           <a:buFontTx/>
           <a:buNone/>
           <a:tabLst/>
-          <a:defRPr b="0" baseline="0" cap="none" i="0" spc="0" strike="noStrike" sz="1800" u="none" kumimoji="0" normalizeH="0">
+          <a:defRPr kumimoji="0" sz="1800" b="0" i="0" u="none" strike="noStrike" cap="none" spc="0" normalizeH="0" baseline="0">
             <a:ln>
               <a:noFill/>
             </a:ln>
@@ -9054,7 +9577,7 @@
           <a:buFontTx/>
           <a:buNone/>
           <a:tabLst/>
-          <a:defRPr b="0" baseline="0" cap="none" i="0" spc="0" strike="noStrike" sz="1800" u="none" kumimoji="0" normalizeH="0">
+          <a:defRPr kumimoji="0" sz="1800" b="0" i="0" u="none" strike="noStrike" cap="none" spc="0" normalizeH="0" baseline="0">
             <a:ln>
               <a:noFill/>
             </a:ln>
@@ -9080,7 +9603,7 @@
           <a:buFontTx/>
           <a:buNone/>
           <a:tabLst/>
-          <a:defRPr b="0" baseline="0" cap="none" i="0" spc="0" strike="noStrike" sz="1800" u="none" kumimoji="0" normalizeH="0">
+          <a:defRPr kumimoji="0" sz="1800" b="0" i="0" u="none" strike="noStrike" cap="none" spc="0" normalizeH="0" baseline="0">
             <a:ln>
               <a:noFill/>
             </a:ln>
@@ -9106,7 +9629,7 @@
           <a:buFontTx/>
           <a:buNone/>
           <a:tabLst/>
-          <a:defRPr b="0" baseline="0" cap="none" i="0" spc="0" strike="noStrike" sz="1800" u="none" kumimoji="0" normalizeH="0">
+          <a:defRPr kumimoji="0" sz="1800" b="0" i="0" u="none" strike="noStrike" cap="none" spc="0" normalizeH="0" baseline="0">
             <a:ln>
               <a:noFill/>
             </a:ln>
@@ -9132,7 +9655,7 @@
           <a:buFontTx/>
           <a:buNone/>
           <a:tabLst/>
-          <a:defRPr b="0" baseline="0" cap="none" i="0" spc="0" strike="noStrike" sz="1800" u="none" kumimoji="0" normalizeH="0">
+          <a:defRPr kumimoji="0" sz="1800" b="0" i="0" u="none" strike="noStrike" cap="none" spc="0" normalizeH="0" baseline="0">
             <a:ln>
               <a:noFill/>
             </a:ln>
@@ -9145,9 +9668,15 @@
         </a:lvl9pPr>
       </a:lstStyle>
       <a:style>
-        <a:lnRef idx="0"/>
-        <a:fillRef idx="0"/>
-        <a:effectRef idx="0"/>
+        <a:lnRef idx="0">
+          <a:scrgbClr r="0" g="0" b="0"/>
+        </a:lnRef>
+        <a:fillRef idx="0">
+          <a:scrgbClr r="0" g="0" b="0"/>
+        </a:fillRef>
+        <a:effectRef idx="0">
+          <a:scrgbClr r="0" g="0" b="0"/>
+        </a:effectRef>
         <a:fontRef idx="none"/>
       </a:style>
     </a:lnDef>
@@ -9160,7 +9689,7 @@
         </a:ln>
         <a:effectLst/>
       </a:spPr>
-      <a:bodyPr rot="0" spcFirstLastPara="1" vertOverflow="overflow" horzOverflow="overflow" vert="horz" wrap="square" lIns="50800" tIns="50800" rIns="50800" bIns="50800" numCol="1" spcCol="38100" rtlCol="0" anchor="ctr" upright="0">
+      <a:bodyPr rot="0" spcFirstLastPara="1" vertOverflow="overflow" horzOverflow="overflow" vert="horz" wrap="square" lIns="50800" tIns="50800" rIns="50800" bIns="50800" numCol="1" spcCol="38100" rtlCol="0" anchor="ctr">
         <a:spAutoFit/>
       </a:bodyPr>
       <a:lstStyle>
@@ -9179,7 +9708,7 @@
           <a:buFontTx/>
           <a:buNone/>
           <a:tabLst/>
-          <a:defRPr b="0" baseline="0" cap="none" i="0" spc="0" strike="noStrike" sz="4200" u="none" kumimoji="0" normalizeH="0">
+          <a:defRPr kumimoji="0" sz="4200" b="0" i="0" u="none" strike="noStrike" cap="none" spc="0" normalizeH="0" baseline="0">
             <a:ln>
               <a:noFill/>
             </a:ln>
@@ -9209,7 +9738,7 @@
           <a:buFontTx/>
           <a:buNone/>
           <a:tabLst/>
-          <a:defRPr b="0" baseline="0" cap="none" i="0" spc="0" strike="noStrike" sz="1800" u="none" kumimoji="0" normalizeH="0">
+          <a:defRPr kumimoji="0" sz="1800" b="0" i="0" u="none" strike="noStrike" cap="none" spc="0" normalizeH="0" baseline="0">
             <a:ln>
               <a:noFill/>
             </a:ln>
@@ -9235,7 +9764,7 @@
           <a:buFontTx/>
           <a:buNone/>
           <a:tabLst/>
-          <a:defRPr b="0" baseline="0" cap="none" i="0" spc="0" strike="noStrike" sz="1800" u="none" kumimoji="0" normalizeH="0">
+          <a:defRPr kumimoji="0" sz="1800" b="0" i="0" u="none" strike="noStrike" cap="none" spc="0" normalizeH="0" baseline="0">
             <a:ln>
               <a:noFill/>
             </a:ln>
@@ -9261,7 +9790,7 @@
           <a:buFontTx/>
           <a:buNone/>
           <a:tabLst/>
-          <a:defRPr b="0" baseline="0" cap="none" i="0" spc="0" strike="noStrike" sz="1800" u="none" kumimoji="0" normalizeH="0">
+          <a:defRPr kumimoji="0" sz="1800" b="0" i="0" u="none" strike="noStrike" cap="none" spc="0" normalizeH="0" baseline="0">
             <a:ln>
               <a:noFill/>
             </a:ln>
@@ -9287,7 +9816,7 @@
           <a:buFontTx/>
           <a:buNone/>
           <a:tabLst/>
-          <a:defRPr b="0" baseline="0" cap="none" i="0" spc="0" strike="noStrike" sz="1800" u="none" kumimoji="0" normalizeH="0">
+          <a:defRPr kumimoji="0" sz="1800" b="0" i="0" u="none" strike="noStrike" cap="none" spc="0" normalizeH="0" baseline="0">
             <a:ln>
               <a:noFill/>
             </a:ln>
@@ -9313,7 +9842,7 @@
           <a:buFontTx/>
           <a:buNone/>
           <a:tabLst/>
-          <a:defRPr b="0" baseline="0" cap="none" i="0" spc="0" strike="noStrike" sz="1800" u="none" kumimoji="0" normalizeH="0">
+          <a:defRPr kumimoji="0" sz="1800" b="0" i="0" u="none" strike="noStrike" cap="none" spc="0" normalizeH="0" baseline="0">
             <a:ln>
               <a:noFill/>
             </a:ln>
@@ -9339,7 +9868,7 @@
           <a:buFontTx/>
           <a:buNone/>
           <a:tabLst/>
-          <a:defRPr b="0" baseline="0" cap="none" i="0" spc="0" strike="noStrike" sz="1800" u="none" kumimoji="0" normalizeH="0">
+          <a:defRPr kumimoji="0" sz="1800" b="0" i="0" u="none" strike="noStrike" cap="none" spc="0" normalizeH="0" baseline="0">
             <a:ln>
               <a:noFill/>
             </a:ln>
@@ -9365,7 +9894,7 @@
           <a:buFontTx/>
           <a:buNone/>
           <a:tabLst/>
-          <a:defRPr b="0" baseline="0" cap="none" i="0" spc="0" strike="noStrike" sz="1800" u="none" kumimoji="0" normalizeH="0">
+          <a:defRPr kumimoji="0" sz="1800" b="0" i="0" u="none" strike="noStrike" cap="none" spc="0" normalizeH="0" baseline="0">
             <a:ln>
               <a:noFill/>
             </a:ln>
@@ -9391,7 +9920,7 @@
           <a:buFontTx/>
           <a:buNone/>
           <a:tabLst/>
-          <a:defRPr b="0" baseline="0" cap="none" i="0" spc="0" strike="noStrike" sz="1800" u="none" kumimoji="0" normalizeH="0">
+          <a:defRPr kumimoji="0" sz="1800" b="0" i="0" u="none" strike="noStrike" cap="none" spc="0" normalizeH="0" baseline="0">
             <a:ln>
               <a:noFill/>
             </a:ln>
@@ -9417,7 +9946,7 @@
           <a:buFontTx/>
           <a:buNone/>
           <a:tabLst/>
-          <a:defRPr b="0" baseline="0" cap="none" i="0" spc="0" strike="noStrike" sz="1800" u="none" kumimoji="0" normalizeH="0">
+          <a:defRPr kumimoji="0" sz="1800" b="0" i="0" u="none" strike="noStrike" cap="none" spc="0" normalizeH="0" baseline="0">
             <a:ln>
               <a:noFill/>
             </a:ln>
@@ -9430,18 +9959,25 @@
         </a:lvl9pPr>
       </a:lstStyle>
       <a:style>
-        <a:lnRef idx="0"/>
-        <a:fillRef idx="0"/>
-        <a:effectRef idx="0"/>
+        <a:lnRef idx="0">
+          <a:scrgbClr r="0" g="0" b="0"/>
+        </a:lnRef>
+        <a:fillRef idx="0">
+          <a:scrgbClr r="0" g="0" b="0"/>
+        </a:fillRef>
+        <a:effectRef idx="0">
+          <a:scrgbClr r="0" g="0" b="0"/>
+        </a:effectRef>
         <a:fontRef idx="none"/>
       </a:style>
     </a:txDef>
   </a:objectDefaults>
+  <a:extraClrSchemeLst/>
 </a:theme>
 </file>
 
 <file path=ppt/theme/theme2.xml><?xml version="1.0" encoding="utf-8"?>
-<a:theme xmlns:a="http://schemas.openxmlformats.org/drawingml/2006/main" xmlns:r="http://schemas.openxmlformats.org/officeDocument/2006/relationships" name="White">
+<a:theme xmlns:a="http://schemas.openxmlformats.org/drawingml/2006/main" name="White">
   <a:themeElements>
     <a:clrScheme name="White">
       <a:dk1>
@@ -9567,7 +10103,7 @@
       <a:effectStyleLst>
         <a:effectStyle>
           <a:effectLst>
-            <a:outerShdw sx="100000" sy="100000" kx="0" ky="0" algn="b" rotWithShape="0" blurRad="38100" dist="25400" dir="5400000">
+            <a:outerShdw blurRad="38100" dist="25400" dir="5400000" rotWithShape="0">
               <a:srgbClr val="000000">
                 <a:alpha val="50000"/>
               </a:srgbClr>
@@ -9576,7 +10112,7 @@
         </a:effectStyle>
         <a:effectStyle>
           <a:effectLst>
-            <a:outerShdw sx="100000" sy="100000" kx="0" ky="0" algn="b" rotWithShape="0" blurRad="50800" dist="12700" dir="0">
+            <a:outerShdw blurRad="50800" dist="12700" rotWithShape="0">
               <a:srgbClr val="000000">
                 <a:alpha val="50000"/>
               </a:srgbClr>
@@ -9585,7 +10121,7 @@
         </a:effectStyle>
         <a:effectStyle>
           <a:effectLst>
-            <a:outerShdw sx="100000" sy="100000" kx="0" ky="0" algn="b" rotWithShape="0" blurRad="38100" dist="25400" dir="5400000">
+            <a:outerShdw blurRad="38100" dist="25400" dir="5400000" rotWithShape="0">
               <a:srgbClr val="000000">
                 <a:alpha val="50000"/>
               </a:srgbClr>
@@ -9649,8 +10185,8 @@
     <a:spDef>
       <a:spPr>
         <a:blipFill rotWithShape="1">
-          <a:blip r:embed="rId1"/>
-          <a:srcRect l="0" t="0" r="0" b="0"/>
+          <a:blip xmlns:r="http://schemas.openxmlformats.org/officeDocument/2006/relationships" r:embed="rId1"/>
+          <a:srcRect/>
           <a:tile tx="0" ty="0" sx="100000" sy="100000" flip="none" algn="tl"/>
         </a:blipFill>
         <a:ln w="12700" cap="flat">
@@ -9658,14 +10194,14 @@
           <a:miter lim="400000"/>
         </a:ln>
         <a:effectLst>
-          <a:outerShdw sx="100000" sy="100000" kx="0" ky="0" algn="b" rotWithShape="0" blurRad="38100" dist="25400" dir="5400000">
+          <a:outerShdw blurRad="38100" dist="25400" dir="5400000" rotWithShape="0">
             <a:srgbClr val="000000">
               <a:alpha val="50000"/>
             </a:srgbClr>
           </a:outerShdw>
         </a:effectLst>
       </a:spPr>
-      <a:bodyPr rot="0" spcFirstLastPara="1" vertOverflow="overflow" horzOverflow="overflow" vert="horz" wrap="square" lIns="50800" tIns="50800" rIns="50800" bIns="50800" numCol="1" spcCol="38100" rtlCol="0" anchor="ctr" upright="0">
+      <a:bodyPr rot="0" spcFirstLastPara="1" vertOverflow="overflow" horzOverflow="overflow" vert="horz" wrap="square" lIns="50800" tIns="50800" rIns="50800" bIns="50800" numCol="1" spcCol="38100" rtlCol="0" anchor="ctr">
         <a:spAutoFit/>
       </a:bodyPr>
       <a:lstStyle>
@@ -9684,7 +10220,7 @@
           <a:buFontTx/>
           <a:buNone/>
           <a:tabLst/>
-          <a:defRPr b="0" baseline="0" cap="none" i="0" spc="0" strike="noStrike" sz="4000" u="none" kumimoji="0" normalizeH="0">
+          <a:defRPr kumimoji="0" sz="4000" b="0" i="0" u="none" strike="noStrike" cap="none" spc="0" normalizeH="0" baseline="0">
             <a:ln>
               <a:noFill/>
             </a:ln>
@@ -9692,7 +10228,7 @@
               <a:srgbClr val="FFFFFF"/>
             </a:solidFill>
             <a:effectLst>
-              <a:outerShdw sx="100000" sy="100000" kx="0" ky="0" algn="b" rotWithShape="0" blurRad="38100" dist="12700" dir="5400000">
+              <a:outerShdw blurRad="38100" dist="12700" dir="5400000" rotWithShape="0">
                 <a:srgbClr val="000000">
                   <a:alpha val="50000"/>
                 </a:srgbClr>
@@ -9720,7 +10256,7 @@
           <a:buFontTx/>
           <a:buNone/>
           <a:tabLst/>
-          <a:defRPr b="0" baseline="0" cap="none" i="0" spc="0" strike="noStrike" sz="1800" u="none" kumimoji="0" normalizeH="0">
+          <a:defRPr kumimoji="0" sz="1800" b="0" i="0" u="none" strike="noStrike" cap="none" spc="0" normalizeH="0" baseline="0">
             <a:ln>
               <a:noFill/>
             </a:ln>
@@ -9746,7 +10282,7 @@
           <a:buFontTx/>
           <a:buNone/>
           <a:tabLst/>
-          <a:defRPr b="0" baseline="0" cap="none" i="0" spc="0" strike="noStrike" sz="1800" u="none" kumimoji="0" normalizeH="0">
+          <a:defRPr kumimoji="0" sz="1800" b="0" i="0" u="none" strike="noStrike" cap="none" spc="0" normalizeH="0" baseline="0">
             <a:ln>
               <a:noFill/>
             </a:ln>
@@ -9772,7 +10308,7 @@
           <a:buFontTx/>
           <a:buNone/>
           <a:tabLst/>
-          <a:defRPr b="0" baseline="0" cap="none" i="0" spc="0" strike="noStrike" sz="1800" u="none" kumimoji="0" normalizeH="0">
+          <a:defRPr kumimoji="0" sz="1800" b="0" i="0" u="none" strike="noStrike" cap="none" spc="0" normalizeH="0" baseline="0">
             <a:ln>
               <a:noFill/>
             </a:ln>
@@ -9798,7 +10334,7 @@
           <a:buFontTx/>
           <a:buNone/>
           <a:tabLst/>
-          <a:defRPr b="0" baseline="0" cap="none" i="0" spc="0" strike="noStrike" sz="1800" u="none" kumimoji="0" normalizeH="0">
+          <a:defRPr kumimoji="0" sz="1800" b="0" i="0" u="none" strike="noStrike" cap="none" spc="0" normalizeH="0" baseline="0">
             <a:ln>
               <a:noFill/>
             </a:ln>
@@ -9824,7 +10360,7 @@
           <a:buFontTx/>
           <a:buNone/>
           <a:tabLst/>
-          <a:defRPr b="0" baseline="0" cap="none" i="0" spc="0" strike="noStrike" sz="1800" u="none" kumimoji="0" normalizeH="0">
+          <a:defRPr kumimoji="0" sz="1800" b="0" i="0" u="none" strike="noStrike" cap="none" spc="0" normalizeH="0" baseline="0">
             <a:ln>
               <a:noFill/>
             </a:ln>
@@ -9850,7 +10386,7 @@
           <a:buFontTx/>
           <a:buNone/>
           <a:tabLst/>
-          <a:defRPr b="0" baseline="0" cap="none" i="0" spc="0" strike="noStrike" sz="1800" u="none" kumimoji="0" normalizeH="0">
+          <a:defRPr kumimoji="0" sz="1800" b="0" i="0" u="none" strike="noStrike" cap="none" spc="0" normalizeH="0" baseline="0">
             <a:ln>
               <a:noFill/>
             </a:ln>
@@ -9876,7 +10412,7 @@
           <a:buFontTx/>
           <a:buNone/>
           <a:tabLst/>
-          <a:defRPr b="0" baseline="0" cap="none" i="0" spc="0" strike="noStrike" sz="1800" u="none" kumimoji="0" normalizeH="0">
+          <a:defRPr kumimoji="0" sz="1800" b="0" i="0" u="none" strike="noStrike" cap="none" spc="0" normalizeH="0" baseline="0">
             <a:ln>
               <a:noFill/>
             </a:ln>
@@ -9902,7 +10438,7 @@
           <a:buFontTx/>
           <a:buNone/>
           <a:tabLst/>
-          <a:defRPr b="0" baseline="0" cap="none" i="0" spc="0" strike="noStrike" sz="1800" u="none" kumimoji="0" normalizeH="0">
+          <a:defRPr kumimoji="0" sz="1800" b="0" i="0" u="none" strike="noStrike" cap="none" spc="0" normalizeH="0" baseline="0">
             <a:ln>
               <a:noFill/>
             </a:ln>
@@ -9928,7 +10464,7 @@
           <a:buFontTx/>
           <a:buNone/>
           <a:tabLst/>
-          <a:defRPr b="0" baseline="0" cap="none" i="0" spc="0" strike="noStrike" sz="1800" u="none" kumimoji="0" normalizeH="0">
+          <a:defRPr kumimoji="0" sz="1800" b="0" i="0" u="none" strike="noStrike" cap="none" spc="0" normalizeH="0" baseline="0">
             <a:ln>
               <a:noFill/>
             </a:ln>
@@ -9941,9 +10477,15 @@
         </a:lvl9pPr>
       </a:lstStyle>
       <a:style>
-        <a:lnRef idx="0"/>
-        <a:fillRef idx="0"/>
-        <a:effectRef idx="0"/>
+        <a:lnRef idx="0">
+          <a:scrgbClr r="0" g="0" b="0"/>
+        </a:lnRef>
+        <a:fillRef idx="0">
+          <a:scrgbClr r="0" g="0" b="0"/>
+        </a:fillRef>
+        <a:effectRef idx="0">
+          <a:scrgbClr r="0" g="0" b="0"/>
+        </a:effectRef>
         <a:fontRef idx="none"/>
       </a:style>
     </a:spDef>
@@ -9959,7 +10501,7 @@
         </a:ln>
         <a:effectLst/>
       </a:spPr>
-      <a:bodyPr rot="0" spcFirstLastPara="1" vertOverflow="overflow" horzOverflow="overflow" vert="horz" wrap="square" lIns="91439" tIns="45719" rIns="91439" bIns="45719" numCol="1" spcCol="38100" rtlCol="0" anchor="t" upright="0">
+      <a:bodyPr rot="0" spcFirstLastPara="1" vertOverflow="overflow" horzOverflow="overflow" vert="horz" wrap="square" lIns="91439" tIns="45719" rIns="91439" bIns="45719" numCol="1" spcCol="38100" rtlCol="0" anchor="t">
         <a:noAutofit/>
       </a:bodyPr>
       <a:lstStyle>
@@ -9978,7 +10520,7 @@
           <a:buFontTx/>
           <a:buNone/>
           <a:tabLst/>
-          <a:defRPr b="0" baseline="0" cap="none" i="0" spc="0" strike="noStrike" sz="1800" u="none" kumimoji="0" normalizeH="0">
+          <a:defRPr kumimoji="0" sz="1800" b="0" i="0" u="none" strike="noStrike" cap="none" spc="0" normalizeH="0" baseline="0">
             <a:ln>
               <a:noFill/>
             </a:ln>
@@ -10004,7 +10546,7 @@
           <a:buFontTx/>
           <a:buNone/>
           <a:tabLst/>
-          <a:defRPr b="0" baseline="0" cap="none" i="0" spc="0" strike="noStrike" sz="1800" u="none" kumimoji="0" normalizeH="0">
+          <a:defRPr kumimoji="0" sz="1800" b="0" i="0" u="none" strike="noStrike" cap="none" spc="0" normalizeH="0" baseline="0">
             <a:ln>
               <a:noFill/>
             </a:ln>
@@ -10030,7 +10572,7 @@
           <a:buFontTx/>
           <a:buNone/>
           <a:tabLst/>
-          <a:defRPr b="0" baseline="0" cap="none" i="0" spc="0" strike="noStrike" sz="1800" u="none" kumimoji="0" normalizeH="0">
+          <a:defRPr kumimoji="0" sz="1800" b="0" i="0" u="none" strike="noStrike" cap="none" spc="0" normalizeH="0" baseline="0">
             <a:ln>
               <a:noFill/>
             </a:ln>
@@ -10056,7 +10598,7 @@
           <a:buFontTx/>
           <a:buNone/>
           <a:tabLst/>
-          <a:defRPr b="0" baseline="0" cap="none" i="0" spc="0" strike="noStrike" sz="1800" u="none" kumimoji="0" normalizeH="0">
+          <a:defRPr kumimoji="0" sz="1800" b="0" i="0" u="none" strike="noStrike" cap="none" spc="0" normalizeH="0" baseline="0">
             <a:ln>
               <a:noFill/>
             </a:ln>
@@ -10082,7 +10624,7 @@
           <a:buFontTx/>
           <a:buNone/>
           <a:tabLst/>
-          <a:defRPr b="0" baseline="0" cap="none" i="0" spc="0" strike="noStrike" sz="1800" u="none" kumimoji="0" normalizeH="0">
+          <a:defRPr kumimoji="0" sz="1800" b="0" i="0" u="none" strike="noStrike" cap="none" spc="0" normalizeH="0" baseline="0">
             <a:ln>
               <a:noFill/>
             </a:ln>
@@ -10108,7 +10650,7 @@
           <a:buFontTx/>
           <a:buNone/>
           <a:tabLst/>
-          <a:defRPr b="0" baseline="0" cap="none" i="0" spc="0" strike="noStrike" sz="1800" u="none" kumimoji="0" normalizeH="0">
+          <a:defRPr kumimoji="0" sz="1800" b="0" i="0" u="none" strike="noStrike" cap="none" spc="0" normalizeH="0" baseline="0">
             <a:ln>
               <a:noFill/>
             </a:ln>
@@ -10134,7 +10676,7 @@
           <a:buFontTx/>
           <a:buNone/>
           <a:tabLst/>
-          <a:defRPr b="0" baseline="0" cap="none" i="0" spc="0" strike="noStrike" sz="1800" u="none" kumimoji="0" normalizeH="0">
+          <a:defRPr kumimoji="0" sz="1800" b="0" i="0" u="none" strike="noStrike" cap="none" spc="0" normalizeH="0" baseline="0">
             <a:ln>
               <a:noFill/>
             </a:ln>
@@ -10160,7 +10702,7 @@
           <a:buFontTx/>
           <a:buNone/>
           <a:tabLst/>
-          <a:defRPr b="0" baseline="0" cap="none" i="0" spc="0" strike="noStrike" sz="1800" u="none" kumimoji="0" normalizeH="0">
+          <a:defRPr kumimoji="0" sz="1800" b="0" i="0" u="none" strike="noStrike" cap="none" spc="0" normalizeH="0" baseline="0">
             <a:ln>
               <a:noFill/>
             </a:ln>
@@ -10186,7 +10728,7 @@
           <a:buFontTx/>
           <a:buNone/>
           <a:tabLst/>
-          <a:defRPr b="0" baseline="0" cap="none" i="0" spc="0" strike="noStrike" sz="1800" u="none" kumimoji="0" normalizeH="0">
+          <a:defRPr kumimoji="0" sz="1800" b="0" i="0" u="none" strike="noStrike" cap="none" spc="0" normalizeH="0" baseline="0">
             <a:ln>
               <a:noFill/>
             </a:ln>
@@ -10212,7 +10754,7 @@
           <a:buFontTx/>
           <a:buNone/>
           <a:tabLst/>
-          <a:defRPr b="0" baseline="0" cap="none" i="0" spc="0" strike="noStrike" sz="1800" u="none" kumimoji="0" normalizeH="0">
+          <a:defRPr kumimoji="0" sz="1800" b="0" i="0" u="none" strike="noStrike" cap="none" spc="0" normalizeH="0" baseline="0">
             <a:ln>
               <a:noFill/>
             </a:ln>
@@ -10225,9 +10767,15 @@
         </a:lvl9pPr>
       </a:lstStyle>
       <a:style>
-        <a:lnRef idx="0"/>
-        <a:fillRef idx="0"/>
-        <a:effectRef idx="0"/>
+        <a:lnRef idx="0">
+          <a:scrgbClr r="0" g="0" b="0"/>
+        </a:lnRef>
+        <a:fillRef idx="0">
+          <a:scrgbClr r="0" g="0" b="0"/>
+        </a:fillRef>
+        <a:effectRef idx="0">
+          <a:scrgbClr r="0" g="0" b="0"/>
+        </a:effectRef>
         <a:fontRef idx="none"/>
       </a:style>
     </a:lnDef>
@@ -10240,7 +10788,7 @@
         </a:ln>
         <a:effectLst/>
       </a:spPr>
-      <a:bodyPr rot="0" spcFirstLastPara="1" vertOverflow="overflow" horzOverflow="overflow" vert="horz" wrap="square" lIns="50800" tIns="50800" rIns="50800" bIns="50800" numCol="1" spcCol="38100" rtlCol="0" anchor="ctr" upright="0">
+      <a:bodyPr rot="0" spcFirstLastPara="1" vertOverflow="overflow" horzOverflow="overflow" vert="horz" wrap="square" lIns="50800" tIns="50800" rIns="50800" bIns="50800" numCol="1" spcCol="38100" rtlCol="0" anchor="ctr">
         <a:spAutoFit/>
       </a:bodyPr>
       <a:lstStyle>
@@ -10259,7 +10807,7 @@
           <a:buFontTx/>
           <a:buNone/>
           <a:tabLst/>
-          <a:defRPr b="0" baseline="0" cap="none" i="0" spc="0" strike="noStrike" sz="4200" u="none" kumimoji="0" normalizeH="0">
+          <a:defRPr kumimoji="0" sz="4200" b="0" i="0" u="none" strike="noStrike" cap="none" spc="0" normalizeH="0" baseline="0">
             <a:ln>
               <a:noFill/>
             </a:ln>
@@ -10289,7 +10837,7 @@
           <a:buFontTx/>
           <a:buNone/>
           <a:tabLst/>
-          <a:defRPr b="0" baseline="0" cap="none" i="0" spc="0" strike="noStrike" sz="1800" u="none" kumimoji="0" normalizeH="0">
+          <a:defRPr kumimoji="0" sz="1800" b="0" i="0" u="none" strike="noStrike" cap="none" spc="0" normalizeH="0" baseline="0">
             <a:ln>
               <a:noFill/>
             </a:ln>
@@ -10315,7 +10863,7 @@
           <a:buFontTx/>
           <a:buNone/>
           <a:tabLst/>
-          <a:defRPr b="0" baseline="0" cap="none" i="0" spc="0" strike="noStrike" sz="1800" u="none" kumimoji="0" normalizeH="0">
+          <a:defRPr kumimoji="0" sz="1800" b="0" i="0" u="none" strike="noStrike" cap="none" spc="0" normalizeH="0" baseline="0">
             <a:ln>
               <a:noFill/>
             </a:ln>
@@ -10341,7 +10889,7 @@
           <a:buFontTx/>
           <a:buNone/>
           <a:tabLst/>
-          <a:defRPr b="0" baseline="0" cap="none" i="0" spc="0" strike="noStrike" sz="1800" u="none" kumimoji="0" normalizeH="0">
+          <a:defRPr kumimoji="0" sz="1800" b="0" i="0" u="none" strike="noStrike" cap="none" spc="0" normalizeH="0" baseline="0">
             <a:ln>
               <a:noFill/>
             </a:ln>
@@ -10367,7 +10915,7 @@
           <a:buFontTx/>
           <a:buNone/>
           <a:tabLst/>
-          <a:defRPr b="0" baseline="0" cap="none" i="0" spc="0" strike="noStrike" sz="1800" u="none" kumimoji="0" normalizeH="0">
+          <a:defRPr kumimoji="0" sz="1800" b="0" i="0" u="none" strike="noStrike" cap="none" spc="0" normalizeH="0" baseline="0">
             <a:ln>
               <a:noFill/>
             </a:ln>
@@ -10393,7 +10941,7 @@
           <a:buFontTx/>
           <a:buNone/>
           <a:tabLst/>
-          <a:defRPr b="0" baseline="0" cap="none" i="0" spc="0" strike="noStrike" sz="1800" u="none" kumimoji="0" normalizeH="0">
+          <a:defRPr kumimoji="0" sz="1800" b="0" i="0" u="none" strike="noStrike" cap="none" spc="0" normalizeH="0" baseline="0">
             <a:ln>
               <a:noFill/>
             </a:ln>
@@ -10419,7 +10967,7 @@
           <a:buFontTx/>
           <a:buNone/>
           <a:tabLst/>
-          <a:defRPr b="0" baseline="0" cap="none" i="0" spc="0" strike="noStrike" sz="1800" u="none" kumimoji="0" normalizeH="0">
+          <a:defRPr kumimoji="0" sz="1800" b="0" i="0" u="none" strike="noStrike" cap="none" spc="0" normalizeH="0" baseline="0">
             <a:ln>
               <a:noFill/>
             </a:ln>
@@ -10445,7 +10993,7 @@
           <a:buFontTx/>
           <a:buNone/>
           <a:tabLst/>
-          <a:defRPr b="0" baseline="0" cap="none" i="0" spc="0" strike="noStrike" sz="1800" u="none" kumimoji="0" normalizeH="0">
+          <a:defRPr kumimoji="0" sz="1800" b="0" i="0" u="none" strike="noStrike" cap="none" spc="0" normalizeH="0" baseline="0">
             <a:ln>
               <a:noFill/>
             </a:ln>
@@ -10471,7 +11019,7 @@
           <a:buFontTx/>
           <a:buNone/>
           <a:tabLst/>
-          <a:defRPr b="0" baseline="0" cap="none" i="0" spc="0" strike="noStrike" sz="1800" u="none" kumimoji="0" normalizeH="0">
+          <a:defRPr kumimoji="0" sz="1800" b="0" i="0" u="none" strike="noStrike" cap="none" spc="0" normalizeH="0" baseline="0">
             <a:ln>
               <a:noFill/>
             </a:ln>
@@ -10497,7 +11045,7 @@
           <a:buFontTx/>
           <a:buNone/>
           <a:tabLst/>
-          <a:defRPr b="0" baseline="0" cap="none" i="0" spc="0" strike="noStrike" sz="1800" u="none" kumimoji="0" normalizeH="0">
+          <a:defRPr kumimoji="0" sz="1800" b="0" i="0" u="none" strike="noStrike" cap="none" spc="0" normalizeH="0" baseline="0">
             <a:ln>
               <a:noFill/>
             </a:ln>
@@ -10510,12 +11058,19 @@
         </a:lvl9pPr>
       </a:lstStyle>
       <a:style>
-        <a:lnRef idx="0"/>
-        <a:fillRef idx="0"/>
-        <a:effectRef idx="0"/>
+        <a:lnRef idx="0">
+          <a:scrgbClr r="0" g="0" b="0"/>
+        </a:lnRef>
+        <a:fillRef idx="0">
+          <a:scrgbClr r="0" g="0" b="0"/>
+        </a:fillRef>
+        <a:effectRef idx="0">
+          <a:scrgbClr r="0" g="0" b="0"/>
+        </a:effectRef>
         <a:fontRef idx="none"/>
       </a:style>
     </a:txDef>
   </a:objectDefaults>
+  <a:extraClrSchemeLst/>
 </a:theme>
 </file>
--- a/presentations/M3AWWG/draft_m3aawg.pptx
+++ b/presentations/M3AWWG/draft_m3aawg.pptx
@@ -5,7 +5,7 @@
     <p:sldMasterId id="2147483648" r:id="rId1"/>
   </p:sldMasterIdLst>
   <p:notesMasterIdLst>
-    <p:notesMasterId r:id="rId53"/>
+    <p:notesMasterId r:id="rId56"/>
   </p:notesMasterIdLst>
   <p:sldIdLst>
     <p:sldId id="256" r:id="rId2"/>
@@ -30,15 +30,15 @@
     <p:sldId id="270" r:id="rId21"/>
     <p:sldId id="271" r:id="rId22"/>
     <p:sldId id="272" r:id="rId23"/>
-    <p:sldId id="273" r:id="rId24"/>
-    <p:sldId id="274" r:id="rId25"/>
-    <p:sldId id="275" r:id="rId26"/>
-    <p:sldId id="276" r:id="rId27"/>
-    <p:sldId id="277" r:id="rId28"/>
-    <p:sldId id="278" r:id="rId29"/>
-    <p:sldId id="279" r:id="rId30"/>
-    <p:sldId id="280" r:id="rId31"/>
-    <p:sldId id="281" r:id="rId32"/>
+    <p:sldId id="274" r:id="rId24"/>
+    <p:sldId id="275" r:id="rId25"/>
+    <p:sldId id="276" r:id="rId26"/>
+    <p:sldId id="277" r:id="rId27"/>
+    <p:sldId id="278" r:id="rId28"/>
+    <p:sldId id="279" r:id="rId29"/>
+    <p:sldId id="280" r:id="rId30"/>
+    <p:sldId id="273" r:id="rId31"/>
+    <p:sldId id="307" r:id="rId32"/>
     <p:sldId id="282" r:id="rId33"/>
     <p:sldId id="283" r:id="rId34"/>
     <p:sldId id="284" r:id="rId35"/>
@@ -48,17 +48,20 @@
     <p:sldId id="288" r:id="rId39"/>
     <p:sldId id="289" r:id="rId40"/>
     <p:sldId id="290" r:id="rId41"/>
-    <p:sldId id="291" r:id="rId42"/>
-    <p:sldId id="292" r:id="rId43"/>
-    <p:sldId id="293" r:id="rId44"/>
-    <p:sldId id="294" r:id="rId45"/>
-    <p:sldId id="295" r:id="rId46"/>
-    <p:sldId id="296" r:id="rId47"/>
-    <p:sldId id="297" r:id="rId48"/>
-    <p:sldId id="298" r:id="rId49"/>
-    <p:sldId id="299" r:id="rId50"/>
-    <p:sldId id="300" r:id="rId51"/>
-    <p:sldId id="301" r:id="rId52"/>
+    <p:sldId id="308" r:id="rId42"/>
+    <p:sldId id="291" r:id="rId43"/>
+    <p:sldId id="292" r:id="rId44"/>
+    <p:sldId id="293" r:id="rId45"/>
+    <p:sldId id="294" r:id="rId46"/>
+    <p:sldId id="295" r:id="rId47"/>
+    <p:sldId id="296" r:id="rId48"/>
+    <p:sldId id="297" r:id="rId49"/>
+    <p:sldId id="298" r:id="rId50"/>
+    <p:sldId id="309" r:id="rId51"/>
+    <p:sldId id="310" r:id="rId52"/>
+    <p:sldId id="299" r:id="rId53"/>
+    <p:sldId id="300" r:id="rId54"/>
+    <p:sldId id="301" r:id="rId55"/>
   </p:sldIdLst>
   <p:sldSz cx="13004800" cy="9753600"/>
   <p:notesSz cx="6858000" cy="9144000"/>
@@ -3936,7 +3939,7 @@
           <a:graphicData uri="http://schemas.openxmlformats.org/presentationml/2006/ole">
             <mc:AlternateContent xmlns:mc="http://schemas.openxmlformats.org/markup-compatibility/2006">
               <mc:Choice xmlns:v="urn:schemas-microsoft-com:vml" Requires="v">
-                <p:oleObj spid="_x0000_s1027" name="Equation" r:id="rId3" imgW="939800" imgH="228600" progId="Equation.3">
+                <p:oleObj spid="_x0000_s1062" name="Equation" r:id="rId3" imgW="939800" imgH="228600" progId="Equation.3">
                   <p:embed/>
                 </p:oleObj>
               </mc:Choice>
@@ -3993,7 +3996,7 @@
           <a:graphicData uri="http://schemas.openxmlformats.org/presentationml/2006/ole">
             <mc:AlternateContent xmlns:mc="http://schemas.openxmlformats.org/markup-compatibility/2006">
               <mc:Choice xmlns:v="urn:schemas-microsoft-com:vml" Requires="v">
-                <p:oleObj spid="_x0000_s1028" name="Equation" r:id="rId5" imgW="952500" imgH="228600" progId="Equation.3">
+                <p:oleObj spid="_x0000_s1063" name="Equation" r:id="rId5" imgW="952500" imgH="228600" progId="Equation.3">
                   <p:embed/>
                 </p:oleObj>
               </mc:Choice>
@@ -4056,7 +4059,7 @@
       </p:grpSpPr>
       <p:sp>
         <p:nvSpPr>
-          <p:cNvPr id="96" name="Shape 96"/>
+          <p:cNvPr id="99" name="Shape 99"/>
           <p:cNvSpPr>
             <a:spLocks noGrp="1"/>
           </p:cNvSpPr>
@@ -4078,14 +4081,14 @@
             </a:pPr>
             <a:r>
               <a:rPr sz="8400"/>
-              <a:t>Some algorithms</a:t>
-            </a:r>
-          </a:p>
-        </p:txBody>
-      </p:sp>
-      <p:sp>
-        <p:nvSpPr>
-          <p:cNvPr id="97" name="Shape 97"/>
+              <a:t>Diffie-Helleman</a:t>
+            </a:r>
+          </a:p>
+        </p:txBody>
+      </p:sp>
+      <p:sp>
+        <p:nvSpPr>
+          <p:cNvPr id="100" name="Shape 100"/>
           <p:cNvSpPr>
             <a:spLocks noGrp="1"/>
           </p:cNvSpPr>
@@ -4095,8 +4098,8 @@
         </p:nvSpPr>
         <p:spPr>
           <a:xfrm>
-            <a:off x="1270000" y="2209800"/>
-            <a:ext cx="10464800" cy="6832600"/>
+            <a:off x="1270000" y="2768600"/>
+            <a:ext cx="10464800" cy="770136"/>
           </a:xfrm>
           <a:prstGeom prst="rect">
             <a:avLst/>
@@ -4111,56 +4114,38 @@
             </a:pPr>
             <a:r>
               <a:rPr sz="4200"/>
-              <a:t>Hash</a:t>
-            </a:r>
-          </a:p>
-          <a:p>
-            <a:pPr lvl="1">
-              <a:defRPr sz="1800"/>
-            </a:pPr>
-            <a:r>
-              <a:rPr sz="4200"/>
-              <a:t>SHA1</a:t>
-            </a:r>
-          </a:p>
-          <a:p>
-            <a:pPr lvl="1">
-              <a:defRPr sz="1800"/>
-            </a:pPr>
-            <a:r>
-              <a:rPr sz="4200"/>
-              <a:t>SHA256</a:t>
-            </a:r>
-          </a:p>
-          <a:p>
-            <a:pPr lvl="1">
-              <a:defRPr sz="1800"/>
-            </a:pPr>
-            <a:r>
-              <a:rPr sz="4200"/>
-              <a:t>SHA512</a:t>
-            </a:r>
-          </a:p>
-          <a:p>
-            <a:pPr lvl="0">
-              <a:defRPr sz="1800"/>
-            </a:pPr>
-            <a:r>
-              <a:rPr sz="4200"/>
-              <a:t>Key Exchange</a:t>
-            </a:r>
-          </a:p>
-          <a:p>
-            <a:pPr lvl="1">
-              <a:defRPr sz="1800"/>
-            </a:pPr>
-            <a:r>
-              <a:rPr sz="4200"/>
-              <a:t>Diffie Helleman</a:t>
-            </a:r>
-          </a:p>
-        </p:txBody>
-      </p:sp>
+              <a:t>How to share a secret key?</a:t>
+            </a:r>
+          </a:p>
+        </p:txBody>
+      </p:sp>
+      <p:pic>
+        <p:nvPicPr>
+          <p:cNvPr id="101" name="pasted-image.pdf"/>
+          <p:cNvPicPr/>
+          <p:nvPr/>
+        </p:nvPicPr>
+        <p:blipFill>
+          <a:blip r:embed="rId2">
+            <a:extLst/>
+          </a:blip>
+          <a:stretch>
+            <a:fillRect/>
+          </a:stretch>
+        </p:blipFill>
+        <p:spPr>
+          <a:xfrm>
+            <a:off x="2757514" y="3430805"/>
+            <a:ext cx="7489772" cy="6141541"/>
+          </a:xfrm>
+          <a:prstGeom prst="rect">
+            <a:avLst/>
+          </a:prstGeom>
+          <a:ln w="12700">
+            <a:miter lim="400000"/>
+          </a:ln>
+        </p:spPr>
+      </p:pic>
     </p:spTree>
   </p:cSld>
   <p:clrMapOvr>
@@ -4189,7 +4174,7 @@
       </p:grpSpPr>
       <p:sp>
         <p:nvSpPr>
-          <p:cNvPr id="99" name="Shape 99"/>
+          <p:cNvPr id="103" name="Shape 103"/>
           <p:cNvSpPr>
             <a:spLocks noGrp="1"/>
           </p:cNvSpPr>
@@ -4211,6 +4196,13 @@
             </a:pPr>
             <a:r>
               <a:rPr sz="8400"/>
+              <a:t>Ephemeral</a:t>
+            </a:r>
+            <a:br>
+              <a:rPr sz="8400"/>
+            </a:br>
+            <a:r>
+              <a:rPr sz="8400"/>
               <a:t>Diffie-Helleman</a:t>
             </a:r>
           </a:p>
@@ -4218,7 +4210,7 @@
       </p:sp>
       <p:sp>
         <p:nvSpPr>
-          <p:cNvPr id="100" name="Shape 100"/>
+          <p:cNvPr id="104" name="Shape 104"/>
           <p:cNvSpPr>
             <a:spLocks noGrp="1"/>
           </p:cNvSpPr>
@@ -4228,8 +4220,8 @@
         </p:nvSpPr>
         <p:spPr>
           <a:xfrm>
-            <a:off x="1270000" y="2768600"/>
-            <a:ext cx="10464800" cy="770136"/>
+            <a:off x="1270000" y="3390900"/>
+            <a:ext cx="10464800" cy="5685136"/>
           </a:xfrm>
           <a:prstGeom prst="rect">
             <a:avLst/>
@@ -4244,38 +4236,47 @@
             </a:pPr>
             <a:r>
               <a:rPr sz="4200"/>
-              <a:t>How to share a secret key?</a:t>
-            </a:r>
-          </a:p>
-        </p:txBody>
-      </p:sp>
-      <p:pic>
-        <p:nvPicPr>
-          <p:cNvPr id="101" name="pasted-image.pdf"/>
-          <p:cNvPicPr/>
-          <p:nvPr/>
-        </p:nvPicPr>
-        <p:blipFill>
-          <a:blip r:embed="rId2">
-            <a:extLst/>
-          </a:blip>
-          <a:stretch>
-            <a:fillRect/>
-          </a:stretch>
-        </p:blipFill>
-        <p:spPr>
-          <a:xfrm>
-            <a:off x="2757514" y="3430805"/>
-            <a:ext cx="7489772" cy="6141541"/>
-          </a:xfrm>
-          <a:prstGeom prst="rect">
-            <a:avLst/>
-          </a:prstGeom>
-          <a:ln w="12700">
-            <a:miter lim="400000"/>
-          </a:ln>
-        </p:spPr>
-      </p:pic>
+              <a:t>Regular mode</a:t>
+            </a:r>
+          </a:p>
+          <a:p>
+            <a:pPr lvl="1">
+              <a:defRPr sz="1800"/>
+            </a:pPr>
+            <a:r>
+              <a:rPr sz="4200"/>
+              <a:t>Public and private keys are kept</a:t>
+            </a:r>
+          </a:p>
+          <a:p>
+            <a:pPr lvl="0">
+              <a:defRPr sz="1800"/>
+            </a:pPr>
+            <a:r>
+              <a:rPr sz="4200"/>
+              <a:t>Ephemeral mode</a:t>
+            </a:r>
+          </a:p>
+          <a:p>
+            <a:pPr lvl="1">
+              <a:defRPr sz="1800"/>
+            </a:pPr>
+            <a:r>
+              <a:rPr sz="4200"/>
+              <a:t>New keys are generated each time</a:t>
+            </a:r>
+          </a:p>
+          <a:p>
+            <a:pPr lvl="2">
+              <a:defRPr sz="1800"/>
+            </a:pPr>
+            <a:r>
+              <a:rPr sz="4200"/>
+              <a:t>By one of the parties at least</a:t>
+            </a:r>
+          </a:p>
+        </p:txBody>
+      </p:sp>
     </p:spTree>
   </p:cSld>
   <p:clrMapOvr>
@@ -4304,7 +4305,7 @@
       </p:grpSpPr>
       <p:sp>
         <p:nvSpPr>
-          <p:cNvPr id="103" name="Shape 103"/>
+          <p:cNvPr id="106" name="Shape 106"/>
           <p:cNvSpPr>
             <a:spLocks noGrp="1"/>
           </p:cNvSpPr>
@@ -4326,21 +4327,14 @@
             </a:pPr>
             <a:r>
               <a:rPr sz="8400"/>
-              <a:t>Ephemeral</a:t>
-            </a:r>
-            <a:br>
-              <a:rPr sz="8400"/>
-            </a:br>
-            <a:r>
-              <a:rPr sz="8400"/>
-              <a:t>Diffie-Helleman</a:t>
-            </a:r>
-          </a:p>
-        </p:txBody>
-      </p:sp>
-      <p:sp>
-        <p:nvSpPr>
-          <p:cNvPr id="104" name="Shape 104"/>
+              <a:t>Hashing</a:t>
+            </a:r>
+          </a:p>
+        </p:txBody>
+      </p:sp>
+      <p:sp>
+        <p:nvSpPr>
+          <p:cNvPr id="107" name="Shape 107"/>
           <p:cNvSpPr>
             <a:spLocks noGrp="1"/>
           </p:cNvSpPr>
@@ -4350,8 +4344,8 @@
         </p:nvSpPr>
         <p:spPr>
           <a:xfrm>
-            <a:off x="1270000" y="3390900"/>
-            <a:ext cx="10464800" cy="5685136"/>
+            <a:off x="1270000" y="2463800"/>
+            <a:ext cx="10464800" cy="3761731"/>
           </a:xfrm>
           <a:prstGeom prst="rect">
             <a:avLst/>
@@ -4366,7 +4360,16 @@
             </a:pPr>
             <a:r>
               <a:rPr sz="4200"/>
-              <a:t>Regular mode</a:t>
+              <a:t>Take long piece of data and produce a probably unique signature</a:t>
+            </a:r>
+          </a:p>
+          <a:p>
+            <a:pPr lvl="0">
+              <a:defRPr sz="1800"/>
+            </a:pPr>
+            <a:r>
+              <a:rPr sz="4200"/>
+              <a:t>Probability of collision for SHA1:</a:t>
             </a:r>
           </a:p>
           <a:p>
@@ -4375,38 +4378,38 @@
             </a:pPr>
             <a:r>
               <a:rPr sz="4200"/>
-              <a:t>Public and private keys are kept</a:t>
-            </a:r>
-          </a:p>
-          <a:p>
-            <a:pPr lvl="0">
-              <a:defRPr sz="1800"/>
-            </a:pPr>
-            <a:r>
-              <a:rPr sz="4200"/>
-              <a:t>Ephemeral mode</a:t>
-            </a:r>
-          </a:p>
-          <a:p>
-            <a:pPr lvl="1">
-              <a:defRPr sz="1800"/>
-            </a:pPr>
-            <a:r>
-              <a:rPr sz="4200"/>
-              <a:t>New keys are generated each time</a:t>
-            </a:r>
-          </a:p>
-          <a:p>
-            <a:pPr lvl="2">
-              <a:defRPr sz="1800"/>
-            </a:pPr>
-            <a:r>
-              <a:rPr sz="4200"/>
-              <a:t>By one of the parties at least</a:t>
-            </a:r>
-          </a:p>
-        </p:txBody>
-      </p:sp>
+              <a:t>1 over 1461501637330902918203684832716283019655932542976</a:t>
+            </a:r>
+          </a:p>
+        </p:txBody>
+      </p:sp>
+      <p:pic>
+        <p:nvPicPr>
+          <p:cNvPr id="108" name="pasted-image.pdf"/>
+          <p:cNvPicPr/>
+          <p:nvPr/>
+        </p:nvPicPr>
+        <p:blipFill>
+          <a:blip r:embed="rId2">
+            <a:extLst/>
+          </a:blip>
+          <a:stretch>
+            <a:fillRect/>
+          </a:stretch>
+        </p:blipFill>
+        <p:spPr>
+          <a:xfrm>
+            <a:off x="357061" y="6489196"/>
+            <a:ext cx="12448375" cy="3146510"/>
+          </a:xfrm>
+          <a:prstGeom prst="rect">
+            <a:avLst/>
+          </a:prstGeom>
+          <a:ln w="12700">
+            <a:miter lim="400000"/>
+          </a:ln>
+        </p:spPr>
+      </p:pic>
     </p:spTree>
   </p:cSld>
   <p:clrMapOvr>
@@ -4435,7 +4438,7 @@
       </p:grpSpPr>
       <p:sp>
         <p:nvSpPr>
-          <p:cNvPr id="106" name="Shape 106"/>
+          <p:cNvPr id="110" name="Shape 110"/>
           <p:cNvSpPr>
             <a:spLocks noGrp="1"/>
           </p:cNvSpPr>
@@ -4457,14 +4460,14 @@
             </a:pPr>
             <a:r>
               <a:rPr sz="8400"/>
-              <a:t>Hashing</a:t>
-            </a:r>
-          </a:p>
-        </p:txBody>
-      </p:sp>
-      <p:sp>
-        <p:nvSpPr>
-          <p:cNvPr id="107" name="Shape 107"/>
+              <a:t>ECC</a:t>
+            </a:r>
+          </a:p>
+        </p:txBody>
+      </p:sp>
+      <p:sp>
+        <p:nvSpPr>
+          <p:cNvPr id="111" name="Shape 111"/>
           <p:cNvSpPr>
             <a:spLocks noGrp="1"/>
           </p:cNvSpPr>
@@ -4473,10 +4476,6 @@
           </p:nvPr>
         </p:nvSpPr>
         <p:spPr>
-          <a:xfrm>
-            <a:off x="1270000" y="2463800"/>
-            <a:ext cx="10464800" cy="3761731"/>
-          </a:xfrm>
           <a:prstGeom prst="rect">
             <a:avLst/>
           </a:prstGeom>
@@ -4490,16 +4489,16 @@
             </a:pPr>
             <a:r>
               <a:rPr sz="4200"/>
-              <a:t>Take long piece of data and produce a probably unique signature</a:t>
-            </a:r>
-          </a:p>
-          <a:p>
-            <a:pPr lvl="0">
-              <a:defRPr sz="1800"/>
-            </a:pPr>
-            <a:r>
-              <a:rPr sz="4200"/>
-              <a:t>Probability of collision for SHA1:</a:t>
+              <a:t>Elliptic curve cryptography (ECC)</a:t>
+            </a:r>
+          </a:p>
+          <a:p>
+            <a:pPr lvl="0">
+              <a:defRPr sz="1800"/>
+            </a:pPr>
+            <a:r>
+              <a:rPr sz="4200"/>
+              <a:t>Finding the discrete logarithm of a random elliptic curve element </a:t>
             </a:r>
           </a:p>
           <a:p>
@@ -4508,38 +4507,29 @@
             </a:pPr>
             <a:r>
               <a:rPr sz="4200"/>
-              <a:t>1 over 1461501637330902918203684832716283019655932542976</a:t>
-            </a:r>
-          </a:p>
-        </p:txBody>
-      </p:sp>
-      <p:pic>
-        <p:nvPicPr>
-          <p:cNvPr id="108" name="pasted-image.pdf"/>
-          <p:cNvPicPr/>
-          <p:nvPr/>
-        </p:nvPicPr>
-        <p:blipFill>
-          <a:blip r:embed="rId2">
-            <a:extLst/>
-          </a:blip>
-          <a:stretch>
-            <a:fillRect/>
-          </a:stretch>
-        </p:blipFill>
-        <p:spPr>
-          <a:xfrm>
-            <a:off x="357061" y="6489196"/>
-            <a:ext cx="12448375" cy="3146510"/>
-          </a:xfrm>
-          <a:prstGeom prst="rect">
-            <a:avLst/>
-          </a:prstGeom>
-          <a:ln w="12700">
-            <a:miter lim="400000"/>
-          </a:ln>
-        </p:spPr>
-      </p:pic>
+              <a:t>Only knowing a base point </a:t>
+            </a:r>
+          </a:p>
+          <a:p>
+            <a:pPr lvl="1">
+              <a:defRPr sz="1800"/>
+            </a:pPr>
+            <a:r>
+              <a:rPr sz="4200"/>
+              <a:t>Assumed to be infeasible</a:t>
+            </a:r>
+          </a:p>
+          <a:p>
+            <a:pPr lvl="0">
+              <a:defRPr sz="1800"/>
+            </a:pPr>
+            <a:r>
+              <a:rPr sz="4200"/>
+              <a:t>Reduced key length</a:t>
+            </a:r>
+          </a:p>
+        </p:txBody>
+      </p:sp>
     </p:spTree>
   </p:cSld>
   <p:clrMapOvr>
@@ -4568,7 +4558,7 @@
       </p:grpSpPr>
       <p:sp>
         <p:nvSpPr>
-          <p:cNvPr id="110" name="Shape 110"/>
+          <p:cNvPr id="113" name="Shape 113"/>
           <p:cNvSpPr>
             <a:spLocks noGrp="1"/>
           </p:cNvSpPr>
@@ -4577,6 +4567,10 @@
           </p:nvPr>
         </p:nvSpPr>
         <p:spPr>
+          <a:xfrm>
+            <a:off x="1270000" y="50800"/>
+            <a:ext cx="10464800" cy="2438400"/>
+          </a:xfrm>
           <a:prstGeom prst="rect">
             <a:avLst/>
           </a:prstGeom>
@@ -4590,14 +4584,14 @@
             </a:pPr>
             <a:r>
               <a:rPr sz="8400"/>
-              <a:t>ECC</a:t>
-            </a:r>
-          </a:p>
-        </p:txBody>
-      </p:sp>
-      <p:sp>
-        <p:nvSpPr>
-          <p:cNvPr id="111" name="Shape 111"/>
+              <a:t>Some thoughts on ECC</a:t>
+            </a:r>
+          </a:p>
+        </p:txBody>
+      </p:sp>
+      <p:sp>
+        <p:nvSpPr>
+          <p:cNvPr id="114" name="Shape 114"/>
           <p:cNvSpPr>
             <a:spLocks noGrp="1"/>
           </p:cNvSpPr>
@@ -4606,6 +4600,10 @@
           </p:nvPr>
         </p:nvSpPr>
         <p:spPr>
+          <a:xfrm>
+            <a:off x="422274" y="2540000"/>
+            <a:ext cx="12160251" cy="7142163"/>
+          </a:xfrm>
           <a:prstGeom prst="rect">
             <a:avLst/>
           </a:prstGeom>
@@ -4619,43 +4617,74 @@
             </a:pPr>
             <a:r>
               <a:rPr sz="4200"/>
-              <a:t>Elliptic curve cryptography (ECC)</a:t>
-            </a:r>
-          </a:p>
-          <a:p>
-            <a:pPr lvl="0">
-              <a:defRPr sz="1800"/>
-            </a:pPr>
-            <a:r>
-              <a:rPr sz="4200"/>
-              <a:t>Finding the discrete logarithm of a random elliptic curve element </a:t>
-            </a:r>
-          </a:p>
-          <a:p>
-            <a:pPr lvl="1">
-              <a:defRPr sz="1800"/>
-            </a:pPr>
-            <a:r>
-              <a:rPr sz="4200"/>
-              <a:t>Only knowing a base point </a:t>
-            </a:r>
-          </a:p>
-          <a:p>
-            <a:pPr lvl="1">
-              <a:defRPr sz="1800"/>
-            </a:pPr>
-            <a:r>
-              <a:rPr sz="4200"/>
-              <a:t>Assumed to be infeasible</a:t>
-            </a:r>
-          </a:p>
-          <a:p>
-            <a:pPr lvl="0">
-              <a:defRPr sz="1800"/>
-            </a:pPr>
-            <a:r>
-              <a:rPr sz="4200"/>
-              <a:t>Reduced key length</a:t>
+              <a:t>Currently this is under heavy debate</a:t>
+            </a:r>
+          </a:p>
+          <a:p>
+            <a:pPr lvl="0">
+              <a:defRPr sz="1800"/>
+            </a:pPr>
+            <a:r>
+              <a:rPr sz="4200"/>
+              <a:t>Trust the Math</a:t>
+            </a:r>
+          </a:p>
+          <a:p>
+            <a:pPr lvl="0">
+              <a:defRPr sz="1800"/>
+            </a:pPr>
+            <a:r>
+              <a:rPr sz="4200"/>
+              <a:t>“Nothing Up My Sleeve Numbers”</a:t>
+            </a:r>
+          </a:p>
+          <a:p>
+            <a:pPr lvl="0">
+              <a:defRPr sz="1800"/>
+            </a:pPr>
+            <a:r>
+              <a:rPr sz="4200"/>
+              <a:t>eg. NIST P-256 (http://safecurves.cr.yp.to/rigid.html)</a:t>
+            </a:r>
+          </a:p>
+          <a:p>
+            <a:pPr lvl="0">
+              <a:defRPr sz="1800"/>
+            </a:pPr>
+            <a:r>
+              <a:rPr sz="4200"/>
+              <a:t>Coefficients generated by hashing the unexplained </a:t>
+            </a:r>
+            <a:r>
+              <a:rPr sz="3800">
+                <a:latin typeface="Gill Sans Light"/>
+                <a:ea typeface="Gill Sans Light"/>
+                <a:cs typeface="Gill Sans Light"/>
+                <a:sym typeface="Gill Sans Light"/>
+              </a:rPr>
+              <a:t>seed c49d3608 86e70493 6a6678e1 139d26b7 819f7e90</a:t>
+            </a:r>
+            <a:r>
+              <a:rPr sz="4200"/>
+              <a:t>.</a:t>
+            </a:r>
+          </a:p>
+          <a:p>
+            <a:pPr lvl="0">
+              <a:defRPr sz="1800"/>
+            </a:pPr>
+            <a:r>
+              <a:rPr sz="4200"/>
+              <a:t>Might have to change settings tomorrow</a:t>
+            </a:r>
+          </a:p>
+          <a:p>
+            <a:pPr lvl="0">
+              <a:defRPr sz="1800"/>
+            </a:pPr>
+            <a:r>
+              <a:rPr sz="4200"/>
+              <a:t>Most Applications only work with NIST-Curves</a:t>
             </a:r>
           </a:p>
         </p:txBody>
@@ -4688,7 +4717,7 @@
       </p:grpSpPr>
       <p:sp>
         <p:nvSpPr>
-          <p:cNvPr id="113" name="Shape 113"/>
+          <p:cNvPr id="116" name="Shape 116"/>
           <p:cNvSpPr>
             <a:spLocks noGrp="1"/>
           </p:cNvSpPr>
@@ -4697,10 +4726,6 @@
           </p:nvPr>
         </p:nvSpPr>
         <p:spPr>
-          <a:xfrm>
-            <a:off x="1270000" y="50800"/>
-            <a:ext cx="10464800" cy="2438400"/>
-          </a:xfrm>
           <a:prstGeom prst="rect">
             <a:avLst/>
           </a:prstGeom>
@@ -4714,14 +4739,14 @@
             </a:pPr>
             <a:r>
               <a:rPr sz="8400"/>
-              <a:t>Some thoughts on ECC</a:t>
-            </a:r>
-          </a:p>
-        </p:txBody>
-      </p:sp>
-      <p:sp>
-        <p:nvSpPr>
-          <p:cNvPr id="114" name="Shape 114"/>
+              <a:t>SSL</a:t>
+            </a:r>
+          </a:p>
+        </p:txBody>
+      </p:sp>
+      <p:sp>
+        <p:nvSpPr>
+          <p:cNvPr id="117" name="Shape 117"/>
           <p:cNvSpPr>
             <a:spLocks noGrp="1"/>
           </p:cNvSpPr>
@@ -4731,8 +4756,8 @@
         </p:nvSpPr>
         <p:spPr>
           <a:xfrm>
-            <a:off x="422274" y="2540000"/>
-            <a:ext cx="12160251" cy="7142163"/>
+            <a:off x="1270000" y="2768600"/>
+            <a:ext cx="10464800" cy="770136"/>
           </a:xfrm>
           <a:prstGeom prst="rect">
             <a:avLst/>
@@ -4747,74 +4772,7 @@
             </a:pPr>
             <a:r>
               <a:rPr sz="4200"/>
-              <a:t>Currently this is under heavy debate</a:t>
-            </a:r>
-          </a:p>
-          <a:p>
-            <a:pPr lvl="0">
-              <a:defRPr sz="1800"/>
-            </a:pPr>
-            <a:r>
-              <a:rPr sz="4200"/>
-              <a:t>Trust the Math</a:t>
-            </a:r>
-          </a:p>
-          <a:p>
-            <a:pPr lvl="0">
-              <a:defRPr sz="1800"/>
-            </a:pPr>
-            <a:r>
-              <a:rPr sz="4200"/>
-              <a:t>“Nothing Up My Sleeve Numbers”</a:t>
-            </a:r>
-          </a:p>
-          <a:p>
-            <a:pPr lvl="0">
-              <a:defRPr sz="1800"/>
-            </a:pPr>
-            <a:r>
-              <a:rPr sz="4200"/>
-              <a:t>eg. NIST P-256 (http://safecurves.cr.yp.to/rigid.html)</a:t>
-            </a:r>
-          </a:p>
-          <a:p>
-            <a:pPr lvl="0">
-              <a:defRPr sz="1800"/>
-            </a:pPr>
-            <a:r>
-              <a:rPr sz="4200"/>
-              <a:t>Coefficients generated by hashing the unexplained </a:t>
-            </a:r>
-            <a:r>
-              <a:rPr sz="3800">
-                <a:latin typeface="Gill Sans Light"/>
-                <a:ea typeface="Gill Sans Light"/>
-                <a:cs typeface="Gill Sans Light"/>
-                <a:sym typeface="Gill Sans Light"/>
-              </a:rPr>
-              <a:t>seed c49d3608 86e70493 6a6678e1 139d26b7 819f7e90</a:t>
-            </a:r>
-            <a:r>
-              <a:rPr sz="4200"/>
-              <a:t>.</a:t>
-            </a:r>
-          </a:p>
-          <a:p>
-            <a:pPr lvl="0">
-              <a:defRPr sz="1800"/>
-            </a:pPr>
-            <a:r>
-              <a:rPr sz="4200"/>
-              <a:t>Might have to change settings tomorrow</a:t>
-            </a:r>
-          </a:p>
-          <a:p>
-            <a:pPr lvl="0">
-              <a:defRPr sz="1800"/>
-            </a:pPr>
-            <a:r>
-              <a:rPr sz="4200"/>
-              <a:t>Most Applications only work with NIST-Curves</a:t>
+              <a:t>Explain</a:t>
             </a:r>
           </a:p>
         </p:txBody>
@@ -4847,7 +4805,7 @@
       </p:grpSpPr>
       <p:sp>
         <p:nvSpPr>
-          <p:cNvPr id="116" name="Shape 116"/>
+          <p:cNvPr id="119" name="Shape 119"/>
           <p:cNvSpPr>
             <a:spLocks noGrp="1"/>
           </p:cNvSpPr>
@@ -4869,14 +4827,14 @@
             </a:pPr>
             <a:r>
               <a:rPr sz="8400"/>
-              <a:t>SSL</a:t>
-            </a:r>
-          </a:p>
-        </p:txBody>
-      </p:sp>
-      <p:sp>
-        <p:nvSpPr>
-          <p:cNvPr id="117" name="Shape 117"/>
+              <a:t>Stream vs Block Cipher</a:t>
+            </a:r>
+          </a:p>
+        </p:txBody>
+      </p:sp>
+      <p:sp>
+        <p:nvSpPr>
+          <p:cNvPr id="120" name="Shape 120"/>
           <p:cNvSpPr>
             <a:spLocks noGrp="1"/>
           </p:cNvSpPr>
@@ -4886,8 +4844,8 @@
         </p:nvSpPr>
         <p:spPr>
           <a:xfrm>
-            <a:off x="1270000" y="2768600"/>
-            <a:ext cx="10464800" cy="770136"/>
+            <a:off x="1270000" y="2095500"/>
+            <a:ext cx="10464800" cy="7417148"/>
           </a:xfrm>
           <a:prstGeom prst="rect">
             <a:avLst/>
@@ -4902,7 +4860,70 @@
             </a:pPr>
             <a:r>
               <a:rPr sz="4200"/>
-              <a:t>Explain</a:t>
+              <a:t>Stream cipher</a:t>
+            </a:r>
+          </a:p>
+          <a:p>
+            <a:pPr lvl="1">
+              <a:defRPr sz="1800"/>
+            </a:pPr>
+            <a:r>
+              <a:rPr sz="4200"/>
+              <a:t>Generate an “infinite” key stream</a:t>
+            </a:r>
+          </a:p>
+          <a:p>
+            <a:pPr lvl="1">
+              <a:defRPr sz="1800"/>
+            </a:pPr>
+            <a:r>
+              <a:rPr sz="4200"/>
+              <a:t>Difficult to correctly use</a:t>
+            </a:r>
+          </a:p>
+          <a:p>
+            <a:pPr lvl="2">
+              <a:defRPr sz="1800"/>
+            </a:pPr>
+            <a:r>
+              <a:rPr sz="4200"/>
+              <a:t>Re-use of keys</a:t>
+            </a:r>
+          </a:p>
+          <a:p>
+            <a:pPr lvl="1">
+              <a:defRPr sz="1800"/>
+            </a:pPr>
+            <a:r>
+              <a:rPr sz="4200"/>
+              <a:t>Faster</a:t>
+            </a:r>
+          </a:p>
+          <a:p>
+            <a:pPr lvl="0">
+              <a:defRPr sz="1800"/>
+            </a:pPr>
+            <a:r>
+              <a:rPr sz="4200"/>
+              <a:t>Block cipher</a:t>
+            </a:r>
+          </a:p>
+          <a:p>
+            <a:pPr lvl="1">
+              <a:defRPr sz="1800"/>
+            </a:pPr>
+            <a:r>
+              <a:rPr sz="4200"/>
+              <a:t>Cipher by block with padding</a:t>
+            </a:r>
+          </a:p>
+          <a:p>
+            <a:pPr lvl="1">
+              <a:defRPr sz="1800"/>
+            </a:pPr>
+            <a:r>
+              <a:rPr sz="4200"/>
+              <a:t>Could include integrity protection</a:t>
             </a:r>
           </a:p>
         </p:txBody>
@@ -4933,6 +4954,29 @@
           <a:chExt cx="0" cy="0"/>
         </a:xfrm>
       </p:grpSpPr>
+      <p:pic>
+        <p:nvPicPr>
+          <p:cNvPr id="5" name="Picture 4"/>
+          <p:cNvPicPr>
+            <a:picLocks noChangeAspect="1"/>
+          </p:cNvPicPr>
+          <p:nvPr/>
+        </p:nvPicPr>
+        <p:blipFill rotWithShape="1">
+          <a:blip r:embed="rId2"/>
+          <a:srcRect l="10508" t="7192" r="4127" b="7862"/>
+          <a:stretch/>
+        </p:blipFill>
+        <p:spPr>
+          <a:xfrm>
+            <a:off x="10895627" y="7859320"/>
+            <a:ext cx="2109174" cy="1894280"/>
+          </a:xfrm>
+          <a:prstGeom prst="rect">
+            <a:avLst/>
+          </a:prstGeom>
+        </p:spPr>
+      </p:pic>
       <p:sp>
         <p:nvSpPr>
           <p:cNvPr id="46" name="Shape 46"/>
@@ -4963,7 +5007,7 @@
                 <a:ea typeface="Futura"/>
                 <a:cs typeface="Futura"/>
                 <a:sym typeface="Futura"/>
-                <a:hlinkClick r:id="rId2"/>
+                <a:hlinkClick r:id="rId3"/>
               </a:defRPr>
             </a:lvl1pPr>
           </a:lstStyle>
@@ -4976,14 +5020,19 @@
               </a:defRPr>
             </a:pPr>
             <a:r>
-              <a:rPr sz="5300">
+              <a:rPr sz="5300" dirty="0">
                 <a:solidFill>
-                  <a:srgbClr val="3F3F3F"/>
+                  <a:schemeClr val="tx1"/>
                 </a:solidFill>
-                <a:hlinkClick r:id="rId2"/>
               </a:rPr>
               <a:t>BetterCrypto⋅org</a:t>
             </a:r>
+            <a:endParaRPr sz="5300" dirty="0">
+              <a:solidFill>
+                <a:schemeClr val="tx1"/>
+              </a:solidFill>
+              <a:hlinkClick r:id="rId3"/>
+            </a:endParaRPr>
           </a:p>
         </p:txBody>
       </p:sp>
@@ -5029,7 +5078,7 @@
               </a:defRPr>
             </a:pPr>
             <a:r>
-              <a:rPr sz="3600">
+              <a:rPr sz="3600" dirty="0">
                 <a:solidFill>
                   <a:srgbClr val="3F3F3F"/>
                 </a:solidFill>
@@ -5046,7 +5095,7 @@
           <p:nvPr/>
         </p:nvPicPr>
         <p:blipFill>
-          <a:blip r:embed="rId3">
+          <a:blip r:embed="rId4">
             <a:extLst/>
           </a:blip>
           <a:stretch>
@@ -5064,6 +5113,302 @@
           <a:ln w="12700">
             <a:miter lim="400000"/>
           </a:ln>
+        </p:spPr>
+      </p:pic>
+      <p:sp>
+        <p:nvSpPr>
+          <p:cNvPr id="2" name="TextBox 1"/>
+          <p:cNvSpPr txBox="1"/>
+          <p:nvPr/>
+        </p:nvSpPr>
+        <p:spPr>
+          <a:xfrm>
+            <a:off x="1666041" y="7275666"/>
+            <a:ext cx="2619106" cy="1087477"/>
+          </a:xfrm>
+          <a:prstGeom prst="rect">
+            <a:avLst/>
+          </a:prstGeom>
+          <a:noFill/>
+          <a:ln w="12700" cap="flat">
+            <a:noFill/>
+            <a:miter lim="400000"/>
+          </a:ln>
+          <a:effectLst/>
+        </p:spPr>
+        <p:style>
+          <a:lnRef idx="0">
+            <a:scrgbClr r="0" g="0" b="0"/>
+          </a:lnRef>
+          <a:fillRef idx="0">
+            <a:scrgbClr r="0" g="0" b="0"/>
+          </a:fillRef>
+          <a:effectRef idx="0">
+            <a:scrgbClr r="0" g="0" b="0"/>
+          </a:effectRef>
+          <a:fontRef idx="none"/>
+        </p:style>
+        <p:txBody>
+          <a:bodyPr rot="0" spcFirstLastPara="1" vertOverflow="overflow" horzOverflow="overflow" vert="horz" wrap="none" lIns="50800" tIns="50800" rIns="50800" bIns="50800" numCol="1" spcCol="38100" rtlCol="0" anchor="ctr">
+            <a:spAutoFit/>
+          </a:bodyPr>
+          <a:lstStyle/>
+          <a:p>
+            <a:pPr marL="0" marR="0" indent="0" defTabSz="584200" rtl="0" fontAlgn="auto" latinLnBrk="1" hangingPunct="0">
+              <a:lnSpc>
+                <a:spcPct val="100000"/>
+              </a:lnSpc>
+              <a:spcBef>
+                <a:spcPts val="0"/>
+              </a:spcBef>
+              <a:spcAft>
+                <a:spcPts val="0"/>
+              </a:spcAft>
+              <a:buClrTx/>
+              <a:buSzTx/>
+              <a:buFontTx/>
+              <a:buNone/>
+              <a:tabLst/>
+            </a:pPr>
+            <a:r>
+              <a:rPr kumimoji="0" lang="en-US" sz="3200" b="0" i="0" u="none" strike="noStrike" cap="none" spc="0" normalizeH="0" baseline="0" dirty="0" smtClean="0">
+                <a:ln>
+                  <a:noFill/>
+                </a:ln>
+                <a:solidFill>
+                  <a:srgbClr val="000000"/>
+                </a:solidFill>
+                <a:effectLst/>
+                <a:uFillTx/>
+                <a:latin typeface="+mn-lt"/>
+                <a:ea typeface="+mn-ea"/>
+                <a:cs typeface="+mn-cs"/>
+                <a:sym typeface="Gill Sans"/>
+              </a:rPr>
+              <a:t>David Durvaux</a:t>
+            </a:r>
+          </a:p>
+          <a:p>
+            <a:pPr marL="0" marR="0" indent="0" defTabSz="584200" rtl="0" fontAlgn="auto" latinLnBrk="1" hangingPunct="0">
+              <a:lnSpc>
+                <a:spcPct val="100000"/>
+              </a:lnSpc>
+              <a:spcBef>
+                <a:spcPts val="0"/>
+              </a:spcBef>
+              <a:spcAft>
+                <a:spcPts val="0"/>
+              </a:spcAft>
+              <a:buClrTx/>
+              <a:buSzTx/>
+              <a:buFontTx/>
+              <a:buNone/>
+              <a:tabLst/>
+            </a:pPr>
+            <a:r>
+              <a:rPr kumimoji="0" lang="en-US" sz="3200" b="0" i="0" u="none" strike="noStrike" cap="none" spc="0" normalizeH="0" baseline="0" dirty="0" smtClean="0">
+                <a:ln>
+                  <a:noFill/>
+                </a:ln>
+                <a:solidFill>
+                  <a:srgbClr val="000000"/>
+                </a:solidFill>
+                <a:effectLst/>
+                <a:uFillTx/>
+                <a:latin typeface="+mn-lt"/>
+                <a:ea typeface="+mn-ea"/>
+                <a:cs typeface="+mn-cs"/>
+                <a:sym typeface="Gill Sans"/>
+              </a:rPr>
+              <a:t>Aaron</a:t>
+            </a:r>
+            <a:r>
+              <a:rPr kumimoji="0" lang="en-US" sz="3200" b="0" i="0" u="none" strike="noStrike" cap="none" spc="0" normalizeH="0" dirty="0" smtClean="0">
+                <a:ln>
+                  <a:noFill/>
+                </a:ln>
+                <a:solidFill>
+                  <a:srgbClr val="000000"/>
+                </a:solidFill>
+                <a:effectLst/>
+                <a:uFillTx/>
+                <a:latin typeface="+mn-lt"/>
+                <a:ea typeface="+mn-ea"/>
+                <a:cs typeface="+mn-cs"/>
+                <a:sym typeface="Gill Sans"/>
+              </a:rPr>
+              <a:t> Kaplan</a:t>
+            </a:r>
+            <a:endParaRPr kumimoji="0" lang="en-US" sz="3200" b="0" i="0" u="none" strike="noStrike" cap="none" spc="0" normalizeH="0" baseline="0" dirty="0">
+              <a:ln>
+                <a:noFill/>
+              </a:ln>
+              <a:solidFill>
+                <a:srgbClr val="000000"/>
+              </a:solidFill>
+              <a:effectLst/>
+              <a:uFillTx/>
+              <a:latin typeface="+mn-lt"/>
+              <a:ea typeface="+mn-ea"/>
+              <a:cs typeface="+mn-cs"/>
+              <a:sym typeface="Gill Sans"/>
+            </a:endParaRPr>
+          </a:p>
+        </p:txBody>
+      </p:sp>
+      <p:sp>
+        <p:nvSpPr>
+          <p:cNvPr id="6" name="TextBox 5"/>
+          <p:cNvSpPr txBox="1"/>
+          <p:nvPr/>
+        </p:nvSpPr>
+        <p:spPr>
+          <a:xfrm>
+            <a:off x="7676366" y="7583673"/>
+            <a:ext cx="3856892" cy="595035"/>
+          </a:xfrm>
+          <a:prstGeom prst="rect">
+            <a:avLst/>
+          </a:prstGeom>
+          <a:noFill/>
+          <a:ln w="12700" cap="flat">
+            <a:noFill/>
+            <a:miter lim="400000"/>
+          </a:ln>
+          <a:effectLst/>
+        </p:spPr>
+        <p:style>
+          <a:lnRef idx="0">
+            <a:scrgbClr r="0" g="0" b="0"/>
+          </a:lnRef>
+          <a:fillRef idx="0">
+            <a:scrgbClr r="0" g="0" b="0"/>
+          </a:fillRef>
+          <a:effectRef idx="0">
+            <a:scrgbClr r="0" g="0" b="0"/>
+          </a:effectRef>
+          <a:fontRef idx="none"/>
+        </p:style>
+        <p:txBody>
+          <a:bodyPr rot="0" spcFirstLastPara="1" vertOverflow="overflow" horzOverflow="overflow" vert="horz" wrap="none" lIns="50800" tIns="50800" rIns="50800" bIns="50800" numCol="1" spcCol="38100" rtlCol="0" anchor="ctr">
+            <a:spAutoFit/>
+          </a:bodyPr>
+          <a:lstStyle/>
+          <a:p>
+            <a:pPr marL="0" marR="0" indent="0" defTabSz="584200" rtl="0" fontAlgn="auto" latinLnBrk="1" hangingPunct="0">
+              <a:lnSpc>
+                <a:spcPct val="100000"/>
+              </a:lnSpc>
+              <a:spcBef>
+                <a:spcPts val="0"/>
+              </a:spcBef>
+              <a:spcAft>
+                <a:spcPts val="0"/>
+              </a:spcAft>
+              <a:buClrTx/>
+              <a:buSzTx/>
+              <a:buFontTx/>
+              <a:buNone/>
+              <a:tabLst/>
+            </a:pPr>
+            <a:r>
+              <a:rPr kumimoji="0" lang="en-US" sz="3200" b="0" i="0" u="none" strike="noStrike" cap="none" spc="0" normalizeH="0" baseline="0" dirty="0" smtClean="0">
+                <a:ln>
+                  <a:noFill/>
+                </a:ln>
+                <a:solidFill>
+                  <a:srgbClr val="000000"/>
+                </a:solidFill>
+                <a:effectLst/>
+                <a:uFillTx/>
+                <a:sym typeface="Gill Sans"/>
+              </a:rPr>
+              <a:t>Brussels</a:t>
+            </a:r>
+            <a:r>
+              <a:rPr lang="en-US" sz="3200" dirty="0" smtClean="0">
+                <a:solidFill>
+                  <a:srgbClr val="000000"/>
+                </a:solidFill>
+              </a:rPr>
+              <a:t>, 9</a:t>
+            </a:r>
+            <a:r>
+              <a:rPr lang="en-US" sz="3200" baseline="30000" dirty="0" smtClean="0">
+                <a:solidFill>
+                  <a:srgbClr val="000000"/>
+                </a:solidFill>
+              </a:rPr>
+              <a:t>th</a:t>
+            </a:r>
+            <a:r>
+              <a:rPr lang="en-US" sz="3200" dirty="0" smtClean="0">
+                <a:solidFill>
+                  <a:srgbClr val="000000"/>
+                </a:solidFill>
+              </a:rPr>
+              <a:t> June 2014</a:t>
+            </a:r>
+            <a:endParaRPr kumimoji="0" lang="en-US" sz="3200" b="0" i="0" u="none" strike="noStrike" cap="none" spc="0" normalizeH="0" baseline="0" dirty="0" smtClean="0">
+              <a:ln>
+                <a:noFill/>
+              </a:ln>
+              <a:solidFill>
+                <a:srgbClr val="000000"/>
+              </a:solidFill>
+              <a:effectLst/>
+              <a:uFillTx/>
+              <a:sym typeface="Gill Sans"/>
+            </a:endParaRPr>
+          </a:p>
+        </p:txBody>
+      </p:sp>
+      <p:pic>
+        <p:nvPicPr>
+          <p:cNvPr id="3" name="Picture 2"/>
+          <p:cNvPicPr>
+            <a:picLocks noChangeAspect="1"/>
+          </p:cNvPicPr>
+          <p:nvPr/>
+        </p:nvPicPr>
+        <p:blipFill>
+          <a:blip r:embed="rId5"/>
+          <a:stretch>
+            <a:fillRect/>
+          </a:stretch>
+        </p:blipFill>
+        <p:spPr>
+          <a:xfrm>
+            <a:off x="9086025" y="321085"/>
+            <a:ext cx="3568700" cy="1054100"/>
+          </a:xfrm>
+          <a:prstGeom prst="rect">
+            <a:avLst/>
+          </a:prstGeom>
+        </p:spPr>
+      </p:pic>
+      <p:pic>
+        <p:nvPicPr>
+          <p:cNvPr id="4" name="Picture 3"/>
+          <p:cNvPicPr>
+            <a:picLocks noChangeAspect="1"/>
+          </p:cNvPicPr>
+          <p:nvPr/>
+        </p:nvPicPr>
+        <p:blipFill>
+          <a:blip r:embed="rId6"/>
+          <a:stretch>
+            <a:fillRect/>
+          </a:stretch>
+        </p:blipFill>
+        <p:spPr>
+          <a:xfrm>
+            <a:off x="131353" y="8264568"/>
+            <a:ext cx="2831900" cy="1489031"/>
+          </a:xfrm>
+          <a:prstGeom prst="rect">
+            <a:avLst/>
+          </a:prstGeom>
         </p:spPr>
       </p:pic>
     </p:spTree>
@@ -5094,7 +5439,7 @@
       </p:grpSpPr>
       <p:sp>
         <p:nvSpPr>
-          <p:cNvPr id="119" name="Shape 119"/>
+          <p:cNvPr id="96" name="Shape 96"/>
           <p:cNvSpPr>
             <a:spLocks noGrp="1"/>
           </p:cNvSpPr>
@@ -5116,14 +5461,14 @@
             </a:pPr>
             <a:r>
               <a:rPr sz="8400"/>
-              <a:t>Stream vs Block Cipher</a:t>
-            </a:r>
-          </a:p>
-        </p:txBody>
-      </p:sp>
-      <p:sp>
-        <p:nvSpPr>
-          <p:cNvPr id="120" name="Shape 120"/>
+              <a:t>Some algorithms</a:t>
+            </a:r>
+          </a:p>
+        </p:txBody>
+      </p:sp>
+      <p:sp>
+        <p:nvSpPr>
+          <p:cNvPr id="97" name="Shape 97"/>
           <p:cNvSpPr>
             <a:spLocks noGrp="1"/>
           </p:cNvSpPr>
@@ -5133,8 +5478,8 @@
         </p:nvSpPr>
         <p:spPr>
           <a:xfrm>
-            <a:off x="1270000" y="2095500"/>
-            <a:ext cx="10464800" cy="7417148"/>
+            <a:off x="1270000" y="2209800"/>
+            <a:ext cx="10464800" cy="6832600"/>
           </a:xfrm>
           <a:prstGeom prst="rect">
             <a:avLst/>
@@ -5148,62 +5493,58 @@
               <a:defRPr sz="1800"/>
             </a:pPr>
             <a:r>
-              <a:rPr sz="4200"/>
-              <a:t>Stream cipher</a:t>
-            </a:r>
+              <a:rPr lang="nl-BE" sz="4200" dirty="0" smtClean="0"/>
+              <a:t>Symetric Ciphering</a:t>
+            </a:r>
+            <a:endParaRPr sz="4200" dirty="0" smtClean="0"/>
           </a:p>
           <a:p>
             <a:pPr lvl="1">
               <a:defRPr sz="1800"/>
             </a:pPr>
             <a:r>
-              <a:rPr sz="4200"/>
-              <a:t>Generate an “infinite” key stream</a:t>
-            </a:r>
+              <a:rPr lang="nl-BE" sz="4200" dirty="0" smtClean="0"/>
+              <a:t>DES / 3DES</a:t>
+            </a:r>
+            <a:endParaRPr sz="4200" dirty="0" smtClean="0"/>
           </a:p>
           <a:p>
             <a:pPr lvl="1">
               <a:defRPr sz="1800"/>
             </a:pPr>
             <a:r>
-              <a:rPr sz="4200"/>
-              <a:t>Difficult to correctly use</a:t>
-            </a:r>
-          </a:p>
-          <a:p>
-            <a:pPr lvl="2">
-              <a:defRPr sz="1800"/>
-            </a:pPr>
-            <a:r>
-              <a:rPr sz="4200"/>
-              <a:t>Re-use of keys</a:t>
-            </a:r>
+              <a:rPr lang="nl-BE" sz="4200" dirty="0" smtClean="0"/>
+              <a:t>AES (Rijndael)</a:t>
+            </a:r>
+            <a:endParaRPr sz="4200" dirty="0"/>
           </a:p>
           <a:p>
             <a:pPr lvl="1">
               <a:defRPr sz="1800"/>
             </a:pPr>
             <a:r>
-              <a:rPr sz="4200"/>
-              <a:t>Faster</a:t>
-            </a:r>
-          </a:p>
-          <a:p>
-            <a:pPr lvl="0">
-              <a:defRPr sz="1800"/>
-            </a:pPr>
-            <a:r>
-              <a:rPr sz="4200"/>
-              <a:t>Block cipher</a:t>
-            </a:r>
+              <a:rPr lang="nl-BE" sz="4200" dirty="0" smtClean="0"/>
+              <a:t>Camellia</a:t>
+            </a:r>
+            <a:endParaRPr sz="4200" dirty="0"/>
+          </a:p>
+          <a:p>
+            <a:pPr lvl="0">
+              <a:defRPr sz="1800"/>
+            </a:pPr>
+            <a:r>
+              <a:rPr lang="nl-BE" sz="4200" dirty="0" smtClean="0"/>
+              <a:t>Asymetric Ciphering</a:t>
+            </a:r>
+            <a:endParaRPr sz="4200" dirty="0"/>
           </a:p>
           <a:p>
             <a:pPr lvl="1">
               <a:defRPr sz="1800"/>
             </a:pPr>
             <a:r>
-              <a:rPr sz="4200"/>
-              <a:t>Cipher by block with padding</a:t>
+              <a:rPr lang="nl-BE" sz="4200" dirty="0" smtClean="0"/>
+              <a:t>RSA</a:t>
             </a:r>
           </a:p>
           <a:p>
@@ -5211,9 +5552,10 @@
               <a:defRPr sz="1800"/>
             </a:pPr>
             <a:r>
-              <a:rPr sz="4200"/>
-              <a:t>Could include integrity protection</a:t>
-            </a:r>
+              <a:rPr lang="nl-BE" sz="4200" dirty="0" smtClean="0"/>
+              <a:t>PGP (GPG)</a:t>
+            </a:r>
+            <a:endParaRPr sz="4200" dirty="0"/>
           </a:p>
         </p:txBody>
       </p:sp>
@@ -5245,7 +5587,7 @@
       </p:grpSpPr>
       <p:sp>
         <p:nvSpPr>
-          <p:cNvPr id="122" name="Shape 122"/>
+          <p:cNvPr id="96" name="Shape 96"/>
           <p:cNvSpPr>
             <a:spLocks noGrp="1"/>
           </p:cNvSpPr>
@@ -5274,7 +5616,7 @@
       </p:sp>
       <p:sp>
         <p:nvSpPr>
-          <p:cNvPr id="123" name="Shape 123"/>
+          <p:cNvPr id="97" name="Shape 97"/>
           <p:cNvSpPr>
             <a:spLocks noGrp="1"/>
           </p:cNvSpPr>
@@ -5300,7 +5642,7 @@
             </a:pPr>
             <a:r>
               <a:rPr sz="4200"/>
-              <a:t>Symetric</a:t>
+              <a:t>Hash</a:t>
             </a:r>
           </a:p>
           <a:p>
@@ -5309,7 +5651,7 @@
             </a:pPr>
             <a:r>
               <a:rPr sz="4200"/>
-              <a:t>AES (Rijndael)</a:t>
+              <a:t>SHA1</a:t>
             </a:r>
           </a:p>
           <a:p>
@@ -5318,16 +5660,7 @@
             </a:pPr>
             <a:r>
               <a:rPr sz="4200"/>
-              <a:t>Camellia</a:t>
-            </a:r>
-          </a:p>
-          <a:p>
-            <a:pPr lvl="0">
-              <a:defRPr sz="1800"/>
-            </a:pPr>
-            <a:r>
-              <a:rPr sz="4200"/>
-              <a:t>Asymetric</a:t>
+              <a:t>SHA256</a:t>
             </a:r>
           </a:p>
           <a:p>
@@ -5336,7 +5669,16 @@
             </a:pPr>
             <a:r>
               <a:rPr sz="4200"/>
-              <a:t>GPG / PGP</a:t>
+              <a:t>SHA512</a:t>
+            </a:r>
+          </a:p>
+          <a:p>
+            <a:pPr lvl="0">
+              <a:defRPr sz="1800"/>
+            </a:pPr>
+            <a:r>
+              <a:rPr sz="4200"/>
+              <a:t>Key Exchange</a:t>
             </a:r>
           </a:p>
           <a:p>
@@ -5345,12 +5687,17 @@
             </a:pPr>
             <a:r>
               <a:rPr sz="4200"/>
-              <a:t>RSA</a:t>
+              <a:t>Diffie Helleman</a:t>
             </a:r>
           </a:p>
         </p:txBody>
       </p:sp>
     </p:spTree>
+    <p:extLst>
+      <p:ext uri="{BB962C8B-B14F-4D97-AF65-F5344CB8AC3E}">
+        <p14:creationId xmlns:p14="http://schemas.microsoft.com/office/powerpoint/2010/main" val="1326752582"/>
+      </p:ext>
+    </p:extLst>
   </p:cSld>
   <p:clrMapOvr>
     <a:masterClrMapping/>
@@ -6978,7 +7325,7 @@
       </p:grpSpPr>
       <p:sp>
         <p:nvSpPr>
-          <p:cNvPr id="153" name="Shape 153"/>
+          <p:cNvPr id="4" name="Title 3"/>
           <p:cNvSpPr>
             <a:spLocks noGrp="1"/>
           </p:cNvSpPr>
@@ -6986,91 +7333,25 @@
             <p:ph type="title"/>
           </p:nvPr>
         </p:nvSpPr>
-        <p:spPr>
-          <a:prstGeom prst="rect">
-            <a:avLst/>
-          </a:prstGeom>
-        </p:spPr>
+        <p:spPr/>
         <p:txBody>
           <a:bodyPr/>
           <a:lstStyle/>
           <a:p>
-            <a:pPr lvl="0">
-              <a:defRPr sz="1800"/>
-            </a:pPr>
-            <a:r>
-              <a:rPr sz="8400"/>
-              <a:t>Tools covered</a:t>
-            </a:r>
-          </a:p>
-        </p:txBody>
-      </p:sp>
-      <p:sp>
-        <p:nvSpPr>
-          <p:cNvPr id="154" name="Shape 154"/>
-          <p:cNvSpPr>
-            <a:spLocks noGrp="1"/>
-          </p:cNvSpPr>
-          <p:nvPr>
-            <p:ph type="body" idx="1"/>
-          </p:nvPr>
-        </p:nvSpPr>
-        <p:spPr>
-          <a:prstGeom prst="rect">
-            <a:avLst/>
-          </a:prstGeom>
-        </p:spPr>
-        <p:txBody>
-          <a:bodyPr/>
-          <a:lstStyle/>
-          <a:p>
-            <a:pPr lvl="0">
-              <a:defRPr sz="1800"/>
-            </a:pPr>
-            <a:r>
-              <a:rPr sz="4200"/>
-              <a:t>Webservers</a:t>
-            </a:r>
-          </a:p>
-          <a:p>
-            <a:pPr lvl="1">
-              <a:defRPr sz="1800"/>
-            </a:pPr>
-            <a:r>
-              <a:rPr sz="4200"/>
-              <a:t>Apache</a:t>
-            </a:r>
-          </a:p>
-          <a:p>
-            <a:pPr lvl="1">
-              <a:defRPr sz="1800"/>
-            </a:pPr>
-            <a:r>
-              <a:rPr sz="4200"/>
-              <a:t>lighttpd</a:t>
-            </a:r>
-          </a:p>
-          <a:p>
-            <a:pPr lvl="1">
-              <a:defRPr sz="1800"/>
-            </a:pPr>
-            <a:r>
-              <a:rPr sz="4200"/>
-              <a:t>nginx</a:t>
-            </a:r>
-          </a:p>
-          <a:p>
-            <a:pPr lvl="1">
-              <a:defRPr sz="1800"/>
-            </a:pPr>
-            <a:r>
-              <a:rPr sz="4200"/>
-              <a:t>Microsoft IIS</a:t>
-            </a:r>
+            <a:r>
+              <a:rPr lang="en-US" dirty="0" smtClean="0"/>
+              <a:t>Practical Settings</a:t>
+            </a:r>
+            <a:endParaRPr lang="en-US" dirty="0"/>
           </a:p>
         </p:txBody>
       </p:sp>
     </p:spTree>
+    <p:extLst>
+      <p:ext uri="{BB962C8B-B14F-4D97-AF65-F5344CB8AC3E}">
+        <p14:creationId xmlns:p14="http://schemas.microsoft.com/office/powerpoint/2010/main" val="4094121488"/>
+      </p:ext>
+    </p:extLst>
   </p:cSld>
   <p:clrMapOvr>
     <a:masterClrMapping/>
@@ -7098,7 +7379,7 @@
       </p:grpSpPr>
       <p:sp>
         <p:nvSpPr>
-          <p:cNvPr id="156" name="Shape 156"/>
+          <p:cNvPr id="153" name="Shape 153"/>
           <p:cNvSpPr>
             <a:spLocks noGrp="1"/>
           </p:cNvSpPr>
@@ -7127,7 +7408,7 @@
       </p:sp>
       <p:sp>
         <p:nvSpPr>
-          <p:cNvPr id="157" name="Shape 157"/>
+          <p:cNvPr id="154" name="Shape 154"/>
           <p:cNvSpPr>
             <a:spLocks noGrp="1"/>
           </p:cNvSpPr>
@@ -7149,7 +7430,7 @@
             </a:pPr>
             <a:r>
               <a:rPr sz="4200"/>
-              <a:t>SSH</a:t>
+              <a:t>Webservers</a:t>
             </a:r>
           </a:p>
           <a:p>
@@ -7158,7 +7439,7 @@
             </a:pPr>
             <a:r>
               <a:rPr sz="4200"/>
-              <a:t>Open SSH</a:t>
+              <a:t>Apache</a:t>
             </a:r>
           </a:p>
           <a:p>
@@ -7167,7 +7448,7 @@
             </a:pPr>
             <a:r>
               <a:rPr sz="4200"/>
-              <a:t>Cisco ASA</a:t>
+              <a:t>lighttpd</a:t>
             </a:r>
           </a:p>
           <a:p>
@@ -7176,7 +7457,16 @@
             </a:pPr>
             <a:r>
               <a:rPr sz="4200"/>
-              <a:t>Cisco IOS</a:t>
+              <a:t>nginx</a:t>
+            </a:r>
+          </a:p>
+          <a:p>
+            <a:pPr lvl="1">
+              <a:defRPr sz="1800"/>
+            </a:pPr>
+            <a:r>
+              <a:rPr sz="4200"/>
+              <a:t>Microsoft IIS</a:t>
             </a:r>
           </a:p>
         </p:txBody>
@@ -7209,7 +7499,7 @@
       </p:grpSpPr>
       <p:sp>
         <p:nvSpPr>
-          <p:cNvPr id="159" name="Shape 159"/>
+          <p:cNvPr id="156" name="Shape 156"/>
           <p:cNvSpPr>
             <a:spLocks noGrp="1"/>
           </p:cNvSpPr>
@@ -7238,7 +7528,7 @@
       </p:sp>
       <p:sp>
         <p:nvSpPr>
-          <p:cNvPr id="160" name="Shape 160"/>
+          <p:cNvPr id="157" name="Shape 157"/>
           <p:cNvSpPr>
             <a:spLocks noGrp="1"/>
           </p:cNvSpPr>
@@ -7260,7 +7550,7 @@
             </a:pPr>
             <a:r>
               <a:rPr sz="4200"/>
-              <a:t>Mail servers</a:t>
+              <a:t>SSH</a:t>
             </a:r>
           </a:p>
           <a:p>
@@ -7269,7 +7559,7 @@
             </a:pPr>
             <a:r>
               <a:rPr sz="4200"/>
-              <a:t>Dovecot</a:t>
+              <a:t>Open SSH</a:t>
             </a:r>
           </a:p>
           <a:p>
@@ -7278,7 +7568,7 @@
             </a:pPr>
             <a:r>
               <a:rPr sz="4200"/>
-              <a:t>cyrus-imapd</a:t>
+              <a:t>Cisco ASA</a:t>
             </a:r>
           </a:p>
           <a:p>
@@ -7287,16 +7577,7 @@
             </a:pPr>
             <a:r>
               <a:rPr sz="4200"/>
-              <a:t>Postfix</a:t>
-            </a:r>
-          </a:p>
-          <a:p>
-            <a:pPr lvl="1">
-              <a:defRPr sz="1800"/>
-            </a:pPr>
-            <a:r>
-              <a:rPr sz="4200"/>
-              <a:t>Exim</a:t>
+              <a:t>Cisco IOS</a:t>
             </a:r>
           </a:p>
         </p:txBody>
@@ -7329,7 +7610,7 @@
       </p:grpSpPr>
       <p:sp>
         <p:nvSpPr>
-          <p:cNvPr id="162" name="Shape 162"/>
+          <p:cNvPr id="159" name="Shape 159"/>
           <p:cNvSpPr>
             <a:spLocks noGrp="1"/>
           </p:cNvSpPr>
@@ -7358,7 +7639,7 @@
       </p:sp>
       <p:sp>
         <p:nvSpPr>
-          <p:cNvPr id="163" name="Shape 163"/>
+          <p:cNvPr id="160" name="Shape 160"/>
           <p:cNvSpPr>
             <a:spLocks noGrp="1"/>
           </p:cNvSpPr>
@@ -7367,10 +7648,6 @@
           </p:nvPr>
         </p:nvSpPr>
         <p:spPr>
-          <a:xfrm>
-            <a:off x="1270000" y="2286000"/>
-            <a:ext cx="10464800" cy="7202686"/>
-          </a:xfrm>
           <a:prstGeom prst="rect">
             <a:avLst/>
           </a:prstGeom>
@@ -7384,7 +7661,7 @@
             </a:pPr>
             <a:r>
               <a:rPr sz="4200"/>
-              <a:t>VPN</a:t>
+              <a:t>Mail servers</a:t>
             </a:r>
           </a:p>
           <a:p>
@@ -7393,7 +7670,7 @@
             </a:pPr>
             <a:r>
               <a:rPr sz="4200"/>
-              <a:t>IPSec</a:t>
+              <a:t>Dovecot</a:t>
             </a:r>
           </a:p>
           <a:p>
@@ -7402,7 +7679,7 @@
             </a:pPr>
             <a:r>
               <a:rPr sz="4200"/>
-              <a:t>CheckPoint Firewall-1</a:t>
+              <a:t>cyrus-imapd</a:t>
             </a:r>
           </a:p>
           <a:p>
@@ -7411,7 +7688,7 @@
             </a:pPr>
             <a:r>
               <a:rPr sz="4200"/>
-              <a:t>OpenVPN</a:t>
+              <a:t>Postfix</a:t>
             </a:r>
           </a:p>
           <a:p>
@@ -7420,34 +7697,7 @@
             </a:pPr>
             <a:r>
               <a:rPr sz="4200"/>
-              <a:t>PPPTP</a:t>
-            </a:r>
-          </a:p>
-          <a:p>
-            <a:pPr lvl="1">
-              <a:defRPr sz="1800"/>
-            </a:pPr>
-            <a:r>
-              <a:rPr sz="4200"/>
-              <a:t>Cisco ASA</a:t>
-            </a:r>
-          </a:p>
-          <a:p>
-            <a:pPr lvl="1">
-              <a:defRPr sz="1800"/>
-            </a:pPr>
-            <a:r>
-              <a:rPr sz="4200"/>
-              <a:t>OpenSWAN</a:t>
-            </a:r>
-          </a:p>
-          <a:p>
-            <a:pPr lvl="1">
-              <a:defRPr sz="1800"/>
-            </a:pPr>
-            <a:r>
-              <a:rPr sz="4200"/>
-              <a:t>tinc</a:t>
+              <a:t>Exim</a:t>
             </a:r>
           </a:p>
         </p:txBody>
@@ -7480,7 +7730,7 @@
       </p:grpSpPr>
       <p:sp>
         <p:nvSpPr>
-          <p:cNvPr id="165" name="Shape 165"/>
+          <p:cNvPr id="162" name="Shape 162"/>
           <p:cNvSpPr>
             <a:spLocks noGrp="1"/>
           </p:cNvSpPr>
@@ -7509,7 +7759,7 @@
       </p:sp>
       <p:sp>
         <p:nvSpPr>
-          <p:cNvPr id="166" name="Shape 166"/>
+          <p:cNvPr id="163" name="Shape 163"/>
           <p:cNvSpPr>
             <a:spLocks noGrp="1"/>
           </p:cNvSpPr>
@@ -7519,8 +7769,8 @@
         </p:nvSpPr>
         <p:spPr>
           <a:xfrm>
-            <a:off x="1270000" y="2768600"/>
-            <a:ext cx="10464800" cy="6449963"/>
+            <a:off x="1270000" y="2286000"/>
+            <a:ext cx="10464800" cy="7202686"/>
           </a:xfrm>
           <a:prstGeom prst="rect">
             <a:avLst/>
@@ -7535,25 +7785,7 @@
             </a:pPr>
             <a:r>
               <a:rPr sz="4200"/>
-              <a:t>PGP/GPG</a:t>
-            </a:r>
-          </a:p>
-          <a:p>
-            <a:pPr lvl="0">
-              <a:defRPr sz="1800"/>
-            </a:pPr>
-            <a:r>
-              <a:rPr sz="4200"/>
-              <a:t>IPMI/ILO</a:t>
-            </a:r>
-          </a:p>
-          <a:p>
-            <a:pPr lvl="0">
-              <a:defRPr sz="1800"/>
-            </a:pPr>
-            <a:r>
-              <a:rPr sz="4200"/>
-              <a:t>Instant Messaging</a:t>
+              <a:t>VPN</a:t>
             </a:r>
           </a:p>
           <a:p>
@@ -7562,7 +7794,7 @@
             </a:pPr>
             <a:r>
               <a:rPr sz="4200"/>
-              <a:t>ejabberd</a:t>
+              <a:t>IPSec</a:t>
             </a:r>
           </a:p>
           <a:p>
@@ -7571,7 +7803,7 @@
             </a:pPr>
             <a:r>
               <a:rPr sz="4200"/>
-              <a:t>OTR</a:t>
+              <a:t>CheckPoint Firewall-1</a:t>
             </a:r>
           </a:p>
           <a:p>
@@ -7580,7 +7812,7 @@
             </a:pPr>
             <a:r>
               <a:rPr sz="4200"/>
-              <a:t>Charybdis</a:t>
+              <a:t>OpenVPN</a:t>
             </a:r>
           </a:p>
           <a:p>
@@ -7589,7 +7821,34 @@
             </a:pPr>
             <a:r>
               <a:rPr sz="4200"/>
-              <a:t>SILC</a:t>
+              <a:t>PPPTP</a:t>
+            </a:r>
+          </a:p>
+          <a:p>
+            <a:pPr lvl="1">
+              <a:defRPr sz="1800"/>
+            </a:pPr>
+            <a:r>
+              <a:rPr sz="4200"/>
+              <a:t>Cisco ASA</a:t>
+            </a:r>
+          </a:p>
+          <a:p>
+            <a:pPr lvl="1">
+              <a:defRPr sz="1800"/>
+            </a:pPr>
+            <a:r>
+              <a:rPr sz="4200"/>
+              <a:t>OpenSWAN</a:t>
+            </a:r>
+          </a:p>
+          <a:p>
+            <a:pPr lvl="1">
+              <a:defRPr sz="1800"/>
+            </a:pPr>
+            <a:r>
+              <a:rPr sz="4200"/>
+              <a:t>tinc</a:t>
             </a:r>
           </a:p>
         </p:txBody>
@@ -7622,7 +7881,7 @@
       </p:grpSpPr>
       <p:sp>
         <p:nvSpPr>
-          <p:cNvPr id="168" name="Shape 168"/>
+          <p:cNvPr id="165" name="Shape 165"/>
           <p:cNvSpPr>
             <a:spLocks noGrp="1"/>
           </p:cNvSpPr>
@@ -7651,7 +7910,7 @@
       </p:sp>
       <p:sp>
         <p:nvSpPr>
-          <p:cNvPr id="169" name="Shape 169"/>
+          <p:cNvPr id="166" name="Shape 166"/>
           <p:cNvSpPr>
             <a:spLocks noGrp="1"/>
           </p:cNvSpPr>
@@ -7677,7 +7936,25 @@
             </a:pPr>
             <a:r>
               <a:rPr sz="4200"/>
-              <a:t>Database systems</a:t>
+              <a:t>PGP/GPG</a:t>
+            </a:r>
+          </a:p>
+          <a:p>
+            <a:pPr lvl="0">
+              <a:defRPr sz="1800"/>
+            </a:pPr>
+            <a:r>
+              <a:rPr sz="4200"/>
+              <a:t>IPMI/ILO</a:t>
+            </a:r>
+          </a:p>
+          <a:p>
+            <a:pPr lvl="0">
+              <a:defRPr sz="1800"/>
+            </a:pPr>
+            <a:r>
+              <a:rPr sz="4200"/>
+              <a:t>Instant Messaging</a:t>
             </a:r>
           </a:p>
           <a:p>
@@ -7686,7 +7963,7 @@
             </a:pPr>
             <a:r>
               <a:rPr sz="4200"/>
-              <a:t>Oracle</a:t>
+              <a:t>ejabberd</a:t>
             </a:r>
           </a:p>
           <a:p>
@@ -7695,7 +7972,7 @@
             </a:pPr>
             <a:r>
               <a:rPr sz="4200"/>
-              <a:t>MySQL</a:t>
+              <a:t>OTR</a:t>
             </a:r>
           </a:p>
           <a:p>
@@ -7704,7 +7981,7 @@
             </a:pPr>
             <a:r>
               <a:rPr sz="4200"/>
-              <a:t>DB2</a:t>
+              <a:t>Charybdis</a:t>
             </a:r>
           </a:p>
           <a:p>
@@ -7713,7 +7990,7 @@
             </a:pPr>
             <a:r>
               <a:rPr sz="4200"/>
-              <a:t>PostgreSQL</a:t>
+              <a:t>SILC</a:t>
             </a:r>
           </a:p>
         </p:txBody>
@@ -7746,7 +8023,7 @@
       </p:grpSpPr>
       <p:sp>
         <p:nvSpPr>
-          <p:cNvPr id="171" name="Shape 171"/>
+          <p:cNvPr id="168" name="Shape 168"/>
           <p:cNvSpPr>
             <a:spLocks noGrp="1"/>
           </p:cNvSpPr>
@@ -7775,7 +8052,7 @@
       </p:sp>
       <p:sp>
         <p:nvSpPr>
-          <p:cNvPr id="172" name="Shape 172"/>
+          <p:cNvPr id="169" name="Shape 169"/>
           <p:cNvSpPr>
             <a:spLocks noGrp="1"/>
           </p:cNvSpPr>
@@ -7801,7 +8078,7 @@
             </a:pPr>
             <a:r>
               <a:rPr sz="4200"/>
-              <a:t>Proxy</a:t>
+              <a:t>Database systems</a:t>
             </a:r>
           </a:p>
           <a:p>
@@ -7810,7 +8087,7 @@
             </a:pPr>
             <a:r>
               <a:rPr sz="4200"/>
-              <a:t>squid</a:t>
+              <a:t>Oracle</a:t>
             </a:r>
           </a:p>
           <a:p>
@@ -7819,7 +8096,7 @@
             </a:pPr>
             <a:r>
               <a:rPr sz="4200"/>
-              <a:t>Bluecoat</a:t>
+              <a:t>MySQL</a:t>
             </a:r>
           </a:p>
           <a:p>
@@ -7828,16 +8105,16 @@
             </a:pPr>
             <a:r>
               <a:rPr sz="4200"/>
-              <a:t>Pound</a:t>
-            </a:r>
-          </a:p>
-          <a:p>
-            <a:pPr lvl="0">
-              <a:defRPr sz="1800"/>
-            </a:pPr>
-            <a:r>
-              <a:rPr sz="4200"/>
-              <a:t>Kerberos</a:t>
+              <a:t>DB2</a:t>
+            </a:r>
+          </a:p>
+          <a:p>
+            <a:pPr lvl="1">
+              <a:defRPr sz="1800"/>
+            </a:pPr>
+            <a:r>
+              <a:rPr sz="4200"/>
+              <a:t>PostgreSQL</a:t>
             </a:r>
           </a:p>
         </p:txBody>
@@ -7870,7 +8147,7 @@
       </p:grpSpPr>
       <p:sp>
         <p:nvSpPr>
-          <p:cNvPr id="174" name="Shape 174"/>
+          <p:cNvPr id="171" name="Shape 171"/>
           <p:cNvSpPr>
             <a:spLocks noGrp="1"/>
           </p:cNvSpPr>
@@ -7892,14 +8169,14 @@
             </a:pPr>
             <a:r>
               <a:rPr sz="8400"/>
-              <a:t>Mail Encryption</a:t>
-            </a:r>
-          </a:p>
-        </p:txBody>
-      </p:sp>
-      <p:sp>
-        <p:nvSpPr>
-          <p:cNvPr id="175" name="Shape 175"/>
+              <a:t>Tools covered</a:t>
+            </a:r>
+          </a:p>
+        </p:txBody>
+      </p:sp>
+      <p:sp>
+        <p:nvSpPr>
+          <p:cNvPr id="172" name="Shape 172"/>
           <p:cNvSpPr>
             <a:spLocks noGrp="1"/>
           </p:cNvSpPr>
@@ -7908,6 +8185,10 @@
           </p:nvPr>
         </p:nvSpPr>
         <p:spPr>
+          <a:xfrm>
+            <a:off x="1270000" y="2768600"/>
+            <a:ext cx="10464800" cy="6449963"/>
+          </a:xfrm>
           <a:prstGeom prst="rect">
             <a:avLst/>
           </a:prstGeom>
@@ -7921,16 +8202,43 @@
             </a:pPr>
             <a:r>
               <a:rPr sz="4200"/>
-              <a:t>GPG / PGG</a:t>
-            </a:r>
-          </a:p>
-          <a:p>
-            <a:pPr lvl="0">
-              <a:defRPr sz="1800"/>
-            </a:pPr>
-            <a:r>
-              <a:rPr sz="4200"/>
-              <a:t>[ a little bit over there ]</a:t>
+              <a:t>Proxy</a:t>
+            </a:r>
+          </a:p>
+          <a:p>
+            <a:pPr lvl="1">
+              <a:defRPr sz="1800"/>
+            </a:pPr>
+            <a:r>
+              <a:rPr sz="4200"/>
+              <a:t>squid</a:t>
+            </a:r>
+          </a:p>
+          <a:p>
+            <a:pPr lvl="1">
+              <a:defRPr sz="1800"/>
+            </a:pPr>
+            <a:r>
+              <a:rPr sz="4200"/>
+              <a:t>Bluecoat</a:t>
+            </a:r>
+          </a:p>
+          <a:p>
+            <a:pPr lvl="1">
+              <a:defRPr sz="1800"/>
+            </a:pPr>
+            <a:r>
+              <a:rPr sz="4200"/>
+              <a:t>Pound</a:t>
+            </a:r>
+          </a:p>
+          <a:p>
+            <a:pPr lvl="0">
+              <a:defRPr sz="1800"/>
+            </a:pPr>
+            <a:r>
+              <a:rPr sz="4200"/>
+              <a:t>Kerberos</a:t>
             </a:r>
           </a:p>
         </p:txBody>
@@ -7963,7 +8271,7 @@
       </p:grpSpPr>
       <p:sp>
         <p:nvSpPr>
-          <p:cNvPr id="177" name="Shape 177"/>
+          <p:cNvPr id="174" name="Shape 174"/>
           <p:cNvSpPr>
             <a:spLocks noGrp="1"/>
           </p:cNvSpPr>
@@ -7985,14 +8293,14 @@
             </a:pPr>
             <a:r>
               <a:rPr sz="8400"/>
-              <a:t>Futur  / Idea</a:t>
-            </a:r>
-          </a:p>
-        </p:txBody>
-      </p:sp>
-      <p:sp>
-        <p:nvSpPr>
-          <p:cNvPr id="178" name="Shape 178"/>
+              <a:t>Mail Encryption</a:t>
+            </a:r>
+          </a:p>
+        </p:txBody>
+      </p:sp>
+      <p:sp>
+        <p:nvSpPr>
+          <p:cNvPr id="175" name="Shape 175"/>
           <p:cNvSpPr>
             <a:spLocks noGrp="1"/>
           </p:cNvSpPr>
@@ -8014,25 +8322,16 @@
             </a:pPr>
             <a:r>
               <a:rPr sz="4200"/>
-              <a:t>Configuration Generator (online)</a:t>
-            </a:r>
-          </a:p>
-          <a:p>
-            <a:pPr lvl="0">
-              <a:defRPr sz="1800"/>
-            </a:pPr>
-            <a:r>
-              <a:rPr sz="4200"/>
-              <a:t>A friendly copy/paste version</a:t>
-            </a:r>
-          </a:p>
-          <a:p>
-            <a:pPr lvl="0">
-              <a:defRPr sz="1800"/>
-            </a:pPr>
-            <a:r>
-              <a:rPr sz="4200"/>
-              <a:t>Other tools</a:t>
+              <a:t>GPG / PGG</a:t>
+            </a:r>
+          </a:p>
+          <a:p>
+            <a:pPr lvl="0">
+              <a:defRPr sz="1800"/>
+            </a:pPr>
+            <a:r>
+              <a:rPr sz="4200"/>
+              <a:t>[ a little bit over there ]</a:t>
             </a:r>
           </a:p>
         </p:txBody>
@@ -8137,7 +8436,7 @@
               <a:defRPr sz="1800"/>
             </a:pPr>
             <a:r>
-              <a:rPr lang="nl-BE" sz="4200" smtClean="0"/>
+              <a:rPr lang="nl-BE" sz="4200" dirty="0" smtClean="0"/>
               <a:t>Cryptography in a nutshell</a:t>
             </a:r>
             <a:endParaRPr sz="4200" dirty="0"/>
@@ -8147,27 +8446,29 @@
               <a:defRPr sz="1800"/>
             </a:pPr>
             <a:r>
-              <a:rPr sz="4200" dirty="0"/>
+              <a:rPr sz="4200" dirty="0" smtClean="0"/>
               <a:t>Practical Settings</a:t>
             </a:r>
-          </a:p>
-          <a:p>
-            <a:pPr lvl="0">
-              <a:defRPr sz="1800"/>
-            </a:pPr>
-            <a:r>
-              <a:rPr sz="4200" dirty="0"/>
-              <a:t>Heartbeat</a:t>
-            </a:r>
-          </a:p>
-          <a:p>
-            <a:pPr lvl="0">
-              <a:defRPr sz="1800"/>
-            </a:pPr>
-            <a:r>
-              <a:rPr sz="4200" dirty="0"/>
+            <a:endParaRPr lang="nl-BE" sz="4200" dirty="0" smtClean="0"/>
+          </a:p>
+          <a:p>
+            <a:pPr lvl="0">
+              <a:defRPr sz="1800"/>
+            </a:pPr>
+            <a:r>
+              <a:rPr lang="nl-BE" sz="4200" dirty="0" smtClean="0"/>
+              <a:t>Demo</a:t>
+            </a:r>
+          </a:p>
+          <a:p>
+            <a:pPr lvl="0">
+              <a:defRPr sz="1800"/>
+            </a:pPr>
+            <a:r>
+              <a:rPr sz="4200" dirty="0" smtClean="0"/>
               <a:t>Conclusion</a:t>
             </a:r>
+            <a:endParaRPr sz="4200" dirty="0"/>
           </a:p>
         </p:txBody>
       </p:sp>
@@ -8199,7 +8500,7 @@
       </p:grpSpPr>
       <p:sp>
         <p:nvSpPr>
-          <p:cNvPr id="180" name="Shape 180"/>
+          <p:cNvPr id="4" name="Title 3"/>
           <p:cNvSpPr>
             <a:spLocks noGrp="1"/>
           </p:cNvSpPr>
@@ -8207,46 +8508,177 @@
             <p:ph type="title"/>
           </p:nvPr>
         </p:nvSpPr>
-        <p:spPr>
-          <a:prstGeom prst="rect">
-            <a:avLst/>
-          </a:prstGeom>
-        </p:spPr>
+        <p:spPr/>
         <p:txBody>
           <a:bodyPr/>
           <a:lstStyle/>
           <a:p>
-            <a:pPr lvl="0">
-              <a:defRPr sz="1800"/>
-            </a:pPr>
-            <a:r>
-              <a:rPr sz="8400"/>
-              <a:t>Conclusion</a:t>
-            </a:r>
-          </a:p>
-        </p:txBody>
-      </p:sp>
-      <p:sp>
-        <p:nvSpPr>
-          <p:cNvPr id="181" name="Shape 181"/>
-          <p:cNvSpPr>
-            <a:spLocks noGrp="1"/>
-          </p:cNvSpPr>
-          <p:nvPr>
-            <p:ph type="body" idx="1"/>
-          </p:nvPr>
-        </p:nvSpPr>
-        <p:spPr>
-          <a:prstGeom prst="rect">
-            <a:avLst/>
-          </a:prstGeom>
-        </p:spPr>
+            <a:r>
+              <a:rPr lang="en-US" dirty="0" smtClean="0"/>
+              <a:t>Demo</a:t>
+            </a:r>
+            <a:endParaRPr lang="en-US" dirty="0"/>
+          </a:p>
+        </p:txBody>
+      </p:sp>
+    </p:spTree>
+    <p:extLst>
+      <p:ext uri="{BB962C8B-B14F-4D97-AF65-F5344CB8AC3E}">
+        <p14:creationId xmlns:p14="http://schemas.microsoft.com/office/powerpoint/2010/main" val="783514786"/>
+      </p:ext>
+    </p:extLst>
+  </p:cSld>
+  <p:clrMapOvr>
+    <a:masterClrMapping/>
+  </p:clrMapOvr>
+  <p:transition xmlns:p14="http://schemas.microsoft.com/office/powerpoint/2010/main" spd="med"/>
+</p:sld>
+</file>
+
+<file path=ppt/slides/slide51.xml><?xml version="1.0" encoding="utf-8"?>
+<p:sld xmlns:a="http://schemas.openxmlformats.org/drawingml/2006/main" xmlns:r="http://schemas.openxmlformats.org/officeDocument/2006/relationships" xmlns:p="http://schemas.openxmlformats.org/presentationml/2006/main">
+  <p:cSld>
+    <p:spTree>
+      <p:nvGrpSpPr>
+        <p:cNvPr id="1" name=""/>
+        <p:cNvGrpSpPr/>
+        <p:nvPr/>
+      </p:nvGrpSpPr>
+      <p:grpSpPr>
+        <a:xfrm>
+          <a:off x="0" y="0"/>
+          <a:ext cx="0" cy="0"/>
+          <a:chOff x="0" y="0"/>
+          <a:chExt cx="0" cy="0"/>
+        </a:xfrm>
+      </p:grpSpPr>
+      <p:sp>
+        <p:nvSpPr>
+          <p:cNvPr id="3" name="Title 2"/>
+          <p:cNvSpPr>
+            <a:spLocks noGrp="1"/>
+          </p:cNvSpPr>
+          <p:nvPr>
+            <p:ph type="title"/>
+          </p:nvPr>
+        </p:nvSpPr>
+        <p:spPr/>
         <p:txBody>
           <a:bodyPr/>
           <a:lstStyle/>
           <a:p>
-            <a:pPr lvl="0"/>
-            <a:endParaRPr/>
+            <a:r>
+              <a:rPr lang="en-US" dirty="0" smtClean="0"/>
+              <a:t>Conclusion</a:t>
+            </a:r>
+            <a:endParaRPr lang="en-US" dirty="0"/>
+          </a:p>
+        </p:txBody>
+      </p:sp>
+    </p:spTree>
+    <p:extLst>
+      <p:ext uri="{BB962C8B-B14F-4D97-AF65-F5344CB8AC3E}">
+        <p14:creationId xmlns:p14="http://schemas.microsoft.com/office/powerpoint/2010/main" val="1252910968"/>
+      </p:ext>
+    </p:extLst>
+  </p:cSld>
+  <p:clrMapOvr>
+    <a:masterClrMapping/>
+  </p:clrMapOvr>
+  <p:transition xmlns:p14="http://schemas.microsoft.com/office/powerpoint/2010/main" spd="med"/>
+</p:sld>
+</file>
+
+<file path=ppt/slides/slide52.xml><?xml version="1.0" encoding="utf-8"?>
+<p:sld xmlns:a="http://schemas.openxmlformats.org/drawingml/2006/main" xmlns:r="http://schemas.openxmlformats.org/officeDocument/2006/relationships" xmlns:p="http://schemas.openxmlformats.org/presentationml/2006/main">
+  <p:cSld>
+    <p:spTree>
+      <p:nvGrpSpPr>
+        <p:cNvPr id="1" name=""/>
+        <p:cNvGrpSpPr/>
+        <p:nvPr/>
+      </p:nvGrpSpPr>
+      <p:grpSpPr>
+        <a:xfrm>
+          <a:off x="0" y="0"/>
+          <a:ext cx="0" cy="0"/>
+          <a:chOff x="0" y="0"/>
+          <a:chExt cx="0" cy="0"/>
+        </a:xfrm>
+      </p:grpSpPr>
+      <p:sp>
+        <p:nvSpPr>
+          <p:cNvPr id="177" name="Shape 177"/>
+          <p:cNvSpPr>
+            <a:spLocks noGrp="1"/>
+          </p:cNvSpPr>
+          <p:nvPr>
+            <p:ph type="title"/>
+          </p:nvPr>
+        </p:nvSpPr>
+        <p:spPr>
+          <a:prstGeom prst="rect">
+            <a:avLst/>
+          </a:prstGeom>
+        </p:spPr>
+        <p:txBody>
+          <a:bodyPr/>
+          <a:lstStyle/>
+          <a:p>
+            <a:pPr lvl="0">
+              <a:defRPr sz="1800"/>
+            </a:pPr>
+            <a:r>
+              <a:rPr sz="8400"/>
+              <a:t>Futur  / Idea</a:t>
+            </a:r>
+          </a:p>
+        </p:txBody>
+      </p:sp>
+      <p:sp>
+        <p:nvSpPr>
+          <p:cNvPr id="178" name="Shape 178"/>
+          <p:cNvSpPr>
+            <a:spLocks noGrp="1"/>
+          </p:cNvSpPr>
+          <p:nvPr>
+            <p:ph type="body" idx="1"/>
+          </p:nvPr>
+        </p:nvSpPr>
+        <p:spPr>
+          <a:prstGeom prst="rect">
+            <a:avLst/>
+          </a:prstGeom>
+        </p:spPr>
+        <p:txBody>
+          <a:bodyPr/>
+          <a:lstStyle/>
+          <a:p>
+            <a:pPr lvl="0">
+              <a:defRPr sz="1800"/>
+            </a:pPr>
+            <a:r>
+              <a:rPr sz="4200"/>
+              <a:t>Configuration Generator (online)</a:t>
+            </a:r>
+          </a:p>
+          <a:p>
+            <a:pPr lvl="0">
+              <a:defRPr sz="1800"/>
+            </a:pPr>
+            <a:r>
+              <a:rPr sz="4200"/>
+              <a:t>A friendly copy/paste version</a:t>
+            </a:r>
+          </a:p>
+          <a:p>
+            <a:pPr lvl="0">
+              <a:defRPr sz="1800"/>
+            </a:pPr>
+            <a:r>
+              <a:rPr sz="4200"/>
+              <a:t>Other tools</a:t>
+            </a:r>
           </a:p>
         </p:txBody>
       </p:sp>
@@ -8259,7 +8691,86 @@
 </p:sld>
 </file>
 
-<file path=ppt/slides/slide51.xml><?xml version="1.0" encoding="utf-8"?>
+<file path=ppt/slides/slide53.xml><?xml version="1.0" encoding="utf-8"?>
+<p:sld xmlns:a="http://schemas.openxmlformats.org/drawingml/2006/main" xmlns:r="http://schemas.openxmlformats.org/officeDocument/2006/relationships" xmlns:p="http://schemas.openxmlformats.org/presentationml/2006/main">
+  <p:cSld>
+    <p:spTree>
+      <p:nvGrpSpPr>
+        <p:cNvPr id="1" name=""/>
+        <p:cNvGrpSpPr/>
+        <p:nvPr/>
+      </p:nvGrpSpPr>
+      <p:grpSpPr>
+        <a:xfrm>
+          <a:off x="0" y="0"/>
+          <a:ext cx="0" cy="0"/>
+          <a:chOff x="0" y="0"/>
+          <a:chExt cx="0" cy="0"/>
+        </a:xfrm>
+      </p:grpSpPr>
+      <p:sp>
+        <p:nvSpPr>
+          <p:cNvPr id="180" name="Shape 180"/>
+          <p:cNvSpPr>
+            <a:spLocks noGrp="1"/>
+          </p:cNvSpPr>
+          <p:nvPr>
+            <p:ph type="title"/>
+          </p:nvPr>
+        </p:nvSpPr>
+        <p:spPr>
+          <a:prstGeom prst="rect">
+            <a:avLst/>
+          </a:prstGeom>
+        </p:spPr>
+        <p:txBody>
+          <a:bodyPr/>
+          <a:lstStyle/>
+          <a:p>
+            <a:pPr lvl="0">
+              <a:defRPr sz="1800"/>
+            </a:pPr>
+            <a:r>
+              <a:rPr sz="8400"/>
+              <a:t>Conclusion</a:t>
+            </a:r>
+          </a:p>
+        </p:txBody>
+      </p:sp>
+      <p:sp>
+        <p:nvSpPr>
+          <p:cNvPr id="181" name="Shape 181"/>
+          <p:cNvSpPr>
+            <a:spLocks noGrp="1"/>
+          </p:cNvSpPr>
+          <p:nvPr>
+            <p:ph type="body" idx="1"/>
+          </p:nvPr>
+        </p:nvSpPr>
+        <p:spPr>
+          <a:prstGeom prst="rect">
+            <a:avLst/>
+          </a:prstGeom>
+        </p:spPr>
+        <p:txBody>
+          <a:bodyPr/>
+          <a:lstStyle/>
+          <a:p>
+            <a:pPr lvl="0"/>
+            <a:endParaRPr/>
+          </a:p>
+        </p:txBody>
+      </p:sp>
+    </p:spTree>
+  </p:cSld>
+  <p:clrMapOvr>
+    <a:masterClrMapping/>
+  </p:clrMapOvr>
+  <p:transition xmlns:p14="http://schemas.microsoft.com/office/powerpoint/2010/main" spd="med"/>
+</p:sld>
+</file>
+
+<file path=ppt/slides/slide54.xml><?xml version="1.0" encoding="utf-8"?>
 <p:sld xmlns:a="http://schemas.openxmlformats.org/drawingml/2006/main" xmlns:r="http://schemas.openxmlformats.org/officeDocument/2006/relationships" xmlns:p="http://schemas.openxmlformats.org/presentationml/2006/main">
   <p:cSld>
     <p:spTree>
